--- a/Documents/UPI FRAUD DETECTION USING MACHINE LEARNING.pptx
+++ b/Documents/UPI FRAUD DETECTION USING MACHINE LEARNING.pptx
@@ -1,52 +1,51 @@
 
 <file path=ppt/presentation.xml><?xml version="1.0" encoding="utf-8"?>
-<p:presentation xmlns:a="http://schemas.openxmlformats.org/drawingml/2006/main" xmlns:r="http://schemas.openxmlformats.org/officeDocument/2006/relationships" xmlns:mc="http://schemas.openxmlformats.org/markup-compatibility/2006" xmlns:mv="urn:schemas-microsoft-com:mac:vml" xmlns:p="http://schemas.openxmlformats.org/presentationml/2006/main" xmlns:c="http://schemas.openxmlformats.org/drawingml/2006/chart" xmlns:dgm="http://schemas.openxmlformats.org/drawingml/2006/diagram" xmlns:o="urn:schemas-microsoft-com:office:office" xmlns:v="urn:schemas-microsoft-com:vml" xmlns:pvml="urn:schemas-microsoft-com:office:powerpoint" xmlns:com="http://schemas.openxmlformats.org/drawingml/2006/compatibility" xmlns:p14="http://schemas.microsoft.com/office/powerpoint/2010/main" xmlns:p15="http://schemas.microsoft.com/office/powerpoint/2012/main" xmlns:ahyp="http://schemas.microsoft.com/office/drawing/2018/hyperlinkcolor" autoCompressPictures="0" embedTrueTypeFonts="1" strictFirstAndLastChars="0" saveSubsetFonts="1">
+<p:presentation xmlns:a="http://schemas.openxmlformats.org/drawingml/2006/main" xmlns:r="http://schemas.openxmlformats.org/officeDocument/2006/relationships" xmlns:p="http://schemas.openxmlformats.org/presentationml/2006/main" strictFirstAndLastChars="0" embedTrueTypeFonts="1" saveSubsetFonts="1" autoCompressPictures="0">
   <p:sldMasterIdLst>
-    <p:sldMasterId id="2147483659" r:id="rId4"/>
+    <p:sldMasterId id="2147483659" r:id="rId1"/>
   </p:sldMasterIdLst>
   <p:notesMasterIdLst>
-    <p:notesMasterId r:id="rId5"/>
+    <p:notesMasterId r:id="rId26"/>
   </p:notesMasterIdLst>
   <p:sldIdLst>
-    <p:sldId id="256" r:id="rId6"/>
-    <p:sldId id="257" r:id="rId7"/>
-    <p:sldId id="258" r:id="rId8"/>
-    <p:sldId id="259" r:id="rId9"/>
-    <p:sldId id="260" r:id="rId10"/>
-    <p:sldId id="261" r:id="rId11"/>
-    <p:sldId id="262" r:id="rId12"/>
-    <p:sldId id="263" r:id="rId13"/>
-    <p:sldId id="264" r:id="rId14"/>
-    <p:sldId id="265" r:id="rId15"/>
-    <p:sldId id="266" r:id="rId16"/>
-    <p:sldId id="267" r:id="rId17"/>
-    <p:sldId id="268" r:id="rId18"/>
-    <p:sldId id="269" r:id="rId19"/>
-    <p:sldId id="270" r:id="rId20"/>
-    <p:sldId id="271" r:id="rId21"/>
-    <p:sldId id="272" r:id="rId22"/>
-    <p:sldId id="273" r:id="rId23"/>
-    <p:sldId id="274" r:id="rId24"/>
-    <p:sldId id="275" r:id="rId25"/>
-    <p:sldId id="276" r:id="rId26"/>
-    <p:sldId id="277" r:id="rId27"/>
-    <p:sldId id="278" r:id="rId28"/>
-    <p:sldId id="279" r:id="rId29"/>
-    <p:sldId id="280" r:id="rId30"/>
+    <p:sldId id="256" r:id="rId2"/>
+    <p:sldId id="257" r:id="rId3"/>
+    <p:sldId id="258" r:id="rId4"/>
+    <p:sldId id="259" r:id="rId5"/>
+    <p:sldId id="260" r:id="rId6"/>
+    <p:sldId id="261" r:id="rId7"/>
+    <p:sldId id="262" r:id="rId8"/>
+    <p:sldId id="263" r:id="rId9"/>
+    <p:sldId id="264" r:id="rId10"/>
+    <p:sldId id="265" r:id="rId11"/>
+    <p:sldId id="266" r:id="rId12"/>
+    <p:sldId id="267" r:id="rId13"/>
+    <p:sldId id="268" r:id="rId14"/>
+    <p:sldId id="269" r:id="rId15"/>
+    <p:sldId id="270" r:id="rId16"/>
+    <p:sldId id="271" r:id="rId17"/>
+    <p:sldId id="272" r:id="rId18"/>
+    <p:sldId id="273" r:id="rId19"/>
+    <p:sldId id="274" r:id="rId20"/>
+    <p:sldId id="275" r:id="rId21"/>
+    <p:sldId id="276" r:id="rId22"/>
+    <p:sldId id="277" r:id="rId23"/>
+    <p:sldId id="278" r:id="rId24"/>
+    <p:sldId id="279" r:id="rId25"/>
   </p:sldIdLst>
-  <p:sldSz cy="5143500" cx="9144000"/>
+  <p:sldSz cx="9144000" cy="5143500" type="screen16x9"/>
   <p:notesSz cx="6858000" cy="9144000"/>
   <p:embeddedFontLst>
     <p:embeddedFont>
-      <p:font typeface="Roboto Mono"/>
-      <p:regular r:id="rId31"/>
-      <p:bold r:id="rId32"/>
-      <p:italic r:id="rId33"/>
-      <p:boldItalic r:id="rId34"/>
+      <p:font typeface="Roboto Mono" panose="020B0604020202020204" charset="0"/>
+      <p:regular r:id="rId27"/>
+      <p:bold r:id="rId28"/>
+      <p:italic r:id="rId29"/>
+      <p:boldItalic r:id="rId30"/>
     </p:embeddedFont>
   </p:embeddedFontLst>
   <p:defaultTextStyle>
-    <a:defPPr lvl="0" marR="0" rtl="0" algn="l">
+    <a:defPPr marR="0" lvl="0" algn="l" rtl="0">
       <a:lnSpc>
         <a:spcPct val="100000"/>
       </a:lnSpc>
@@ -57,7 +56,7 @@
         <a:spcPts val="0"/>
       </a:spcAft>
     </a:defPPr>
-    <a:lvl1pPr lvl="0" marR="0" rtl="0" algn="l">
+    <a:lvl1pPr marR="0" lvl="0" algn="l" rtl="0">
       <a:lnSpc>
         <a:spcPct val="100000"/>
       </a:lnSpc>
@@ -71,7 +70,7 @@
         <a:srgbClr val="000000"/>
       </a:buClr>
       <a:buFont typeface="Arial"/>
-      <a:defRPr b="0" i="0" sz="1400" u="none" cap="none" strike="noStrike">
+      <a:defRPr sz="1400" b="0" i="0" u="none" strike="noStrike" cap="none">
         <a:solidFill>
           <a:srgbClr val="000000"/>
         </a:solidFill>
@@ -81,7 +80,7 @@
         <a:sym typeface="Arial"/>
       </a:defRPr>
     </a:lvl1pPr>
-    <a:lvl2pPr lvl="1" marR="0" rtl="0" algn="l">
+    <a:lvl2pPr marR="0" lvl="1" algn="l" rtl="0">
       <a:lnSpc>
         <a:spcPct val="100000"/>
       </a:lnSpc>
@@ -95,7 +94,7 @@
         <a:srgbClr val="000000"/>
       </a:buClr>
       <a:buFont typeface="Arial"/>
-      <a:defRPr b="0" i="0" sz="1400" u="none" cap="none" strike="noStrike">
+      <a:defRPr sz="1400" b="0" i="0" u="none" strike="noStrike" cap="none">
         <a:solidFill>
           <a:srgbClr val="000000"/>
         </a:solidFill>
@@ -105,7 +104,7 @@
         <a:sym typeface="Arial"/>
       </a:defRPr>
     </a:lvl2pPr>
-    <a:lvl3pPr lvl="2" marR="0" rtl="0" algn="l">
+    <a:lvl3pPr marR="0" lvl="2" algn="l" rtl="0">
       <a:lnSpc>
         <a:spcPct val="100000"/>
       </a:lnSpc>
@@ -119,7 +118,7 @@
         <a:srgbClr val="000000"/>
       </a:buClr>
       <a:buFont typeface="Arial"/>
-      <a:defRPr b="0" i="0" sz="1400" u="none" cap="none" strike="noStrike">
+      <a:defRPr sz="1400" b="0" i="0" u="none" strike="noStrike" cap="none">
         <a:solidFill>
           <a:srgbClr val="000000"/>
         </a:solidFill>
@@ -129,7 +128,7 @@
         <a:sym typeface="Arial"/>
       </a:defRPr>
     </a:lvl3pPr>
-    <a:lvl4pPr lvl="3" marR="0" rtl="0" algn="l">
+    <a:lvl4pPr marR="0" lvl="3" algn="l" rtl="0">
       <a:lnSpc>
         <a:spcPct val="100000"/>
       </a:lnSpc>
@@ -143,7 +142,7 @@
         <a:srgbClr val="000000"/>
       </a:buClr>
       <a:buFont typeface="Arial"/>
-      <a:defRPr b="0" i="0" sz="1400" u="none" cap="none" strike="noStrike">
+      <a:defRPr sz="1400" b="0" i="0" u="none" strike="noStrike" cap="none">
         <a:solidFill>
           <a:srgbClr val="000000"/>
         </a:solidFill>
@@ -153,7 +152,7 @@
         <a:sym typeface="Arial"/>
       </a:defRPr>
     </a:lvl4pPr>
-    <a:lvl5pPr lvl="4" marR="0" rtl="0" algn="l">
+    <a:lvl5pPr marR="0" lvl="4" algn="l" rtl="0">
       <a:lnSpc>
         <a:spcPct val="100000"/>
       </a:lnSpc>
@@ -167,7 +166,7 @@
         <a:srgbClr val="000000"/>
       </a:buClr>
       <a:buFont typeface="Arial"/>
-      <a:defRPr b="0" i="0" sz="1400" u="none" cap="none" strike="noStrike">
+      <a:defRPr sz="1400" b="0" i="0" u="none" strike="noStrike" cap="none">
         <a:solidFill>
           <a:srgbClr val="000000"/>
         </a:solidFill>
@@ -177,7 +176,7 @@
         <a:sym typeface="Arial"/>
       </a:defRPr>
     </a:lvl5pPr>
-    <a:lvl6pPr lvl="5" marR="0" rtl="0" algn="l">
+    <a:lvl6pPr marR="0" lvl="5" algn="l" rtl="0">
       <a:lnSpc>
         <a:spcPct val="100000"/>
       </a:lnSpc>
@@ -191,7 +190,7 @@
         <a:srgbClr val="000000"/>
       </a:buClr>
       <a:buFont typeface="Arial"/>
-      <a:defRPr b="0" i="0" sz="1400" u="none" cap="none" strike="noStrike">
+      <a:defRPr sz="1400" b="0" i="0" u="none" strike="noStrike" cap="none">
         <a:solidFill>
           <a:srgbClr val="000000"/>
         </a:solidFill>
@@ -201,7 +200,7 @@
         <a:sym typeface="Arial"/>
       </a:defRPr>
     </a:lvl6pPr>
-    <a:lvl7pPr lvl="6" marR="0" rtl="0" algn="l">
+    <a:lvl7pPr marR="0" lvl="6" algn="l" rtl="0">
       <a:lnSpc>
         <a:spcPct val="100000"/>
       </a:lnSpc>
@@ -215,7 +214,7 @@
         <a:srgbClr val="000000"/>
       </a:buClr>
       <a:buFont typeface="Arial"/>
-      <a:defRPr b="0" i="0" sz="1400" u="none" cap="none" strike="noStrike">
+      <a:defRPr sz="1400" b="0" i="0" u="none" strike="noStrike" cap="none">
         <a:solidFill>
           <a:srgbClr val="000000"/>
         </a:solidFill>
@@ -225,7 +224,7 @@
         <a:sym typeface="Arial"/>
       </a:defRPr>
     </a:lvl7pPr>
-    <a:lvl8pPr lvl="7" marR="0" rtl="0" algn="l">
+    <a:lvl8pPr marR="0" lvl="7" algn="l" rtl="0">
       <a:lnSpc>
         <a:spcPct val="100000"/>
       </a:lnSpc>
@@ -239,7 +238,7 @@
         <a:srgbClr val="000000"/>
       </a:buClr>
       <a:buFont typeface="Arial"/>
-      <a:defRPr b="0" i="0" sz="1400" u="none" cap="none" strike="noStrike">
+      <a:defRPr sz="1400" b="0" i="0" u="none" strike="noStrike" cap="none">
         <a:solidFill>
           <a:srgbClr val="000000"/>
         </a:solidFill>
@@ -249,7 +248,7 @@
         <a:sym typeface="Arial"/>
       </a:defRPr>
     </a:lvl8pPr>
-    <a:lvl9pPr lvl="8" marR="0" rtl="0" algn="l">
+    <a:lvl9pPr marR="0" lvl="8" algn="l" rtl="0">
       <a:lnSpc>
         <a:spcPct val="100000"/>
       </a:lnSpc>
@@ -263,7 +262,7 @@
         <a:srgbClr val="000000"/>
       </a:buClr>
       <a:buFont typeface="Arial"/>
-      <a:defRPr b="0" i="0" sz="1400" u="none" cap="none" strike="noStrike">
+      <a:defRPr sz="1400" b="0" i="0" u="none" strike="noStrike" cap="none">
         <a:solidFill>
           <a:srgbClr val="000000"/>
         </a:solidFill>
@@ -276,7 +275,7 @@
   </p:defaultTextStyle>
   <p:extLst>
     <p:ext uri="{EFAFB233-063F-42B5-8137-9DF3F51BA10A}">
-      <p15:sldGuideLst>
+      <p15:sldGuideLst xmlns:p15="http://schemas.microsoft.com/office/powerpoint/2012/main">
         <p15:guide id="1" orient="horz" pos="1620">
           <p15:clr>
             <a:srgbClr val="747775"/>
@@ -294,11 +293,16 @@
 </file>
 
 <file path=ppt/notesMasters/notesMaster1.xml><?xml version="1.0" encoding="utf-8"?>
-<p:notesMaster xmlns:a="http://schemas.openxmlformats.org/drawingml/2006/main" xmlns:r="http://schemas.openxmlformats.org/officeDocument/2006/relationships" xmlns:mc="http://schemas.openxmlformats.org/markup-compatibility/2006" xmlns:mv="urn:schemas-microsoft-com:mac:vml" xmlns:p="http://schemas.openxmlformats.org/presentationml/2006/main" xmlns:c="http://schemas.openxmlformats.org/drawingml/2006/chart" xmlns:dgm="http://schemas.openxmlformats.org/drawingml/2006/diagram" xmlns:o="urn:schemas-microsoft-com:office:office" xmlns:v="urn:schemas-microsoft-com:vml" xmlns:pvml="urn:schemas-microsoft-com:office:powerpoint" xmlns:com="http://schemas.openxmlformats.org/drawingml/2006/compatibility" xmlns:p14="http://schemas.microsoft.com/office/powerpoint/2010/main" xmlns:p15="http://schemas.microsoft.com/office/powerpoint/2012/main" xmlns:ahyp="http://schemas.microsoft.com/office/drawing/2018/hyperlinkcolor">
+<p:notesMaster xmlns:a="http://schemas.openxmlformats.org/drawingml/2006/main" xmlns:r="http://schemas.openxmlformats.org/officeDocument/2006/relationships" xmlns:p="http://schemas.openxmlformats.org/presentationml/2006/main">
   <p:cSld>
+    <p:bg>
+      <p:bgRef idx="1001">
+        <a:schemeClr val="bg1"/>
+      </p:bgRef>
+    </p:bg>
     <p:spTree>
       <p:nvGrpSpPr>
-        <p:cNvPr id="2" name="Shape 2"/>
+        <p:cNvPr id="1" name="Shape 2"/>
         <p:cNvGrpSpPr/>
         <p:nvPr/>
       </p:nvGrpSpPr>
@@ -313,9 +317,11 @@
       <p:sp>
         <p:nvSpPr>
           <p:cNvPr id="3" name="Google Shape;3;n"/>
-          <p:cNvSpPr/>
+          <p:cNvSpPr>
+            <a:spLocks noGrp="1" noRot="1" noChangeAspect="1"/>
+          </p:cNvSpPr>
           <p:nvPr>
-            <p:ph idx="2" type="sldImg"/>
+            <p:ph type="sldImg" idx="2"/>
           </p:nvPr>
         </p:nvSpPr>
         <p:spPr>
@@ -324,9 +330,13 @@
             <a:ext cx="6096075" cy="3429000"/>
           </a:xfrm>
           <a:custGeom>
-            <a:rect b="b" l="l" r="r" t="t"/>
+            <a:avLst/>
+            <a:gdLst/>
+            <a:ahLst/>
+            <a:cxnLst/>
+            <a:rect l="l" t="t" r="r" b="b"/>
             <a:pathLst>
-              <a:path extrusionOk="0" h="120000" w="120000">
+              <a:path w="120000" h="120000" extrusionOk="0">
                 <a:moveTo>
                   <a:pt x="0" y="0"/>
                 </a:moveTo>
@@ -344,23 +354,25 @@
             </a:pathLst>
           </a:custGeom>
           <a:noFill/>
-          <a:ln cap="flat" cmpd="sng" w="9525">
+          <a:ln w="9525" cap="flat" cmpd="sng">
             <a:solidFill>
               <a:srgbClr val="000000"/>
             </a:solidFill>
             <a:prstDash val="solid"/>
             <a:round/>
-            <a:headEnd len="sm" w="sm" type="none"/>
-            <a:tailEnd len="sm" w="sm" type="none"/>
+            <a:headEnd type="none" w="sm" len="sm"/>
+            <a:tailEnd type="none" w="sm" len="sm"/>
           </a:ln>
         </p:spPr>
       </p:sp>
       <p:sp>
         <p:nvSpPr>
           <p:cNvPr id="4" name="Google Shape;4;n"/>
-          <p:cNvSpPr txBox="1"/>
+          <p:cNvSpPr txBox="1">
+            <a:spLocks noGrp="1"/>
+          </p:cNvSpPr>
           <p:nvPr>
-            <p:ph idx="1" type="body"/>
+            <p:ph type="body" idx="1"/>
           </p:nvPr>
         </p:nvSpPr>
         <p:spPr>
@@ -377,11 +389,11 @@
           </a:ln>
         </p:spPr>
         <p:txBody>
-          <a:bodyPr anchorCtr="0" anchor="t" bIns="91425" lIns="91425" spcFirstLastPara="1" rIns="91425" wrap="square" tIns="91425">
+          <a:bodyPr spcFirstLastPara="1" wrap="square" lIns="91425" tIns="91425" rIns="91425" bIns="91425" anchor="t" anchorCtr="0">
             <a:noAutofit/>
           </a:bodyPr>
           <a:lstStyle>
-            <a:lvl1pPr indent="-298450" lvl="0" marL="457200">
+            <a:lvl1pPr marL="457200" lvl="0" indent="-298450">
               <a:spcBef>
                 <a:spcPts val="0"/>
               </a:spcBef>
@@ -392,7 +404,7 @@
               <a:buChar char="●"/>
               <a:defRPr sz="1100"/>
             </a:lvl1pPr>
-            <a:lvl2pPr indent="-298450" lvl="1" marL="914400">
+            <a:lvl2pPr marL="914400" lvl="1" indent="-298450">
               <a:spcBef>
                 <a:spcPts val="0"/>
               </a:spcBef>
@@ -403,7 +415,7 @@
               <a:buChar char="○"/>
               <a:defRPr sz="1100"/>
             </a:lvl2pPr>
-            <a:lvl3pPr indent="-298450" lvl="2" marL="1371600">
+            <a:lvl3pPr marL="1371600" lvl="2" indent="-298450">
               <a:spcBef>
                 <a:spcPts val="0"/>
               </a:spcBef>
@@ -414,7 +426,7 @@
               <a:buChar char="■"/>
               <a:defRPr sz="1100"/>
             </a:lvl3pPr>
-            <a:lvl4pPr indent="-298450" lvl="3" marL="1828800">
+            <a:lvl4pPr marL="1828800" lvl="3" indent="-298450">
               <a:spcBef>
                 <a:spcPts val="0"/>
               </a:spcBef>
@@ -425,7 +437,7 @@
               <a:buChar char="●"/>
               <a:defRPr sz="1100"/>
             </a:lvl4pPr>
-            <a:lvl5pPr indent="-298450" lvl="4" marL="2286000">
+            <a:lvl5pPr marL="2286000" lvl="4" indent="-298450">
               <a:spcBef>
                 <a:spcPts val="0"/>
               </a:spcBef>
@@ -436,7 +448,7 @@
               <a:buChar char="○"/>
               <a:defRPr sz="1100"/>
             </a:lvl5pPr>
-            <a:lvl6pPr indent="-298450" lvl="5" marL="2743200">
+            <a:lvl6pPr marL="2743200" lvl="5" indent="-298450">
               <a:spcBef>
                 <a:spcPts val="0"/>
               </a:spcBef>
@@ -447,7 +459,7 @@
               <a:buChar char="■"/>
               <a:defRPr sz="1100"/>
             </a:lvl6pPr>
-            <a:lvl7pPr indent="-298450" lvl="6" marL="3200400">
+            <a:lvl7pPr marL="3200400" lvl="6" indent="-298450">
               <a:spcBef>
                 <a:spcPts val="0"/>
               </a:spcBef>
@@ -458,7 +470,7 @@
               <a:buChar char="●"/>
               <a:defRPr sz="1100"/>
             </a:lvl7pPr>
-            <a:lvl8pPr indent="-298450" lvl="7" marL="3657600">
+            <a:lvl8pPr marL="3657600" lvl="7" indent="-298450">
               <a:spcBef>
                 <a:spcPts val="0"/>
               </a:spcBef>
@@ -469,7 +481,7 @@
               <a:buChar char="○"/>
               <a:defRPr sz="1100"/>
             </a:lvl8pPr>
-            <a:lvl9pPr indent="-298450" lvl="8" marL="4114800">
+            <a:lvl9pPr marL="4114800" lvl="8" indent="-298450">
               <a:spcBef>
                 <a:spcPts val="0"/>
               </a:spcBef>
@@ -481,14 +493,16 @@
               <a:defRPr sz="1100"/>
             </a:lvl9pPr>
           </a:lstStyle>
-          <a:p/>
+          <a:p>
+            <a:endParaRPr/>
+          </a:p>
         </p:txBody>
       </p:sp>
     </p:spTree>
   </p:cSld>
-  <p:clrMap accent1="accent1" accent2="accent2" accent3="accent3" accent4="accent4" accent5="accent5" accent6="accent6" bg1="lt1" bg2="dk2" tx1="dk1" tx2="lt2" folHlink="folHlink" hlink="hlink"/>
+  <p:clrMap bg1="lt1" tx1="dk1" bg2="dk2" tx2="lt2" accent1="accent1" accent2="accent2" accent3="accent3" accent4="accent4" accent5="accent5" accent6="accent6" hlink="hlink" folHlink="folHlink"/>
   <p:notesStyle>
-    <a:defPPr lvl="0" marR="0" rtl="0" algn="l">
+    <a:defPPr marR="0" lvl="0" algn="l" rtl="0">
       <a:lnSpc>
         <a:spcPct val="100000"/>
       </a:lnSpc>
@@ -499,7 +513,7 @@
         <a:spcPts val="0"/>
       </a:spcAft>
     </a:defPPr>
-    <a:lvl1pPr lvl="0" marR="0" rtl="0" algn="l">
+    <a:lvl1pPr marR="0" lvl="0" algn="l" rtl="0">
       <a:lnSpc>
         <a:spcPct val="100000"/>
       </a:lnSpc>
@@ -513,7 +527,7 @@
         <a:srgbClr val="000000"/>
       </a:buClr>
       <a:buFont typeface="Arial"/>
-      <a:defRPr b="0" i="0" sz="1400" u="none" cap="none" strike="noStrike">
+      <a:defRPr sz="1400" b="0" i="0" u="none" strike="noStrike" cap="none">
         <a:solidFill>
           <a:srgbClr val="000000"/>
         </a:solidFill>
@@ -523,7 +537,7 @@
         <a:sym typeface="Arial"/>
       </a:defRPr>
     </a:lvl1pPr>
-    <a:lvl2pPr lvl="1" marR="0" rtl="0" algn="l">
+    <a:lvl2pPr marR="0" lvl="1" algn="l" rtl="0">
       <a:lnSpc>
         <a:spcPct val="100000"/>
       </a:lnSpc>
@@ -537,7 +551,7 @@
         <a:srgbClr val="000000"/>
       </a:buClr>
       <a:buFont typeface="Arial"/>
-      <a:defRPr b="0" i="0" sz="1400" u="none" cap="none" strike="noStrike">
+      <a:defRPr sz="1400" b="0" i="0" u="none" strike="noStrike" cap="none">
         <a:solidFill>
           <a:srgbClr val="000000"/>
         </a:solidFill>
@@ -547,7 +561,7 @@
         <a:sym typeface="Arial"/>
       </a:defRPr>
     </a:lvl2pPr>
-    <a:lvl3pPr lvl="2" marR="0" rtl="0" algn="l">
+    <a:lvl3pPr marR="0" lvl="2" algn="l" rtl="0">
       <a:lnSpc>
         <a:spcPct val="100000"/>
       </a:lnSpc>
@@ -561,7 +575,7 @@
         <a:srgbClr val="000000"/>
       </a:buClr>
       <a:buFont typeface="Arial"/>
-      <a:defRPr b="0" i="0" sz="1400" u="none" cap="none" strike="noStrike">
+      <a:defRPr sz="1400" b="0" i="0" u="none" strike="noStrike" cap="none">
         <a:solidFill>
           <a:srgbClr val="000000"/>
         </a:solidFill>
@@ -571,7 +585,7 @@
         <a:sym typeface="Arial"/>
       </a:defRPr>
     </a:lvl3pPr>
-    <a:lvl4pPr lvl="3" marR="0" rtl="0" algn="l">
+    <a:lvl4pPr marR="0" lvl="3" algn="l" rtl="0">
       <a:lnSpc>
         <a:spcPct val="100000"/>
       </a:lnSpc>
@@ -585,7 +599,7 @@
         <a:srgbClr val="000000"/>
       </a:buClr>
       <a:buFont typeface="Arial"/>
-      <a:defRPr b="0" i="0" sz="1400" u="none" cap="none" strike="noStrike">
+      <a:defRPr sz="1400" b="0" i="0" u="none" strike="noStrike" cap="none">
         <a:solidFill>
           <a:srgbClr val="000000"/>
         </a:solidFill>
@@ -595,7 +609,7 @@
         <a:sym typeface="Arial"/>
       </a:defRPr>
     </a:lvl4pPr>
-    <a:lvl5pPr lvl="4" marR="0" rtl="0" algn="l">
+    <a:lvl5pPr marR="0" lvl="4" algn="l" rtl="0">
       <a:lnSpc>
         <a:spcPct val="100000"/>
       </a:lnSpc>
@@ -609,7 +623,7 @@
         <a:srgbClr val="000000"/>
       </a:buClr>
       <a:buFont typeface="Arial"/>
-      <a:defRPr b="0" i="0" sz="1400" u="none" cap="none" strike="noStrike">
+      <a:defRPr sz="1400" b="0" i="0" u="none" strike="noStrike" cap="none">
         <a:solidFill>
           <a:srgbClr val="000000"/>
         </a:solidFill>
@@ -619,7 +633,7 @@
         <a:sym typeface="Arial"/>
       </a:defRPr>
     </a:lvl5pPr>
-    <a:lvl6pPr lvl="5" marR="0" rtl="0" algn="l">
+    <a:lvl6pPr marR="0" lvl="5" algn="l" rtl="0">
       <a:lnSpc>
         <a:spcPct val="100000"/>
       </a:lnSpc>
@@ -633,7 +647,7 @@
         <a:srgbClr val="000000"/>
       </a:buClr>
       <a:buFont typeface="Arial"/>
-      <a:defRPr b="0" i="0" sz="1400" u="none" cap="none" strike="noStrike">
+      <a:defRPr sz="1400" b="0" i="0" u="none" strike="noStrike" cap="none">
         <a:solidFill>
           <a:srgbClr val="000000"/>
         </a:solidFill>
@@ -643,7 +657,7 @@
         <a:sym typeface="Arial"/>
       </a:defRPr>
     </a:lvl6pPr>
-    <a:lvl7pPr lvl="6" marR="0" rtl="0" algn="l">
+    <a:lvl7pPr marR="0" lvl="6" algn="l" rtl="0">
       <a:lnSpc>
         <a:spcPct val="100000"/>
       </a:lnSpc>
@@ -657,7 +671,7 @@
         <a:srgbClr val="000000"/>
       </a:buClr>
       <a:buFont typeface="Arial"/>
-      <a:defRPr b="0" i="0" sz="1400" u="none" cap="none" strike="noStrike">
+      <a:defRPr sz="1400" b="0" i="0" u="none" strike="noStrike" cap="none">
         <a:solidFill>
           <a:srgbClr val="000000"/>
         </a:solidFill>
@@ -667,7 +681,7 @@
         <a:sym typeface="Arial"/>
       </a:defRPr>
     </a:lvl7pPr>
-    <a:lvl8pPr lvl="7" marR="0" rtl="0" algn="l">
+    <a:lvl8pPr marR="0" lvl="7" algn="l" rtl="0">
       <a:lnSpc>
         <a:spcPct val="100000"/>
       </a:lnSpc>
@@ -681,7 +695,7 @@
         <a:srgbClr val="000000"/>
       </a:buClr>
       <a:buFont typeface="Arial"/>
-      <a:defRPr b="0" i="0" sz="1400" u="none" cap="none" strike="noStrike">
+      <a:defRPr sz="1400" b="0" i="0" u="none" strike="noStrike" cap="none">
         <a:solidFill>
           <a:srgbClr val="000000"/>
         </a:solidFill>
@@ -691,7 +705,7 @@
         <a:sym typeface="Arial"/>
       </a:defRPr>
     </a:lvl8pPr>
-    <a:lvl9pPr lvl="8" marR="0" rtl="0" algn="l">
+    <a:lvl9pPr marR="0" lvl="8" algn="l" rtl="0">
       <a:lnSpc>
         <a:spcPct val="100000"/>
       </a:lnSpc>
@@ -705,7 +719,7 @@
         <a:srgbClr val="000000"/>
       </a:buClr>
       <a:buFont typeface="Arial"/>
-      <a:defRPr b="0" i="0" sz="1400" u="none" cap="none" strike="noStrike">
+      <a:defRPr sz="1400" b="0" i="0" u="none" strike="noStrike" cap="none">
         <a:solidFill>
           <a:srgbClr val="000000"/>
         </a:solidFill>
@@ -720,11 +734,11 @@
 </file>
 
 <file path=ppt/notesSlides/notesSlide1.xml><?xml version="1.0" encoding="utf-8"?>
-<p:notes xmlns:a="http://schemas.openxmlformats.org/drawingml/2006/main" xmlns:r="http://schemas.openxmlformats.org/officeDocument/2006/relationships" xmlns:mc="http://schemas.openxmlformats.org/markup-compatibility/2006" xmlns:mv="urn:schemas-microsoft-com:mac:vml" xmlns:p="http://schemas.openxmlformats.org/presentationml/2006/main" xmlns:c="http://schemas.openxmlformats.org/drawingml/2006/chart" xmlns:dgm="http://schemas.openxmlformats.org/drawingml/2006/diagram" xmlns:o="urn:schemas-microsoft-com:office:office" xmlns:v="urn:schemas-microsoft-com:vml" xmlns:pvml="urn:schemas-microsoft-com:office:powerpoint" xmlns:com="http://schemas.openxmlformats.org/drawingml/2006/compatibility" xmlns:p14="http://schemas.microsoft.com/office/powerpoint/2010/main" xmlns:p15="http://schemas.microsoft.com/office/powerpoint/2012/main" xmlns:ahyp="http://schemas.microsoft.com/office/drawing/2018/hyperlinkcolor" showMasterPhAnim="0" showMasterSp="0">
+<p:notes xmlns:a="http://schemas.openxmlformats.org/drawingml/2006/main" xmlns:r="http://schemas.openxmlformats.org/officeDocument/2006/relationships" xmlns:p="http://schemas.openxmlformats.org/presentationml/2006/main" showMasterSp="0" showMasterPhAnim="0">
   <p:cSld>
     <p:spTree>
       <p:nvGrpSpPr>
-        <p:cNvPr id="50" name="Shape 50"/>
+        <p:cNvPr id="1" name="Shape 50"/>
         <p:cNvGrpSpPr/>
         <p:nvPr/>
       </p:nvGrpSpPr>
@@ -739,20 +753,26 @@
       <p:sp>
         <p:nvSpPr>
           <p:cNvPr id="51" name="Google Shape;51;p:notes"/>
-          <p:cNvSpPr/>
+          <p:cNvSpPr>
+            <a:spLocks noGrp="1" noRot="1" noChangeAspect="1"/>
+          </p:cNvSpPr>
           <p:nvPr>
-            <p:ph idx="2" type="sldImg"/>
+            <p:ph type="sldImg" idx="2"/>
           </p:nvPr>
         </p:nvSpPr>
         <p:spPr>
           <a:xfrm>
-            <a:off x="381300" y="685800"/>
-            <a:ext cx="6096075" cy="3429000"/>
+            <a:off x="381000" y="685800"/>
+            <a:ext cx="6096000" cy="3429000"/>
           </a:xfrm>
           <a:custGeom>
-            <a:rect b="b" l="l" r="r" t="t"/>
+            <a:avLst/>
+            <a:gdLst/>
+            <a:ahLst/>
+            <a:cxnLst/>
+            <a:rect l="l" t="t" r="r" b="b"/>
             <a:pathLst>
-              <a:path extrusionOk="0" h="120000" w="120000">
+              <a:path w="120000" h="120000" extrusionOk="0">
                 <a:moveTo>
                   <a:pt x="0" y="0"/>
                 </a:moveTo>
@@ -774,9 +794,11 @@
       <p:sp>
         <p:nvSpPr>
           <p:cNvPr id="52" name="Google Shape;52;p:notes"/>
-          <p:cNvSpPr txBox="1"/>
+          <p:cNvSpPr txBox="1">
+            <a:spLocks noGrp="1"/>
+          </p:cNvSpPr>
           <p:nvPr>
-            <p:ph idx="1" type="body"/>
+            <p:ph type="body" idx="1"/>
           </p:nvPr>
         </p:nvSpPr>
         <p:spPr>
@@ -789,23 +811,20 @@
           </a:prstGeom>
         </p:spPr>
         <p:txBody>
-          <a:bodyPr anchorCtr="0" anchor="t" bIns="91425" lIns="91425" spcFirstLastPara="1" rIns="91425" wrap="square" tIns="91425">
+          <a:bodyPr spcFirstLastPara="1" wrap="square" lIns="91425" tIns="91425" rIns="91425" bIns="91425" anchor="t" anchorCtr="0">
             <a:noAutofit/>
           </a:bodyPr>
           <a:lstStyle/>
           <a:p>
-            <a:pPr indent="0" lvl="0" marL="0" rtl="0" algn="l">
-              <a:spcBef>
-                <a:spcPts val="0"/>
-              </a:spcBef>
-              <a:spcAft>
-                <a:spcPts val="0"/>
-              </a:spcAft>
-              <a:buNone/>
-            </a:pPr>
-            <a:r>
-              <a:t/>
-            </a:r>
+            <a:pPr marL="0" lvl="0" indent="0" algn="l" rtl="0">
+              <a:spcBef>
+                <a:spcPts val="0"/>
+              </a:spcBef>
+              <a:spcAft>
+                <a:spcPts val="0"/>
+              </a:spcAft>
+              <a:buNone/>
+            </a:pPr>
             <a:endParaRPr/>
           </a:p>
         </p:txBody>
@@ -819,11 +838,11 @@
 </file>
 
 <file path=ppt/notesSlides/notesSlide10.xml><?xml version="1.0" encoding="utf-8"?>
-<p:notes xmlns:a="http://schemas.openxmlformats.org/drawingml/2006/main" xmlns:r="http://schemas.openxmlformats.org/officeDocument/2006/relationships" xmlns:mc="http://schemas.openxmlformats.org/markup-compatibility/2006" xmlns:mv="urn:schemas-microsoft-com:mac:vml" xmlns:p="http://schemas.openxmlformats.org/presentationml/2006/main" xmlns:c="http://schemas.openxmlformats.org/drawingml/2006/chart" xmlns:dgm="http://schemas.openxmlformats.org/drawingml/2006/diagram" xmlns:o="urn:schemas-microsoft-com:office:office" xmlns:v="urn:schemas-microsoft-com:vml" xmlns:pvml="urn:schemas-microsoft-com:office:powerpoint" xmlns:com="http://schemas.openxmlformats.org/drawingml/2006/compatibility" xmlns:p14="http://schemas.microsoft.com/office/powerpoint/2010/main" xmlns:p15="http://schemas.microsoft.com/office/powerpoint/2012/main" xmlns:ahyp="http://schemas.microsoft.com/office/drawing/2018/hyperlinkcolor" showMasterPhAnim="0" showMasterSp="0">
+<p:notes xmlns:a="http://schemas.openxmlformats.org/drawingml/2006/main" xmlns:r="http://schemas.openxmlformats.org/officeDocument/2006/relationships" xmlns:p="http://schemas.openxmlformats.org/presentationml/2006/main" showMasterSp="0" showMasterPhAnim="0">
   <p:cSld>
     <p:spTree>
       <p:nvGrpSpPr>
-        <p:cNvPr id="105" name="Shape 105"/>
+        <p:cNvPr id="1" name="Shape 105"/>
         <p:cNvGrpSpPr/>
         <p:nvPr/>
       </p:nvGrpSpPr>
@@ -838,20 +857,26 @@
       <p:sp>
         <p:nvSpPr>
           <p:cNvPr id="106" name="Google Shape;106;g31579674a7f_0_29:notes"/>
-          <p:cNvSpPr/>
+          <p:cNvSpPr>
+            <a:spLocks noGrp="1" noRot="1" noChangeAspect="1"/>
+          </p:cNvSpPr>
           <p:nvPr>
-            <p:ph idx="2" type="sldImg"/>
+            <p:ph type="sldImg" idx="2"/>
           </p:nvPr>
         </p:nvSpPr>
         <p:spPr>
           <a:xfrm>
-            <a:off x="381300" y="685800"/>
+            <a:off x="381000" y="685800"/>
             <a:ext cx="6096000" cy="3429000"/>
           </a:xfrm>
           <a:custGeom>
-            <a:rect b="b" l="l" r="r" t="t"/>
+            <a:avLst/>
+            <a:gdLst/>
+            <a:ahLst/>
+            <a:cxnLst/>
+            <a:rect l="l" t="t" r="r" b="b"/>
             <a:pathLst>
-              <a:path extrusionOk="0" h="120000" w="120000">
+              <a:path w="120000" h="120000" extrusionOk="0">
                 <a:moveTo>
                   <a:pt x="0" y="0"/>
                 </a:moveTo>
@@ -873,9 +898,11 @@
       <p:sp>
         <p:nvSpPr>
           <p:cNvPr id="107" name="Google Shape;107;g31579674a7f_0_29:notes"/>
-          <p:cNvSpPr txBox="1"/>
+          <p:cNvSpPr txBox="1">
+            <a:spLocks noGrp="1"/>
+          </p:cNvSpPr>
           <p:nvPr>
-            <p:ph idx="1" type="body"/>
+            <p:ph type="body" idx="1"/>
           </p:nvPr>
         </p:nvSpPr>
         <p:spPr>
@@ -888,23 +915,20 @@
           </a:prstGeom>
         </p:spPr>
         <p:txBody>
-          <a:bodyPr anchorCtr="0" anchor="t" bIns="91425" lIns="91425" spcFirstLastPara="1" rIns="91425" wrap="square" tIns="91425">
+          <a:bodyPr spcFirstLastPara="1" wrap="square" lIns="91425" tIns="91425" rIns="91425" bIns="91425" anchor="t" anchorCtr="0">
             <a:noAutofit/>
           </a:bodyPr>
           <a:lstStyle/>
           <a:p>
-            <a:pPr indent="0" lvl="0" marL="0" rtl="0" algn="l">
-              <a:spcBef>
-                <a:spcPts val="0"/>
-              </a:spcBef>
-              <a:spcAft>
-                <a:spcPts val="0"/>
-              </a:spcAft>
-              <a:buNone/>
-            </a:pPr>
-            <a:r>
-              <a:t/>
-            </a:r>
+            <a:pPr marL="0" lvl="0" indent="0" algn="l" rtl="0">
+              <a:spcBef>
+                <a:spcPts val="0"/>
+              </a:spcBef>
+              <a:spcAft>
+                <a:spcPts val="0"/>
+              </a:spcAft>
+              <a:buNone/>
+            </a:pPr>
             <a:endParaRPr/>
           </a:p>
         </p:txBody>
@@ -918,11 +942,11 @@
 </file>
 
 <file path=ppt/notesSlides/notesSlide11.xml><?xml version="1.0" encoding="utf-8"?>
-<p:notes xmlns:a="http://schemas.openxmlformats.org/drawingml/2006/main" xmlns:r="http://schemas.openxmlformats.org/officeDocument/2006/relationships" xmlns:mc="http://schemas.openxmlformats.org/markup-compatibility/2006" xmlns:mv="urn:schemas-microsoft-com:mac:vml" xmlns:p="http://schemas.openxmlformats.org/presentationml/2006/main" xmlns:c="http://schemas.openxmlformats.org/drawingml/2006/chart" xmlns:dgm="http://schemas.openxmlformats.org/drawingml/2006/diagram" xmlns:o="urn:schemas-microsoft-com:office:office" xmlns:v="urn:schemas-microsoft-com:vml" xmlns:pvml="urn:schemas-microsoft-com:office:powerpoint" xmlns:com="http://schemas.openxmlformats.org/drawingml/2006/compatibility" xmlns:p14="http://schemas.microsoft.com/office/powerpoint/2010/main" xmlns:p15="http://schemas.microsoft.com/office/powerpoint/2012/main" xmlns:ahyp="http://schemas.microsoft.com/office/drawing/2018/hyperlinkcolor" showMasterPhAnim="0" showMasterSp="0">
+<p:notes xmlns:a="http://schemas.openxmlformats.org/drawingml/2006/main" xmlns:r="http://schemas.openxmlformats.org/officeDocument/2006/relationships" xmlns:p="http://schemas.openxmlformats.org/presentationml/2006/main" showMasterSp="0" showMasterPhAnim="0">
   <p:cSld>
     <p:spTree>
       <p:nvGrpSpPr>
-        <p:cNvPr id="111" name="Shape 111"/>
+        <p:cNvPr id="1" name="Shape 111"/>
         <p:cNvGrpSpPr/>
         <p:nvPr/>
       </p:nvGrpSpPr>
@@ -937,20 +961,26 @@
       <p:sp>
         <p:nvSpPr>
           <p:cNvPr id="112" name="Google Shape;112;g3118e8325d1_0_21:notes"/>
-          <p:cNvSpPr/>
+          <p:cNvSpPr>
+            <a:spLocks noGrp="1" noRot="1" noChangeAspect="1"/>
+          </p:cNvSpPr>
           <p:nvPr>
-            <p:ph idx="2" type="sldImg"/>
+            <p:ph type="sldImg" idx="2"/>
           </p:nvPr>
         </p:nvSpPr>
         <p:spPr>
           <a:xfrm>
-            <a:off x="381300" y="685800"/>
+            <a:off x="381000" y="685800"/>
             <a:ext cx="6096000" cy="3429000"/>
           </a:xfrm>
           <a:custGeom>
-            <a:rect b="b" l="l" r="r" t="t"/>
+            <a:avLst/>
+            <a:gdLst/>
+            <a:ahLst/>
+            <a:cxnLst/>
+            <a:rect l="l" t="t" r="r" b="b"/>
             <a:pathLst>
-              <a:path extrusionOk="0" h="120000" w="120000">
+              <a:path w="120000" h="120000" extrusionOk="0">
                 <a:moveTo>
                   <a:pt x="0" y="0"/>
                 </a:moveTo>
@@ -972,9 +1002,11 @@
       <p:sp>
         <p:nvSpPr>
           <p:cNvPr id="113" name="Google Shape;113;g3118e8325d1_0_21:notes"/>
-          <p:cNvSpPr txBox="1"/>
+          <p:cNvSpPr txBox="1">
+            <a:spLocks noGrp="1"/>
+          </p:cNvSpPr>
           <p:nvPr>
-            <p:ph idx="1" type="body"/>
+            <p:ph type="body" idx="1"/>
           </p:nvPr>
         </p:nvSpPr>
         <p:spPr>
@@ -987,23 +1019,20 @@
           </a:prstGeom>
         </p:spPr>
         <p:txBody>
-          <a:bodyPr anchorCtr="0" anchor="t" bIns="91425" lIns="91425" spcFirstLastPara="1" rIns="91425" wrap="square" tIns="91425">
+          <a:bodyPr spcFirstLastPara="1" wrap="square" lIns="91425" tIns="91425" rIns="91425" bIns="91425" anchor="t" anchorCtr="0">
             <a:noAutofit/>
           </a:bodyPr>
           <a:lstStyle/>
           <a:p>
-            <a:pPr indent="0" lvl="0" marL="0" rtl="0" algn="l">
-              <a:spcBef>
-                <a:spcPts val="0"/>
-              </a:spcBef>
-              <a:spcAft>
-                <a:spcPts val="0"/>
-              </a:spcAft>
-              <a:buNone/>
-            </a:pPr>
-            <a:r>
-              <a:t/>
-            </a:r>
+            <a:pPr marL="0" lvl="0" indent="0" algn="l" rtl="0">
+              <a:spcBef>
+                <a:spcPts val="0"/>
+              </a:spcBef>
+              <a:spcAft>
+                <a:spcPts val="0"/>
+              </a:spcAft>
+              <a:buNone/>
+            </a:pPr>
             <a:endParaRPr/>
           </a:p>
         </p:txBody>
@@ -1017,11 +1046,11 @@
 </file>
 
 <file path=ppt/notesSlides/notesSlide12.xml><?xml version="1.0" encoding="utf-8"?>
-<p:notes xmlns:a="http://schemas.openxmlformats.org/drawingml/2006/main" xmlns:r="http://schemas.openxmlformats.org/officeDocument/2006/relationships" xmlns:mc="http://schemas.openxmlformats.org/markup-compatibility/2006" xmlns:mv="urn:schemas-microsoft-com:mac:vml" xmlns:p="http://schemas.openxmlformats.org/presentationml/2006/main" xmlns:c="http://schemas.openxmlformats.org/drawingml/2006/chart" xmlns:dgm="http://schemas.openxmlformats.org/drawingml/2006/diagram" xmlns:o="urn:schemas-microsoft-com:office:office" xmlns:v="urn:schemas-microsoft-com:vml" xmlns:pvml="urn:schemas-microsoft-com:office:powerpoint" xmlns:com="http://schemas.openxmlformats.org/drawingml/2006/compatibility" xmlns:p14="http://schemas.microsoft.com/office/powerpoint/2010/main" xmlns:p15="http://schemas.microsoft.com/office/powerpoint/2012/main" xmlns:ahyp="http://schemas.microsoft.com/office/drawing/2018/hyperlinkcolor" showMasterPhAnim="0" showMasterSp="0">
+<p:notes xmlns:a="http://schemas.openxmlformats.org/drawingml/2006/main" xmlns:r="http://schemas.openxmlformats.org/officeDocument/2006/relationships" xmlns:p="http://schemas.openxmlformats.org/presentationml/2006/main" showMasterSp="0" showMasterPhAnim="0">
   <p:cSld>
     <p:spTree>
       <p:nvGrpSpPr>
-        <p:cNvPr id="117" name="Shape 117"/>
+        <p:cNvPr id="1" name="Shape 117"/>
         <p:cNvGrpSpPr/>
         <p:nvPr/>
       </p:nvGrpSpPr>
@@ -1036,20 +1065,26 @@
       <p:sp>
         <p:nvSpPr>
           <p:cNvPr id="118" name="Google Shape;118;g3118e8325d1_0_28:notes"/>
-          <p:cNvSpPr/>
+          <p:cNvSpPr>
+            <a:spLocks noGrp="1" noRot="1" noChangeAspect="1"/>
+          </p:cNvSpPr>
           <p:nvPr>
-            <p:ph idx="2" type="sldImg"/>
+            <p:ph type="sldImg" idx="2"/>
           </p:nvPr>
         </p:nvSpPr>
         <p:spPr>
           <a:xfrm>
-            <a:off x="381300" y="685800"/>
+            <a:off x="381000" y="685800"/>
             <a:ext cx="6096000" cy="3429000"/>
           </a:xfrm>
           <a:custGeom>
-            <a:rect b="b" l="l" r="r" t="t"/>
+            <a:avLst/>
+            <a:gdLst/>
+            <a:ahLst/>
+            <a:cxnLst/>
+            <a:rect l="l" t="t" r="r" b="b"/>
             <a:pathLst>
-              <a:path extrusionOk="0" h="120000" w="120000">
+              <a:path w="120000" h="120000" extrusionOk="0">
                 <a:moveTo>
                   <a:pt x="0" y="0"/>
                 </a:moveTo>
@@ -1071,9 +1106,11 @@
       <p:sp>
         <p:nvSpPr>
           <p:cNvPr id="119" name="Google Shape;119;g3118e8325d1_0_28:notes"/>
-          <p:cNvSpPr txBox="1"/>
+          <p:cNvSpPr txBox="1">
+            <a:spLocks noGrp="1"/>
+          </p:cNvSpPr>
           <p:nvPr>
-            <p:ph idx="1" type="body"/>
+            <p:ph type="body" idx="1"/>
           </p:nvPr>
         </p:nvSpPr>
         <p:spPr>
@@ -1086,23 +1123,20 @@
           </a:prstGeom>
         </p:spPr>
         <p:txBody>
-          <a:bodyPr anchorCtr="0" anchor="t" bIns="91425" lIns="91425" spcFirstLastPara="1" rIns="91425" wrap="square" tIns="91425">
+          <a:bodyPr spcFirstLastPara="1" wrap="square" lIns="91425" tIns="91425" rIns="91425" bIns="91425" anchor="t" anchorCtr="0">
             <a:noAutofit/>
           </a:bodyPr>
           <a:lstStyle/>
           <a:p>
-            <a:pPr indent="0" lvl="0" marL="0" rtl="0" algn="l">
-              <a:spcBef>
-                <a:spcPts val="0"/>
-              </a:spcBef>
-              <a:spcAft>
-                <a:spcPts val="0"/>
-              </a:spcAft>
-              <a:buNone/>
-            </a:pPr>
-            <a:r>
-              <a:t/>
-            </a:r>
+            <a:pPr marL="0" lvl="0" indent="0" algn="l" rtl="0">
+              <a:spcBef>
+                <a:spcPts val="0"/>
+              </a:spcBef>
+              <a:spcAft>
+                <a:spcPts val="0"/>
+              </a:spcAft>
+              <a:buNone/>
+            </a:pPr>
             <a:endParaRPr/>
           </a:p>
         </p:txBody>
@@ -1116,11 +1150,11 @@
 </file>
 
 <file path=ppt/notesSlides/notesSlide13.xml><?xml version="1.0" encoding="utf-8"?>
-<p:notes xmlns:a="http://schemas.openxmlformats.org/drawingml/2006/main" xmlns:r="http://schemas.openxmlformats.org/officeDocument/2006/relationships" xmlns:mc="http://schemas.openxmlformats.org/markup-compatibility/2006" xmlns:mv="urn:schemas-microsoft-com:mac:vml" xmlns:p="http://schemas.openxmlformats.org/presentationml/2006/main" xmlns:c="http://schemas.openxmlformats.org/drawingml/2006/chart" xmlns:dgm="http://schemas.openxmlformats.org/drawingml/2006/diagram" xmlns:o="urn:schemas-microsoft-com:office:office" xmlns:v="urn:schemas-microsoft-com:vml" xmlns:pvml="urn:schemas-microsoft-com:office:powerpoint" xmlns:com="http://schemas.openxmlformats.org/drawingml/2006/compatibility" xmlns:p14="http://schemas.microsoft.com/office/powerpoint/2010/main" xmlns:p15="http://schemas.microsoft.com/office/powerpoint/2012/main" xmlns:ahyp="http://schemas.microsoft.com/office/drawing/2018/hyperlinkcolor" showMasterPhAnim="0" showMasterSp="0">
+<p:notes xmlns:a="http://schemas.openxmlformats.org/drawingml/2006/main" xmlns:r="http://schemas.openxmlformats.org/officeDocument/2006/relationships" xmlns:p="http://schemas.openxmlformats.org/presentationml/2006/main" showMasterSp="0" showMasterPhAnim="0">
   <p:cSld>
     <p:spTree>
       <p:nvGrpSpPr>
-        <p:cNvPr id="123" name="Shape 123"/>
+        <p:cNvPr id="1" name="Shape 123"/>
         <p:cNvGrpSpPr/>
         <p:nvPr/>
       </p:nvGrpSpPr>
@@ -1135,20 +1169,26 @@
       <p:sp>
         <p:nvSpPr>
           <p:cNvPr id="124" name="Google Shape;124;g3118e8325d1_0_33:notes"/>
-          <p:cNvSpPr/>
+          <p:cNvSpPr>
+            <a:spLocks noGrp="1" noRot="1" noChangeAspect="1"/>
+          </p:cNvSpPr>
           <p:nvPr>
-            <p:ph idx="2" type="sldImg"/>
+            <p:ph type="sldImg" idx="2"/>
           </p:nvPr>
         </p:nvSpPr>
         <p:spPr>
           <a:xfrm>
-            <a:off x="381300" y="685800"/>
+            <a:off x="381000" y="685800"/>
             <a:ext cx="6096000" cy="3429000"/>
           </a:xfrm>
           <a:custGeom>
-            <a:rect b="b" l="l" r="r" t="t"/>
+            <a:avLst/>
+            <a:gdLst/>
+            <a:ahLst/>
+            <a:cxnLst/>
+            <a:rect l="l" t="t" r="r" b="b"/>
             <a:pathLst>
-              <a:path extrusionOk="0" h="120000" w="120000">
+              <a:path w="120000" h="120000" extrusionOk="0">
                 <a:moveTo>
                   <a:pt x="0" y="0"/>
                 </a:moveTo>
@@ -1170,9 +1210,11 @@
       <p:sp>
         <p:nvSpPr>
           <p:cNvPr id="125" name="Google Shape;125;g3118e8325d1_0_33:notes"/>
-          <p:cNvSpPr txBox="1"/>
+          <p:cNvSpPr txBox="1">
+            <a:spLocks noGrp="1"/>
+          </p:cNvSpPr>
           <p:nvPr>
-            <p:ph idx="1" type="body"/>
+            <p:ph type="body" idx="1"/>
           </p:nvPr>
         </p:nvSpPr>
         <p:spPr>
@@ -1185,23 +1227,20 @@
           </a:prstGeom>
         </p:spPr>
         <p:txBody>
-          <a:bodyPr anchorCtr="0" anchor="t" bIns="91425" lIns="91425" spcFirstLastPara="1" rIns="91425" wrap="square" tIns="91425">
+          <a:bodyPr spcFirstLastPara="1" wrap="square" lIns="91425" tIns="91425" rIns="91425" bIns="91425" anchor="t" anchorCtr="0">
             <a:noAutofit/>
           </a:bodyPr>
           <a:lstStyle/>
           <a:p>
-            <a:pPr indent="0" lvl="0" marL="0" rtl="0" algn="l">
-              <a:spcBef>
-                <a:spcPts val="0"/>
-              </a:spcBef>
-              <a:spcAft>
-                <a:spcPts val="0"/>
-              </a:spcAft>
-              <a:buNone/>
-            </a:pPr>
-            <a:r>
-              <a:t/>
-            </a:r>
+            <a:pPr marL="0" lvl="0" indent="0" algn="l" rtl="0">
+              <a:spcBef>
+                <a:spcPts val="0"/>
+              </a:spcBef>
+              <a:spcAft>
+                <a:spcPts val="0"/>
+              </a:spcAft>
+              <a:buNone/>
+            </a:pPr>
             <a:endParaRPr/>
           </a:p>
         </p:txBody>
@@ -1215,11 +1254,11 @@
 </file>
 
 <file path=ppt/notesSlides/notesSlide14.xml><?xml version="1.0" encoding="utf-8"?>
-<p:notes xmlns:a="http://schemas.openxmlformats.org/drawingml/2006/main" xmlns:r="http://schemas.openxmlformats.org/officeDocument/2006/relationships" xmlns:mc="http://schemas.openxmlformats.org/markup-compatibility/2006" xmlns:mv="urn:schemas-microsoft-com:mac:vml" xmlns:p="http://schemas.openxmlformats.org/presentationml/2006/main" xmlns:c="http://schemas.openxmlformats.org/drawingml/2006/chart" xmlns:dgm="http://schemas.openxmlformats.org/drawingml/2006/diagram" xmlns:o="urn:schemas-microsoft-com:office:office" xmlns:v="urn:schemas-microsoft-com:vml" xmlns:pvml="urn:schemas-microsoft-com:office:powerpoint" xmlns:com="http://schemas.openxmlformats.org/drawingml/2006/compatibility" xmlns:p14="http://schemas.microsoft.com/office/powerpoint/2010/main" xmlns:p15="http://schemas.microsoft.com/office/powerpoint/2012/main" xmlns:ahyp="http://schemas.microsoft.com/office/drawing/2018/hyperlinkcolor" showMasterPhAnim="0" showMasterSp="0">
+<p:notes xmlns:a="http://schemas.openxmlformats.org/drawingml/2006/main" xmlns:r="http://schemas.openxmlformats.org/officeDocument/2006/relationships" xmlns:p="http://schemas.openxmlformats.org/presentationml/2006/main" showMasterSp="0" showMasterPhAnim="0">
   <p:cSld>
     <p:spTree>
       <p:nvGrpSpPr>
-        <p:cNvPr id="129" name="Shape 129"/>
+        <p:cNvPr id="1" name="Shape 129"/>
         <p:cNvGrpSpPr/>
         <p:nvPr/>
       </p:nvGrpSpPr>
@@ -1234,20 +1273,26 @@
       <p:sp>
         <p:nvSpPr>
           <p:cNvPr id="130" name="Google Shape;130;g3118e8325d1_0_38:notes"/>
-          <p:cNvSpPr/>
+          <p:cNvSpPr>
+            <a:spLocks noGrp="1" noRot="1" noChangeAspect="1"/>
+          </p:cNvSpPr>
           <p:nvPr>
-            <p:ph idx="2" type="sldImg"/>
+            <p:ph type="sldImg" idx="2"/>
           </p:nvPr>
         </p:nvSpPr>
         <p:spPr>
           <a:xfrm>
-            <a:off x="381300" y="685800"/>
+            <a:off x="381000" y="685800"/>
             <a:ext cx="6096000" cy="3429000"/>
           </a:xfrm>
           <a:custGeom>
-            <a:rect b="b" l="l" r="r" t="t"/>
+            <a:avLst/>
+            <a:gdLst/>
+            <a:ahLst/>
+            <a:cxnLst/>
+            <a:rect l="l" t="t" r="r" b="b"/>
             <a:pathLst>
-              <a:path extrusionOk="0" h="120000" w="120000">
+              <a:path w="120000" h="120000" extrusionOk="0">
                 <a:moveTo>
                   <a:pt x="0" y="0"/>
                 </a:moveTo>
@@ -1269,9 +1314,11 @@
       <p:sp>
         <p:nvSpPr>
           <p:cNvPr id="131" name="Google Shape;131;g3118e8325d1_0_38:notes"/>
-          <p:cNvSpPr txBox="1"/>
+          <p:cNvSpPr txBox="1">
+            <a:spLocks noGrp="1"/>
+          </p:cNvSpPr>
           <p:nvPr>
-            <p:ph idx="1" type="body"/>
+            <p:ph type="body" idx="1"/>
           </p:nvPr>
         </p:nvSpPr>
         <p:spPr>
@@ -1284,23 +1331,20 @@
           </a:prstGeom>
         </p:spPr>
         <p:txBody>
-          <a:bodyPr anchorCtr="0" anchor="t" bIns="91425" lIns="91425" spcFirstLastPara="1" rIns="91425" wrap="square" tIns="91425">
+          <a:bodyPr spcFirstLastPara="1" wrap="square" lIns="91425" tIns="91425" rIns="91425" bIns="91425" anchor="t" anchorCtr="0">
             <a:noAutofit/>
           </a:bodyPr>
           <a:lstStyle/>
           <a:p>
-            <a:pPr indent="0" lvl="0" marL="0" rtl="0" algn="l">
-              <a:spcBef>
-                <a:spcPts val="0"/>
-              </a:spcBef>
-              <a:spcAft>
-                <a:spcPts val="0"/>
-              </a:spcAft>
-              <a:buNone/>
-            </a:pPr>
-            <a:r>
-              <a:t/>
-            </a:r>
+            <a:pPr marL="0" lvl="0" indent="0" algn="l" rtl="0">
+              <a:spcBef>
+                <a:spcPts val="0"/>
+              </a:spcBef>
+              <a:spcAft>
+                <a:spcPts val="0"/>
+              </a:spcAft>
+              <a:buNone/>
+            </a:pPr>
             <a:endParaRPr/>
           </a:p>
         </p:txBody>
@@ -1314,11 +1358,11 @@
 </file>
 
 <file path=ppt/notesSlides/notesSlide15.xml><?xml version="1.0" encoding="utf-8"?>
-<p:notes xmlns:a="http://schemas.openxmlformats.org/drawingml/2006/main" xmlns:r="http://schemas.openxmlformats.org/officeDocument/2006/relationships" xmlns:mc="http://schemas.openxmlformats.org/markup-compatibility/2006" xmlns:mv="urn:schemas-microsoft-com:mac:vml" xmlns:p="http://schemas.openxmlformats.org/presentationml/2006/main" xmlns:c="http://schemas.openxmlformats.org/drawingml/2006/chart" xmlns:dgm="http://schemas.openxmlformats.org/drawingml/2006/diagram" xmlns:o="urn:schemas-microsoft-com:office:office" xmlns:v="urn:schemas-microsoft-com:vml" xmlns:pvml="urn:schemas-microsoft-com:office:powerpoint" xmlns:com="http://schemas.openxmlformats.org/drawingml/2006/compatibility" xmlns:p14="http://schemas.microsoft.com/office/powerpoint/2010/main" xmlns:p15="http://schemas.microsoft.com/office/powerpoint/2012/main" xmlns:ahyp="http://schemas.microsoft.com/office/drawing/2018/hyperlinkcolor" showMasterPhAnim="0" showMasterSp="0">
+<p:notes xmlns:a="http://schemas.openxmlformats.org/drawingml/2006/main" xmlns:r="http://schemas.openxmlformats.org/officeDocument/2006/relationships" xmlns:p="http://schemas.openxmlformats.org/presentationml/2006/main" showMasterSp="0" showMasterPhAnim="0">
   <p:cSld>
     <p:spTree>
       <p:nvGrpSpPr>
-        <p:cNvPr id="135" name="Shape 135"/>
+        <p:cNvPr id="1" name="Shape 135"/>
         <p:cNvGrpSpPr/>
         <p:nvPr/>
       </p:nvGrpSpPr>
@@ -1333,20 +1377,26 @@
       <p:sp>
         <p:nvSpPr>
           <p:cNvPr id="136" name="Google Shape;136;g3118e8325d1_0_49:notes"/>
-          <p:cNvSpPr/>
+          <p:cNvSpPr>
+            <a:spLocks noGrp="1" noRot="1" noChangeAspect="1"/>
+          </p:cNvSpPr>
           <p:nvPr>
-            <p:ph idx="2" type="sldImg"/>
+            <p:ph type="sldImg" idx="2"/>
           </p:nvPr>
         </p:nvSpPr>
         <p:spPr>
           <a:xfrm>
-            <a:off x="381300" y="685800"/>
+            <a:off x="381000" y="685800"/>
             <a:ext cx="6096000" cy="3429000"/>
           </a:xfrm>
           <a:custGeom>
-            <a:rect b="b" l="l" r="r" t="t"/>
+            <a:avLst/>
+            <a:gdLst/>
+            <a:ahLst/>
+            <a:cxnLst/>
+            <a:rect l="l" t="t" r="r" b="b"/>
             <a:pathLst>
-              <a:path extrusionOk="0" h="120000" w="120000">
+              <a:path w="120000" h="120000" extrusionOk="0">
                 <a:moveTo>
                   <a:pt x="0" y="0"/>
                 </a:moveTo>
@@ -1368,9 +1418,11 @@
       <p:sp>
         <p:nvSpPr>
           <p:cNvPr id="137" name="Google Shape;137;g3118e8325d1_0_49:notes"/>
-          <p:cNvSpPr txBox="1"/>
+          <p:cNvSpPr txBox="1">
+            <a:spLocks noGrp="1"/>
+          </p:cNvSpPr>
           <p:nvPr>
-            <p:ph idx="1" type="body"/>
+            <p:ph type="body" idx="1"/>
           </p:nvPr>
         </p:nvSpPr>
         <p:spPr>
@@ -1383,23 +1435,20 @@
           </a:prstGeom>
         </p:spPr>
         <p:txBody>
-          <a:bodyPr anchorCtr="0" anchor="t" bIns="91425" lIns="91425" spcFirstLastPara="1" rIns="91425" wrap="square" tIns="91425">
+          <a:bodyPr spcFirstLastPara="1" wrap="square" lIns="91425" tIns="91425" rIns="91425" bIns="91425" anchor="t" anchorCtr="0">
             <a:noAutofit/>
           </a:bodyPr>
           <a:lstStyle/>
           <a:p>
-            <a:pPr indent="0" lvl="0" marL="0" rtl="0" algn="l">
-              <a:spcBef>
-                <a:spcPts val="0"/>
-              </a:spcBef>
-              <a:spcAft>
-                <a:spcPts val="0"/>
-              </a:spcAft>
-              <a:buNone/>
-            </a:pPr>
-            <a:r>
-              <a:t/>
-            </a:r>
+            <a:pPr marL="0" lvl="0" indent="0" algn="l" rtl="0">
+              <a:spcBef>
+                <a:spcPts val="0"/>
+              </a:spcBef>
+              <a:spcAft>
+                <a:spcPts val="0"/>
+              </a:spcAft>
+              <a:buNone/>
+            </a:pPr>
             <a:endParaRPr/>
           </a:p>
         </p:txBody>
@@ -1413,11 +1462,11 @@
 </file>
 
 <file path=ppt/notesSlides/notesSlide16.xml><?xml version="1.0" encoding="utf-8"?>
-<p:notes xmlns:a="http://schemas.openxmlformats.org/drawingml/2006/main" xmlns:r="http://schemas.openxmlformats.org/officeDocument/2006/relationships" xmlns:mc="http://schemas.openxmlformats.org/markup-compatibility/2006" xmlns:mv="urn:schemas-microsoft-com:mac:vml" xmlns:p="http://schemas.openxmlformats.org/presentationml/2006/main" xmlns:c="http://schemas.openxmlformats.org/drawingml/2006/chart" xmlns:dgm="http://schemas.openxmlformats.org/drawingml/2006/diagram" xmlns:o="urn:schemas-microsoft-com:office:office" xmlns:v="urn:schemas-microsoft-com:vml" xmlns:pvml="urn:schemas-microsoft-com:office:powerpoint" xmlns:com="http://schemas.openxmlformats.org/drawingml/2006/compatibility" xmlns:p14="http://schemas.microsoft.com/office/powerpoint/2010/main" xmlns:p15="http://schemas.microsoft.com/office/powerpoint/2012/main" xmlns:ahyp="http://schemas.microsoft.com/office/drawing/2018/hyperlinkcolor" showMasterPhAnim="0" showMasterSp="0">
+<p:notes xmlns:a="http://schemas.openxmlformats.org/drawingml/2006/main" xmlns:r="http://schemas.openxmlformats.org/officeDocument/2006/relationships" xmlns:p="http://schemas.openxmlformats.org/presentationml/2006/main" showMasterSp="0" showMasterPhAnim="0">
   <p:cSld>
     <p:spTree>
       <p:nvGrpSpPr>
-        <p:cNvPr id="141" name="Shape 141"/>
+        <p:cNvPr id="1" name="Shape 141"/>
         <p:cNvGrpSpPr/>
         <p:nvPr/>
       </p:nvGrpSpPr>
@@ -1432,20 +1481,26 @@
       <p:sp>
         <p:nvSpPr>
           <p:cNvPr id="142" name="Google Shape;142;g3118e8325d1_0_54:notes"/>
-          <p:cNvSpPr/>
+          <p:cNvSpPr>
+            <a:spLocks noGrp="1" noRot="1" noChangeAspect="1"/>
+          </p:cNvSpPr>
           <p:nvPr>
-            <p:ph idx="2" type="sldImg"/>
+            <p:ph type="sldImg" idx="2"/>
           </p:nvPr>
         </p:nvSpPr>
         <p:spPr>
           <a:xfrm>
-            <a:off x="381300" y="685800"/>
+            <a:off x="381000" y="685800"/>
             <a:ext cx="6096000" cy="3429000"/>
           </a:xfrm>
           <a:custGeom>
-            <a:rect b="b" l="l" r="r" t="t"/>
+            <a:avLst/>
+            <a:gdLst/>
+            <a:ahLst/>
+            <a:cxnLst/>
+            <a:rect l="l" t="t" r="r" b="b"/>
             <a:pathLst>
-              <a:path extrusionOk="0" h="120000" w="120000">
+              <a:path w="120000" h="120000" extrusionOk="0">
                 <a:moveTo>
                   <a:pt x="0" y="0"/>
                 </a:moveTo>
@@ -1467,9 +1522,11 @@
       <p:sp>
         <p:nvSpPr>
           <p:cNvPr id="143" name="Google Shape;143;g3118e8325d1_0_54:notes"/>
-          <p:cNvSpPr txBox="1"/>
+          <p:cNvSpPr txBox="1">
+            <a:spLocks noGrp="1"/>
+          </p:cNvSpPr>
           <p:nvPr>
-            <p:ph idx="1" type="body"/>
+            <p:ph type="body" idx="1"/>
           </p:nvPr>
         </p:nvSpPr>
         <p:spPr>
@@ -1482,23 +1539,20 @@
           </a:prstGeom>
         </p:spPr>
         <p:txBody>
-          <a:bodyPr anchorCtr="0" anchor="t" bIns="91425" lIns="91425" spcFirstLastPara="1" rIns="91425" wrap="square" tIns="91425">
+          <a:bodyPr spcFirstLastPara="1" wrap="square" lIns="91425" tIns="91425" rIns="91425" bIns="91425" anchor="t" anchorCtr="0">
             <a:noAutofit/>
           </a:bodyPr>
           <a:lstStyle/>
           <a:p>
-            <a:pPr indent="0" lvl="0" marL="0" rtl="0" algn="l">
-              <a:spcBef>
-                <a:spcPts val="0"/>
-              </a:spcBef>
-              <a:spcAft>
-                <a:spcPts val="0"/>
-              </a:spcAft>
-              <a:buNone/>
-            </a:pPr>
-            <a:r>
-              <a:t/>
-            </a:r>
+            <a:pPr marL="0" lvl="0" indent="0" algn="l" rtl="0">
+              <a:spcBef>
+                <a:spcPts val="0"/>
+              </a:spcBef>
+              <a:spcAft>
+                <a:spcPts val="0"/>
+              </a:spcAft>
+              <a:buNone/>
+            </a:pPr>
             <a:endParaRPr/>
           </a:p>
         </p:txBody>
@@ -1512,11 +1566,11 @@
 </file>
 
 <file path=ppt/notesSlides/notesSlide17.xml><?xml version="1.0" encoding="utf-8"?>
-<p:notes xmlns:a="http://schemas.openxmlformats.org/drawingml/2006/main" xmlns:r="http://schemas.openxmlformats.org/officeDocument/2006/relationships" xmlns:mc="http://schemas.openxmlformats.org/markup-compatibility/2006" xmlns:mv="urn:schemas-microsoft-com:mac:vml" xmlns:p="http://schemas.openxmlformats.org/presentationml/2006/main" xmlns:c="http://schemas.openxmlformats.org/drawingml/2006/chart" xmlns:dgm="http://schemas.openxmlformats.org/drawingml/2006/diagram" xmlns:o="urn:schemas-microsoft-com:office:office" xmlns:v="urn:schemas-microsoft-com:vml" xmlns:pvml="urn:schemas-microsoft-com:office:powerpoint" xmlns:com="http://schemas.openxmlformats.org/drawingml/2006/compatibility" xmlns:p14="http://schemas.microsoft.com/office/powerpoint/2010/main" xmlns:p15="http://schemas.microsoft.com/office/powerpoint/2012/main" xmlns:ahyp="http://schemas.microsoft.com/office/drawing/2018/hyperlinkcolor" showMasterPhAnim="0" showMasterSp="0">
+<p:notes xmlns:a="http://schemas.openxmlformats.org/drawingml/2006/main" xmlns:r="http://schemas.openxmlformats.org/officeDocument/2006/relationships" xmlns:p="http://schemas.openxmlformats.org/presentationml/2006/main" showMasterSp="0" showMasterPhAnim="0">
   <p:cSld>
     <p:spTree>
       <p:nvGrpSpPr>
-        <p:cNvPr id="147" name="Shape 147"/>
+        <p:cNvPr id="1" name="Shape 147"/>
         <p:cNvGrpSpPr/>
         <p:nvPr/>
       </p:nvGrpSpPr>
@@ -1531,20 +1585,26 @@
       <p:sp>
         <p:nvSpPr>
           <p:cNvPr id="148" name="Google Shape;148;g3118e8325d1_0_59:notes"/>
-          <p:cNvSpPr/>
+          <p:cNvSpPr>
+            <a:spLocks noGrp="1" noRot="1" noChangeAspect="1"/>
+          </p:cNvSpPr>
           <p:nvPr>
-            <p:ph idx="2" type="sldImg"/>
+            <p:ph type="sldImg" idx="2"/>
           </p:nvPr>
         </p:nvSpPr>
         <p:spPr>
           <a:xfrm>
-            <a:off x="381300" y="685800"/>
+            <a:off x="381000" y="685800"/>
             <a:ext cx="6096000" cy="3429000"/>
           </a:xfrm>
           <a:custGeom>
-            <a:rect b="b" l="l" r="r" t="t"/>
+            <a:avLst/>
+            <a:gdLst/>
+            <a:ahLst/>
+            <a:cxnLst/>
+            <a:rect l="l" t="t" r="r" b="b"/>
             <a:pathLst>
-              <a:path extrusionOk="0" h="120000" w="120000">
+              <a:path w="120000" h="120000" extrusionOk="0">
                 <a:moveTo>
                   <a:pt x="0" y="0"/>
                 </a:moveTo>
@@ -1566,9 +1626,11 @@
       <p:sp>
         <p:nvSpPr>
           <p:cNvPr id="149" name="Google Shape;149;g3118e8325d1_0_59:notes"/>
-          <p:cNvSpPr txBox="1"/>
+          <p:cNvSpPr txBox="1">
+            <a:spLocks noGrp="1"/>
+          </p:cNvSpPr>
           <p:nvPr>
-            <p:ph idx="1" type="body"/>
+            <p:ph type="body" idx="1"/>
           </p:nvPr>
         </p:nvSpPr>
         <p:spPr>
@@ -1581,23 +1643,20 @@
           </a:prstGeom>
         </p:spPr>
         <p:txBody>
-          <a:bodyPr anchorCtr="0" anchor="t" bIns="91425" lIns="91425" spcFirstLastPara="1" rIns="91425" wrap="square" tIns="91425">
+          <a:bodyPr spcFirstLastPara="1" wrap="square" lIns="91425" tIns="91425" rIns="91425" bIns="91425" anchor="t" anchorCtr="0">
             <a:noAutofit/>
           </a:bodyPr>
           <a:lstStyle/>
           <a:p>
-            <a:pPr indent="0" lvl="0" marL="0" rtl="0" algn="l">
-              <a:spcBef>
-                <a:spcPts val="0"/>
-              </a:spcBef>
-              <a:spcAft>
-                <a:spcPts val="0"/>
-              </a:spcAft>
-              <a:buNone/>
-            </a:pPr>
-            <a:r>
-              <a:t/>
-            </a:r>
+            <a:pPr marL="0" lvl="0" indent="0" algn="l" rtl="0">
+              <a:spcBef>
+                <a:spcPts val="0"/>
+              </a:spcBef>
+              <a:spcAft>
+                <a:spcPts val="0"/>
+              </a:spcAft>
+              <a:buNone/>
+            </a:pPr>
             <a:endParaRPr/>
           </a:p>
         </p:txBody>
@@ -1611,11 +1670,11 @@
 </file>
 
 <file path=ppt/notesSlides/notesSlide18.xml><?xml version="1.0" encoding="utf-8"?>
-<p:notes xmlns:a="http://schemas.openxmlformats.org/drawingml/2006/main" xmlns:r="http://schemas.openxmlformats.org/officeDocument/2006/relationships" xmlns:mc="http://schemas.openxmlformats.org/markup-compatibility/2006" xmlns:mv="urn:schemas-microsoft-com:mac:vml" xmlns:p="http://schemas.openxmlformats.org/presentationml/2006/main" xmlns:c="http://schemas.openxmlformats.org/drawingml/2006/chart" xmlns:dgm="http://schemas.openxmlformats.org/drawingml/2006/diagram" xmlns:o="urn:schemas-microsoft-com:office:office" xmlns:v="urn:schemas-microsoft-com:vml" xmlns:pvml="urn:schemas-microsoft-com:office:powerpoint" xmlns:com="http://schemas.openxmlformats.org/drawingml/2006/compatibility" xmlns:p14="http://schemas.microsoft.com/office/powerpoint/2010/main" xmlns:p15="http://schemas.microsoft.com/office/powerpoint/2012/main" xmlns:ahyp="http://schemas.microsoft.com/office/drawing/2018/hyperlinkcolor" showMasterPhAnim="0" showMasterSp="0">
+<p:notes xmlns:a="http://schemas.openxmlformats.org/drawingml/2006/main" xmlns:r="http://schemas.openxmlformats.org/officeDocument/2006/relationships" xmlns:p="http://schemas.openxmlformats.org/presentationml/2006/main" showMasterSp="0" showMasterPhAnim="0">
   <p:cSld>
     <p:spTree>
       <p:nvGrpSpPr>
-        <p:cNvPr id="153" name="Shape 153"/>
+        <p:cNvPr id="1" name="Shape 153"/>
         <p:cNvGrpSpPr/>
         <p:nvPr/>
       </p:nvGrpSpPr>
@@ -1630,20 +1689,26 @@
       <p:sp>
         <p:nvSpPr>
           <p:cNvPr id="154" name="Google Shape;154;g3118e8325d1_0_64:notes"/>
-          <p:cNvSpPr/>
+          <p:cNvSpPr>
+            <a:spLocks noGrp="1" noRot="1" noChangeAspect="1"/>
+          </p:cNvSpPr>
           <p:nvPr>
-            <p:ph idx="2" type="sldImg"/>
+            <p:ph type="sldImg" idx="2"/>
           </p:nvPr>
         </p:nvSpPr>
         <p:spPr>
           <a:xfrm>
-            <a:off x="381300" y="685800"/>
+            <a:off x="381000" y="685800"/>
             <a:ext cx="6096000" cy="3429000"/>
           </a:xfrm>
           <a:custGeom>
-            <a:rect b="b" l="l" r="r" t="t"/>
+            <a:avLst/>
+            <a:gdLst/>
+            <a:ahLst/>
+            <a:cxnLst/>
+            <a:rect l="l" t="t" r="r" b="b"/>
             <a:pathLst>
-              <a:path extrusionOk="0" h="120000" w="120000">
+              <a:path w="120000" h="120000" extrusionOk="0">
                 <a:moveTo>
                   <a:pt x="0" y="0"/>
                 </a:moveTo>
@@ -1665,9 +1730,11 @@
       <p:sp>
         <p:nvSpPr>
           <p:cNvPr id="155" name="Google Shape;155;g3118e8325d1_0_64:notes"/>
-          <p:cNvSpPr txBox="1"/>
+          <p:cNvSpPr txBox="1">
+            <a:spLocks noGrp="1"/>
+          </p:cNvSpPr>
           <p:nvPr>
-            <p:ph idx="1" type="body"/>
+            <p:ph type="body" idx="1"/>
           </p:nvPr>
         </p:nvSpPr>
         <p:spPr>
@@ -1680,23 +1747,20 @@
           </a:prstGeom>
         </p:spPr>
         <p:txBody>
-          <a:bodyPr anchorCtr="0" anchor="t" bIns="91425" lIns="91425" spcFirstLastPara="1" rIns="91425" wrap="square" tIns="91425">
+          <a:bodyPr spcFirstLastPara="1" wrap="square" lIns="91425" tIns="91425" rIns="91425" bIns="91425" anchor="t" anchorCtr="0">
             <a:noAutofit/>
           </a:bodyPr>
           <a:lstStyle/>
           <a:p>
-            <a:pPr indent="0" lvl="0" marL="0" rtl="0" algn="l">
-              <a:spcBef>
-                <a:spcPts val="0"/>
-              </a:spcBef>
-              <a:spcAft>
-                <a:spcPts val="0"/>
-              </a:spcAft>
-              <a:buNone/>
-            </a:pPr>
-            <a:r>
-              <a:t/>
-            </a:r>
+            <a:pPr marL="0" lvl="0" indent="0" algn="l" rtl="0">
+              <a:spcBef>
+                <a:spcPts val="0"/>
+              </a:spcBef>
+              <a:spcAft>
+                <a:spcPts val="0"/>
+              </a:spcAft>
+              <a:buNone/>
+            </a:pPr>
             <a:endParaRPr/>
           </a:p>
         </p:txBody>
@@ -1710,11 +1774,11 @@
 </file>
 
 <file path=ppt/notesSlides/notesSlide19.xml><?xml version="1.0" encoding="utf-8"?>
-<p:notes xmlns:a="http://schemas.openxmlformats.org/drawingml/2006/main" xmlns:r="http://schemas.openxmlformats.org/officeDocument/2006/relationships" xmlns:mc="http://schemas.openxmlformats.org/markup-compatibility/2006" xmlns:mv="urn:schemas-microsoft-com:mac:vml" xmlns:p="http://schemas.openxmlformats.org/presentationml/2006/main" xmlns:c="http://schemas.openxmlformats.org/drawingml/2006/chart" xmlns:dgm="http://schemas.openxmlformats.org/drawingml/2006/diagram" xmlns:o="urn:schemas-microsoft-com:office:office" xmlns:v="urn:schemas-microsoft-com:vml" xmlns:pvml="urn:schemas-microsoft-com:office:powerpoint" xmlns:com="http://schemas.openxmlformats.org/drawingml/2006/compatibility" xmlns:p14="http://schemas.microsoft.com/office/powerpoint/2010/main" xmlns:p15="http://schemas.microsoft.com/office/powerpoint/2012/main" xmlns:ahyp="http://schemas.microsoft.com/office/drawing/2018/hyperlinkcolor" showMasterPhAnim="0" showMasterSp="0">
+<p:notes xmlns:a="http://schemas.openxmlformats.org/drawingml/2006/main" xmlns:r="http://schemas.openxmlformats.org/officeDocument/2006/relationships" xmlns:p="http://schemas.openxmlformats.org/presentationml/2006/main" showMasterSp="0" showMasterPhAnim="0">
   <p:cSld>
     <p:spTree>
       <p:nvGrpSpPr>
-        <p:cNvPr id="159" name="Shape 159"/>
+        <p:cNvPr id="1" name="Shape 159"/>
         <p:cNvGrpSpPr/>
         <p:nvPr/>
       </p:nvGrpSpPr>
@@ -1729,20 +1793,26 @@
       <p:sp>
         <p:nvSpPr>
           <p:cNvPr id="160" name="Google Shape;160;g3118e8325d1_0_69:notes"/>
-          <p:cNvSpPr/>
+          <p:cNvSpPr>
+            <a:spLocks noGrp="1" noRot="1" noChangeAspect="1"/>
+          </p:cNvSpPr>
           <p:nvPr>
-            <p:ph idx="2" type="sldImg"/>
+            <p:ph type="sldImg" idx="2"/>
           </p:nvPr>
         </p:nvSpPr>
         <p:spPr>
           <a:xfrm>
-            <a:off x="381300" y="685800"/>
+            <a:off x="381000" y="685800"/>
             <a:ext cx="6096000" cy="3429000"/>
           </a:xfrm>
           <a:custGeom>
-            <a:rect b="b" l="l" r="r" t="t"/>
+            <a:avLst/>
+            <a:gdLst/>
+            <a:ahLst/>
+            <a:cxnLst/>
+            <a:rect l="l" t="t" r="r" b="b"/>
             <a:pathLst>
-              <a:path extrusionOk="0" h="120000" w="120000">
+              <a:path w="120000" h="120000" extrusionOk="0">
                 <a:moveTo>
                   <a:pt x="0" y="0"/>
                 </a:moveTo>
@@ -1764,9 +1834,11 @@
       <p:sp>
         <p:nvSpPr>
           <p:cNvPr id="161" name="Google Shape;161;g3118e8325d1_0_69:notes"/>
-          <p:cNvSpPr txBox="1"/>
+          <p:cNvSpPr txBox="1">
+            <a:spLocks noGrp="1"/>
+          </p:cNvSpPr>
           <p:nvPr>
-            <p:ph idx="1" type="body"/>
+            <p:ph type="body" idx="1"/>
           </p:nvPr>
         </p:nvSpPr>
         <p:spPr>
@@ -1779,23 +1851,20 @@
           </a:prstGeom>
         </p:spPr>
         <p:txBody>
-          <a:bodyPr anchorCtr="0" anchor="t" bIns="91425" lIns="91425" spcFirstLastPara="1" rIns="91425" wrap="square" tIns="91425">
+          <a:bodyPr spcFirstLastPara="1" wrap="square" lIns="91425" tIns="91425" rIns="91425" bIns="91425" anchor="t" anchorCtr="0">
             <a:noAutofit/>
           </a:bodyPr>
           <a:lstStyle/>
           <a:p>
-            <a:pPr indent="0" lvl="0" marL="0" rtl="0" algn="l">
-              <a:spcBef>
-                <a:spcPts val="0"/>
-              </a:spcBef>
-              <a:spcAft>
-                <a:spcPts val="0"/>
-              </a:spcAft>
-              <a:buNone/>
-            </a:pPr>
-            <a:r>
-              <a:t/>
-            </a:r>
+            <a:pPr marL="0" lvl="0" indent="0" algn="l" rtl="0">
+              <a:spcBef>
+                <a:spcPts val="0"/>
+              </a:spcBef>
+              <a:spcAft>
+                <a:spcPts val="0"/>
+              </a:spcAft>
+              <a:buNone/>
+            </a:pPr>
             <a:endParaRPr/>
           </a:p>
         </p:txBody>
@@ -1809,11 +1878,11 @@
 </file>
 
 <file path=ppt/notesSlides/notesSlide2.xml><?xml version="1.0" encoding="utf-8"?>
-<p:notes xmlns:a="http://schemas.openxmlformats.org/drawingml/2006/main" xmlns:r="http://schemas.openxmlformats.org/officeDocument/2006/relationships" xmlns:mc="http://schemas.openxmlformats.org/markup-compatibility/2006" xmlns:mv="urn:schemas-microsoft-com:mac:vml" xmlns:p="http://schemas.openxmlformats.org/presentationml/2006/main" xmlns:c="http://schemas.openxmlformats.org/drawingml/2006/chart" xmlns:dgm="http://schemas.openxmlformats.org/drawingml/2006/diagram" xmlns:o="urn:schemas-microsoft-com:office:office" xmlns:v="urn:schemas-microsoft-com:vml" xmlns:pvml="urn:schemas-microsoft-com:office:powerpoint" xmlns:com="http://schemas.openxmlformats.org/drawingml/2006/compatibility" xmlns:p14="http://schemas.microsoft.com/office/powerpoint/2010/main" xmlns:p15="http://schemas.microsoft.com/office/powerpoint/2012/main" xmlns:ahyp="http://schemas.microsoft.com/office/drawing/2018/hyperlinkcolor" showMasterPhAnim="0" showMasterSp="0">
+<p:notes xmlns:a="http://schemas.openxmlformats.org/drawingml/2006/main" xmlns:r="http://schemas.openxmlformats.org/officeDocument/2006/relationships" xmlns:p="http://schemas.openxmlformats.org/presentationml/2006/main" showMasterSp="0" showMasterPhAnim="0">
   <p:cSld>
     <p:spTree>
       <p:nvGrpSpPr>
-        <p:cNvPr id="56" name="Shape 56"/>
+        <p:cNvPr id="1" name="Shape 56"/>
         <p:cNvGrpSpPr/>
         <p:nvPr/>
       </p:nvGrpSpPr>
@@ -1828,20 +1897,26 @@
       <p:sp>
         <p:nvSpPr>
           <p:cNvPr id="57" name="Google Shape;57;g3118e8325d1_0_126:notes"/>
-          <p:cNvSpPr/>
+          <p:cNvSpPr>
+            <a:spLocks noGrp="1" noRot="1" noChangeAspect="1"/>
+          </p:cNvSpPr>
           <p:nvPr>
-            <p:ph idx="2" type="sldImg"/>
+            <p:ph type="sldImg" idx="2"/>
           </p:nvPr>
         </p:nvSpPr>
         <p:spPr>
           <a:xfrm>
-            <a:off x="381300" y="685800"/>
+            <a:off x="381000" y="685800"/>
             <a:ext cx="6096000" cy="3429000"/>
           </a:xfrm>
           <a:custGeom>
-            <a:rect b="b" l="l" r="r" t="t"/>
+            <a:avLst/>
+            <a:gdLst/>
+            <a:ahLst/>
+            <a:cxnLst/>
+            <a:rect l="l" t="t" r="r" b="b"/>
             <a:pathLst>
-              <a:path extrusionOk="0" h="120000" w="120000">
+              <a:path w="120000" h="120000" extrusionOk="0">
                 <a:moveTo>
                   <a:pt x="0" y="0"/>
                 </a:moveTo>
@@ -1863,9 +1938,11 @@
       <p:sp>
         <p:nvSpPr>
           <p:cNvPr id="58" name="Google Shape;58;g3118e8325d1_0_126:notes"/>
-          <p:cNvSpPr txBox="1"/>
+          <p:cNvSpPr txBox="1">
+            <a:spLocks noGrp="1"/>
+          </p:cNvSpPr>
           <p:nvPr>
-            <p:ph idx="1" type="body"/>
+            <p:ph type="body" idx="1"/>
           </p:nvPr>
         </p:nvSpPr>
         <p:spPr>
@@ -1878,23 +1955,20 @@
           </a:prstGeom>
         </p:spPr>
         <p:txBody>
-          <a:bodyPr anchorCtr="0" anchor="t" bIns="91425" lIns="91425" spcFirstLastPara="1" rIns="91425" wrap="square" tIns="91425">
+          <a:bodyPr spcFirstLastPara="1" wrap="square" lIns="91425" tIns="91425" rIns="91425" bIns="91425" anchor="t" anchorCtr="0">
             <a:noAutofit/>
           </a:bodyPr>
           <a:lstStyle/>
           <a:p>
-            <a:pPr indent="0" lvl="0" marL="0" rtl="0" algn="l">
-              <a:spcBef>
-                <a:spcPts val="0"/>
-              </a:spcBef>
-              <a:spcAft>
-                <a:spcPts val="0"/>
-              </a:spcAft>
-              <a:buNone/>
-            </a:pPr>
-            <a:r>
-              <a:t/>
-            </a:r>
+            <a:pPr marL="0" lvl="0" indent="0" algn="l" rtl="0">
+              <a:spcBef>
+                <a:spcPts val="0"/>
+              </a:spcBef>
+              <a:spcAft>
+                <a:spcPts val="0"/>
+              </a:spcAft>
+              <a:buNone/>
+            </a:pPr>
             <a:endParaRPr/>
           </a:p>
         </p:txBody>
@@ -1908,11 +1982,11 @@
 </file>
 
 <file path=ppt/notesSlides/notesSlide20.xml><?xml version="1.0" encoding="utf-8"?>
-<p:notes xmlns:a="http://schemas.openxmlformats.org/drawingml/2006/main" xmlns:r="http://schemas.openxmlformats.org/officeDocument/2006/relationships" xmlns:mc="http://schemas.openxmlformats.org/markup-compatibility/2006" xmlns:mv="urn:schemas-microsoft-com:mac:vml" xmlns:p="http://schemas.openxmlformats.org/presentationml/2006/main" xmlns:c="http://schemas.openxmlformats.org/drawingml/2006/chart" xmlns:dgm="http://schemas.openxmlformats.org/drawingml/2006/diagram" xmlns:o="urn:schemas-microsoft-com:office:office" xmlns:v="urn:schemas-microsoft-com:vml" xmlns:pvml="urn:schemas-microsoft-com:office:powerpoint" xmlns:com="http://schemas.openxmlformats.org/drawingml/2006/compatibility" xmlns:p14="http://schemas.microsoft.com/office/powerpoint/2010/main" xmlns:p15="http://schemas.microsoft.com/office/powerpoint/2012/main" xmlns:ahyp="http://schemas.microsoft.com/office/drawing/2018/hyperlinkcolor" showMasterPhAnim="0" showMasterSp="0">
+<p:notes xmlns:a="http://schemas.openxmlformats.org/drawingml/2006/main" xmlns:r="http://schemas.openxmlformats.org/officeDocument/2006/relationships" xmlns:p="http://schemas.openxmlformats.org/presentationml/2006/main" showMasterSp="0" showMasterPhAnim="0">
   <p:cSld>
     <p:spTree>
       <p:nvGrpSpPr>
-        <p:cNvPr id="165" name="Shape 165"/>
+        <p:cNvPr id="1" name="Shape 165"/>
         <p:cNvGrpSpPr/>
         <p:nvPr/>
       </p:nvGrpSpPr>
@@ -1927,20 +2001,26 @@
       <p:sp>
         <p:nvSpPr>
           <p:cNvPr id="166" name="Google Shape;166;g3118e8325d1_0_82:notes"/>
-          <p:cNvSpPr/>
+          <p:cNvSpPr>
+            <a:spLocks noGrp="1" noRot="1" noChangeAspect="1"/>
+          </p:cNvSpPr>
           <p:nvPr>
-            <p:ph idx="2" type="sldImg"/>
+            <p:ph type="sldImg" idx="2"/>
           </p:nvPr>
         </p:nvSpPr>
         <p:spPr>
           <a:xfrm>
-            <a:off x="381300" y="685800"/>
+            <a:off x="381000" y="685800"/>
             <a:ext cx="6096000" cy="3429000"/>
           </a:xfrm>
           <a:custGeom>
-            <a:rect b="b" l="l" r="r" t="t"/>
+            <a:avLst/>
+            <a:gdLst/>
+            <a:ahLst/>
+            <a:cxnLst/>
+            <a:rect l="l" t="t" r="r" b="b"/>
             <a:pathLst>
-              <a:path extrusionOk="0" h="120000" w="120000">
+              <a:path w="120000" h="120000" extrusionOk="0">
                 <a:moveTo>
                   <a:pt x="0" y="0"/>
                 </a:moveTo>
@@ -1962,9 +2042,11 @@
       <p:sp>
         <p:nvSpPr>
           <p:cNvPr id="167" name="Google Shape;167;g3118e8325d1_0_82:notes"/>
-          <p:cNvSpPr txBox="1"/>
+          <p:cNvSpPr txBox="1">
+            <a:spLocks noGrp="1"/>
+          </p:cNvSpPr>
           <p:nvPr>
-            <p:ph idx="1" type="body"/>
+            <p:ph type="body" idx="1"/>
           </p:nvPr>
         </p:nvSpPr>
         <p:spPr>
@@ -1977,23 +2059,20 @@
           </a:prstGeom>
         </p:spPr>
         <p:txBody>
-          <a:bodyPr anchorCtr="0" anchor="t" bIns="91425" lIns="91425" spcFirstLastPara="1" rIns="91425" wrap="square" tIns="91425">
+          <a:bodyPr spcFirstLastPara="1" wrap="square" lIns="91425" tIns="91425" rIns="91425" bIns="91425" anchor="t" anchorCtr="0">
             <a:noAutofit/>
           </a:bodyPr>
           <a:lstStyle/>
           <a:p>
-            <a:pPr indent="0" lvl="0" marL="0" rtl="0" algn="l">
-              <a:spcBef>
-                <a:spcPts val="0"/>
-              </a:spcBef>
-              <a:spcAft>
-                <a:spcPts val="0"/>
-              </a:spcAft>
-              <a:buNone/>
-            </a:pPr>
-            <a:r>
-              <a:t/>
-            </a:r>
+            <a:pPr marL="0" lvl="0" indent="0" algn="l" rtl="0">
+              <a:spcBef>
+                <a:spcPts val="0"/>
+              </a:spcBef>
+              <a:spcAft>
+                <a:spcPts val="0"/>
+              </a:spcAft>
+              <a:buNone/>
+            </a:pPr>
             <a:endParaRPr/>
           </a:p>
         </p:txBody>
@@ -2007,11 +2086,11 @@
 </file>
 
 <file path=ppt/notesSlides/notesSlide21.xml><?xml version="1.0" encoding="utf-8"?>
-<p:notes xmlns:a="http://schemas.openxmlformats.org/drawingml/2006/main" xmlns:r="http://schemas.openxmlformats.org/officeDocument/2006/relationships" xmlns:mc="http://schemas.openxmlformats.org/markup-compatibility/2006" xmlns:mv="urn:schemas-microsoft-com:mac:vml" xmlns:p="http://schemas.openxmlformats.org/presentationml/2006/main" xmlns:c="http://schemas.openxmlformats.org/drawingml/2006/chart" xmlns:dgm="http://schemas.openxmlformats.org/drawingml/2006/diagram" xmlns:o="urn:schemas-microsoft-com:office:office" xmlns:v="urn:schemas-microsoft-com:vml" xmlns:pvml="urn:schemas-microsoft-com:office:powerpoint" xmlns:com="http://schemas.openxmlformats.org/drawingml/2006/compatibility" xmlns:p14="http://schemas.microsoft.com/office/powerpoint/2010/main" xmlns:p15="http://schemas.microsoft.com/office/powerpoint/2012/main" xmlns:ahyp="http://schemas.microsoft.com/office/drawing/2018/hyperlinkcolor" showMasterPhAnim="0" showMasterSp="0">
+<p:notes xmlns:a="http://schemas.openxmlformats.org/drawingml/2006/main" xmlns:r="http://schemas.openxmlformats.org/officeDocument/2006/relationships" xmlns:p="http://schemas.openxmlformats.org/presentationml/2006/main" showMasterSp="0" showMasterPhAnim="0">
   <p:cSld>
     <p:spTree>
       <p:nvGrpSpPr>
-        <p:cNvPr id="171" name="Shape 171"/>
+        <p:cNvPr id="1" name="Shape 171"/>
         <p:cNvGrpSpPr/>
         <p:nvPr/>
       </p:nvGrpSpPr>
@@ -2026,20 +2105,26 @@
       <p:sp>
         <p:nvSpPr>
           <p:cNvPr id="172" name="Google Shape;172;g3118e8325d1_0_87:notes"/>
-          <p:cNvSpPr/>
+          <p:cNvSpPr>
+            <a:spLocks noGrp="1" noRot="1" noChangeAspect="1"/>
+          </p:cNvSpPr>
           <p:nvPr>
-            <p:ph idx="2" type="sldImg"/>
+            <p:ph type="sldImg" idx="2"/>
           </p:nvPr>
         </p:nvSpPr>
         <p:spPr>
           <a:xfrm>
-            <a:off x="381300" y="685800"/>
+            <a:off x="381000" y="685800"/>
             <a:ext cx="6096000" cy="3429000"/>
           </a:xfrm>
           <a:custGeom>
-            <a:rect b="b" l="l" r="r" t="t"/>
+            <a:avLst/>
+            <a:gdLst/>
+            <a:ahLst/>
+            <a:cxnLst/>
+            <a:rect l="l" t="t" r="r" b="b"/>
             <a:pathLst>
-              <a:path extrusionOk="0" h="120000" w="120000">
+              <a:path w="120000" h="120000" extrusionOk="0">
                 <a:moveTo>
                   <a:pt x="0" y="0"/>
                 </a:moveTo>
@@ -2061,9 +2146,11 @@
       <p:sp>
         <p:nvSpPr>
           <p:cNvPr id="173" name="Google Shape;173;g3118e8325d1_0_87:notes"/>
-          <p:cNvSpPr txBox="1"/>
+          <p:cNvSpPr txBox="1">
+            <a:spLocks noGrp="1"/>
+          </p:cNvSpPr>
           <p:nvPr>
-            <p:ph idx="1" type="body"/>
+            <p:ph type="body" idx="1"/>
           </p:nvPr>
         </p:nvSpPr>
         <p:spPr>
@@ -2076,23 +2163,20 @@
           </a:prstGeom>
         </p:spPr>
         <p:txBody>
-          <a:bodyPr anchorCtr="0" anchor="t" bIns="91425" lIns="91425" spcFirstLastPara="1" rIns="91425" wrap="square" tIns="91425">
+          <a:bodyPr spcFirstLastPara="1" wrap="square" lIns="91425" tIns="91425" rIns="91425" bIns="91425" anchor="t" anchorCtr="0">
             <a:noAutofit/>
           </a:bodyPr>
           <a:lstStyle/>
           <a:p>
-            <a:pPr indent="0" lvl="0" marL="0" rtl="0" algn="l">
-              <a:spcBef>
-                <a:spcPts val="0"/>
-              </a:spcBef>
-              <a:spcAft>
-                <a:spcPts val="0"/>
-              </a:spcAft>
-              <a:buNone/>
-            </a:pPr>
-            <a:r>
-              <a:t/>
-            </a:r>
+            <a:pPr marL="0" lvl="0" indent="0" algn="l" rtl="0">
+              <a:spcBef>
+                <a:spcPts val="0"/>
+              </a:spcBef>
+              <a:spcAft>
+                <a:spcPts val="0"/>
+              </a:spcAft>
+              <a:buNone/>
+            </a:pPr>
             <a:endParaRPr/>
           </a:p>
         </p:txBody>
@@ -2106,11 +2190,11 @@
 </file>
 
 <file path=ppt/notesSlides/notesSlide22.xml><?xml version="1.0" encoding="utf-8"?>
-<p:notes xmlns:a="http://schemas.openxmlformats.org/drawingml/2006/main" xmlns:r="http://schemas.openxmlformats.org/officeDocument/2006/relationships" xmlns:mc="http://schemas.openxmlformats.org/markup-compatibility/2006" xmlns:mv="urn:schemas-microsoft-com:mac:vml" xmlns:p="http://schemas.openxmlformats.org/presentationml/2006/main" xmlns:c="http://schemas.openxmlformats.org/drawingml/2006/chart" xmlns:dgm="http://schemas.openxmlformats.org/drawingml/2006/diagram" xmlns:o="urn:schemas-microsoft-com:office:office" xmlns:v="urn:schemas-microsoft-com:vml" xmlns:pvml="urn:schemas-microsoft-com:office:powerpoint" xmlns:com="http://schemas.openxmlformats.org/drawingml/2006/compatibility" xmlns:p14="http://schemas.microsoft.com/office/powerpoint/2010/main" xmlns:p15="http://schemas.microsoft.com/office/powerpoint/2012/main" xmlns:ahyp="http://schemas.microsoft.com/office/drawing/2018/hyperlinkcolor" showMasterPhAnim="0" showMasterSp="0">
+<p:notes xmlns:a="http://schemas.openxmlformats.org/drawingml/2006/main" xmlns:r="http://schemas.openxmlformats.org/officeDocument/2006/relationships" xmlns:p="http://schemas.openxmlformats.org/presentationml/2006/main" showMasterSp="0" showMasterPhAnim="0">
   <p:cSld>
     <p:spTree>
       <p:nvGrpSpPr>
-        <p:cNvPr id="177" name="Shape 177"/>
+        <p:cNvPr id="1" name="Shape 177"/>
         <p:cNvGrpSpPr/>
         <p:nvPr/>
       </p:nvGrpSpPr>
@@ -2125,20 +2209,26 @@
       <p:sp>
         <p:nvSpPr>
           <p:cNvPr id="178" name="Google Shape;178;g3118e8325d1_0_92:notes"/>
-          <p:cNvSpPr/>
+          <p:cNvSpPr>
+            <a:spLocks noGrp="1" noRot="1" noChangeAspect="1"/>
+          </p:cNvSpPr>
           <p:nvPr>
-            <p:ph idx="2" type="sldImg"/>
+            <p:ph type="sldImg" idx="2"/>
           </p:nvPr>
         </p:nvSpPr>
         <p:spPr>
           <a:xfrm>
-            <a:off x="381300" y="685800"/>
+            <a:off x="381000" y="685800"/>
             <a:ext cx="6096000" cy="3429000"/>
           </a:xfrm>
           <a:custGeom>
-            <a:rect b="b" l="l" r="r" t="t"/>
+            <a:avLst/>
+            <a:gdLst/>
+            <a:ahLst/>
+            <a:cxnLst/>
+            <a:rect l="l" t="t" r="r" b="b"/>
             <a:pathLst>
-              <a:path extrusionOk="0" h="120000" w="120000">
+              <a:path w="120000" h="120000" extrusionOk="0">
                 <a:moveTo>
                   <a:pt x="0" y="0"/>
                 </a:moveTo>
@@ -2160,9 +2250,11 @@
       <p:sp>
         <p:nvSpPr>
           <p:cNvPr id="179" name="Google Shape;179;g3118e8325d1_0_92:notes"/>
-          <p:cNvSpPr txBox="1"/>
+          <p:cNvSpPr txBox="1">
+            <a:spLocks noGrp="1"/>
+          </p:cNvSpPr>
           <p:nvPr>
-            <p:ph idx="1" type="body"/>
+            <p:ph type="body" idx="1"/>
           </p:nvPr>
         </p:nvSpPr>
         <p:spPr>
@@ -2175,23 +2267,20 @@
           </a:prstGeom>
         </p:spPr>
         <p:txBody>
-          <a:bodyPr anchorCtr="0" anchor="t" bIns="91425" lIns="91425" spcFirstLastPara="1" rIns="91425" wrap="square" tIns="91425">
+          <a:bodyPr spcFirstLastPara="1" wrap="square" lIns="91425" tIns="91425" rIns="91425" bIns="91425" anchor="t" anchorCtr="0">
             <a:noAutofit/>
           </a:bodyPr>
           <a:lstStyle/>
           <a:p>
-            <a:pPr indent="0" lvl="0" marL="0" rtl="0" algn="l">
-              <a:spcBef>
-                <a:spcPts val="0"/>
-              </a:spcBef>
-              <a:spcAft>
-                <a:spcPts val="0"/>
-              </a:spcAft>
-              <a:buNone/>
-            </a:pPr>
-            <a:r>
-              <a:t/>
-            </a:r>
+            <a:pPr marL="0" lvl="0" indent="0" algn="l" rtl="0">
+              <a:spcBef>
+                <a:spcPts val="0"/>
+              </a:spcBef>
+              <a:spcAft>
+                <a:spcPts val="0"/>
+              </a:spcAft>
+              <a:buNone/>
+            </a:pPr>
             <a:endParaRPr/>
           </a:p>
         </p:txBody>
@@ -2205,11 +2294,11 @@
 </file>
 
 <file path=ppt/notesSlides/notesSlide23.xml><?xml version="1.0" encoding="utf-8"?>
-<p:notes xmlns:a="http://schemas.openxmlformats.org/drawingml/2006/main" xmlns:r="http://schemas.openxmlformats.org/officeDocument/2006/relationships" xmlns:mc="http://schemas.openxmlformats.org/markup-compatibility/2006" xmlns:mv="urn:schemas-microsoft-com:mac:vml" xmlns:p="http://schemas.openxmlformats.org/presentationml/2006/main" xmlns:c="http://schemas.openxmlformats.org/drawingml/2006/chart" xmlns:dgm="http://schemas.openxmlformats.org/drawingml/2006/diagram" xmlns:o="urn:schemas-microsoft-com:office:office" xmlns:v="urn:schemas-microsoft-com:vml" xmlns:pvml="urn:schemas-microsoft-com:office:powerpoint" xmlns:com="http://schemas.openxmlformats.org/drawingml/2006/compatibility" xmlns:p14="http://schemas.microsoft.com/office/powerpoint/2010/main" xmlns:p15="http://schemas.microsoft.com/office/powerpoint/2012/main" xmlns:ahyp="http://schemas.microsoft.com/office/drawing/2018/hyperlinkcolor" showMasterPhAnim="0" showMasterSp="0">
+<p:notes xmlns:a="http://schemas.openxmlformats.org/drawingml/2006/main" xmlns:r="http://schemas.openxmlformats.org/officeDocument/2006/relationships" xmlns:p="http://schemas.openxmlformats.org/presentationml/2006/main" showMasterSp="0" showMasterPhAnim="0">
   <p:cSld>
     <p:spTree>
       <p:nvGrpSpPr>
-        <p:cNvPr id="183" name="Shape 183"/>
+        <p:cNvPr id="1" name="Shape 183"/>
         <p:cNvGrpSpPr/>
         <p:nvPr/>
       </p:nvGrpSpPr>
@@ -2224,20 +2313,26 @@
       <p:sp>
         <p:nvSpPr>
           <p:cNvPr id="184" name="Google Shape;184;g3118e8325d1_0_105:notes"/>
-          <p:cNvSpPr/>
+          <p:cNvSpPr>
+            <a:spLocks noGrp="1" noRot="1" noChangeAspect="1"/>
+          </p:cNvSpPr>
           <p:nvPr>
-            <p:ph idx="2" type="sldImg"/>
+            <p:ph type="sldImg" idx="2"/>
           </p:nvPr>
         </p:nvSpPr>
         <p:spPr>
           <a:xfrm>
-            <a:off x="381300" y="685800"/>
+            <a:off x="381000" y="685800"/>
             <a:ext cx="6096000" cy="3429000"/>
           </a:xfrm>
           <a:custGeom>
-            <a:rect b="b" l="l" r="r" t="t"/>
+            <a:avLst/>
+            <a:gdLst/>
+            <a:ahLst/>
+            <a:cxnLst/>
+            <a:rect l="l" t="t" r="r" b="b"/>
             <a:pathLst>
-              <a:path extrusionOk="0" h="120000" w="120000">
+              <a:path w="120000" h="120000" extrusionOk="0">
                 <a:moveTo>
                   <a:pt x="0" y="0"/>
                 </a:moveTo>
@@ -2259,9 +2354,11 @@
       <p:sp>
         <p:nvSpPr>
           <p:cNvPr id="185" name="Google Shape;185;g3118e8325d1_0_105:notes"/>
-          <p:cNvSpPr txBox="1"/>
+          <p:cNvSpPr txBox="1">
+            <a:spLocks noGrp="1"/>
+          </p:cNvSpPr>
           <p:nvPr>
-            <p:ph idx="1" type="body"/>
+            <p:ph type="body" idx="1"/>
           </p:nvPr>
         </p:nvSpPr>
         <p:spPr>
@@ -2274,23 +2371,20 @@
           </a:prstGeom>
         </p:spPr>
         <p:txBody>
-          <a:bodyPr anchorCtr="0" anchor="t" bIns="91425" lIns="91425" spcFirstLastPara="1" rIns="91425" wrap="square" tIns="91425">
+          <a:bodyPr spcFirstLastPara="1" wrap="square" lIns="91425" tIns="91425" rIns="91425" bIns="91425" anchor="t" anchorCtr="0">
             <a:noAutofit/>
           </a:bodyPr>
           <a:lstStyle/>
           <a:p>
-            <a:pPr indent="0" lvl="0" marL="0" rtl="0" algn="l">
-              <a:spcBef>
-                <a:spcPts val="0"/>
-              </a:spcBef>
-              <a:spcAft>
-                <a:spcPts val="0"/>
-              </a:spcAft>
-              <a:buNone/>
-            </a:pPr>
-            <a:r>
-              <a:t/>
-            </a:r>
+            <a:pPr marL="0" lvl="0" indent="0" algn="l" rtl="0">
+              <a:spcBef>
+                <a:spcPts val="0"/>
+              </a:spcBef>
+              <a:spcAft>
+                <a:spcPts val="0"/>
+              </a:spcAft>
+              <a:buNone/>
+            </a:pPr>
             <a:endParaRPr/>
           </a:p>
         </p:txBody>
@@ -2304,11 +2398,11 @@
 </file>
 
 <file path=ppt/notesSlides/notesSlide24.xml><?xml version="1.0" encoding="utf-8"?>
-<p:notes xmlns:a="http://schemas.openxmlformats.org/drawingml/2006/main" xmlns:r="http://schemas.openxmlformats.org/officeDocument/2006/relationships" xmlns:mc="http://schemas.openxmlformats.org/markup-compatibility/2006" xmlns:mv="urn:schemas-microsoft-com:mac:vml" xmlns:p="http://schemas.openxmlformats.org/presentationml/2006/main" xmlns:c="http://schemas.openxmlformats.org/drawingml/2006/chart" xmlns:dgm="http://schemas.openxmlformats.org/drawingml/2006/diagram" xmlns:o="urn:schemas-microsoft-com:office:office" xmlns:v="urn:schemas-microsoft-com:vml" xmlns:pvml="urn:schemas-microsoft-com:office:powerpoint" xmlns:com="http://schemas.openxmlformats.org/drawingml/2006/compatibility" xmlns:p14="http://schemas.microsoft.com/office/powerpoint/2010/main" xmlns:p15="http://schemas.microsoft.com/office/powerpoint/2012/main" xmlns:ahyp="http://schemas.microsoft.com/office/drawing/2018/hyperlinkcolor" showMasterPhAnim="0" showMasterSp="0">
+<p:notes xmlns:a="http://schemas.openxmlformats.org/drawingml/2006/main" xmlns:r="http://schemas.openxmlformats.org/officeDocument/2006/relationships" xmlns:p="http://schemas.openxmlformats.org/presentationml/2006/main" showMasterSp="0" showMasterPhAnim="0">
   <p:cSld>
     <p:spTree>
       <p:nvGrpSpPr>
-        <p:cNvPr id="189" name="Shape 189"/>
+        <p:cNvPr id="1" name="Shape 189"/>
         <p:cNvGrpSpPr/>
         <p:nvPr/>
       </p:nvGrpSpPr>
@@ -2323,20 +2417,26 @@
       <p:sp>
         <p:nvSpPr>
           <p:cNvPr id="190" name="Google Shape;190;g3118e8325d1_0_112:notes"/>
-          <p:cNvSpPr/>
+          <p:cNvSpPr>
+            <a:spLocks noGrp="1" noRot="1" noChangeAspect="1"/>
+          </p:cNvSpPr>
           <p:nvPr>
-            <p:ph idx="2" type="sldImg"/>
+            <p:ph type="sldImg" idx="2"/>
           </p:nvPr>
         </p:nvSpPr>
         <p:spPr>
           <a:xfrm>
-            <a:off x="381300" y="685800"/>
+            <a:off x="381000" y="685800"/>
             <a:ext cx="6096000" cy="3429000"/>
           </a:xfrm>
           <a:custGeom>
-            <a:rect b="b" l="l" r="r" t="t"/>
+            <a:avLst/>
+            <a:gdLst/>
+            <a:ahLst/>
+            <a:cxnLst/>
+            <a:rect l="l" t="t" r="r" b="b"/>
             <a:pathLst>
-              <a:path extrusionOk="0" h="120000" w="120000">
+              <a:path w="120000" h="120000" extrusionOk="0">
                 <a:moveTo>
                   <a:pt x="0" y="0"/>
                 </a:moveTo>
@@ -2358,9 +2458,11 @@
       <p:sp>
         <p:nvSpPr>
           <p:cNvPr id="191" name="Google Shape;191;g3118e8325d1_0_112:notes"/>
-          <p:cNvSpPr txBox="1"/>
+          <p:cNvSpPr txBox="1">
+            <a:spLocks noGrp="1"/>
+          </p:cNvSpPr>
           <p:nvPr>
-            <p:ph idx="1" type="body"/>
+            <p:ph type="body" idx="1"/>
           </p:nvPr>
         </p:nvSpPr>
         <p:spPr>
@@ -2373,122 +2475,20 @@
           </a:prstGeom>
         </p:spPr>
         <p:txBody>
-          <a:bodyPr anchorCtr="0" anchor="t" bIns="91425" lIns="91425" spcFirstLastPara="1" rIns="91425" wrap="square" tIns="91425">
+          <a:bodyPr spcFirstLastPara="1" wrap="square" lIns="91425" tIns="91425" rIns="91425" bIns="91425" anchor="t" anchorCtr="0">
             <a:noAutofit/>
           </a:bodyPr>
           <a:lstStyle/>
           <a:p>
-            <a:pPr indent="0" lvl="0" marL="0" rtl="0" algn="l">
-              <a:spcBef>
-                <a:spcPts val="0"/>
-              </a:spcBef>
-              <a:spcAft>
-                <a:spcPts val="0"/>
-              </a:spcAft>
-              <a:buNone/>
-            </a:pPr>
-            <a:r>
-              <a:t/>
-            </a:r>
-            <a:endParaRPr/>
-          </a:p>
-        </p:txBody>
-      </p:sp>
-    </p:spTree>
-  </p:cSld>
-  <p:clrMapOvr>
-    <a:masterClrMapping/>
-  </p:clrMapOvr>
-</p:notes>
-</file>
-
-<file path=ppt/notesSlides/notesSlide25.xml><?xml version="1.0" encoding="utf-8"?>
-<p:notes xmlns:a="http://schemas.openxmlformats.org/drawingml/2006/main" xmlns:r="http://schemas.openxmlformats.org/officeDocument/2006/relationships" xmlns:mc="http://schemas.openxmlformats.org/markup-compatibility/2006" xmlns:mv="urn:schemas-microsoft-com:mac:vml" xmlns:p="http://schemas.openxmlformats.org/presentationml/2006/main" xmlns:c="http://schemas.openxmlformats.org/drawingml/2006/chart" xmlns:dgm="http://schemas.openxmlformats.org/drawingml/2006/diagram" xmlns:o="urn:schemas-microsoft-com:office:office" xmlns:v="urn:schemas-microsoft-com:vml" xmlns:pvml="urn:schemas-microsoft-com:office:powerpoint" xmlns:com="http://schemas.openxmlformats.org/drawingml/2006/compatibility" xmlns:p14="http://schemas.microsoft.com/office/powerpoint/2010/main" xmlns:p15="http://schemas.microsoft.com/office/powerpoint/2012/main" xmlns:ahyp="http://schemas.microsoft.com/office/drawing/2018/hyperlinkcolor" showMasterPhAnim="0" showMasterSp="0">
-  <p:cSld>
-    <p:spTree>
-      <p:nvGrpSpPr>
-        <p:cNvPr id="195" name="Shape 195"/>
-        <p:cNvGrpSpPr/>
-        <p:nvPr/>
-      </p:nvGrpSpPr>
-      <p:grpSpPr>
-        <a:xfrm>
-          <a:off x="0" y="0"/>
-          <a:ext cx="0" cy="0"/>
-          <a:chOff x="0" y="0"/>
-          <a:chExt cx="0" cy="0"/>
-        </a:xfrm>
-      </p:grpSpPr>
-      <p:sp>
-        <p:nvSpPr>
-          <p:cNvPr id="196" name="Google Shape;196;g3118e8325d1_0_119:notes"/>
-          <p:cNvSpPr/>
-          <p:nvPr>
-            <p:ph idx="2" type="sldImg"/>
-          </p:nvPr>
-        </p:nvSpPr>
-        <p:spPr>
-          <a:xfrm>
-            <a:off x="381300" y="685800"/>
-            <a:ext cx="6096000" cy="3429000"/>
-          </a:xfrm>
-          <a:custGeom>
-            <a:rect b="b" l="l" r="r" t="t"/>
-            <a:pathLst>
-              <a:path extrusionOk="0" h="120000" w="120000">
-                <a:moveTo>
-                  <a:pt x="0" y="0"/>
-                </a:moveTo>
-                <a:lnTo>
-                  <a:pt x="120000" y="0"/>
-                </a:lnTo>
-                <a:lnTo>
-                  <a:pt x="120000" y="120000"/>
-                </a:lnTo>
-                <a:lnTo>
-                  <a:pt x="0" y="120000"/>
-                </a:lnTo>
-                <a:close/>
-              </a:path>
-            </a:pathLst>
-          </a:custGeom>
-        </p:spPr>
-      </p:sp>
-      <p:sp>
-        <p:nvSpPr>
-          <p:cNvPr id="197" name="Google Shape;197;g3118e8325d1_0_119:notes"/>
-          <p:cNvSpPr txBox="1"/>
-          <p:nvPr>
-            <p:ph idx="1" type="body"/>
-          </p:nvPr>
-        </p:nvSpPr>
-        <p:spPr>
-          <a:xfrm>
-            <a:off x="685800" y="4343400"/>
-            <a:ext cx="5486400" cy="4114800"/>
-          </a:xfrm>
-          <a:prstGeom prst="rect">
-            <a:avLst/>
-          </a:prstGeom>
-        </p:spPr>
-        <p:txBody>
-          <a:bodyPr anchorCtr="0" anchor="t" bIns="91425" lIns="91425" spcFirstLastPara="1" rIns="91425" wrap="square" tIns="91425">
-            <a:noAutofit/>
-          </a:bodyPr>
-          <a:lstStyle/>
-          <a:p>
-            <a:pPr indent="0" lvl="0" marL="0" rtl="0" algn="l">
-              <a:spcBef>
-                <a:spcPts val="0"/>
-              </a:spcBef>
-              <a:spcAft>
-                <a:spcPts val="0"/>
-              </a:spcAft>
-              <a:buNone/>
-            </a:pPr>
-            <a:r>
-              <a:t/>
-            </a:r>
+            <a:pPr marL="0" lvl="0" indent="0" algn="l" rtl="0">
+              <a:spcBef>
+                <a:spcPts val="0"/>
+              </a:spcBef>
+              <a:spcAft>
+                <a:spcPts val="0"/>
+              </a:spcAft>
+              <a:buNone/>
+            </a:pPr>
             <a:endParaRPr/>
           </a:p>
         </p:txBody>
@@ -2502,11 +2502,11 @@
 </file>
 
 <file path=ppt/notesSlides/notesSlide3.xml><?xml version="1.0" encoding="utf-8"?>
-<p:notes xmlns:a="http://schemas.openxmlformats.org/drawingml/2006/main" xmlns:r="http://schemas.openxmlformats.org/officeDocument/2006/relationships" xmlns:mc="http://schemas.openxmlformats.org/markup-compatibility/2006" xmlns:mv="urn:schemas-microsoft-com:mac:vml" xmlns:p="http://schemas.openxmlformats.org/presentationml/2006/main" xmlns:c="http://schemas.openxmlformats.org/drawingml/2006/chart" xmlns:dgm="http://schemas.openxmlformats.org/drawingml/2006/diagram" xmlns:o="urn:schemas-microsoft-com:office:office" xmlns:v="urn:schemas-microsoft-com:vml" xmlns:pvml="urn:schemas-microsoft-com:office:powerpoint" xmlns:com="http://schemas.openxmlformats.org/drawingml/2006/compatibility" xmlns:p14="http://schemas.microsoft.com/office/powerpoint/2010/main" xmlns:p15="http://schemas.microsoft.com/office/powerpoint/2012/main" xmlns:ahyp="http://schemas.microsoft.com/office/drawing/2018/hyperlinkcolor" showMasterPhAnim="0" showMasterSp="0">
+<p:notes xmlns:a="http://schemas.openxmlformats.org/drawingml/2006/main" xmlns:r="http://schemas.openxmlformats.org/officeDocument/2006/relationships" xmlns:p="http://schemas.openxmlformats.org/presentationml/2006/main" showMasterSp="0" showMasterPhAnim="0">
   <p:cSld>
     <p:spTree>
       <p:nvGrpSpPr>
-        <p:cNvPr id="63" name="Shape 63"/>
+        <p:cNvPr id="1" name="Shape 63"/>
         <p:cNvGrpSpPr/>
         <p:nvPr/>
       </p:nvGrpSpPr>
@@ -2521,20 +2521,26 @@
       <p:sp>
         <p:nvSpPr>
           <p:cNvPr id="64" name="Google Shape;64;g3118e8325d1_0_0:notes"/>
-          <p:cNvSpPr/>
+          <p:cNvSpPr>
+            <a:spLocks noGrp="1" noRot="1" noChangeAspect="1"/>
+          </p:cNvSpPr>
           <p:nvPr>
-            <p:ph idx="2" type="sldImg"/>
+            <p:ph type="sldImg" idx="2"/>
           </p:nvPr>
         </p:nvSpPr>
         <p:spPr>
           <a:xfrm>
-            <a:off x="381300" y="685800"/>
+            <a:off x="381000" y="685800"/>
             <a:ext cx="6096000" cy="3429000"/>
           </a:xfrm>
           <a:custGeom>
-            <a:rect b="b" l="l" r="r" t="t"/>
+            <a:avLst/>
+            <a:gdLst/>
+            <a:ahLst/>
+            <a:cxnLst/>
+            <a:rect l="l" t="t" r="r" b="b"/>
             <a:pathLst>
-              <a:path extrusionOk="0" h="120000" w="120000">
+              <a:path w="120000" h="120000" extrusionOk="0">
                 <a:moveTo>
                   <a:pt x="0" y="0"/>
                 </a:moveTo>
@@ -2556,9 +2562,11 @@
       <p:sp>
         <p:nvSpPr>
           <p:cNvPr id="65" name="Google Shape;65;g3118e8325d1_0_0:notes"/>
-          <p:cNvSpPr txBox="1"/>
+          <p:cNvSpPr txBox="1">
+            <a:spLocks noGrp="1"/>
+          </p:cNvSpPr>
           <p:nvPr>
-            <p:ph idx="1" type="body"/>
+            <p:ph type="body" idx="1"/>
           </p:nvPr>
         </p:nvSpPr>
         <p:spPr>
@@ -2571,23 +2579,20 @@
           </a:prstGeom>
         </p:spPr>
         <p:txBody>
-          <a:bodyPr anchorCtr="0" anchor="t" bIns="91425" lIns="91425" spcFirstLastPara="1" rIns="91425" wrap="square" tIns="91425">
+          <a:bodyPr spcFirstLastPara="1" wrap="square" lIns="91425" tIns="91425" rIns="91425" bIns="91425" anchor="t" anchorCtr="0">
             <a:noAutofit/>
           </a:bodyPr>
           <a:lstStyle/>
           <a:p>
-            <a:pPr indent="0" lvl="0" marL="0" rtl="0" algn="l">
-              <a:spcBef>
-                <a:spcPts val="0"/>
-              </a:spcBef>
-              <a:spcAft>
-                <a:spcPts val="0"/>
-              </a:spcAft>
-              <a:buNone/>
-            </a:pPr>
-            <a:r>
-              <a:t/>
-            </a:r>
+            <a:pPr marL="0" lvl="0" indent="0" algn="l" rtl="0">
+              <a:spcBef>
+                <a:spcPts val="0"/>
+              </a:spcBef>
+              <a:spcAft>
+                <a:spcPts val="0"/>
+              </a:spcAft>
+              <a:buNone/>
+            </a:pPr>
             <a:endParaRPr/>
           </a:p>
         </p:txBody>
@@ -2601,11 +2606,11 @@
 </file>
 
 <file path=ppt/notesSlides/notesSlide4.xml><?xml version="1.0" encoding="utf-8"?>
-<p:notes xmlns:a="http://schemas.openxmlformats.org/drawingml/2006/main" xmlns:r="http://schemas.openxmlformats.org/officeDocument/2006/relationships" xmlns:mc="http://schemas.openxmlformats.org/markup-compatibility/2006" xmlns:mv="urn:schemas-microsoft-com:mac:vml" xmlns:p="http://schemas.openxmlformats.org/presentationml/2006/main" xmlns:c="http://schemas.openxmlformats.org/drawingml/2006/chart" xmlns:dgm="http://schemas.openxmlformats.org/drawingml/2006/diagram" xmlns:o="urn:schemas-microsoft-com:office:office" xmlns:v="urn:schemas-microsoft-com:vml" xmlns:pvml="urn:schemas-microsoft-com:office:powerpoint" xmlns:com="http://schemas.openxmlformats.org/drawingml/2006/compatibility" xmlns:p14="http://schemas.microsoft.com/office/powerpoint/2010/main" xmlns:p15="http://schemas.microsoft.com/office/powerpoint/2012/main" xmlns:ahyp="http://schemas.microsoft.com/office/drawing/2018/hyperlinkcolor" showMasterPhAnim="0" showMasterSp="0">
+<p:notes xmlns:a="http://schemas.openxmlformats.org/drawingml/2006/main" xmlns:r="http://schemas.openxmlformats.org/officeDocument/2006/relationships" xmlns:p="http://schemas.openxmlformats.org/presentationml/2006/main" showMasterSp="0" showMasterPhAnim="0">
   <p:cSld>
     <p:spTree>
       <p:nvGrpSpPr>
-        <p:cNvPr id="69" name="Shape 69"/>
+        <p:cNvPr id="1" name="Shape 69"/>
         <p:cNvGrpSpPr/>
         <p:nvPr/>
       </p:nvGrpSpPr>
@@ -2620,20 +2625,26 @@
       <p:sp>
         <p:nvSpPr>
           <p:cNvPr id="70" name="Google Shape;70;g3118e8325d1_0_7:notes"/>
-          <p:cNvSpPr/>
+          <p:cNvSpPr>
+            <a:spLocks noGrp="1" noRot="1" noChangeAspect="1"/>
+          </p:cNvSpPr>
           <p:nvPr>
-            <p:ph idx="2" type="sldImg"/>
+            <p:ph type="sldImg" idx="2"/>
           </p:nvPr>
         </p:nvSpPr>
         <p:spPr>
           <a:xfrm>
-            <a:off x="381300" y="685800"/>
+            <a:off x="381000" y="685800"/>
             <a:ext cx="6096000" cy="3429000"/>
           </a:xfrm>
           <a:custGeom>
-            <a:rect b="b" l="l" r="r" t="t"/>
+            <a:avLst/>
+            <a:gdLst/>
+            <a:ahLst/>
+            <a:cxnLst/>
+            <a:rect l="l" t="t" r="r" b="b"/>
             <a:pathLst>
-              <a:path extrusionOk="0" h="120000" w="120000">
+              <a:path w="120000" h="120000" extrusionOk="0">
                 <a:moveTo>
                   <a:pt x="0" y="0"/>
                 </a:moveTo>
@@ -2655,9 +2666,11 @@
       <p:sp>
         <p:nvSpPr>
           <p:cNvPr id="71" name="Google Shape;71;g3118e8325d1_0_7:notes"/>
-          <p:cNvSpPr txBox="1"/>
+          <p:cNvSpPr txBox="1">
+            <a:spLocks noGrp="1"/>
+          </p:cNvSpPr>
           <p:nvPr>
-            <p:ph idx="1" type="body"/>
+            <p:ph type="body" idx="1"/>
           </p:nvPr>
         </p:nvSpPr>
         <p:spPr>
@@ -2670,23 +2683,20 @@
           </a:prstGeom>
         </p:spPr>
         <p:txBody>
-          <a:bodyPr anchorCtr="0" anchor="t" bIns="91425" lIns="91425" spcFirstLastPara="1" rIns="91425" wrap="square" tIns="91425">
+          <a:bodyPr spcFirstLastPara="1" wrap="square" lIns="91425" tIns="91425" rIns="91425" bIns="91425" anchor="t" anchorCtr="0">
             <a:noAutofit/>
           </a:bodyPr>
           <a:lstStyle/>
           <a:p>
-            <a:pPr indent="0" lvl="0" marL="0" rtl="0" algn="l">
-              <a:spcBef>
-                <a:spcPts val="0"/>
-              </a:spcBef>
-              <a:spcAft>
-                <a:spcPts val="0"/>
-              </a:spcAft>
-              <a:buNone/>
-            </a:pPr>
-            <a:r>
-              <a:t/>
-            </a:r>
+            <a:pPr marL="0" lvl="0" indent="0" algn="l" rtl="0">
+              <a:spcBef>
+                <a:spcPts val="0"/>
+              </a:spcBef>
+              <a:spcAft>
+                <a:spcPts val="0"/>
+              </a:spcAft>
+              <a:buNone/>
+            </a:pPr>
             <a:endParaRPr/>
           </a:p>
         </p:txBody>
@@ -2700,11 +2710,11 @@
 </file>
 
 <file path=ppt/notesSlides/notesSlide5.xml><?xml version="1.0" encoding="utf-8"?>
-<p:notes xmlns:a="http://schemas.openxmlformats.org/drawingml/2006/main" xmlns:r="http://schemas.openxmlformats.org/officeDocument/2006/relationships" xmlns:mc="http://schemas.openxmlformats.org/markup-compatibility/2006" xmlns:mv="urn:schemas-microsoft-com:mac:vml" xmlns:p="http://schemas.openxmlformats.org/presentationml/2006/main" xmlns:c="http://schemas.openxmlformats.org/drawingml/2006/chart" xmlns:dgm="http://schemas.openxmlformats.org/drawingml/2006/diagram" xmlns:o="urn:schemas-microsoft-com:office:office" xmlns:v="urn:schemas-microsoft-com:vml" xmlns:pvml="urn:schemas-microsoft-com:office:powerpoint" xmlns:com="http://schemas.openxmlformats.org/drawingml/2006/compatibility" xmlns:p14="http://schemas.microsoft.com/office/powerpoint/2010/main" xmlns:p15="http://schemas.microsoft.com/office/powerpoint/2012/main" xmlns:ahyp="http://schemas.microsoft.com/office/drawing/2018/hyperlinkcolor" showMasterPhAnim="0" showMasterSp="0">
+<p:notes xmlns:a="http://schemas.openxmlformats.org/drawingml/2006/main" xmlns:r="http://schemas.openxmlformats.org/officeDocument/2006/relationships" xmlns:p="http://schemas.openxmlformats.org/presentationml/2006/main" showMasterSp="0" showMasterPhAnim="0">
   <p:cSld>
     <p:spTree>
       <p:nvGrpSpPr>
-        <p:cNvPr id="75" name="Shape 75"/>
+        <p:cNvPr id="1" name="Shape 75"/>
         <p:cNvGrpSpPr/>
         <p:nvPr/>
       </p:nvGrpSpPr>
@@ -2719,20 +2729,26 @@
       <p:sp>
         <p:nvSpPr>
           <p:cNvPr id="76" name="Google Shape;76;g3118e8325d1_0_13:notes"/>
-          <p:cNvSpPr/>
+          <p:cNvSpPr>
+            <a:spLocks noGrp="1" noRot="1" noChangeAspect="1"/>
+          </p:cNvSpPr>
           <p:nvPr>
-            <p:ph idx="2" type="sldImg"/>
+            <p:ph type="sldImg" idx="2"/>
           </p:nvPr>
         </p:nvSpPr>
         <p:spPr>
           <a:xfrm>
-            <a:off x="381300" y="685800"/>
+            <a:off x="381000" y="685800"/>
             <a:ext cx="6096000" cy="3429000"/>
           </a:xfrm>
           <a:custGeom>
-            <a:rect b="b" l="l" r="r" t="t"/>
+            <a:avLst/>
+            <a:gdLst/>
+            <a:ahLst/>
+            <a:cxnLst/>
+            <a:rect l="l" t="t" r="r" b="b"/>
             <a:pathLst>
-              <a:path extrusionOk="0" h="120000" w="120000">
+              <a:path w="120000" h="120000" extrusionOk="0">
                 <a:moveTo>
                   <a:pt x="0" y="0"/>
                 </a:moveTo>
@@ -2754,9 +2770,11 @@
       <p:sp>
         <p:nvSpPr>
           <p:cNvPr id="77" name="Google Shape;77;g3118e8325d1_0_13:notes"/>
-          <p:cNvSpPr txBox="1"/>
+          <p:cNvSpPr txBox="1">
+            <a:spLocks noGrp="1"/>
+          </p:cNvSpPr>
           <p:nvPr>
-            <p:ph idx="1" type="body"/>
+            <p:ph type="body" idx="1"/>
           </p:nvPr>
         </p:nvSpPr>
         <p:spPr>
@@ -2769,23 +2787,20 @@
           </a:prstGeom>
         </p:spPr>
         <p:txBody>
-          <a:bodyPr anchorCtr="0" anchor="t" bIns="91425" lIns="91425" spcFirstLastPara="1" rIns="91425" wrap="square" tIns="91425">
+          <a:bodyPr spcFirstLastPara="1" wrap="square" lIns="91425" tIns="91425" rIns="91425" bIns="91425" anchor="t" anchorCtr="0">
             <a:noAutofit/>
           </a:bodyPr>
           <a:lstStyle/>
           <a:p>
-            <a:pPr indent="0" lvl="0" marL="0" rtl="0" algn="l">
-              <a:spcBef>
-                <a:spcPts val="0"/>
-              </a:spcBef>
-              <a:spcAft>
-                <a:spcPts val="0"/>
-              </a:spcAft>
-              <a:buNone/>
-            </a:pPr>
-            <a:r>
-              <a:t/>
-            </a:r>
+            <a:pPr marL="0" lvl="0" indent="0" algn="l" rtl="0">
+              <a:spcBef>
+                <a:spcPts val="0"/>
+              </a:spcBef>
+              <a:spcAft>
+                <a:spcPts val="0"/>
+              </a:spcAft>
+              <a:buNone/>
+            </a:pPr>
             <a:endParaRPr/>
           </a:p>
         </p:txBody>
@@ -2799,11 +2814,11 @@
 </file>
 
 <file path=ppt/notesSlides/notesSlide6.xml><?xml version="1.0" encoding="utf-8"?>
-<p:notes xmlns:a="http://schemas.openxmlformats.org/drawingml/2006/main" xmlns:r="http://schemas.openxmlformats.org/officeDocument/2006/relationships" xmlns:mc="http://schemas.openxmlformats.org/markup-compatibility/2006" xmlns:mv="urn:schemas-microsoft-com:mac:vml" xmlns:p="http://schemas.openxmlformats.org/presentationml/2006/main" xmlns:c="http://schemas.openxmlformats.org/drawingml/2006/chart" xmlns:dgm="http://schemas.openxmlformats.org/drawingml/2006/diagram" xmlns:o="urn:schemas-microsoft-com:office:office" xmlns:v="urn:schemas-microsoft-com:vml" xmlns:pvml="urn:schemas-microsoft-com:office:powerpoint" xmlns:com="http://schemas.openxmlformats.org/drawingml/2006/compatibility" xmlns:p14="http://schemas.microsoft.com/office/powerpoint/2010/main" xmlns:p15="http://schemas.microsoft.com/office/powerpoint/2012/main" xmlns:ahyp="http://schemas.microsoft.com/office/drawing/2018/hyperlinkcolor" showMasterPhAnim="0" showMasterSp="0">
+<p:notes xmlns:a="http://schemas.openxmlformats.org/drawingml/2006/main" xmlns:r="http://schemas.openxmlformats.org/officeDocument/2006/relationships" xmlns:p="http://schemas.openxmlformats.org/presentationml/2006/main" showMasterSp="0" showMasterPhAnim="0">
   <p:cSld>
     <p:spTree>
       <p:nvGrpSpPr>
-        <p:cNvPr id="81" name="Shape 81"/>
+        <p:cNvPr id="1" name="Shape 81"/>
         <p:cNvGrpSpPr/>
         <p:nvPr/>
       </p:nvGrpSpPr>
@@ -2818,20 +2833,26 @@
       <p:sp>
         <p:nvSpPr>
           <p:cNvPr id="82" name="Google Shape;82;g31579674a7f_0_0:notes"/>
-          <p:cNvSpPr/>
+          <p:cNvSpPr>
+            <a:spLocks noGrp="1" noRot="1" noChangeAspect="1"/>
+          </p:cNvSpPr>
           <p:nvPr>
-            <p:ph idx="2" type="sldImg"/>
+            <p:ph type="sldImg" idx="2"/>
           </p:nvPr>
         </p:nvSpPr>
         <p:spPr>
           <a:xfrm>
-            <a:off x="381300" y="685800"/>
+            <a:off x="381000" y="685800"/>
             <a:ext cx="6096000" cy="3429000"/>
           </a:xfrm>
           <a:custGeom>
-            <a:rect b="b" l="l" r="r" t="t"/>
+            <a:avLst/>
+            <a:gdLst/>
+            <a:ahLst/>
+            <a:cxnLst/>
+            <a:rect l="l" t="t" r="r" b="b"/>
             <a:pathLst>
-              <a:path extrusionOk="0" h="120000" w="120000">
+              <a:path w="120000" h="120000" extrusionOk="0">
                 <a:moveTo>
                   <a:pt x="0" y="0"/>
                 </a:moveTo>
@@ -2853,9 +2874,11 @@
       <p:sp>
         <p:nvSpPr>
           <p:cNvPr id="83" name="Google Shape;83;g31579674a7f_0_0:notes"/>
-          <p:cNvSpPr txBox="1"/>
+          <p:cNvSpPr txBox="1">
+            <a:spLocks noGrp="1"/>
+          </p:cNvSpPr>
           <p:nvPr>
-            <p:ph idx="1" type="body"/>
+            <p:ph type="body" idx="1"/>
           </p:nvPr>
         </p:nvSpPr>
         <p:spPr>
@@ -2868,23 +2891,20 @@
           </a:prstGeom>
         </p:spPr>
         <p:txBody>
-          <a:bodyPr anchorCtr="0" anchor="t" bIns="91425" lIns="91425" spcFirstLastPara="1" rIns="91425" wrap="square" tIns="91425">
+          <a:bodyPr spcFirstLastPara="1" wrap="square" lIns="91425" tIns="91425" rIns="91425" bIns="91425" anchor="t" anchorCtr="0">
             <a:noAutofit/>
           </a:bodyPr>
           <a:lstStyle/>
           <a:p>
-            <a:pPr indent="0" lvl="0" marL="0" rtl="0" algn="l">
-              <a:spcBef>
-                <a:spcPts val="0"/>
-              </a:spcBef>
-              <a:spcAft>
-                <a:spcPts val="0"/>
-              </a:spcAft>
-              <a:buNone/>
-            </a:pPr>
-            <a:r>
-              <a:t/>
-            </a:r>
+            <a:pPr marL="0" lvl="0" indent="0" algn="l" rtl="0">
+              <a:spcBef>
+                <a:spcPts val="0"/>
+              </a:spcBef>
+              <a:spcAft>
+                <a:spcPts val="0"/>
+              </a:spcAft>
+              <a:buNone/>
+            </a:pPr>
             <a:endParaRPr/>
           </a:p>
         </p:txBody>
@@ -2898,11 +2918,11 @@
 </file>
 
 <file path=ppt/notesSlides/notesSlide7.xml><?xml version="1.0" encoding="utf-8"?>
-<p:notes xmlns:a="http://schemas.openxmlformats.org/drawingml/2006/main" xmlns:r="http://schemas.openxmlformats.org/officeDocument/2006/relationships" xmlns:mc="http://schemas.openxmlformats.org/markup-compatibility/2006" xmlns:mv="urn:schemas-microsoft-com:mac:vml" xmlns:p="http://schemas.openxmlformats.org/presentationml/2006/main" xmlns:c="http://schemas.openxmlformats.org/drawingml/2006/chart" xmlns:dgm="http://schemas.openxmlformats.org/drawingml/2006/diagram" xmlns:o="urn:schemas-microsoft-com:office:office" xmlns:v="urn:schemas-microsoft-com:vml" xmlns:pvml="urn:schemas-microsoft-com:office:powerpoint" xmlns:com="http://schemas.openxmlformats.org/drawingml/2006/compatibility" xmlns:p14="http://schemas.microsoft.com/office/powerpoint/2010/main" xmlns:p15="http://schemas.microsoft.com/office/powerpoint/2012/main" xmlns:ahyp="http://schemas.microsoft.com/office/drawing/2018/hyperlinkcolor" showMasterPhAnim="0" showMasterSp="0">
+<p:notes xmlns:a="http://schemas.openxmlformats.org/drawingml/2006/main" xmlns:r="http://schemas.openxmlformats.org/officeDocument/2006/relationships" xmlns:p="http://schemas.openxmlformats.org/presentationml/2006/main" showMasterSp="0" showMasterPhAnim="0">
   <p:cSld>
     <p:spTree>
       <p:nvGrpSpPr>
-        <p:cNvPr id="87" name="Shape 87"/>
+        <p:cNvPr id="1" name="Shape 87"/>
         <p:cNvGrpSpPr/>
         <p:nvPr/>
       </p:nvGrpSpPr>
@@ -2917,20 +2937,26 @@
       <p:sp>
         <p:nvSpPr>
           <p:cNvPr id="88" name="Google Shape;88;g31579674a7f_0_8:notes"/>
-          <p:cNvSpPr/>
+          <p:cNvSpPr>
+            <a:spLocks noGrp="1" noRot="1" noChangeAspect="1"/>
+          </p:cNvSpPr>
           <p:nvPr>
-            <p:ph idx="2" type="sldImg"/>
+            <p:ph type="sldImg" idx="2"/>
           </p:nvPr>
         </p:nvSpPr>
         <p:spPr>
           <a:xfrm>
-            <a:off x="381300" y="685800"/>
+            <a:off x="381000" y="685800"/>
             <a:ext cx="6096000" cy="3429000"/>
           </a:xfrm>
           <a:custGeom>
-            <a:rect b="b" l="l" r="r" t="t"/>
+            <a:avLst/>
+            <a:gdLst/>
+            <a:ahLst/>
+            <a:cxnLst/>
+            <a:rect l="l" t="t" r="r" b="b"/>
             <a:pathLst>
-              <a:path extrusionOk="0" h="120000" w="120000">
+              <a:path w="120000" h="120000" extrusionOk="0">
                 <a:moveTo>
                   <a:pt x="0" y="0"/>
                 </a:moveTo>
@@ -2952,9 +2978,11 @@
       <p:sp>
         <p:nvSpPr>
           <p:cNvPr id="89" name="Google Shape;89;g31579674a7f_0_8:notes"/>
-          <p:cNvSpPr txBox="1"/>
+          <p:cNvSpPr txBox="1">
+            <a:spLocks noGrp="1"/>
+          </p:cNvSpPr>
           <p:nvPr>
-            <p:ph idx="1" type="body"/>
+            <p:ph type="body" idx="1"/>
           </p:nvPr>
         </p:nvSpPr>
         <p:spPr>
@@ -2967,23 +2995,20 @@
           </a:prstGeom>
         </p:spPr>
         <p:txBody>
-          <a:bodyPr anchorCtr="0" anchor="t" bIns="91425" lIns="91425" spcFirstLastPara="1" rIns="91425" wrap="square" tIns="91425">
+          <a:bodyPr spcFirstLastPara="1" wrap="square" lIns="91425" tIns="91425" rIns="91425" bIns="91425" anchor="t" anchorCtr="0">
             <a:noAutofit/>
           </a:bodyPr>
           <a:lstStyle/>
           <a:p>
-            <a:pPr indent="0" lvl="0" marL="0" rtl="0" algn="l">
-              <a:spcBef>
-                <a:spcPts val="0"/>
-              </a:spcBef>
-              <a:spcAft>
-                <a:spcPts val="0"/>
-              </a:spcAft>
-              <a:buNone/>
-            </a:pPr>
-            <a:r>
-              <a:t/>
-            </a:r>
+            <a:pPr marL="0" lvl="0" indent="0" algn="l" rtl="0">
+              <a:spcBef>
+                <a:spcPts val="0"/>
+              </a:spcBef>
+              <a:spcAft>
+                <a:spcPts val="0"/>
+              </a:spcAft>
+              <a:buNone/>
+            </a:pPr>
             <a:endParaRPr/>
           </a:p>
         </p:txBody>
@@ -2997,11 +3022,11 @@
 </file>
 
 <file path=ppt/notesSlides/notesSlide8.xml><?xml version="1.0" encoding="utf-8"?>
-<p:notes xmlns:a="http://schemas.openxmlformats.org/drawingml/2006/main" xmlns:r="http://schemas.openxmlformats.org/officeDocument/2006/relationships" xmlns:mc="http://schemas.openxmlformats.org/markup-compatibility/2006" xmlns:mv="urn:schemas-microsoft-com:mac:vml" xmlns:p="http://schemas.openxmlformats.org/presentationml/2006/main" xmlns:c="http://schemas.openxmlformats.org/drawingml/2006/chart" xmlns:dgm="http://schemas.openxmlformats.org/drawingml/2006/diagram" xmlns:o="urn:schemas-microsoft-com:office:office" xmlns:v="urn:schemas-microsoft-com:vml" xmlns:pvml="urn:schemas-microsoft-com:office:powerpoint" xmlns:com="http://schemas.openxmlformats.org/drawingml/2006/compatibility" xmlns:p14="http://schemas.microsoft.com/office/powerpoint/2010/main" xmlns:p15="http://schemas.microsoft.com/office/powerpoint/2012/main" xmlns:ahyp="http://schemas.microsoft.com/office/drawing/2018/hyperlinkcolor" showMasterPhAnim="0" showMasterSp="0">
+<p:notes xmlns:a="http://schemas.openxmlformats.org/drawingml/2006/main" xmlns:r="http://schemas.openxmlformats.org/officeDocument/2006/relationships" xmlns:p="http://schemas.openxmlformats.org/presentationml/2006/main" showMasterSp="0" showMasterPhAnim="0">
   <p:cSld>
     <p:spTree>
       <p:nvGrpSpPr>
-        <p:cNvPr id="93" name="Shape 93"/>
+        <p:cNvPr id="1" name="Shape 93"/>
         <p:cNvGrpSpPr/>
         <p:nvPr/>
       </p:nvGrpSpPr>
@@ -3016,20 +3041,26 @@
       <p:sp>
         <p:nvSpPr>
           <p:cNvPr id="94" name="Google Shape;94;g31579674a7f_0_15:notes"/>
-          <p:cNvSpPr/>
+          <p:cNvSpPr>
+            <a:spLocks noGrp="1" noRot="1" noChangeAspect="1"/>
+          </p:cNvSpPr>
           <p:nvPr>
-            <p:ph idx="2" type="sldImg"/>
+            <p:ph type="sldImg" idx="2"/>
           </p:nvPr>
         </p:nvSpPr>
         <p:spPr>
           <a:xfrm>
-            <a:off x="381300" y="685800"/>
+            <a:off x="381000" y="685800"/>
             <a:ext cx="6096000" cy="3429000"/>
           </a:xfrm>
           <a:custGeom>
-            <a:rect b="b" l="l" r="r" t="t"/>
+            <a:avLst/>
+            <a:gdLst/>
+            <a:ahLst/>
+            <a:cxnLst/>
+            <a:rect l="l" t="t" r="r" b="b"/>
             <a:pathLst>
-              <a:path extrusionOk="0" h="120000" w="120000">
+              <a:path w="120000" h="120000" extrusionOk="0">
                 <a:moveTo>
                   <a:pt x="0" y="0"/>
                 </a:moveTo>
@@ -3051,9 +3082,11 @@
       <p:sp>
         <p:nvSpPr>
           <p:cNvPr id="95" name="Google Shape;95;g31579674a7f_0_15:notes"/>
-          <p:cNvSpPr txBox="1"/>
+          <p:cNvSpPr txBox="1">
+            <a:spLocks noGrp="1"/>
+          </p:cNvSpPr>
           <p:nvPr>
-            <p:ph idx="1" type="body"/>
+            <p:ph type="body" idx="1"/>
           </p:nvPr>
         </p:nvSpPr>
         <p:spPr>
@@ -3066,23 +3099,20 @@
           </a:prstGeom>
         </p:spPr>
         <p:txBody>
-          <a:bodyPr anchorCtr="0" anchor="t" bIns="91425" lIns="91425" spcFirstLastPara="1" rIns="91425" wrap="square" tIns="91425">
+          <a:bodyPr spcFirstLastPara="1" wrap="square" lIns="91425" tIns="91425" rIns="91425" bIns="91425" anchor="t" anchorCtr="0">
             <a:noAutofit/>
           </a:bodyPr>
           <a:lstStyle/>
           <a:p>
-            <a:pPr indent="0" lvl="0" marL="0" rtl="0" algn="l">
-              <a:spcBef>
-                <a:spcPts val="0"/>
-              </a:spcBef>
-              <a:spcAft>
-                <a:spcPts val="0"/>
-              </a:spcAft>
-              <a:buNone/>
-            </a:pPr>
-            <a:r>
-              <a:t/>
-            </a:r>
+            <a:pPr marL="0" lvl="0" indent="0" algn="l" rtl="0">
+              <a:spcBef>
+                <a:spcPts val="0"/>
+              </a:spcBef>
+              <a:spcAft>
+                <a:spcPts val="0"/>
+              </a:spcAft>
+              <a:buNone/>
+            </a:pPr>
             <a:endParaRPr/>
           </a:p>
         </p:txBody>
@@ -3096,11 +3126,11 @@
 </file>
 
 <file path=ppt/notesSlides/notesSlide9.xml><?xml version="1.0" encoding="utf-8"?>
-<p:notes xmlns:a="http://schemas.openxmlformats.org/drawingml/2006/main" xmlns:r="http://schemas.openxmlformats.org/officeDocument/2006/relationships" xmlns:mc="http://schemas.openxmlformats.org/markup-compatibility/2006" xmlns:mv="urn:schemas-microsoft-com:mac:vml" xmlns:p="http://schemas.openxmlformats.org/presentationml/2006/main" xmlns:c="http://schemas.openxmlformats.org/drawingml/2006/chart" xmlns:dgm="http://schemas.openxmlformats.org/drawingml/2006/diagram" xmlns:o="urn:schemas-microsoft-com:office:office" xmlns:v="urn:schemas-microsoft-com:vml" xmlns:pvml="urn:schemas-microsoft-com:office:powerpoint" xmlns:com="http://schemas.openxmlformats.org/drawingml/2006/compatibility" xmlns:p14="http://schemas.microsoft.com/office/powerpoint/2010/main" xmlns:p15="http://schemas.microsoft.com/office/powerpoint/2012/main" xmlns:ahyp="http://schemas.microsoft.com/office/drawing/2018/hyperlinkcolor" showMasterPhAnim="0" showMasterSp="0">
+<p:notes xmlns:a="http://schemas.openxmlformats.org/drawingml/2006/main" xmlns:r="http://schemas.openxmlformats.org/officeDocument/2006/relationships" xmlns:p="http://schemas.openxmlformats.org/presentationml/2006/main" showMasterSp="0" showMasterPhAnim="0">
   <p:cSld>
     <p:spTree>
       <p:nvGrpSpPr>
-        <p:cNvPr id="99" name="Shape 99"/>
+        <p:cNvPr id="1" name="Shape 99"/>
         <p:cNvGrpSpPr/>
         <p:nvPr/>
       </p:nvGrpSpPr>
@@ -3115,20 +3145,26 @@
       <p:sp>
         <p:nvSpPr>
           <p:cNvPr id="100" name="Google Shape;100;g31579674a7f_0_22:notes"/>
-          <p:cNvSpPr/>
+          <p:cNvSpPr>
+            <a:spLocks noGrp="1" noRot="1" noChangeAspect="1"/>
+          </p:cNvSpPr>
           <p:nvPr>
-            <p:ph idx="2" type="sldImg"/>
+            <p:ph type="sldImg" idx="2"/>
           </p:nvPr>
         </p:nvSpPr>
         <p:spPr>
           <a:xfrm>
-            <a:off x="381300" y="685800"/>
+            <a:off x="381000" y="685800"/>
             <a:ext cx="6096000" cy="3429000"/>
           </a:xfrm>
           <a:custGeom>
-            <a:rect b="b" l="l" r="r" t="t"/>
+            <a:avLst/>
+            <a:gdLst/>
+            <a:ahLst/>
+            <a:cxnLst/>
+            <a:rect l="l" t="t" r="r" b="b"/>
             <a:pathLst>
-              <a:path extrusionOk="0" h="120000" w="120000">
+              <a:path w="120000" h="120000" extrusionOk="0">
                 <a:moveTo>
                   <a:pt x="0" y="0"/>
                 </a:moveTo>
@@ -3150,9 +3186,11 @@
       <p:sp>
         <p:nvSpPr>
           <p:cNvPr id="101" name="Google Shape;101;g31579674a7f_0_22:notes"/>
-          <p:cNvSpPr txBox="1"/>
+          <p:cNvSpPr txBox="1">
+            <a:spLocks noGrp="1"/>
+          </p:cNvSpPr>
           <p:nvPr>
-            <p:ph idx="1" type="body"/>
+            <p:ph type="body" idx="1"/>
           </p:nvPr>
         </p:nvSpPr>
         <p:spPr>
@@ -3165,23 +3203,20 @@
           </a:prstGeom>
         </p:spPr>
         <p:txBody>
-          <a:bodyPr anchorCtr="0" anchor="t" bIns="91425" lIns="91425" spcFirstLastPara="1" rIns="91425" wrap="square" tIns="91425">
+          <a:bodyPr spcFirstLastPara="1" wrap="square" lIns="91425" tIns="91425" rIns="91425" bIns="91425" anchor="t" anchorCtr="0">
             <a:noAutofit/>
           </a:bodyPr>
           <a:lstStyle/>
           <a:p>
-            <a:pPr indent="0" lvl="0" marL="0" rtl="0" algn="l">
-              <a:spcBef>
-                <a:spcPts val="0"/>
-              </a:spcBef>
-              <a:spcAft>
-                <a:spcPts val="0"/>
-              </a:spcAft>
-              <a:buNone/>
-            </a:pPr>
-            <a:r>
-              <a:t/>
-            </a:r>
+            <a:pPr marL="0" lvl="0" indent="0" algn="l" rtl="0">
+              <a:spcBef>
+                <a:spcPts val="0"/>
+              </a:spcBef>
+              <a:spcAft>
+                <a:spcPts val="0"/>
+              </a:spcAft>
+              <a:buNone/>
+            </a:pPr>
             <a:endParaRPr/>
           </a:p>
         </p:txBody>
@@ -3195,11 +3230,11 @@
 </file>
 
 <file path=ppt/slideLayouts/slideLayout1.xml><?xml version="1.0" encoding="utf-8"?>
-<p:sldLayout xmlns:a="http://schemas.openxmlformats.org/drawingml/2006/main" xmlns:r="http://schemas.openxmlformats.org/officeDocument/2006/relationships" xmlns:mc="http://schemas.openxmlformats.org/markup-compatibility/2006" xmlns:mv="urn:schemas-microsoft-com:mac:vml" xmlns:p="http://schemas.openxmlformats.org/presentationml/2006/main" xmlns:c="http://schemas.openxmlformats.org/drawingml/2006/chart" xmlns:dgm="http://schemas.openxmlformats.org/drawingml/2006/diagram" xmlns:o="urn:schemas-microsoft-com:office:office" xmlns:v="urn:schemas-microsoft-com:vml" xmlns:pvml="urn:schemas-microsoft-com:office:powerpoint" xmlns:com="http://schemas.openxmlformats.org/drawingml/2006/compatibility" xmlns:p14="http://schemas.microsoft.com/office/powerpoint/2010/main" xmlns:p15="http://schemas.microsoft.com/office/powerpoint/2012/main" xmlns:ahyp="http://schemas.microsoft.com/office/drawing/2018/hyperlinkcolor" matchingName="Title slide" type="title">
+<p:sldLayout xmlns:a="http://schemas.openxmlformats.org/drawingml/2006/main" xmlns:r="http://schemas.openxmlformats.org/officeDocument/2006/relationships" xmlns:p="http://schemas.openxmlformats.org/presentationml/2006/main" matchingName="Title slide" type="title">
   <p:cSld name="TITLE">
     <p:spTree>
       <p:nvGrpSpPr>
-        <p:cNvPr id="9" name="Shape 9"/>
+        <p:cNvPr id="1" name="Shape 9"/>
         <p:cNvGrpSpPr/>
         <p:nvPr/>
       </p:nvGrpSpPr>
@@ -3214,7 +3249,9 @@
       <p:sp>
         <p:nvSpPr>
           <p:cNvPr id="10" name="Google Shape;10;p2"/>
-          <p:cNvSpPr txBox="1"/>
+          <p:cNvSpPr txBox="1">
+            <a:spLocks noGrp="1"/>
+          </p:cNvSpPr>
           <p:nvPr>
             <p:ph type="ctrTitle"/>
           </p:nvPr>
@@ -3229,7 +3266,7 @@
           </a:prstGeom>
         </p:spPr>
         <p:txBody>
-          <a:bodyPr anchorCtr="0" anchor="b" bIns="91425" lIns="91425" spcFirstLastPara="1" rIns="91425" wrap="square" tIns="91425">
+          <a:bodyPr spcFirstLastPara="1" wrap="square" lIns="91425" tIns="91425" rIns="91425" bIns="91425" anchor="b" anchorCtr="0">
             <a:normAutofit/>
           </a:bodyPr>
           <a:lstStyle>
@@ -3333,15 +3370,19 @@
               <a:defRPr sz="5200"/>
             </a:lvl9pPr>
           </a:lstStyle>
-          <a:p/>
+          <a:p>
+            <a:endParaRPr/>
+          </a:p>
         </p:txBody>
       </p:sp>
       <p:sp>
         <p:nvSpPr>
           <p:cNvPr id="11" name="Google Shape;11;p2"/>
-          <p:cNvSpPr txBox="1"/>
+          <p:cNvSpPr txBox="1">
+            <a:spLocks noGrp="1"/>
+          </p:cNvSpPr>
           <p:nvPr>
-            <p:ph idx="1" type="subTitle"/>
+            <p:ph type="subTitle" idx="1"/>
           </p:nvPr>
         </p:nvSpPr>
         <p:spPr>
@@ -3354,7 +3395,7 @@
           </a:prstGeom>
         </p:spPr>
         <p:txBody>
-          <a:bodyPr anchorCtr="0" anchor="t" bIns="91425" lIns="91425" spcFirstLastPara="1" rIns="91425" wrap="square" tIns="91425">
+          <a:bodyPr spcFirstLastPara="1" wrap="square" lIns="91425" tIns="91425" rIns="91425" bIns="91425" anchor="t" anchorCtr="0">
             <a:normAutofit/>
           </a:bodyPr>
           <a:lstStyle>
@@ -3485,15 +3526,19 @@
               <a:defRPr sz="2800"/>
             </a:lvl9pPr>
           </a:lstStyle>
-          <a:p/>
+          <a:p>
+            <a:endParaRPr/>
+          </a:p>
         </p:txBody>
       </p:sp>
       <p:sp>
         <p:nvSpPr>
           <p:cNvPr id="12" name="Google Shape;12;p2"/>
-          <p:cNvSpPr txBox="1"/>
+          <p:cNvSpPr txBox="1">
+            <a:spLocks noGrp="1"/>
+          </p:cNvSpPr>
           <p:nvPr>
-            <p:ph idx="12" type="sldNum"/>
+            <p:ph type="sldNum" idx="12"/>
           </p:nvPr>
         </p:nvSpPr>
         <p:spPr>
@@ -3506,7 +3551,7 @@
           </a:prstGeom>
         </p:spPr>
         <p:txBody>
-          <a:bodyPr anchorCtr="0" anchor="ctr" bIns="91425" lIns="91425" spcFirstLastPara="1" rIns="91425" wrap="square" tIns="91425">
+          <a:bodyPr spcFirstLastPara="1" wrap="square" lIns="91425" tIns="91425" rIns="91425" bIns="91425" anchor="ctr" anchorCtr="0">
             <a:normAutofit/>
           </a:bodyPr>
           <a:lstStyle>
@@ -3548,7 +3593,7 @@
             </a:lvl9pPr>
           </a:lstStyle>
           <a:p>
-            <a:pPr indent="0" lvl="0" marL="0" rtl="0" algn="r">
+            <a:pPr marL="0" lvl="0" indent="0" algn="r" rtl="0">
               <a:spcBef>
                 <a:spcPts val="0"/>
               </a:spcBef>
@@ -3574,11 +3619,11 @@
 </file>
 
 <file path=ppt/slideLayouts/slideLayout10.xml><?xml version="1.0" encoding="utf-8"?>
-<p:sldLayout xmlns:a="http://schemas.openxmlformats.org/drawingml/2006/main" xmlns:r="http://schemas.openxmlformats.org/officeDocument/2006/relationships" xmlns:mc="http://schemas.openxmlformats.org/markup-compatibility/2006" xmlns:mv="urn:schemas-microsoft-com:mac:vml" xmlns:p="http://schemas.openxmlformats.org/presentationml/2006/main" xmlns:c="http://schemas.openxmlformats.org/drawingml/2006/chart" xmlns:dgm="http://schemas.openxmlformats.org/drawingml/2006/diagram" xmlns:o="urn:schemas-microsoft-com:office:office" xmlns:v="urn:schemas-microsoft-com:vml" xmlns:pvml="urn:schemas-microsoft-com:office:powerpoint" xmlns:com="http://schemas.openxmlformats.org/drawingml/2006/compatibility" xmlns:p14="http://schemas.microsoft.com/office/powerpoint/2010/main" xmlns:p15="http://schemas.microsoft.com/office/powerpoint/2012/main" xmlns:ahyp="http://schemas.microsoft.com/office/drawing/2018/hyperlinkcolor" matchingName="Big number">
+<p:sldLayout xmlns:a="http://schemas.openxmlformats.org/drawingml/2006/main" xmlns:r="http://schemas.openxmlformats.org/officeDocument/2006/relationships" xmlns:p="http://schemas.openxmlformats.org/presentationml/2006/main" matchingName="Big number">
   <p:cSld name="BIG_NUMBER">
     <p:spTree>
       <p:nvGrpSpPr>
-        <p:cNvPr id="44" name="Shape 44"/>
+        <p:cNvPr id="1" name="Shape 44"/>
         <p:cNvGrpSpPr/>
         <p:nvPr/>
       </p:nvGrpSpPr>
@@ -3593,9 +3638,11 @@
       <p:sp>
         <p:nvSpPr>
           <p:cNvPr id="45" name="Google Shape;45;p11"/>
-          <p:cNvSpPr txBox="1"/>
+          <p:cNvSpPr txBox="1">
+            <a:spLocks noGrp="1"/>
+          </p:cNvSpPr>
           <p:nvPr>
-            <p:ph hasCustomPrompt="1" type="title"/>
+            <p:ph type="title" hasCustomPrompt="1"/>
           </p:nvPr>
         </p:nvSpPr>
         <p:spPr>
@@ -3608,7 +3655,7 @@
           </a:prstGeom>
         </p:spPr>
         <p:txBody>
-          <a:bodyPr anchorCtr="0" anchor="b" bIns="91425" lIns="91425" spcFirstLastPara="1" rIns="91425" wrap="square" tIns="91425">
+          <a:bodyPr spcFirstLastPara="1" wrap="square" lIns="91425" tIns="91425" rIns="91425" bIns="91425" anchor="b" anchorCtr="0">
             <a:normAutofit/>
           </a:bodyPr>
           <a:lstStyle>
@@ -3722,9 +3769,11 @@
       <p:sp>
         <p:nvSpPr>
           <p:cNvPr id="46" name="Google Shape;46;p11"/>
-          <p:cNvSpPr txBox="1"/>
+          <p:cNvSpPr txBox="1">
+            <a:spLocks noGrp="1"/>
+          </p:cNvSpPr>
           <p:nvPr>
-            <p:ph idx="1" type="body"/>
+            <p:ph type="body" idx="1"/>
           </p:nvPr>
         </p:nvSpPr>
         <p:spPr>
@@ -3737,11 +3786,11 @@
           </a:prstGeom>
         </p:spPr>
         <p:txBody>
-          <a:bodyPr anchorCtr="0" anchor="t" bIns="91425" lIns="91425" spcFirstLastPara="1" rIns="91425" wrap="square" tIns="91425">
+          <a:bodyPr spcFirstLastPara="1" wrap="square" lIns="91425" tIns="91425" rIns="91425" bIns="91425" anchor="t" anchorCtr="0">
             <a:normAutofit/>
           </a:bodyPr>
           <a:lstStyle>
-            <a:lvl1pPr indent="-342900" lvl="0" marL="457200" algn="ctr">
+            <a:lvl1pPr marL="457200" lvl="0" indent="-342900" algn="ctr">
               <a:spcBef>
                 <a:spcPts val="0"/>
               </a:spcBef>
@@ -3752,7 +3801,7 @@
               <a:buChar char="●"/>
               <a:defRPr/>
             </a:lvl1pPr>
-            <a:lvl2pPr indent="-317500" lvl="1" marL="914400" algn="ctr">
+            <a:lvl2pPr marL="914400" lvl="1" indent="-317500" algn="ctr">
               <a:spcBef>
                 <a:spcPts val="0"/>
               </a:spcBef>
@@ -3763,7 +3812,7 @@
               <a:buChar char="○"/>
               <a:defRPr/>
             </a:lvl2pPr>
-            <a:lvl3pPr indent="-317500" lvl="2" marL="1371600" algn="ctr">
+            <a:lvl3pPr marL="1371600" lvl="2" indent="-317500" algn="ctr">
               <a:spcBef>
                 <a:spcPts val="0"/>
               </a:spcBef>
@@ -3774,7 +3823,7 @@
               <a:buChar char="■"/>
               <a:defRPr/>
             </a:lvl3pPr>
-            <a:lvl4pPr indent="-317500" lvl="3" marL="1828800" algn="ctr">
+            <a:lvl4pPr marL="1828800" lvl="3" indent="-317500" algn="ctr">
               <a:spcBef>
                 <a:spcPts val="0"/>
               </a:spcBef>
@@ -3785,7 +3834,7 @@
               <a:buChar char="●"/>
               <a:defRPr/>
             </a:lvl4pPr>
-            <a:lvl5pPr indent="-317500" lvl="4" marL="2286000" algn="ctr">
+            <a:lvl5pPr marL="2286000" lvl="4" indent="-317500" algn="ctr">
               <a:spcBef>
                 <a:spcPts val="0"/>
               </a:spcBef>
@@ -3796,7 +3845,7 @@
               <a:buChar char="○"/>
               <a:defRPr/>
             </a:lvl5pPr>
-            <a:lvl6pPr indent="-317500" lvl="5" marL="2743200" algn="ctr">
+            <a:lvl6pPr marL="2743200" lvl="5" indent="-317500" algn="ctr">
               <a:spcBef>
                 <a:spcPts val="0"/>
               </a:spcBef>
@@ -3807,7 +3856,7 @@
               <a:buChar char="■"/>
               <a:defRPr/>
             </a:lvl6pPr>
-            <a:lvl7pPr indent="-317500" lvl="6" marL="3200400" algn="ctr">
+            <a:lvl7pPr marL="3200400" lvl="6" indent="-317500" algn="ctr">
               <a:spcBef>
                 <a:spcPts val="0"/>
               </a:spcBef>
@@ -3818,7 +3867,7 @@
               <a:buChar char="●"/>
               <a:defRPr/>
             </a:lvl7pPr>
-            <a:lvl8pPr indent="-317500" lvl="7" marL="3657600" algn="ctr">
+            <a:lvl8pPr marL="3657600" lvl="7" indent="-317500" algn="ctr">
               <a:spcBef>
                 <a:spcPts val="0"/>
               </a:spcBef>
@@ -3829,7 +3878,7 @@
               <a:buChar char="○"/>
               <a:defRPr/>
             </a:lvl8pPr>
-            <a:lvl9pPr indent="-317500" lvl="8" marL="4114800" algn="ctr">
+            <a:lvl9pPr marL="4114800" lvl="8" indent="-317500" algn="ctr">
               <a:spcBef>
                 <a:spcPts val="0"/>
               </a:spcBef>
@@ -3841,15 +3890,19 @@
               <a:defRPr/>
             </a:lvl9pPr>
           </a:lstStyle>
-          <a:p/>
+          <a:p>
+            <a:endParaRPr/>
+          </a:p>
         </p:txBody>
       </p:sp>
       <p:sp>
         <p:nvSpPr>
           <p:cNvPr id="47" name="Google Shape;47;p11"/>
-          <p:cNvSpPr txBox="1"/>
+          <p:cNvSpPr txBox="1">
+            <a:spLocks noGrp="1"/>
+          </p:cNvSpPr>
           <p:nvPr>
-            <p:ph idx="12" type="sldNum"/>
+            <p:ph type="sldNum" idx="12"/>
           </p:nvPr>
         </p:nvSpPr>
         <p:spPr>
@@ -3862,7 +3915,7 @@
           </a:prstGeom>
         </p:spPr>
         <p:txBody>
-          <a:bodyPr anchorCtr="0" anchor="ctr" bIns="91425" lIns="91425" spcFirstLastPara="1" rIns="91425" wrap="square" tIns="91425">
+          <a:bodyPr spcFirstLastPara="1" wrap="square" lIns="91425" tIns="91425" rIns="91425" bIns="91425" anchor="ctr" anchorCtr="0">
             <a:normAutofit/>
           </a:bodyPr>
           <a:lstStyle>
@@ -3904,7 +3957,7 @@
             </a:lvl9pPr>
           </a:lstStyle>
           <a:p>
-            <a:pPr indent="0" lvl="0" marL="0" rtl="0" algn="r">
+            <a:pPr marL="0" lvl="0" indent="0" algn="r" rtl="0">
               <a:spcBef>
                 <a:spcPts val="0"/>
               </a:spcBef>
@@ -3930,11 +3983,11 @@
 </file>
 
 <file path=ppt/slideLayouts/slideLayout11.xml><?xml version="1.0" encoding="utf-8"?>
-<p:sldLayout xmlns:a="http://schemas.openxmlformats.org/drawingml/2006/main" xmlns:r="http://schemas.openxmlformats.org/officeDocument/2006/relationships" xmlns:mc="http://schemas.openxmlformats.org/markup-compatibility/2006" xmlns:mv="urn:schemas-microsoft-com:mac:vml" xmlns:p="http://schemas.openxmlformats.org/presentationml/2006/main" xmlns:c="http://schemas.openxmlformats.org/drawingml/2006/chart" xmlns:dgm="http://schemas.openxmlformats.org/drawingml/2006/diagram" xmlns:o="urn:schemas-microsoft-com:office:office" xmlns:v="urn:schemas-microsoft-com:vml" xmlns:pvml="urn:schemas-microsoft-com:office:powerpoint" xmlns:com="http://schemas.openxmlformats.org/drawingml/2006/compatibility" xmlns:p14="http://schemas.microsoft.com/office/powerpoint/2010/main" xmlns:p15="http://schemas.microsoft.com/office/powerpoint/2012/main" xmlns:ahyp="http://schemas.microsoft.com/office/drawing/2018/hyperlinkcolor" matchingName="Blank" type="blank">
+<p:sldLayout xmlns:a="http://schemas.openxmlformats.org/drawingml/2006/main" xmlns:r="http://schemas.openxmlformats.org/officeDocument/2006/relationships" xmlns:p="http://schemas.openxmlformats.org/presentationml/2006/main" matchingName="Blank" type="blank">
   <p:cSld name="BLANK">
     <p:spTree>
       <p:nvGrpSpPr>
-        <p:cNvPr id="48" name="Shape 48"/>
+        <p:cNvPr id="1" name="Shape 48"/>
         <p:cNvGrpSpPr/>
         <p:nvPr/>
       </p:nvGrpSpPr>
@@ -3949,9 +4002,11 @@
       <p:sp>
         <p:nvSpPr>
           <p:cNvPr id="49" name="Google Shape;49;p12"/>
-          <p:cNvSpPr txBox="1"/>
+          <p:cNvSpPr txBox="1">
+            <a:spLocks noGrp="1"/>
+          </p:cNvSpPr>
           <p:nvPr>
-            <p:ph idx="12" type="sldNum"/>
+            <p:ph type="sldNum" idx="12"/>
           </p:nvPr>
         </p:nvSpPr>
         <p:spPr>
@@ -3964,7 +4019,7 @@
           </a:prstGeom>
         </p:spPr>
         <p:txBody>
-          <a:bodyPr anchorCtr="0" anchor="ctr" bIns="91425" lIns="91425" spcFirstLastPara="1" rIns="91425" wrap="square" tIns="91425">
+          <a:bodyPr spcFirstLastPara="1" wrap="square" lIns="91425" tIns="91425" rIns="91425" bIns="91425" anchor="ctr" anchorCtr="0">
             <a:normAutofit/>
           </a:bodyPr>
           <a:lstStyle>
@@ -4006,7 +4061,7 @@
             </a:lvl9pPr>
           </a:lstStyle>
           <a:p>
-            <a:pPr indent="0" lvl="0" marL="0" rtl="0" algn="r">
+            <a:pPr marL="0" lvl="0" indent="0" algn="r" rtl="0">
               <a:spcBef>
                 <a:spcPts val="0"/>
               </a:spcBef>
@@ -4032,11 +4087,11 @@
 </file>
 
 <file path=ppt/slideLayouts/slideLayout2.xml><?xml version="1.0" encoding="utf-8"?>
-<p:sldLayout xmlns:a="http://schemas.openxmlformats.org/drawingml/2006/main" xmlns:r="http://schemas.openxmlformats.org/officeDocument/2006/relationships" xmlns:mc="http://schemas.openxmlformats.org/markup-compatibility/2006" xmlns:mv="urn:schemas-microsoft-com:mac:vml" xmlns:p="http://schemas.openxmlformats.org/presentationml/2006/main" xmlns:c="http://schemas.openxmlformats.org/drawingml/2006/chart" xmlns:dgm="http://schemas.openxmlformats.org/drawingml/2006/diagram" xmlns:o="urn:schemas-microsoft-com:office:office" xmlns:v="urn:schemas-microsoft-com:vml" xmlns:pvml="urn:schemas-microsoft-com:office:powerpoint" xmlns:com="http://schemas.openxmlformats.org/drawingml/2006/compatibility" xmlns:p14="http://schemas.microsoft.com/office/powerpoint/2010/main" xmlns:p15="http://schemas.microsoft.com/office/powerpoint/2012/main" xmlns:ahyp="http://schemas.microsoft.com/office/drawing/2018/hyperlinkcolor" matchingName="Section header" type="secHead">
+<p:sldLayout xmlns:a="http://schemas.openxmlformats.org/drawingml/2006/main" xmlns:r="http://schemas.openxmlformats.org/officeDocument/2006/relationships" xmlns:p="http://schemas.openxmlformats.org/presentationml/2006/main" matchingName="Section header" type="secHead">
   <p:cSld name="SECTION_HEADER">
     <p:spTree>
       <p:nvGrpSpPr>
-        <p:cNvPr id="13" name="Shape 13"/>
+        <p:cNvPr id="1" name="Shape 13"/>
         <p:cNvGrpSpPr/>
         <p:nvPr/>
       </p:nvGrpSpPr>
@@ -4051,7 +4106,9 @@
       <p:sp>
         <p:nvSpPr>
           <p:cNvPr id="14" name="Google Shape;14;p3"/>
-          <p:cNvSpPr txBox="1"/>
+          <p:cNvSpPr txBox="1">
+            <a:spLocks noGrp="1"/>
+          </p:cNvSpPr>
           <p:nvPr>
             <p:ph type="title"/>
           </p:nvPr>
@@ -4066,7 +4123,7 @@
           </a:prstGeom>
         </p:spPr>
         <p:txBody>
-          <a:bodyPr anchorCtr="0" anchor="ctr" bIns="91425" lIns="91425" spcFirstLastPara="1" rIns="91425" wrap="square" tIns="91425">
+          <a:bodyPr spcFirstLastPara="1" wrap="square" lIns="91425" tIns="91425" rIns="91425" bIns="91425" anchor="ctr" anchorCtr="0">
             <a:normAutofit/>
           </a:bodyPr>
           <a:lstStyle>
@@ -4170,15 +4227,19 @@
               <a:defRPr sz="3600"/>
             </a:lvl9pPr>
           </a:lstStyle>
-          <a:p/>
+          <a:p>
+            <a:endParaRPr/>
+          </a:p>
         </p:txBody>
       </p:sp>
       <p:sp>
         <p:nvSpPr>
           <p:cNvPr id="15" name="Google Shape;15;p3"/>
-          <p:cNvSpPr txBox="1"/>
+          <p:cNvSpPr txBox="1">
+            <a:spLocks noGrp="1"/>
+          </p:cNvSpPr>
           <p:nvPr>
-            <p:ph idx="12" type="sldNum"/>
+            <p:ph type="sldNum" idx="12"/>
           </p:nvPr>
         </p:nvSpPr>
         <p:spPr>
@@ -4191,7 +4252,7 @@
           </a:prstGeom>
         </p:spPr>
         <p:txBody>
-          <a:bodyPr anchorCtr="0" anchor="ctr" bIns="91425" lIns="91425" spcFirstLastPara="1" rIns="91425" wrap="square" tIns="91425">
+          <a:bodyPr spcFirstLastPara="1" wrap="square" lIns="91425" tIns="91425" rIns="91425" bIns="91425" anchor="ctr" anchorCtr="0">
             <a:normAutofit/>
           </a:bodyPr>
           <a:lstStyle>
@@ -4233,7 +4294,7 @@
             </a:lvl9pPr>
           </a:lstStyle>
           <a:p>
-            <a:pPr indent="0" lvl="0" marL="0" rtl="0" algn="r">
+            <a:pPr marL="0" lvl="0" indent="0" algn="r" rtl="0">
               <a:spcBef>
                 <a:spcPts val="0"/>
               </a:spcBef>
@@ -4259,11 +4320,11 @@
 </file>
 
 <file path=ppt/slideLayouts/slideLayout3.xml><?xml version="1.0" encoding="utf-8"?>
-<p:sldLayout xmlns:a="http://schemas.openxmlformats.org/drawingml/2006/main" xmlns:r="http://schemas.openxmlformats.org/officeDocument/2006/relationships" xmlns:mc="http://schemas.openxmlformats.org/markup-compatibility/2006" xmlns:mv="urn:schemas-microsoft-com:mac:vml" xmlns:p="http://schemas.openxmlformats.org/presentationml/2006/main" xmlns:c="http://schemas.openxmlformats.org/drawingml/2006/chart" xmlns:dgm="http://schemas.openxmlformats.org/drawingml/2006/diagram" xmlns:o="urn:schemas-microsoft-com:office:office" xmlns:v="urn:schemas-microsoft-com:vml" xmlns:pvml="urn:schemas-microsoft-com:office:powerpoint" xmlns:com="http://schemas.openxmlformats.org/drawingml/2006/compatibility" xmlns:p14="http://schemas.microsoft.com/office/powerpoint/2010/main" xmlns:p15="http://schemas.microsoft.com/office/powerpoint/2012/main" xmlns:ahyp="http://schemas.microsoft.com/office/drawing/2018/hyperlinkcolor" matchingName="Title and body" type="tx">
+<p:sldLayout xmlns:a="http://schemas.openxmlformats.org/drawingml/2006/main" xmlns:r="http://schemas.openxmlformats.org/officeDocument/2006/relationships" xmlns:p="http://schemas.openxmlformats.org/presentationml/2006/main" matchingName="Title and body" type="tx">
   <p:cSld name="TITLE_AND_BODY">
     <p:spTree>
       <p:nvGrpSpPr>
-        <p:cNvPr id="16" name="Shape 16"/>
+        <p:cNvPr id="1" name="Shape 16"/>
         <p:cNvGrpSpPr/>
         <p:nvPr/>
       </p:nvGrpSpPr>
@@ -4278,7 +4339,9 @@
       <p:sp>
         <p:nvSpPr>
           <p:cNvPr id="17" name="Google Shape;17;p4"/>
-          <p:cNvSpPr txBox="1"/>
+          <p:cNvSpPr txBox="1">
+            <a:spLocks noGrp="1"/>
+          </p:cNvSpPr>
           <p:nvPr>
             <p:ph type="title"/>
           </p:nvPr>
@@ -4293,7 +4356,7 @@
           </a:prstGeom>
         </p:spPr>
         <p:txBody>
-          <a:bodyPr anchorCtr="0" anchor="t" bIns="91425" lIns="91425" spcFirstLastPara="1" rIns="91425" wrap="square" tIns="91425">
+          <a:bodyPr spcFirstLastPara="1" wrap="square" lIns="91425" tIns="91425" rIns="91425" bIns="91425" anchor="t" anchorCtr="0">
             <a:normAutofit/>
           </a:bodyPr>
           <a:lstStyle>
@@ -4397,15 +4460,19 @@
               <a:defRPr/>
             </a:lvl9pPr>
           </a:lstStyle>
-          <a:p/>
+          <a:p>
+            <a:endParaRPr/>
+          </a:p>
         </p:txBody>
       </p:sp>
       <p:sp>
         <p:nvSpPr>
           <p:cNvPr id="18" name="Google Shape;18;p4"/>
-          <p:cNvSpPr txBox="1"/>
+          <p:cNvSpPr txBox="1">
+            <a:spLocks noGrp="1"/>
+          </p:cNvSpPr>
           <p:nvPr>
-            <p:ph idx="1" type="body"/>
+            <p:ph type="body" idx="1"/>
           </p:nvPr>
         </p:nvSpPr>
         <p:spPr>
@@ -4418,11 +4485,11 @@
           </a:prstGeom>
         </p:spPr>
         <p:txBody>
-          <a:bodyPr anchorCtr="0" anchor="t" bIns="91425" lIns="91425" spcFirstLastPara="1" rIns="91425" wrap="square" tIns="91425">
+          <a:bodyPr spcFirstLastPara="1" wrap="square" lIns="91425" tIns="91425" rIns="91425" bIns="91425" anchor="t" anchorCtr="0">
             <a:normAutofit/>
           </a:bodyPr>
           <a:lstStyle>
-            <a:lvl1pPr indent="-342900" lvl="0" marL="457200">
+            <a:lvl1pPr marL="457200" lvl="0" indent="-342900">
               <a:spcBef>
                 <a:spcPts val="0"/>
               </a:spcBef>
@@ -4433,7 +4500,7 @@
               <a:buChar char="●"/>
               <a:defRPr/>
             </a:lvl1pPr>
-            <a:lvl2pPr indent="-317500" lvl="1" marL="914400">
+            <a:lvl2pPr marL="914400" lvl="1" indent="-317500">
               <a:spcBef>
                 <a:spcPts val="0"/>
               </a:spcBef>
@@ -4444,7 +4511,7 @@
               <a:buChar char="○"/>
               <a:defRPr/>
             </a:lvl2pPr>
-            <a:lvl3pPr indent="-317500" lvl="2" marL="1371600">
+            <a:lvl3pPr marL="1371600" lvl="2" indent="-317500">
               <a:spcBef>
                 <a:spcPts val="0"/>
               </a:spcBef>
@@ -4455,7 +4522,7 @@
               <a:buChar char="■"/>
               <a:defRPr/>
             </a:lvl3pPr>
-            <a:lvl4pPr indent="-317500" lvl="3" marL="1828800">
+            <a:lvl4pPr marL="1828800" lvl="3" indent="-317500">
               <a:spcBef>
                 <a:spcPts val="0"/>
               </a:spcBef>
@@ -4466,7 +4533,7 @@
               <a:buChar char="●"/>
               <a:defRPr/>
             </a:lvl4pPr>
-            <a:lvl5pPr indent="-317500" lvl="4" marL="2286000">
+            <a:lvl5pPr marL="2286000" lvl="4" indent="-317500">
               <a:spcBef>
                 <a:spcPts val="0"/>
               </a:spcBef>
@@ -4477,7 +4544,7 @@
               <a:buChar char="○"/>
               <a:defRPr/>
             </a:lvl5pPr>
-            <a:lvl6pPr indent="-317500" lvl="5" marL="2743200">
+            <a:lvl6pPr marL="2743200" lvl="5" indent="-317500">
               <a:spcBef>
                 <a:spcPts val="0"/>
               </a:spcBef>
@@ -4488,7 +4555,7 @@
               <a:buChar char="■"/>
               <a:defRPr/>
             </a:lvl6pPr>
-            <a:lvl7pPr indent="-317500" lvl="6" marL="3200400">
+            <a:lvl7pPr marL="3200400" lvl="6" indent="-317500">
               <a:spcBef>
                 <a:spcPts val="0"/>
               </a:spcBef>
@@ -4499,7 +4566,7 @@
               <a:buChar char="●"/>
               <a:defRPr/>
             </a:lvl7pPr>
-            <a:lvl8pPr indent="-317500" lvl="7" marL="3657600">
+            <a:lvl8pPr marL="3657600" lvl="7" indent="-317500">
               <a:spcBef>
                 <a:spcPts val="0"/>
               </a:spcBef>
@@ -4510,7 +4577,7 @@
               <a:buChar char="○"/>
               <a:defRPr/>
             </a:lvl8pPr>
-            <a:lvl9pPr indent="-317500" lvl="8" marL="4114800">
+            <a:lvl9pPr marL="4114800" lvl="8" indent="-317500">
               <a:spcBef>
                 <a:spcPts val="0"/>
               </a:spcBef>
@@ -4522,15 +4589,19 @@
               <a:defRPr/>
             </a:lvl9pPr>
           </a:lstStyle>
-          <a:p/>
+          <a:p>
+            <a:endParaRPr/>
+          </a:p>
         </p:txBody>
       </p:sp>
       <p:sp>
         <p:nvSpPr>
           <p:cNvPr id="19" name="Google Shape;19;p4"/>
-          <p:cNvSpPr txBox="1"/>
+          <p:cNvSpPr txBox="1">
+            <a:spLocks noGrp="1"/>
+          </p:cNvSpPr>
           <p:nvPr>
-            <p:ph idx="12" type="sldNum"/>
+            <p:ph type="sldNum" idx="12"/>
           </p:nvPr>
         </p:nvSpPr>
         <p:spPr>
@@ -4543,7 +4614,7 @@
           </a:prstGeom>
         </p:spPr>
         <p:txBody>
-          <a:bodyPr anchorCtr="0" anchor="ctr" bIns="91425" lIns="91425" spcFirstLastPara="1" rIns="91425" wrap="square" tIns="91425">
+          <a:bodyPr spcFirstLastPara="1" wrap="square" lIns="91425" tIns="91425" rIns="91425" bIns="91425" anchor="ctr" anchorCtr="0">
             <a:normAutofit/>
           </a:bodyPr>
           <a:lstStyle>
@@ -4585,7 +4656,7 @@
             </a:lvl9pPr>
           </a:lstStyle>
           <a:p>
-            <a:pPr indent="0" lvl="0" marL="0" rtl="0" algn="r">
+            <a:pPr marL="0" lvl="0" indent="0" algn="r" rtl="0">
               <a:spcBef>
                 <a:spcPts val="0"/>
               </a:spcBef>
@@ -4611,11 +4682,11 @@
 </file>
 
 <file path=ppt/slideLayouts/slideLayout4.xml><?xml version="1.0" encoding="utf-8"?>
-<p:sldLayout xmlns:a="http://schemas.openxmlformats.org/drawingml/2006/main" xmlns:r="http://schemas.openxmlformats.org/officeDocument/2006/relationships" xmlns:mc="http://schemas.openxmlformats.org/markup-compatibility/2006" xmlns:mv="urn:schemas-microsoft-com:mac:vml" xmlns:p="http://schemas.openxmlformats.org/presentationml/2006/main" xmlns:c="http://schemas.openxmlformats.org/drawingml/2006/chart" xmlns:dgm="http://schemas.openxmlformats.org/drawingml/2006/diagram" xmlns:o="urn:schemas-microsoft-com:office:office" xmlns:v="urn:schemas-microsoft-com:vml" xmlns:pvml="urn:schemas-microsoft-com:office:powerpoint" xmlns:com="http://schemas.openxmlformats.org/drawingml/2006/compatibility" xmlns:p14="http://schemas.microsoft.com/office/powerpoint/2010/main" xmlns:p15="http://schemas.microsoft.com/office/powerpoint/2012/main" xmlns:ahyp="http://schemas.microsoft.com/office/drawing/2018/hyperlinkcolor" matchingName="Title and two columns" type="twoColTx">
+<p:sldLayout xmlns:a="http://schemas.openxmlformats.org/drawingml/2006/main" xmlns:r="http://schemas.openxmlformats.org/officeDocument/2006/relationships" xmlns:p="http://schemas.openxmlformats.org/presentationml/2006/main" matchingName="Title and two columns" type="twoColTx">
   <p:cSld name="TITLE_AND_TWO_COLUMNS">
     <p:spTree>
       <p:nvGrpSpPr>
-        <p:cNvPr id="20" name="Shape 20"/>
+        <p:cNvPr id="1" name="Shape 20"/>
         <p:cNvGrpSpPr/>
         <p:nvPr/>
       </p:nvGrpSpPr>
@@ -4630,7 +4701,9 @@
       <p:sp>
         <p:nvSpPr>
           <p:cNvPr id="21" name="Google Shape;21;p5"/>
-          <p:cNvSpPr txBox="1"/>
+          <p:cNvSpPr txBox="1">
+            <a:spLocks noGrp="1"/>
+          </p:cNvSpPr>
           <p:nvPr>
             <p:ph type="title"/>
           </p:nvPr>
@@ -4645,7 +4718,7 @@
           </a:prstGeom>
         </p:spPr>
         <p:txBody>
-          <a:bodyPr anchorCtr="0" anchor="t" bIns="91425" lIns="91425" spcFirstLastPara="1" rIns="91425" wrap="square" tIns="91425">
+          <a:bodyPr spcFirstLastPara="1" wrap="square" lIns="91425" tIns="91425" rIns="91425" bIns="91425" anchor="t" anchorCtr="0">
             <a:normAutofit/>
           </a:bodyPr>
           <a:lstStyle>
@@ -4749,15 +4822,19 @@
               <a:defRPr/>
             </a:lvl9pPr>
           </a:lstStyle>
-          <a:p/>
+          <a:p>
+            <a:endParaRPr/>
+          </a:p>
         </p:txBody>
       </p:sp>
       <p:sp>
         <p:nvSpPr>
           <p:cNvPr id="22" name="Google Shape;22;p5"/>
-          <p:cNvSpPr txBox="1"/>
+          <p:cNvSpPr txBox="1">
+            <a:spLocks noGrp="1"/>
+          </p:cNvSpPr>
           <p:nvPr>
-            <p:ph idx="1" type="body"/>
+            <p:ph type="body" idx="1"/>
           </p:nvPr>
         </p:nvSpPr>
         <p:spPr>
@@ -4770,11 +4847,11 @@
           </a:prstGeom>
         </p:spPr>
         <p:txBody>
-          <a:bodyPr anchorCtr="0" anchor="t" bIns="91425" lIns="91425" spcFirstLastPara="1" rIns="91425" wrap="square" tIns="91425">
+          <a:bodyPr spcFirstLastPara="1" wrap="square" lIns="91425" tIns="91425" rIns="91425" bIns="91425" anchor="t" anchorCtr="0">
             <a:normAutofit/>
           </a:bodyPr>
           <a:lstStyle>
-            <a:lvl1pPr indent="-317500" lvl="0" marL="457200">
+            <a:lvl1pPr marL="457200" lvl="0" indent="-317500">
               <a:spcBef>
                 <a:spcPts val="0"/>
               </a:spcBef>
@@ -4785,7 +4862,7 @@
               <a:buChar char="●"/>
               <a:defRPr sz="1400"/>
             </a:lvl1pPr>
-            <a:lvl2pPr indent="-304800" lvl="1" marL="914400">
+            <a:lvl2pPr marL="914400" lvl="1" indent="-304800">
               <a:spcBef>
                 <a:spcPts val="0"/>
               </a:spcBef>
@@ -4796,7 +4873,7 @@
               <a:buChar char="○"/>
               <a:defRPr sz="1200"/>
             </a:lvl2pPr>
-            <a:lvl3pPr indent="-304800" lvl="2" marL="1371600">
+            <a:lvl3pPr marL="1371600" lvl="2" indent="-304800">
               <a:spcBef>
                 <a:spcPts val="0"/>
               </a:spcBef>
@@ -4807,7 +4884,7 @@
               <a:buChar char="■"/>
               <a:defRPr sz="1200"/>
             </a:lvl3pPr>
-            <a:lvl4pPr indent="-304800" lvl="3" marL="1828800">
+            <a:lvl4pPr marL="1828800" lvl="3" indent="-304800">
               <a:spcBef>
                 <a:spcPts val="0"/>
               </a:spcBef>
@@ -4818,7 +4895,7 @@
               <a:buChar char="●"/>
               <a:defRPr sz="1200"/>
             </a:lvl4pPr>
-            <a:lvl5pPr indent="-304800" lvl="4" marL="2286000">
+            <a:lvl5pPr marL="2286000" lvl="4" indent="-304800">
               <a:spcBef>
                 <a:spcPts val="0"/>
               </a:spcBef>
@@ -4829,7 +4906,7 @@
               <a:buChar char="○"/>
               <a:defRPr sz="1200"/>
             </a:lvl5pPr>
-            <a:lvl6pPr indent="-304800" lvl="5" marL="2743200">
+            <a:lvl6pPr marL="2743200" lvl="5" indent="-304800">
               <a:spcBef>
                 <a:spcPts val="0"/>
               </a:spcBef>
@@ -4840,7 +4917,7 @@
               <a:buChar char="■"/>
               <a:defRPr sz="1200"/>
             </a:lvl6pPr>
-            <a:lvl7pPr indent="-304800" lvl="6" marL="3200400">
+            <a:lvl7pPr marL="3200400" lvl="6" indent="-304800">
               <a:spcBef>
                 <a:spcPts val="0"/>
               </a:spcBef>
@@ -4851,7 +4928,7 @@
               <a:buChar char="●"/>
               <a:defRPr sz="1200"/>
             </a:lvl7pPr>
-            <a:lvl8pPr indent="-304800" lvl="7" marL="3657600">
+            <a:lvl8pPr marL="3657600" lvl="7" indent="-304800">
               <a:spcBef>
                 <a:spcPts val="0"/>
               </a:spcBef>
@@ -4862,7 +4939,7 @@
               <a:buChar char="○"/>
               <a:defRPr sz="1200"/>
             </a:lvl8pPr>
-            <a:lvl9pPr indent="-304800" lvl="8" marL="4114800">
+            <a:lvl9pPr marL="4114800" lvl="8" indent="-304800">
               <a:spcBef>
                 <a:spcPts val="0"/>
               </a:spcBef>
@@ -4874,15 +4951,19 @@
               <a:defRPr sz="1200"/>
             </a:lvl9pPr>
           </a:lstStyle>
-          <a:p/>
+          <a:p>
+            <a:endParaRPr/>
+          </a:p>
         </p:txBody>
       </p:sp>
       <p:sp>
         <p:nvSpPr>
           <p:cNvPr id="23" name="Google Shape;23;p5"/>
-          <p:cNvSpPr txBox="1"/>
+          <p:cNvSpPr txBox="1">
+            <a:spLocks noGrp="1"/>
+          </p:cNvSpPr>
           <p:nvPr>
-            <p:ph idx="2" type="body"/>
+            <p:ph type="body" idx="2"/>
           </p:nvPr>
         </p:nvSpPr>
         <p:spPr>
@@ -4895,11 +4976,11 @@
           </a:prstGeom>
         </p:spPr>
         <p:txBody>
-          <a:bodyPr anchorCtr="0" anchor="t" bIns="91425" lIns="91425" spcFirstLastPara="1" rIns="91425" wrap="square" tIns="91425">
+          <a:bodyPr spcFirstLastPara="1" wrap="square" lIns="91425" tIns="91425" rIns="91425" bIns="91425" anchor="t" anchorCtr="0">
             <a:normAutofit/>
           </a:bodyPr>
           <a:lstStyle>
-            <a:lvl1pPr indent="-317500" lvl="0" marL="457200">
+            <a:lvl1pPr marL="457200" lvl="0" indent="-317500">
               <a:spcBef>
                 <a:spcPts val="0"/>
               </a:spcBef>
@@ -4910,7 +4991,7 @@
               <a:buChar char="●"/>
               <a:defRPr sz="1400"/>
             </a:lvl1pPr>
-            <a:lvl2pPr indent="-304800" lvl="1" marL="914400">
+            <a:lvl2pPr marL="914400" lvl="1" indent="-304800">
               <a:spcBef>
                 <a:spcPts val="0"/>
               </a:spcBef>
@@ -4921,7 +5002,7 @@
               <a:buChar char="○"/>
               <a:defRPr sz="1200"/>
             </a:lvl2pPr>
-            <a:lvl3pPr indent="-304800" lvl="2" marL="1371600">
+            <a:lvl3pPr marL="1371600" lvl="2" indent="-304800">
               <a:spcBef>
                 <a:spcPts val="0"/>
               </a:spcBef>
@@ -4932,7 +5013,7 @@
               <a:buChar char="■"/>
               <a:defRPr sz="1200"/>
             </a:lvl3pPr>
-            <a:lvl4pPr indent="-304800" lvl="3" marL="1828800">
+            <a:lvl4pPr marL="1828800" lvl="3" indent="-304800">
               <a:spcBef>
                 <a:spcPts val="0"/>
               </a:spcBef>
@@ -4943,7 +5024,7 @@
               <a:buChar char="●"/>
               <a:defRPr sz="1200"/>
             </a:lvl4pPr>
-            <a:lvl5pPr indent="-304800" lvl="4" marL="2286000">
+            <a:lvl5pPr marL="2286000" lvl="4" indent="-304800">
               <a:spcBef>
                 <a:spcPts val="0"/>
               </a:spcBef>
@@ -4954,7 +5035,7 @@
               <a:buChar char="○"/>
               <a:defRPr sz="1200"/>
             </a:lvl5pPr>
-            <a:lvl6pPr indent="-304800" lvl="5" marL="2743200">
+            <a:lvl6pPr marL="2743200" lvl="5" indent="-304800">
               <a:spcBef>
                 <a:spcPts val="0"/>
               </a:spcBef>
@@ -4965,7 +5046,7 @@
               <a:buChar char="■"/>
               <a:defRPr sz="1200"/>
             </a:lvl6pPr>
-            <a:lvl7pPr indent="-304800" lvl="6" marL="3200400">
+            <a:lvl7pPr marL="3200400" lvl="6" indent="-304800">
               <a:spcBef>
                 <a:spcPts val="0"/>
               </a:spcBef>
@@ -4976,7 +5057,7 @@
               <a:buChar char="●"/>
               <a:defRPr sz="1200"/>
             </a:lvl7pPr>
-            <a:lvl8pPr indent="-304800" lvl="7" marL="3657600">
+            <a:lvl8pPr marL="3657600" lvl="7" indent="-304800">
               <a:spcBef>
                 <a:spcPts val="0"/>
               </a:spcBef>
@@ -4987,7 +5068,7 @@
               <a:buChar char="○"/>
               <a:defRPr sz="1200"/>
             </a:lvl8pPr>
-            <a:lvl9pPr indent="-304800" lvl="8" marL="4114800">
+            <a:lvl9pPr marL="4114800" lvl="8" indent="-304800">
               <a:spcBef>
                 <a:spcPts val="0"/>
               </a:spcBef>
@@ -4999,15 +5080,19 @@
               <a:defRPr sz="1200"/>
             </a:lvl9pPr>
           </a:lstStyle>
-          <a:p/>
+          <a:p>
+            <a:endParaRPr/>
+          </a:p>
         </p:txBody>
       </p:sp>
       <p:sp>
         <p:nvSpPr>
           <p:cNvPr id="24" name="Google Shape;24;p5"/>
-          <p:cNvSpPr txBox="1"/>
+          <p:cNvSpPr txBox="1">
+            <a:spLocks noGrp="1"/>
+          </p:cNvSpPr>
           <p:nvPr>
-            <p:ph idx="12" type="sldNum"/>
+            <p:ph type="sldNum" idx="12"/>
           </p:nvPr>
         </p:nvSpPr>
         <p:spPr>
@@ -5020,7 +5105,7 @@
           </a:prstGeom>
         </p:spPr>
         <p:txBody>
-          <a:bodyPr anchorCtr="0" anchor="ctr" bIns="91425" lIns="91425" spcFirstLastPara="1" rIns="91425" wrap="square" tIns="91425">
+          <a:bodyPr spcFirstLastPara="1" wrap="square" lIns="91425" tIns="91425" rIns="91425" bIns="91425" anchor="ctr" anchorCtr="0">
             <a:normAutofit/>
           </a:bodyPr>
           <a:lstStyle>
@@ -5062,7 +5147,7 @@
             </a:lvl9pPr>
           </a:lstStyle>
           <a:p>
-            <a:pPr indent="0" lvl="0" marL="0" rtl="0" algn="r">
+            <a:pPr marL="0" lvl="0" indent="0" algn="r" rtl="0">
               <a:spcBef>
                 <a:spcPts val="0"/>
               </a:spcBef>
@@ -5088,11 +5173,11 @@
 </file>
 
 <file path=ppt/slideLayouts/slideLayout5.xml><?xml version="1.0" encoding="utf-8"?>
-<p:sldLayout xmlns:a="http://schemas.openxmlformats.org/drawingml/2006/main" xmlns:r="http://schemas.openxmlformats.org/officeDocument/2006/relationships" xmlns:mc="http://schemas.openxmlformats.org/markup-compatibility/2006" xmlns:mv="urn:schemas-microsoft-com:mac:vml" xmlns:p="http://schemas.openxmlformats.org/presentationml/2006/main" xmlns:c="http://schemas.openxmlformats.org/drawingml/2006/chart" xmlns:dgm="http://schemas.openxmlformats.org/drawingml/2006/diagram" xmlns:o="urn:schemas-microsoft-com:office:office" xmlns:v="urn:schemas-microsoft-com:vml" xmlns:pvml="urn:schemas-microsoft-com:office:powerpoint" xmlns:com="http://schemas.openxmlformats.org/drawingml/2006/compatibility" xmlns:p14="http://schemas.microsoft.com/office/powerpoint/2010/main" xmlns:p15="http://schemas.microsoft.com/office/powerpoint/2012/main" xmlns:ahyp="http://schemas.microsoft.com/office/drawing/2018/hyperlinkcolor" matchingName="Title only" type="titleOnly">
+<p:sldLayout xmlns:a="http://schemas.openxmlformats.org/drawingml/2006/main" xmlns:r="http://schemas.openxmlformats.org/officeDocument/2006/relationships" xmlns:p="http://schemas.openxmlformats.org/presentationml/2006/main" matchingName="Title only" type="titleOnly">
   <p:cSld name="TITLE_ONLY">
     <p:spTree>
       <p:nvGrpSpPr>
-        <p:cNvPr id="25" name="Shape 25"/>
+        <p:cNvPr id="1" name="Shape 25"/>
         <p:cNvGrpSpPr/>
         <p:nvPr/>
       </p:nvGrpSpPr>
@@ -5107,7 +5192,9 @@
       <p:sp>
         <p:nvSpPr>
           <p:cNvPr id="26" name="Google Shape;26;p6"/>
-          <p:cNvSpPr txBox="1"/>
+          <p:cNvSpPr txBox="1">
+            <a:spLocks noGrp="1"/>
+          </p:cNvSpPr>
           <p:nvPr>
             <p:ph type="title"/>
           </p:nvPr>
@@ -5122,7 +5209,7 @@
           </a:prstGeom>
         </p:spPr>
         <p:txBody>
-          <a:bodyPr anchorCtr="0" anchor="t" bIns="91425" lIns="91425" spcFirstLastPara="1" rIns="91425" wrap="square" tIns="91425">
+          <a:bodyPr spcFirstLastPara="1" wrap="square" lIns="91425" tIns="91425" rIns="91425" bIns="91425" anchor="t" anchorCtr="0">
             <a:normAutofit/>
           </a:bodyPr>
           <a:lstStyle>
@@ -5226,15 +5313,19 @@
               <a:defRPr/>
             </a:lvl9pPr>
           </a:lstStyle>
-          <a:p/>
+          <a:p>
+            <a:endParaRPr/>
+          </a:p>
         </p:txBody>
       </p:sp>
       <p:sp>
         <p:nvSpPr>
           <p:cNvPr id="27" name="Google Shape;27;p6"/>
-          <p:cNvSpPr txBox="1"/>
+          <p:cNvSpPr txBox="1">
+            <a:spLocks noGrp="1"/>
+          </p:cNvSpPr>
           <p:nvPr>
-            <p:ph idx="12" type="sldNum"/>
+            <p:ph type="sldNum" idx="12"/>
           </p:nvPr>
         </p:nvSpPr>
         <p:spPr>
@@ -5247,7 +5338,7 @@
           </a:prstGeom>
         </p:spPr>
         <p:txBody>
-          <a:bodyPr anchorCtr="0" anchor="ctr" bIns="91425" lIns="91425" spcFirstLastPara="1" rIns="91425" wrap="square" tIns="91425">
+          <a:bodyPr spcFirstLastPara="1" wrap="square" lIns="91425" tIns="91425" rIns="91425" bIns="91425" anchor="ctr" anchorCtr="0">
             <a:normAutofit/>
           </a:bodyPr>
           <a:lstStyle>
@@ -5289,7 +5380,7 @@
             </a:lvl9pPr>
           </a:lstStyle>
           <a:p>
-            <a:pPr indent="0" lvl="0" marL="0" rtl="0" algn="r">
+            <a:pPr marL="0" lvl="0" indent="0" algn="r" rtl="0">
               <a:spcBef>
                 <a:spcPts val="0"/>
               </a:spcBef>
@@ -5315,11 +5406,11 @@
 </file>
 
 <file path=ppt/slideLayouts/slideLayout6.xml><?xml version="1.0" encoding="utf-8"?>
-<p:sldLayout xmlns:a="http://schemas.openxmlformats.org/drawingml/2006/main" xmlns:r="http://schemas.openxmlformats.org/officeDocument/2006/relationships" xmlns:mc="http://schemas.openxmlformats.org/markup-compatibility/2006" xmlns:mv="urn:schemas-microsoft-com:mac:vml" xmlns:p="http://schemas.openxmlformats.org/presentationml/2006/main" xmlns:c="http://schemas.openxmlformats.org/drawingml/2006/chart" xmlns:dgm="http://schemas.openxmlformats.org/drawingml/2006/diagram" xmlns:o="urn:schemas-microsoft-com:office:office" xmlns:v="urn:schemas-microsoft-com:vml" xmlns:pvml="urn:schemas-microsoft-com:office:powerpoint" xmlns:com="http://schemas.openxmlformats.org/drawingml/2006/compatibility" xmlns:p14="http://schemas.microsoft.com/office/powerpoint/2010/main" xmlns:p15="http://schemas.microsoft.com/office/powerpoint/2012/main" xmlns:ahyp="http://schemas.microsoft.com/office/drawing/2018/hyperlinkcolor" matchingName="One column text">
+<p:sldLayout xmlns:a="http://schemas.openxmlformats.org/drawingml/2006/main" xmlns:r="http://schemas.openxmlformats.org/officeDocument/2006/relationships" xmlns:p="http://schemas.openxmlformats.org/presentationml/2006/main" matchingName="One column text">
   <p:cSld name="ONE_COLUMN_TEXT">
     <p:spTree>
       <p:nvGrpSpPr>
-        <p:cNvPr id="28" name="Shape 28"/>
+        <p:cNvPr id="1" name="Shape 28"/>
         <p:cNvGrpSpPr/>
         <p:nvPr/>
       </p:nvGrpSpPr>
@@ -5334,7 +5425,9 @@
       <p:sp>
         <p:nvSpPr>
           <p:cNvPr id="29" name="Google Shape;29;p7"/>
-          <p:cNvSpPr txBox="1"/>
+          <p:cNvSpPr txBox="1">
+            <a:spLocks noGrp="1"/>
+          </p:cNvSpPr>
           <p:nvPr>
             <p:ph type="title"/>
           </p:nvPr>
@@ -5349,7 +5442,7 @@
           </a:prstGeom>
         </p:spPr>
         <p:txBody>
-          <a:bodyPr anchorCtr="0" anchor="b" bIns="91425" lIns="91425" spcFirstLastPara="1" rIns="91425" wrap="square" tIns="91425">
+          <a:bodyPr spcFirstLastPara="1" wrap="square" lIns="91425" tIns="91425" rIns="91425" bIns="91425" anchor="b" anchorCtr="0">
             <a:normAutofit/>
           </a:bodyPr>
           <a:lstStyle>
@@ -5453,15 +5546,19 @@
               <a:defRPr sz="2400"/>
             </a:lvl9pPr>
           </a:lstStyle>
-          <a:p/>
+          <a:p>
+            <a:endParaRPr/>
+          </a:p>
         </p:txBody>
       </p:sp>
       <p:sp>
         <p:nvSpPr>
           <p:cNvPr id="30" name="Google Shape;30;p7"/>
-          <p:cNvSpPr txBox="1"/>
+          <p:cNvSpPr txBox="1">
+            <a:spLocks noGrp="1"/>
+          </p:cNvSpPr>
           <p:nvPr>
-            <p:ph idx="1" type="body"/>
+            <p:ph type="body" idx="1"/>
           </p:nvPr>
         </p:nvSpPr>
         <p:spPr>
@@ -5474,11 +5571,11 @@
           </a:prstGeom>
         </p:spPr>
         <p:txBody>
-          <a:bodyPr anchorCtr="0" anchor="t" bIns="91425" lIns="91425" spcFirstLastPara="1" rIns="91425" wrap="square" tIns="91425">
+          <a:bodyPr spcFirstLastPara="1" wrap="square" lIns="91425" tIns="91425" rIns="91425" bIns="91425" anchor="t" anchorCtr="0">
             <a:normAutofit/>
           </a:bodyPr>
           <a:lstStyle>
-            <a:lvl1pPr indent="-304800" lvl="0" marL="457200">
+            <a:lvl1pPr marL="457200" lvl="0" indent="-304800">
               <a:spcBef>
                 <a:spcPts val="0"/>
               </a:spcBef>
@@ -5489,7 +5586,7 @@
               <a:buChar char="●"/>
               <a:defRPr sz="1200"/>
             </a:lvl1pPr>
-            <a:lvl2pPr indent="-304800" lvl="1" marL="914400">
+            <a:lvl2pPr marL="914400" lvl="1" indent="-304800">
               <a:spcBef>
                 <a:spcPts val="0"/>
               </a:spcBef>
@@ -5500,7 +5597,7 @@
               <a:buChar char="○"/>
               <a:defRPr sz="1200"/>
             </a:lvl2pPr>
-            <a:lvl3pPr indent="-304800" lvl="2" marL="1371600">
+            <a:lvl3pPr marL="1371600" lvl="2" indent="-304800">
               <a:spcBef>
                 <a:spcPts val="0"/>
               </a:spcBef>
@@ -5511,7 +5608,7 @@
               <a:buChar char="■"/>
               <a:defRPr sz="1200"/>
             </a:lvl3pPr>
-            <a:lvl4pPr indent="-304800" lvl="3" marL="1828800">
+            <a:lvl4pPr marL="1828800" lvl="3" indent="-304800">
               <a:spcBef>
                 <a:spcPts val="0"/>
               </a:spcBef>
@@ -5522,7 +5619,7 @@
               <a:buChar char="●"/>
               <a:defRPr sz="1200"/>
             </a:lvl4pPr>
-            <a:lvl5pPr indent="-304800" lvl="4" marL="2286000">
+            <a:lvl5pPr marL="2286000" lvl="4" indent="-304800">
               <a:spcBef>
                 <a:spcPts val="0"/>
               </a:spcBef>
@@ -5533,7 +5630,7 @@
               <a:buChar char="○"/>
               <a:defRPr sz="1200"/>
             </a:lvl5pPr>
-            <a:lvl6pPr indent="-304800" lvl="5" marL="2743200">
+            <a:lvl6pPr marL="2743200" lvl="5" indent="-304800">
               <a:spcBef>
                 <a:spcPts val="0"/>
               </a:spcBef>
@@ -5544,7 +5641,7 @@
               <a:buChar char="■"/>
               <a:defRPr sz="1200"/>
             </a:lvl6pPr>
-            <a:lvl7pPr indent="-304800" lvl="6" marL="3200400">
+            <a:lvl7pPr marL="3200400" lvl="6" indent="-304800">
               <a:spcBef>
                 <a:spcPts val="0"/>
               </a:spcBef>
@@ -5555,7 +5652,7 @@
               <a:buChar char="●"/>
               <a:defRPr sz="1200"/>
             </a:lvl7pPr>
-            <a:lvl8pPr indent="-304800" lvl="7" marL="3657600">
+            <a:lvl8pPr marL="3657600" lvl="7" indent="-304800">
               <a:spcBef>
                 <a:spcPts val="0"/>
               </a:spcBef>
@@ -5566,7 +5663,7 @@
               <a:buChar char="○"/>
               <a:defRPr sz="1200"/>
             </a:lvl8pPr>
-            <a:lvl9pPr indent="-304800" lvl="8" marL="4114800">
+            <a:lvl9pPr marL="4114800" lvl="8" indent="-304800">
               <a:spcBef>
                 <a:spcPts val="0"/>
               </a:spcBef>
@@ -5578,15 +5675,19 @@
               <a:defRPr sz="1200"/>
             </a:lvl9pPr>
           </a:lstStyle>
-          <a:p/>
+          <a:p>
+            <a:endParaRPr/>
+          </a:p>
         </p:txBody>
       </p:sp>
       <p:sp>
         <p:nvSpPr>
           <p:cNvPr id="31" name="Google Shape;31;p7"/>
-          <p:cNvSpPr txBox="1"/>
+          <p:cNvSpPr txBox="1">
+            <a:spLocks noGrp="1"/>
+          </p:cNvSpPr>
           <p:nvPr>
-            <p:ph idx="12" type="sldNum"/>
+            <p:ph type="sldNum" idx="12"/>
           </p:nvPr>
         </p:nvSpPr>
         <p:spPr>
@@ -5599,7 +5700,7 @@
           </a:prstGeom>
         </p:spPr>
         <p:txBody>
-          <a:bodyPr anchorCtr="0" anchor="ctr" bIns="91425" lIns="91425" spcFirstLastPara="1" rIns="91425" wrap="square" tIns="91425">
+          <a:bodyPr spcFirstLastPara="1" wrap="square" lIns="91425" tIns="91425" rIns="91425" bIns="91425" anchor="ctr" anchorCtr="0">
             <a:normAutofit/>
           </a:bodyPr>
           <a:lstStyle>
@@ -5641,7 +5742,7 @@
             </a:lvl9pPr>
           </a:lstStyle>
           <a:p>
-            <a:pPr indent="0" lvl="0" marL="0" rtl="0" algn="r">
+            <a:pPr marL="0" lvl="0" indent="0" algn="r" rtl="0">
               <a:spcBef>
                 <a:spcPts val="0"/>
               </a:spcBef>
@@ -5667,11 +5768,11 @@
 </file>
 
 <file path=ppt/slideLayouts/slideLayout7.xml><?xml version="1.0" encoding="utf-8"?>
-<p:sldLayout xmlns:a="http://schemas.openxmlformats.org/drawingml/2006/main" xmlns:r="http://schemas.openxmlformats.org/officeDocument/2006/relationships" xmlns:mc="http://schemas.openxmlformats.org/markup-compatibility/2006" xmlns:mv="urn:schemas-microsoft-com:mac:vml" xmlns:p="http://schemas.openxmlformats.org/presentationml/2006/main" xmlns:c="http://schemas.openxmlformats.org/drawingml/2006/chart" xmlns:dgm="http://schemas.openxmlformats.org/drawingml/2006/diagram" xmlns:o="urn:schemas-microsoft-com:office:office" xmlns:v="urn:schemas-microsoft-com:vml" xmlns:pvml="urn:schemas-microsoft-com:office:powerpoint" xmlns:com="http://schemas.openxmlformats.org/drawingml/2006/compatibility" xmlns:p14="http://schemas.microsoft.com/office/powerpoint/2010/main" xmlns:p15="http://schemas.microsoft.com/office/powerpoint/2012/main" xmlns:ahyp="http://schemas.microsoft.com/office/drawing/2018/hyperlinkcolor" matchingName="Main point">
+<p:sldLayout xmlns:a="http://schemas.openxmlformats.org/drawingml/2006/main" xmlns:r="http://schemas.openxmlformats.org/officeDocument/2006/relationships" xmlns:p="http://schemas.openxmlformats.org/presentationml/2006/main" matchingName="Main point">
   <p:cSld name="MAIN_POINT">
     <p:spTree>
       <p:nvGrpSpPr>
-        <p:cNvPr id="32" name="Shape 32"/>
+        <p:cNvPr id="1" name="Shape 32"/>
         <p:cNvGrpSpPr/>
         <p:nvPr/>
       </p:nvGrpSpPr>
@@ -5686,7 +5787,9 @@
       <p:sp>
         <p:nvSpPr>
           <p:cNvPr id="33" name="Google Shape;33;p8"/>
-          <p:cNvSpPr txBox="1"/>
+          <p:cNvSpPr txBox="1">
+            <a:spLocks noGrp="1"/>
+          </p:cNvSpPr>
           <p:nvPr>
             <p:ph type="title"/>
           </p:nvPr>
@@ -5701,7 +5804,7 @@
           </a:prstGeom>
         </p:spPr>
         <p:txBody>
-          <a:bodyPr anchorCtr="0" anchor="ctr" bIns="91425" lIns="91425" spcFirstLastPara="1" rIns="91425" wrap="square" tIns="91425">
+          <a:bodyPr spcFirstLastPara="1" wrap="square" lIns="91425" tIns="91425" rIns="91425" bIns="91425" anchor="ctr" anchorCtr="0">
             <a:normAutofit/>
           </a:bodyPr>
           <a:lstStyle>
@@ -5805,15 +5908,19 @@
               <a:defRPr sz="4800"/>
             </a:lvl9pPr>
           </a:lstStyle>
-          <a:p/>
+          <a:p>
+            <a:endParaRPr/>
+          </a:p>
         </p:txBody>
       </p:sp>
       <p:sp>
         <p:nvSpPr>
           <p:cNvPr id="34" name="Google Shape;34;p8"/>
-          <p:cNvSpPr txBox="1"/>
+          <p:cNvSpPr txBox="1">
+            <a:spLocks noGrp="1"/>
+          </p:cNvSpPr>
           <p:nvPr>
-            <p:ph idx="12" type="sldNum"/>
+            <p:ph type="sldNum" idx="12"/>
           </p:nvPr>
         </p:nvSpPr>
         <p:spPr>
@@ -5826,7 +5933,7 @@
           </a:prstGeom>
         </p:spPr>
         <p:txBody>
-          <a:bodyPr anchorCtr="0" anchor="ctr" bIns="91425" lIns="91425" spcFirstLastPara="1" rIns="91425" wrap="square" tIns="91425">
+          <a:bodyPr spcFirstLastPara="1" wrap="square" lIns="91425" tIns="91425" rIns="91425" bIns="91425" anchor="ctr" anchorCtr="0">
             <a:normAutofit/>
           </a:bodyPr>
           <a:lstStyle>
@@ -5868,7 +5975,7 @@
             </a:lvl9pPr>
           </a:lstStyle>
           <a:p>
-            <a:pPr indent="0" lvl="0" marL="0" rtl="0" algn="r">
+            <a:pPr marL="0" lvl="0" indent="0" algn="r" rtl="0">
               <a:spcBef>
                 <a:spcPts val="0"/>
               </a:spcBef>
@@ -5894,11 +6001,11 @@
 </file>
 
 <file path=ppt/slideLayouts/slideLayout8.xml><?xml version="1.0" encoding="utf-8"?>
-<p:sldLayout xmlns:a="http://schemas.openxmlformats.org/drawingml/2006/main" xmlns:r="http://schemas.openxmlformats.org/officeDocument/2006/relationships" xmlns:mc="http://schemas.openxmlformats.org/markup-compatibility/2006" xmlns:mv="urn:schemas-microsoft-com:mac:vml" xmlns:p="http://schemas.openxmlformats.org/presentationml/2006/main" xmlns:c="http://schemas.openxmlformats.org/drawingml/2006/chart" xmlns:dgm="http://schemas.openxmlformats.org/drawingml/2006/diagram" xmlns:o="urn:schemas-microsoft-com:office:office" xmlns:v="urn:schemas-microsoft-com:vml" xmlns:pvml="urn:schemas-microsoft-com:office:powerpoint" xmlns:com="http://schemas.openxmlformats.org/drawingml/2006/compatibility" xmlns:p14="http://schemas.microsoft.com/office/powerpoint/2010/main" xmlns:p15="http://schemas.microsoft.com/office/powerpoint/2012/main" xmlns:ahyp="http://schemas.microsoft.com/office/drawing/2018/hyperlinkcolor" matchingName="Section title and description">
+<p:sldLayout xmlns:a="http://schemas.openxmlformats.org/drawingml/2006/main" xmlns:r="http://schemas.openxmlformats.org/officeDocument/2006/relationships" xmlns:p="http://schemas.openxmlformats.org/presentationml/2006/main" matchingName="Section title and description">
   <p:cSld name="SECTION_TITLE_AND_DESCRIPTION">
     <p:spTree>
       <p:nvGrpSpPr>
-        <p:cNvPr id="35" name="Shape 35"/>
+        <p:cNvPr id="1" name="Shape 35"/>
         <p:cNvGrpSpPr/>
         <p:nvPr/>
       </p:nvGrpSpPr>
@@ -5932,23 +6039,20 @@
           </a:ln>
         </p:spPr>
         <p:txBody>
-          <a:bodyPr anchorCtr="0" anchor="ctr" bIns="91425" lIns="91425" spcFirstLastPara="1" rIns="91425" wrap="square" tIns="91425">
+          <a:bodyPr spcFirstLastPara="1" wrap="square" lIns="91425" tIns="91425" rIns="91425" bIns="91425" anchor="ctr" anchorCtr="0">
             <a:noAutofit/>
           </a:bodyPr>
           <a:lstStyle/>
           <a:p>
-            <a:pPr indent="0" lvl="0" marL="0" rtl="0" algn="l">
-              <a:spcBef>
-                <a:spcPts val="0"/>
-              </a:spcBef>
-              <a:spcAft>
-                <a:spcPts val="0"/>
-              </a:spcAft>
-              <a:buNone/>
-            </a:pPr>
-            <a:r>
-              <a:t/>
-            </a:r>
+            <a:pPr marL="0" lvl="0" indent="0" algn="l" rtl="0">
+              <a:spcBef>
+                <a:spcPts val="0"/>
+              </a:spcBef>
+              <a:spcAft>
+                <a:spcPts val="0"/>
+              </a:spcAft>
+              <a:buNone/>
+            </a:pPr>
             <a:endParaRPr/>
           </a:p>
         </p:txBody>
@@ -5956,7 +6060,9 @@
       <p:sp>
         <p:nvSpPr>
           <p:cNvPr id="37" name="Google Shape;37;p9"/>
-          <p:cNvSpPr txBox="1"/>
+          <p:cNvSpPr txBox="1">
+            <a:spLocks noGrp="1"/>
+          </p:cNvSpPr>
           <p:nvPr>
             <p:ph type="title"/>
           </p:nvPr>
@@ -5971,7 +6077,7 @@
           </a:prstGeom>
         </p:spPr>
         <p:txBody>
-          <a:bodyPr anchorCtr="0" anchor="b" bIns="91425" lIns="91425" spcFirstLastPara="1" rIns="91425" wrap="square" tIns="91425">
+          <a:bodyPr spcFirstLastPara="1" wrap="square" lIns="91425" tIns="91425" rIns="91425" bIns="91425" anchor="b" anchorCtr="0">
             <a:normAutofit/>
           </a:bodyPr>
           <a:lstStyle>
@@ -6075,15 +6181,19 @@
               <a:defRPr sz="4200"/>
             </a:lvl9pPr>
           </a:lstStyle>
-          <a:p/>
+          <a:p>
+            <a:endParaRPr/>
+          </a:p>
         </p:txBody>
       </p:sp>
       <p:sp>
         <p:nvSpPr>
           <p:cNvPr id="38" name="Google Shape;38;p9"/>
-          <p:cNvSpPr txBox="1"/>
+          <p:cNvSpPr txBox="1">
+            <a:spLocks noGrp="1"/>
+          </p:cNvSpPr>
           <p:nvPr>
-            <p:ph idx="1" type="subTitle"/>
+            <p:ph type="subTitle" idx="1"/>
           </p:nvPr>
         </p:nvSpPr>
         <p:spPr>
@@ -6096,7 +6206,7 @@
           </a:prstGeom>
         </p:spPr>
         <p:txBody>
-          <a:bodyPr anchorCtr="0" anchor="t" bIns="91425" lIns="91425" spcFirstLastPara="1" rIns="91425" wrap="square" tIns="91425">
+          <a:bodyPr spcFirstLastPara="1" wrap="square" lIns="91425" tIns="91425" rIns="91425" bIns="91425" anchor="t" anchorCtr="0">
             <a:normAutofit/>
           </a:bodyPr>
           <a:lstStyle>
@@ -6227,15 +6337,19 @@
               <a:defRPr sz="2100"/>
             </a:lvl9pPr>
           </a:lstStyle>
-          <a:p/>
+          <a:p>
+            <a:endParaRPr/>
+          </a:p>
         </p:txBody>
       </p:sp>
       <p:sp>
         <p:nvSpPr>
           <p:cNvPr id="39" name="Google Shape;39;p9"/>
-          <p:cNvSpPr txBox="1"/>
+          <p:cNvSpPr txBox="1">
+            <a:spLocks noGrp="1"/>
+          </p:cNvSpPr>
           <p:nvPr>
-            <p:ph idx="2" type="body"/>
+            <p:ph type="body" idx="2"/>
           </p:nvPr>
         </p:nvSpPr>
         <p:spPr>
@@ -6248,11 +6362,11 @@
           </a:prstGeom>
         </p:spPr>
         <p:txBody>
-          <a:bodyPr anchorCtr="0" anchor="ctr" bIns="91425" lIns="91425" spcFirstLastPara="1" rIns="91425" wrap="square" tIns="91425">
+          <a:bodyPr spcFirstLastPara="1" wrap="square" lIns="91425" tIns="91425" rIns="91425" bIns="91425" anchor="ctr" anchorCtr="0">
             <a:normAutofit/>
           </a:bodyPr>
           <a:lstStyle>
-            <a:lvl1pPr indent="-342900" lvl="0" marL="457200">
+            <a:lvl1pPr marL="457200" lvl="0" indent="-342900">
               <a:spcBef>
                 <a:spcPts val="0"/>
               </a:spcBef>
@@ -6263,7 +6377,7 @@
               <a:buChar char="●"/>
               <a:defRPr/>
             </a:lvl1pPr>
-            <a:lvl2pPr indent="-317500" lvl="1" marL="914400">
+            <a:lvl2pPr marL="914400" lvl="1" indent="-317500">
               <a:spcBef>
                 <a:spcPts val="0"/>
               </a:spcBef>
@@ -6274,7 +6388,7 @@
               <a:buChar char="○"/>
               <a:defRPr/>
             </a:lvl2pPr>
-            <a:lvl3pPr indent="-317500" lvl="2" marL="1371600">
+            <a:lvl3pPr marL="1371600" lvl="2" indent="-317500">
               <a:spcBef>
                 <a:spcPts val="0"/>
               </a:spcBef>
@@ -6285,7 +6399,7 @@
               <a:buChar char="■"/>
               <a:defRPr/>
             </a:lvl3pPr>
-            <a:lvl4pPr indent="-317500" lvl="3" marL="1828800">
+            <a:lvl4pPr marL="1828800" lvl="3" indent="-317500">
               <a:spcBef>
                 <a:spcPts val="0"/>
               </a:spcBef>
@@ -6296,7 +6410,7 @@
               <a:buChar char="●"/>
               <a:defRPr/>
             </a:lvl4pPr>
-            <a:lvl5pPr indent="-317500" lvl="4" marL="2286000">
+            <a:lvl5pPr marL="2286000" lvl="4" indent="-317500">
               <a:spcBef>
                 <a:spcPts val="0"/>
               </a:spcBef>
@@ -6307,7 +6421,7 @@
               <a:buChar char="○"/>
               <a:defRPr/>
             </a:lvl5pPr>
-            <a:lvl6pPr indent="-317500" lvl="5" marL="2743200">
+            <a:lvl6pPr marL="2743200" lvl="5" indent="-317500">
               <a:spcBef>
                 <a:spcPts val="0"/>
               </a:spcBef>
@@ -6318,7 +6432,7 @@
               <a:buChar char="■"/>
               <a:defRPr/>
             </a:lvl6pPr>
-            <a:lvl7pPr indent="-317500" lvl="6" marL="3200400">
+            <a:lvl7pPr marL="3200400" lvl="6" indent="-317500">
               <a:spcBef>
                 <a:spcPts val="0"/>
               </a:spcBef>
@@ -6329,7 +6443,7 @@
               <a:buChar char="●"/>
               <a:defRPr/>
             </a:lvl7pPr>
-            <a:lvl8pPr indent="-317500" lvl="7" marL="3657600">
+            <a:lvl8pPr marL="3657600" lvl="7" indent="-317500">
               <a:spcBef>
                 <a:spcPts val="0"/>
               </a:spcBef>
@@ -6340,7 +6454,7 @@
               <a:buChar char="○"/>
               <a:defRPr/>
             </a:lvl8pPr>
-            <a:lvl9pPr indent="-317500" lvl="8" marL="4114800">
+            <a:lvl9pPr marL="4114800" lvl="8" indent="-317500">
               <a:spcBef>
                 <a:spcPts val="0"/>
               </a:spcBef>
@@ -6352,15 +6466,19 @@
               <a:defRPr/>
             </a:lvl9pPr>
           </a:lstStyle>
-          <a:p/>
+          <a:p>
+            <a:endParaRPr/>
+          </a:p>
         </p:txBody>
       </p:sp>
       <p:sp>
         <p:nvSpPr>
           <p:cNvPr id="40" name="Google Shape;40;p9"/>
-          <p:cNvSpPr txBox="1"/>
+          <p:cNvSpPr txBox="1">
+            <a:spLocks noGrp="1"/>
+          </p:cNvSpPr>
           <p:nvPr>
-            <p:ph idx="12" type="sldNum"/>
+            <p:ph type="sldNum" idx="12"/>
           </p:nvPr>
         </p:nvSpPr>
         <p:spPr>
@@ -6373,7 +6491,7 @@
           </a:prstGeom>
         </p:spPr>
         <p:txBody>
-          <a:bodyPr anchorCtr="0" anchor="ctr" bIns="91425" lIns="91425" spcFirstLastPara="1" rIns="91425" wrap="square" tIns="91425">
+          <a:bodyPr spcFirstLastPara="1" wrap="square" lIns="91425" tIns="91425" rIns="91425" bIns="91425" anchor="ctr" anchorCtr="0">
             <a:normAutofit/>
           </a:bodyPr>
           <a:lstStyle>
@@ -6415,7 +6533,7 @@
             </a:lvl9pPr>
           </a:lstStyle>
           <a:p>
-            <a:pPr indent="0" lvl="0" marL="0" rtl="0" algn="r">
+            <a:pPr marL="0" lvl="0" indent="0" algn="r" rtl="0">
               <a:spcBef>
                 <a:spcPts val="0"/>
               </a:spcBef>
@@ -6441,11 +6559,11 @@
 </file>
 
 <file path=ppt/slideLayouts/slideLayout9.xml><?xml version="1.0" encoding="utf-8"?>
-<p:sldLayout xmlns:a="http://schemas.openxmlformats.org/drawingml/2006/main" xmlns:r="http://schemas.openxmlformats.org/officeDocument/2006/relationships" xmlns:mc="http://schemas.openxmlformats.org/markup-compatibility/2006" xmlns:mv="urn:schemas-microsoft-com:mac:vml" xmlns:p="http://schemas.openxmlformats.org/presentationml/2006/main" xmlns:c="http://schemas.openxmlformats.org/drawingml/2006/chart" xmlns:dgm="http://schemas.openxmlformats.org/drawingml/2006/diagram" xmlns:o="urn:schemas-microsoft-com:office:office" xmlns:v="urn:schemas-microsoft-com:vml" xmlns:pvml="urn:schemas-microsoft-com:office:powerpoint" xmlns:com="http://schemas.openxmlformats.org/drawingml/2006/compatibility" xmlns:p14="http://schemas.microsoft.com/office/powerpoint/2010/main" xmlns:p15="http://schemas.microsoft.com/office/powerpoint/2012/main" xmlns:ahyp="http://schemas.microsoft.com/office/drawing/2018/hyperlinkcolor" matchingName="Caption">
+<p:sldLayout xmlns:a="http://schemas.openxmlformats.org/drawingml/2006/main" xmlns:r="http://schemas.openxmlformats.org/officeDocument/2006/relationships" xmlns:p="http://schemas.openxmlformats.org/presentationml/2006/main" matchingName="Caption">
   <p:cSld name="CAPTION_ONLY">
     <p:spTree>
       <p:nvGrpSpPr>
-        <p:cNvPr id="41" name="Shape 41"/>
+        <p:cNvPr id="1" name="Shape 41"/>
         <p:cNvGrpSpPr/>
         <p:nvPr/>
       </p:nvGrpSpPr>
@@ -6460,9 +6578,11 @@
       <p:sp>
         <p:nvSpPr>
           <p:cNvPr id="42" name="Google Shape;42;p10"/>
-          <p:cNvSpPr txBox="1"/>
+          <p:cNvSpPr txBox="1">
+            <a:spLocks noGrp="1"/>
+          </p:cNvSpPr>
           <p:nvPr>
-            <p:ph idx="1" type="body"/>
+            <p:ph type="body" idx="1"/>
           </p:nvPr>
         </p:nvSpPr>
         <p:spPr>
@@ -6475,11 +6595,11 @@
           </a:prstGeom>
         </p:spPr>
         <p:txBody>
-          <a:bodyPr anchorCtr="0" anchor="ctr" bIns="91425" lIns="91425" spcFirstLastPara="1" rIns="91425" wrap="square" tIns="91425">
+          <a:bodyPr spcFirstLastPara="1" wrap="square" lIns="91425" tIns="91425" rIns="91425" bIns="91425" anchor="ctr" anchorCtr="0">
             <a:normAutofit/>
           </a:bodyPr>
           <a:lstStyle>
-            <a:lvl1pPr indent="-228600" lvl="0" marL="457200">
+            <a:lvl1pPr marL="457200" lvl="0" indent="-228600">
               <a:lnSpc>
                 <a:spcPct val="100000"/>
               </a:lnSpc>
@@ -6494,15 +6614,19 @@
               <a:defRPr/>
             </a:lvl1pPr>
           </a:lstStyle>
-          <a:p/>
+          <a:p>
+            <a:endParaRPr/>
+          </a:p>
         </p:txBody>
       </p:sp>
       <p:sp>
         <p:nvSpPr>
           <p:cNvPr id="43" name="Google Shape;43;p10"/>
-          <p:cNvSpPr txBox="1"/>
+          <p:cNvSpPr txBox="1">
+            <a:spLocks noGrp="1"/>
+          </p:cNvSpPr>
           <p:nvPr>
-            <p:ph idx="12" type="sldNum"/>
+            <p:ph type="sldNum" idx="12"/>
           </p:nvPr>
         </p:nvSpPr>
         <p:spPr>
@@ -6515,7 +6639,7 @@
           </a:prstGeom>
         </p:spPr>
         <p:txBody>
-          <a:bodyPr anchorCtr="0" anchor="ctr" bIns="91425" lIns="91425" spcFirstLastPara="1" rIns="91425" wrap="square" tIns="91425">
+          <a:bodyPr spcFirstLastPara="1" wrap="square" lIns="91425" tIns="91425" rIns="91425" bIns="91425" anchor="ctr" anchorCtr="0">
             <a:normAutofit/>
           </a:bodyPr>
           <a:lstStyle>
@@ -6557,7 +6681,7 @@
             </a:lvl9pPr>
           </a:lstStyle>
           <a:p>
-            <a:pPr indent="0" lvl="0" marL="0" rtl="0" algn="r">
+            <a:pPr marL="0" lvl="0" indent="0" algn="r" rtl="0">
               <a:spcBef>
                 <a:spcPts val="0"/>
               </a:spcBef>
@@ -6583,18 +6707,19 @@
 </file>
 
 <file path=ppt/slideMasters/slideMaster1.xml><?xml version="1.0" encoding="utf-8"?>
-<p:sldMaster xmlns:a="http://schemas.openxmlformats.org/drawingml/2006/main" xmlns:r="http://schemas.openxmlformats.org/officeDocument/2006/relationships" xmlns:mc="http://schemas.openxmlformats.org/markup-compatibility/2006" xmlns:mv="urn:schemas-microsoft-com:mac:vml" xmlns:p="http://schemas.openxmlformats.org/presentationml/2006/main" xmlns:c="http://schemas.openxmlformats.org/drawingml/2006/chart" xmlns:dgm="http://schemas.openxmlformats.org/drawingml/2006/diagram" xmlns:o="urn:schemas-microsoft-com:office:office" xmlns:v="urn:schemas-microsoft-com:vml" xmlns:pvml="urn:schemas-microsoft-com:office:powerpoint" xmlns:com="http://schemas.openxmlformats.org/drawingml/2006/compatibility" xmlns:p14="http://schemas.microsoft.com/office/powerpoint/2010/main" xmlns:p15="http://schemas.microsoft.com/office/powerpoint/2012/main" xmlns:ahyp="http://schemas.microsoft.com/office/drawing/2018/hyperlinkcolor">
+<p:sldMaster xmlns:a="http://schemas.openxmlformats.org/drawingml/2006/main" xmlns:r="http://schemas.openxmlformats.org/officeDocument/2006/relationships" xmlns:p="http://schemas.openxmlformats.org/presentationml/2006/main">
   <p:cSld name="simple-light-2">
     <p:bg>
       <p:bgPr>
         <a:solidFill>
           <a:schemeClr val="lt1"/>
         </a:solidFill>
+        <a:effectLst/>
       </p:bgPr>
     </p:bg>
     <p:spTree>
       <p:nvGrpSpPr>
-        <p:cNvPr id="5" name="Shape 5"/>
+        <p:cNvPr id="1" name="Shape 5"/>
         <p:cNvGrpSpPr/>
         <p:nvPr/>
       </p:nvGrpSpPr>
@@ -6609,7 +6734,9 @@
       <p:sp>
         <p:nvSpPr>
           <p:cNvPr id="6" name="Google Shape;6;p1"/>
-          <p:cNvSpPr txBox="1"/>
+          <p:cNvSpPr txBox="1">
+            <a:spLocks noGrp="1"/>
+          </p:cNvSpPr>
           <p:nvPr>
             <p:ph type="title"/>
           </p:nvPr>
@@ -6628,7 +6755,7 @@
           </a:ln>
         </p:spPr>
         <p:txBody>
-          <a:bodyPr anchorCtr="0" anchor="t" bIns="91425" lIns="91425" spcFirstLastPara="1" rIns="91425" wrap="square" tIns="91425">
+          <a:bodyPr spcFirstLastPara="1" wrap="square" lIns="91425" tIns="91425" rIns="91425" bIns="91425" anchor="t" anchorCtr="0">
             <a:normAutofit/>
           </a:bodyPr>
           <a:lstStyle>
@@ -6795,15 +6922,19 @@
               </a:defRPr>
             </a:lvl9pPr>
           </a:lstStyle>
-          <a:p/>
+          <a:p>
+            <a:endParaRPr/>
+          </a:p>
         </p:txBody>
       </p:sp>
       <p:sp>
         <p:nvSpPr>
           <p:cNvPr id="7" name="Google Shape;7;p1"/>
-          <p:cNvSpPr txBox="1"/>
+          <p:cNvSpPr txBox="1">
+            <a:spLocks noGrp="1"/>
+          </p:cNvSpPr>
           <p:nvPr>
-            <p:ph idx="1" type="body"/>
+            <p:ph type="body" idx="1"/>
           </p:nvPr>
         </p:nvSpPr>
         <p:spPr>
@@ -6820,11 +6951,11 @@
           </a:ln>
         </p:spPr>
         <p:txBody>
-          <a:bodyPr anchorCtr="0" anchor="t" bIns="91425" lIns="91425" spcFirstLastPara="1" rIns="91425" wrap="square" tIns="91425">
+          <a:bodyPr spcFirstLastPara="1" wrap="square" lIns="91425" tIns="91425" rIns="91425" bIns="91425" anchor="t" anchorCtr="0">
             <a:normAutofit/>
           </a:bodyPr>
           <a:lstStyle>
-            <a:lvl1pPr indent="-342900" lvl="0" marL="457200">
+            <a:lvl1pPr marL="457200" lvl="0" indent="-342900">
               <a:lnSpc>
                 <a:spcPct val="115000"/>
               </a:lnSpc>
@@ -6845,7 +6976,7 @@
                 </a:solidFill>
               </a:defRPr>
             </a:lvl1pPr>
-            <a:lvl2pPr indent="-317500" lvl="1" marL="914400">
+            <a:lvl2pPr marL="914400" lvl="1" indent="-317500">
               <a:lnSpc>
                 <a:spcPct val="115000"/>
               </a:lnSpc>
@@ -6866,7 +6997,7 @@
                 </a:solidFill>
               </a:defRPr>
             </a:lvl2pPr>
-            <a:lvl3pPr indent="-317500" lvl="2" marL="1371600">
+            <a:lvl3pPr marL="1371600" lvl="2" indent="-317500">
               <a:lnSpc>
                 <a:spcPct val="115000"/>
               </a:lnSpc>
@@ -6887,7 +7018,7 @@
                 </a:solidFill>
               </a:defRPr>
             </a:lvl3pPr>
-            <a:lvl4pPr indent="-317500" lvl="3" marL="1828800">
+            <a:lvl4pPr marL="1828800" lvl="3" indent="-317500">
               <a:lnSpc>
                 <a:spcPct val="115000"/>
               </a:lnSpc>
@@ -6908,7 +7039,7 @@
                 </a:solidFill>
               </a:defRPr>
             </a:lvl4pPr>
-            <a:lvl5pPr indent="-317500" lvl="4" marL="2286000">
+            <a:lvl5pPr marL="2286000" lvl="4" indent="-317500">
               <a:lnSpc>
                 <a:spcPct val="115000"/>
               </a:lnSpc>
@@ -6929,7 +7060,7 @@
                 </a:solidFill>
               </a:defRPr>
             </a:lvl5pPr>
-            <a:lvl6pPr indent="-317500" lvl="5" marL="2743200">
+            <a:lvl6pPr marL="2743200" lvl="5" indent="-317500">
               <a:lnSpc>
                 <a:spcPct val="115000"/>
               </a:lnSpc>
@@ -6950,7 +7081,7 @@
                 </a:solidFill>
               </a:defRPr>
             </a:lvl6pPr>
-            <a:lvl7pPr indent="-317500" lvl="6" marL="3200400">
+            <a:lvl7pPr marL="3200400" lvl="6" indent="-317500">
               <a:lnSpc>
                 <a:spcPct val="115000"/>
               </a:lnSpc>
@@ -6971,7 +7102,7 @@
                 </a:solidFill>
               </a:defRPr>
             </a:lvl7pPr>
-            <a:lvl8pPr indent="-317500" lvl="7" marL="3657600">
+            <a:lvl8pPr marL="3657600" lvl="7" indent="-317500">
               <a:lnSpc>
                 <a:spcPct val="115000"/>
               </a:lnSpc>
@@ -6992,7 +7123,7 @@
                 </a:solidFill>
               </a:defRPr>
             </a:lvl8pPr>
-            <a:lvl9pPr indent="-317500" lvl="8" marL="4114800">
+            <a:lvl9pPr marL="4114800" lvl="8" indent="-317500">
               <a:lnSpc>
                 <a:spcPct val="115000"/>
               </a:lnSpc>
@@ -7014,15 +7145,19 @@
               </a:defRPr>
             </a:lvl9pPr>
           </a:lstStyle>
-          <a:p/>
+          <a:p>
+            <a:endParaRPr/>
+          </a:p>
         </p:txBody>
       </p:sp>
       <p:sp>
         <p:nvSpPr>
           <p:cNvPr id="8" name="Google Shape;8;p1"/>
-          <p:cNvSpPr txBox="1"/>
+          <p:cNvSpPr txBox="1">
+            <a:spLocks noGrp="1"/>
+          </p:cNvSpPr>
           <p:nvPr>
-            <p:ph idx="12" type="sldNum"/>
+            <p:ph type="sldNum" idx="12"/>
           </p:nvPr>
         </p:nvSpPr>
         <p:spPr>
@@ -7039,7 +7174,7 @@
           </a:ln>
         </p:spPr>
         <p:txBody>
-          <a:bodyPr anchorCtr="0" anchor="ctr" bIns="91425" lIns="91425" spcFirstLastPara="1" rIns="91425" wrap="square" tIns="91425">
+          <a:bodyPr spcFirstLastPara="1" wrap="square" lIns="91425" tIns="91425" rIns="91425" bIns="91425" anchor="ctr" anchorCtr="0">
             <a:normAutofit/>
           </a:bodyPr>
           <a:lstStyle>
@@ -7117,7 +7252,7 @@
             </a:lvl9pPr>
           </a:lstStyle>
           <a:p>
-            <a:pPr indent="0" lvl="0" marL="0" rtl="0" algn="r">
+            <a:pPr marL="0" lvl="0" indent="0" algn="r" rtl="0">
               <a:spcBef>
                 <a:spcPts val="0"/>
               </a:spcBef>
@@ -7136,7 +7271,7 @@
       </p:sp>
     </p:spTree>
   </p:cSld>
-  <p:clrMap accent1="accent1" accent2="accent2" accent3="accent3" accent4="accent4" accent5="accent5" accent6="accent6" bg1="lt1" bg2="dk2" tx1="dk1" tx2="lt2" folHlink="folHlink" hlink="hlink"/>
+  <p:clrMap bg1="lt1" tx1="dk1" bg2="dk2" tx2="lt2" accent1="accent1" accent2="accent2" accent3="accent3" accent4="accent4" accent5="accent5" accent6="accent6" hlink="hlink" folHlink="folHlink"/>
   <p:sldLayoutIdLst>
     <p:sldLayoutId id="2147483648" r:id="rId1"/>
     <p:sldLayoutId id="2147483649" r:id="rId2"/>
@@ -7150,10 +7285,10 @@
     <p:sldLayoutId id="2147483657" r:id="rId10"/>
     <p:sldLayoutId id="2147483658" r:id="rId11"/>
   </p:sldLayoutIdLst>
-  <p:hf dt="0" ftr="0" hdr="0" sldNum="0"/>
+  <p:hf sldNum="0" hdr="0" ftr="0" dt="0"/>
   <p:txStyles>
     <p:titleStyle>
-      <a:defPPr lvl="0" marR="0" rtl="0" algn="l">
+      <a:defPPr marR="0" lvl="0" algn="l" rtl="0">
         <a:lnSpc>
           <a:spcPct val="100000"/>
         </a:lnSpc>
@@ -7164,7 +7299,7 @@
           <a:spcPts val="0"/>
         </a:spcAft>
       </a:defPPr>
-      <a:lvl1pPr lvl="0" marR="0" rtl="0" algn="l">
+      <a:lvl1pPr marR="0" lvl="0" algn="l" rtl="0">
         <a:lnSpc>
           <a:spcPct val="100000"/>
         </a:lnSpc>
@@ -7178,7 +7313,7 @@
           <a:srgbClr val="000000"/>
         </a:buClr>
         <a:buFont typeface="Arial"/>
-        <a:defRPr b="0" i="0" sz="1400" u="none" cap="none" strike="noStrike">
+        <a:defRPr sz="1400" b="0" i="0" u="none" strike="noStrike" cap="none">
           <a:solidFill>
             <a:srgbClr val="000000"/>
           </a:solidFill>
@@ -7188,7 +7323,7 @@
           <a:sym typeface="Arial"/>
         </a:defRPr>
       </a:lvl1pPr>
-      <a:lvl2pPr lvl="1" marR="0" rtl="0" algn="l">
+      <a:lvl2pPr marR="0" lvl="1" algn="l" rtl="0">
         <a:lnSpc>
           <a:spcPct val="100000"/>
         </a:lnSpc>
@@ -7202,7 +7337,7 @@
           <a:srgbClr val="000000"/>
         </a:buClr>
         <a:buFont typeface="Arial"/>
-        <a:defRPr b="0" i="0" sz="1400" u="none" cap="none" strike="noStrike">
+        <a:defRPr sz="1400" b="0" i="0" u="none" strike="noStrike" cap="none">
           <a:solidFill>
             <a:srgbClr val="000000"/>
           </a:solidFill>
@@ -7212,7 +7347,7 @@
           <a:sym typeface="Arial"/>
         </a:defRPr>
       </a:lvl2pPr>
-      <a:lvl3pPr lvl="2" marR="0" rtl="0" algn="l">
+      <a:lvl3pPr marR="0" lvl="2" algn="l" rtl="0">
         <a:lnSpc>
           <a:spcPct val="100000"/>
         </a:lnSpc>
@@ -7226,7 +7361,7 @@
           <a:srgbClr val="000000"/>
         </a:buClr>
         <a:buFont typeface="Arial"/>
-        <a:defRPr b="0" i="0" sz="1400" u="none" cap="none" strike="noStrike">
+        <a:defRPr sz="1400" b="0" i="0" u="none" strike="noStrike" cap="none">
           <a:solidFill>
             <a:srgbClr val="000000"/>
           </a:solidFill>
@@ -7236,7 +7371,7 @@
           <a:sym typeface="Arial"/>
         </a:defRPr>
       </a:lvl3pPr>
-      <a:lvl4pPr lvl="3" marR="0" rtl="0" algn="l">
+      <a:lvl4pPr marR="0" lvl="3" algn="l" rtl="0">
         <a:lnSpc>
           <a:spcPct val="100000"/>
         </a:lnSpc>
@@ -7250,7 +7385,7 @@
           <a:srgbClr val="000000"/>
         </a:buClr>
         <a:buFont typeface="Arial"/>
-        <a:defRPr b="0" i="0" sz="1400" u="none" cap="none" strike="noStrike">
+        <a:defRPr sz="1400" b="0" i="0" u="none" strike="noStrike" cap="none">
           <a:solidFill>
             <a:srgbClr val="000000"/>
           </a:solidFill>
@@ -7260,7 +7395,7 @@
           <a:sym typeface="Arial"/>
         </a:defRPr>
       </a:lvl4pPr>
-      <a:lvl5pPr lvl="4" marR="0" rtl="0" algn="l">
+      <a:lvl5pPr marR="0" lvl="4" algn="l" rtl="0">
         <a:lnSpc>
           <a:spcPct val="100000"/>
         </a:lnSpc>
@@ -7274,7 +7409,7 @@
           <a:srgbClr val="000000"/>
         </a:buClr>
         <a:buFont typeface="Arial"/>
-        <a:defRPr b="0" i="0" sz="1400" u="none" cap="none" strike="noStrike">
+        <a:defRPr sz="1400" b="0" i="0" u="none" strike="noStrike" cap="none">
           <a:solidFill>
             <a:srgbClr val="000000"/>
           </a:solidFill>
@@ -7284,7 +7419,7 @@
           <a:sym typeface="Arial"/>
         </a:defRPr>
       </a:lvl5pPr>
-      <a:lvl6pPr lvl="5" marR="0" rtl="0" algn="l">
+      <a:lvl6pPr marR="0" lvl="5" algn="l" rtl="0">
         <a:lnSpc>
           <a:spcPct val="100000"/>
         </a:lnSpc>
@@ -7298,7 +7433,7 @@
           <a:srgbClr val="000000"/>
         </a:buClr>
         <a:buFont typeface="Arial"/>
-        <a:defRPr b="0" i="0" sz="1400" u="none" cap="none" strike="noStrike">
+        <a:defRPr sz="1400" b="0" i="0" u="none" strike="noStrike" cap="none">
           <a:solidFill>
             <a:srgbClr val="000000"/>
           </a:solidFill>
@@ -7308,7 +7443,7 @@
           <a:sym typeface="Arial"/>
         </a:defRPr>
       </a:lvl6pPr>
-      <a:lvl7pPr lvl="6" marR="0" rtl="0" algn="l">
+      <a:lvl7pPr marR="0" lvl="6" algn="l" rtl="0">
         <a:lnSpc>
           <a:spcPct val="100000"/>
         </a:lnSpc>
@@ -7322,7 +7457,7 @@
           <a:srgbClr val="000000"/>
         </a:buClr>
         <a:buFont typeface="Arial"/>
-        <a:defRPr b="0" i="0" sz="1400" u="none" cap="none" strike="noStrike">
+        <a:defRPr sz="1400" b="0" i="0" u="none" strike="noStrike" cap="none">
           <a:solidFill>
             <a:srgbClr val="000000"/>
           </a:solidFill>
@@ -7332,7 +7467,7 @@
           <a:sym typeface="Arial"/>
         </a:defRPr>
       </a:lvl7pPr>
-      <a:lvl8pPr lvl="7" marR="0" rtl="0" algn="l">
+      <a:lvl8pPr marR="0" lvl="7" algn="l" rtl="0">
         <a:lnSpc>
           <a:spcPct val="100000"/>
         </a:lnSpc>
@@ -7346,7 +7481,7 @@
           <a:srgbClr val="000000"/>
         </a:buClr>
         <a:buFont typeface="Arial"/>
-        <a:defRPr b="0" i="0" sz="1400" u="none" cap="none" strike="noStrike">
+        <a:defRPr sz="1400" b="0" i="0" u="none" strike="noStrike" cap="none">
           <a:solidFill>
             <a:srgbClr val="000000"/>
           </a:solidFill>
@@ -7356,7 +7491,7 @@
           <a:sym typeface="Arial"/>
         </a:defRPr>
       </a:lvl8pPr>
-      <a:lvl9pPr lvl="8" marR="0" rtl="0" algn="l">
+      <a:lvl9pPr marR="0" lvl="8" algn="l" rtl="0">
         <a:lnSpc>
           <a:spcPct val="100000"/>
         </a:lnSpc>
@@ -7370,7 +7505,7 @@
           <a:srgbClr val="000000"/>
         </a:buClr>
         <a:buFont typeface="Arial"/>
-        <a:defRPr b="0" i="0" sz="1400" u="none" cap="none" strike="noStrike">
+        <a:defRPr sz="1400" b="0" i="0" u="none" strike="noStrike" cap="none">
           <a:solidFill>
             <a:srgbClr val="000000"/>
           </a:solidFill>
@@ -7382,7 +7517,7 @@
       </a:lvl9pPr>
     </p:titleStyle>
     <p:bodyStyle>
-      <a:defPPr lvl="0" marR="0" rtl="0" algn="l">
+      <a:defPPr marR="0" lvl="0" algn="l" rtl="0">
         <a:lnSpc>
           <a:spcPct val="100000"/>
         </a:lnSpc>
@@ -7393,7 +7528,7 @@
           <a:spcPts val="0"/>
         </a:spcAft>
       </a:defPPr>
-      <a:lvl1pPr lvl="0" marR="0" rtl="0" algn="l">
+      <a:lvl1pPr marR="0" lvl="0" algn="l" rtl="0">
         <a:lnSpc>
           <a:spcPct val="100000"/>
         </a:lnSpc>
@@ -7407,7 +7542,7 @@
           <a:srgbClr val="000000"/>
         </a:buClr>
         <a:buFont typeface="Arial"/>
-        <a:defRPr b="0" i="0" sz="1400" u="none" cap="none" strike="noStrike">
+        <a:defRPr sz="1400" b="0" i="0" u="none" strike="noStrike" cap="none">
           <a:solidFill>
             <a:srgbClr val="000000"/>
           </a:solidFill>
@@ -7417,7 +7552,7 @@
           <a:sym typeface="Arial"/>
         </a:defRPr>
       </a:lvl1pPr>
-      <a:lvl2pPr lvl="1" marR="0" rtl="0" algn="l">
+      <a:lvl2pPr marR="0" lvl="1" algn="l" rtl="0">
         <a:lnSpc>
           <a:spcPct val="100000"/>
         </a:lnSpc>
@@ -7431,7 +7566,7 @@
           <a:srgbClr val="000000"/>
         </a:buClr>
         <a:buFont typeface="Arial"/>
-        <a:defRPr b="0" i="0" sz="1400" u="none" cap="none" strike="noStrike">
+        <a:defRPr sz="1400" b="0" i="0" u="none" strike="noStrike" cap="none">
           <a:solidFill>
             <a:srgbClr val="000000"/>
           </a:solidFill>
@@ -7441,7 +7576,7 @@
           <a:sym typeface="Arial"/>
         </a:defRPr>
       </a:lvl2pPr>
-      <a:lvl3pPr lvl="2" marR="0" rtl="0" algn="l">
+      <a:lvl3pPr marR="0" lvl="2" algn="l" rtl="0">
         <a:lnSpc>
           <a:spcPct val="100000"/>
         </a:lnSpc>
@@ -7455,7 +7590,7 @@
           <a:srgbClr val="000000"/>
         </a:buClr>
         <a:buFont typeface="Arial"/>
-        <a:defRPr b="0" i="0" sz="1400" u="none" cap="none" strike="noStrike">
+        <a:defRPr sz="1400" b="0" i="0" u="none" strike="noStrike" cap="none">
           <a:solidFill>
             <a:srgbClr val="000000"/>
           </a:solidFill>
@@ -7465,7 +7600,7 @@
           <a:sym typeface="Arial"/>
         </a:defRPr>
       </a:lvl3pPr>
-      <a:lvl4pPr lvl="3" marR="0" rtl="0" algn="l">
+      <a:lvl4pPr marR="0" lvl="3" algn="l" rtl="0">
         <a:lnSpc>
           <a:spcPct val="100000"/>
         </a:lnSpc>
@@ -7479,7 +7614,7 @@
           <a:srgbClr val="000000"/>
         </a:buClr>
         <a:buFont typeface="Arial"/>
-        <a:defRPr b="0" i="0" sz="1400" u="none" cap="none" strike="noStrike">
+        <a:defRPr sz="1400" b="0" i="0" u="none" strike="noStrike" cap="none">
           <a:solidFill>
             <a:srgbClr val="000000"/>
           </a:solidFill>
@@ -7489,7 +7624,7 @@
           <a:sym typeface="Arial"/>
         </a:defRPr>
       </a:lvl4pPr>
-      <a:lvl5pPr lvl="4" marR="0" rtl="0" algn="l">
+      <a:lvl5pPr marR="0" lvl="4" algn="l" rtl="0">
         <a:lnSpc>
           <a:spcPct val="100000"/>
         </a:lnSpc>
@@ -7503,7 +7638,7 @@
           <a:srgbClr val="000000"/>
         </a:buClr>
         <a:buFont typeface="Arial"/>
-        <a:defRPr b="0" i="0" sz="1400" u="none" cap="none" strike="noStrike">
+        <a:defRPr sz="1400" b="0" i="0" u="none" strike="noStrike" cap="none">
           <a:solidFill>
             <a:srgbClr val="000000"/>
           </a:solidFill>
@@ -7513,7 +7648,7 @@
           <a:sym typeface="Arial"/>
         </a:defRPr>
       </a:lvl5pPr>
-      <a:lvl6pPr lvl="5" marR="0" rtl="0" algn="l">
+      <a:lvl6pPr marR="0" lvl="5" algn="l" rtl="0">
         <a:lnSpc>
           <a:spcPct val="100000"/>
         </a:lnSpc>
@@ -7527,7 +7662,7 @@
           <a:srgbClr val="000000"/>
         </a:buClr>
         <a:buFont typeface="Arial"/>
-        <a:defRPr b="0" i="0" sz="1400" u="none" cap="none" strike="noStrike">
+        <a:defRPr sz="1400" b="0" i="0" u="none" strike="noStrike" cap="none">
           <a:solidFill>
             <a:srgbClr val="000000"/>
           </a:solidFill>
@@ -7537,7 +7672,7 @@
           <a:sym typeface="Arial"/>
         </a:defRPr>
       </a:lvl6pPr>
-      <a:lvl7pPr lvl="6" marR="0" rtl="0" algn="l">
+      <a:lvl7pPr marR="0" lvl="6" algn="l" rtl="0">
         <a:lnSpc>
           <a:spcPct val="100000"/>
         </a:lnSpc>
@@ -7551,7 +7686,7 @@
           <a:srgbClr val="000000"/>
         </a:buClr>
         <a:buFont typeface="Arial"/>
-        <a:defRPr b="0" i="0" sz="1400" u="none" cap="none" strike="noStrike">
+        <a:defRPr sz="1400" b="0" i="0" u="none" strike="noStrike" cap="none">
           <a:solidFill>
             <a:srgbClr val="000000"/>
           </a:solidFill>
@@ -7561,7 +7696,7 @@
           <a:sym typeface="Arial"/>
         </a:defRPr>
       </a:lvl7pPr>
-      <a:lvl8pPr lvl="7" marR="0" rtl="0" algn="l">
+      <a:lvl8pPr marR="0" lvl="7" algn="l" rtl="0">
         <a:lnSpc>
           <a:spcPct val="100000"/>
         </a:lnSpc>
@@ -7575,7 +7710,7 @@
           <a:srgbClr val="000000"/>
         </a:buClr>
         <a:buFont typeface="Arial"/>
-        <a:defRPr b="0" i="0" sz="1400" u="none" cap="none" strike="noStrike">
+        <a:defRPr sz="1400" b="0" i="0" u="none" strike="noStrike" cap="none">
           <a:solidFill>
             <a:srgbClr val="000000"/>
           </a:solidFill>
@@ -7585,7 +7720,7 @@
           <a:sym typeface="Arial"/>
         </a:defRPr>
       </a:lvl8pPr>
-      <a:lvl9pPr lvl="8" marR="0" rtl="0" algn="l">
+      <a:lvl9pPr marR="0" lvl="8" algn="l" rtl="0">
         <a:lnSpc>
           <a:spcPct val="100000"/>
         </a:lnSpc>
@@ -7599,7 +7734,7 @@
           <a:srgbClr val="000000"/>
         </a:buClr>
         <a:buFont typeface="Arial"/>
-        <a:defRPr b="0" i="0" sz="1400" u="none" cap="none" strike="noStrike">
+        <a:defRPr sz="1400" b="0" i="0" u="none" strike="noStrike" cap="none">
           <a:solidFill>
             <a:srgbClr val="000000"/>
           </a:solidFill>
@@ -7611,7 +7746,7 @@
       </a:lvl9pPr>
     </p:bodyStyle>
     <p:otherStyle>
-      <a:defPPr lvl="0" marR="0" rtl="0" algn="l">
+      <a:defPPr marR="0" lvl="0" algn="l" rtl="0">
         <a:lnSpc>
           <a:spcPct val="100000"/>
         </a:lnSpc>
@@ -7622,7 +7757,7 @@
           <a:spcPts val="0"/>
         </a:spcAft>
       </a:defPPr>
-      <a:lvl1pPr lvl="0" marR="0" rtl="0" algn="l">
+      <a:lvl1pPr marR="0" lvl="0" algn="l" rtl="0">
         <a:lnSpc>
           <a:spcPct val="100000"/>
         </a:lnSpc>
@@ -7636,7 +7771,7 @@
           <a:srgbClr val="000000"/>
         </a:buClr>
         <a:buFont typeface="Arial"/>
-        <a:defRPr b="0" i="0" sz="1400" u="none" cap="none" strike="noStrike">
+        <a:defRPr sz="1400" b="0" i="0" u="none" strike="noStrike" cap="none">
           <a:solidFill>
             <a:srgbClr val="000000"/>
           </a:solidFill>
@@ -7646,7 +7781,7 @@
           <a:sym typeface="Arial"/>
         </a:defRPr>
       </a:lvl1pPr>
-      <a:lvl2pPr lvl="1" marR="0" rtl="0" algn="l">
+      <a:lvl2pPr marR="0" lvl="1" algn="l" rtl="0">
         <a:lnSpc>
           <a:spcPct val="100000"/>
         </a:lnSpc>
@@ -7660,7 +7795,7 @@
           <a:srgbClr val="000000"/>
         </a:buClr>
         <a:buFont typeface="Arial"/>
-        <a:defRPr b="0" i="0" sz="1400" u="none" cap="none" strike="noStrike">
+        <a:defRPr sz="1400" b="0" i="0" u="none" strike="noStrike" cap="none">
           <a:solidFill>
             <a:srgbClr val="000000"/>
           </a:solidFill>
@@ -7670,7 +7805,7 @@
           <a:sym typeface="Arial"/>
         </a:defRPr>
       </a:lvl2pPr>
-      <a:lvl3pPr lvl="2" marR="0" rtl="0" algn="l">
+      <a:lvl3pPr marR="0" lvl="2" algn="l" rtl="0">
         <a:lnSpc>
           <a:spcPct val="100000"/>
         </a:lnSpc>
@@ -7684,7 +7819,7 @@
           <a:srgbClr val="000000"/>
         </a:buClr>
         <a:buFont typeface="Arial"/>
-        <a:defRPr b="0" i="0" sz="1400" u="none" cap="none" strike="noStrike">
+        <a:defRPr sz="1400" b="0" i="0" u="none" strike="noStrike" cap="none">
           <a:solidFill>
             <a:srgbClr val="000000"/>
           </a:solidFill>
@@ -7694,7 +7829,7 @@
           <a:sym typeface="Arial"/>
         </a:defRPr>
       </a:lvl3pPr>
-      <a:lvl4pPr lvl="3" marR="0" rtl="0" algn="l">
+      <a:lvl4pPr marR="0" lvl="3" algn="l" rtl="0">
         <a:lnSpc>
           <a:spcPct val="100000"/>
         </a:lnSpc>
@@ -7708,7 +7843,7 @@
           <a:srgbClr val="000000"/>
         </a:buClr>
         <a:buFont typeface="Arial"/>
-        <a:defRPr b="0" i="0" sz="1400" u="none" cap="none" strike="noStrike">
+        <a:defRPr sz="1400" b="0" i="0" u="none" strike="noStrike" cap="none">
           <a:solidFill>
             <a:srgbClr val="000000"/>
           </a:solidFill>
@@ -7718,7 +7853,7 @@
           <a:sym typeface="Arial"/>
         </a:defRPr>
       </a:lvl4pPr>
-      <a:lvl5pPr lvl="4" marR="0" rtl="0" algn="l">
+      <a:lvl5pPr marR="0" lvl="4" algn="l" rtl="0">
         <a:lnSpc>
           <a:spcPct val="100000"/>
         </a:lnSpc>
@@ -7732,7 +7867,7 @@
           <a:srgbClr val="000000"/>
         </a:buClr>
         <a:buFont typeface="Arial"/>
-        <a:defRPr b="0" i="0" sz="1400" u="none" cap="none" strike="noStrike">
+        <a:defRPr sz="1400" b="0" i="0" u="none" strike="noStrike" cap="none">
           <a:solidFill>
             <a:srgbClr val="000000"/>
           </a:solidFill>
@@ -7742,7 +7877,7 @@
           <a:sym typeface="Arial"/>
         </a:defRPr>
       </a:lvl5pPr>
-      <a:lvl6pPr lvl="5" marR="0" rtl="0" algn="l">
+      <a:lvl6pPr marR="0" lvl="5" algn="l" rtl="0">
         <a:lnSpc>
           <a:spcPct val="100000"/>
         </a:lnSpc>
@@ -7756,7 +7891,7 @@
           <a:srgbClr val="000000"/>
         </a:buClr>
         <a:buFont typeface="Arial"/>
-        <a:defRPr b="0" i="0" sz="1400" u="none" cap="none" strike="noStrike">
+        <a:defRPr sz="1400" b="0" i="0" u="none" strike="noStrike" cap="none">
           <a:solidFill>
             <a:srgbClr val="000000"/>
           </a:solidFill>
@@ -7766,7 +7901,7 @@
           <a:sym typeface="Arial"/>
         </a:defRPr>
       </a:lvl6pPr>
-      <a:lvl7pPr lvl="6" marR="0" rtl="0" algn="l">
+      <a:lvl7pPr marR="0" lvl="6" algn="l" rtl="0">
         <a:lnSpc>
           <a:spcPct val="100000"/>
         </a:lnSpc>
@@ -7780,7 +7915,7 @@
           <a:srgbClr val="000000"/>
         </a:buClr>
         <a:buFont typeface="Arial"/>
-        <a:defRPr b="0" i="0" sz="1400" u="none" cap="none" strike="noStrike">
+        <a:defRPr sz="1400" b="0" i="0" u="none" strike="noStrike" cap="none">
           <a:solidFill>
             <a:srgbClr val="000000"/>
           </a:solidFill>
@@ -7790,7 +7925,7 @@
           <a:sym typeface="Arial"/>
         </a:defRPr>
       </a:lvl7pPr>
-      <a:lvl8pPr lvl="7" marR="0" rtl="0" algn="l">
+      <a:lvl8pPr marR="0" lvl="7" algn="l" rtl="0">
         <a:lnSpc>
           <a:spcPct val="100000"/>
         </a:lnSpc>
@@ -7804,7 +7939,7 @@
           <a:srgbClr val="000000"/>
         </a:buClr>
         <a:buFont typeface="Arial"/>
-        <a:defRPr b="0" i="0" sz="1400" u="none" cap="none" strike="noStrike">
+        <a:defRPr sz="1400" b="0" i="0" u="none" strike="noStrike" cap="none">
           <a:solidFill>
             <a:srgbClr val="000000"/>
           </a:solidFill>
@@ -7814,7 +7949,7 @@
           <a:sym typeface="Arial"/>
         </a:defRPr>
       </a:lvl8pPr>
-      <a:lvl9pPr lvl="8" marR="0" rtl="0" algn="l">
+      <a:lvl9pPr marR="0" lvl="8" algn="l" rtl="0">
         <a:lnSpc>
           <a:spcPct val="100000"/>
         </a:lnSpc>
@@ -7828,7 +7963,7 @@
           <a:srgbClr val="000000"/>
         </a:buClr>
         <a:buFont typeface="Arial"/>
-        <a:defRPr b="0" i="0" sz="1400" u="none" cap="none" strike="noStrike">
+        <a:defRPr sz="1400" b="0" i="0" u="none" strike="noStrike" cap="none">
           <a:solidFill>
             <a:srgbClr val="000000"/>
           </a:solidFill>
@@ -7844,11 +7979,11 @@
 </file>
 
 <file path=ppt/slides/slide1.xml><?xml version="1.0" encoding="utf-8"?>
-<p:sld xmlns:a="http://schemas.openxmlformats.org/drawingml/2006/main" xmlns:r="http://schemas.openxmlformats.org/officeDocument/2006/relationships" xmlns:mc="http://schemas.openxmlformats.org/markup-compatibility/2006" xmlns:mv="urn:schemas-microsoft-com:mac:vml" xmlns:p="http://schemas.openxmlformats.org/presentationml/2006/main" xmlns:c="http://schemas.openxmlformats.org/drawingml/2006/chart" xmlns:dgm="http://schemas.openxmlformats.org/drawingml/2006/diagram" xmlns:o="urn:schemas-microsoft-com:office:office" xmlns:v="urn:schemas-microsoft-com:vml" xmlns:pvml="urn:schemas-microsoft-com:office:powerpoint" xmlns:com="http://schemas.openxmlformats.org/drawingml/2006/compatibility" xmlns:p14="http://schemas.microsoft.com/office/powerpoint/2010/main" xmlns:p15="http://schemas.microsoft.com/office/powerpoint/2012/main" xmlns:ahyp="http://schemas.microsoft.com/office/drawing/2018/hyperlinkcolor">
+<p:sld xmlns:a="http://schemas.openxmlformats.org/drawingml/2006/main" xmlns:r="http://schemas.openxmlformats.org/officeDocument/2006/relationships" xmlns:p="http://schemas.openxmlformats.org/presentationml/2006/main">
   <p:cSld>
     <p:spTree>
       <p:nvGrpSpPr>
-        <p:cNvPr id="53" name="Shape 53"/>
+        <p:cNvPr id="1" name="Shape 53"/>
         <p:cNvGrpSpPr/>
         <p:nvPr/>
       </p:nvGrpSpPr>
@@ -7863,7 +7998,9 @@
       <p:sp>
         <p:nvSpPr>
           <p:cNvPr id="54" name="Google Shape;54;p13"/>
-          <p:cNvSpPr txBox="1"/>
+          <p:cNvSpPr txBox="1">
+            <a:spLocks noGrp="1"/>
+          </p:cNvSpPr>
           <p:nvPr>
             <p:ph type="ctrTitle"/>
           </p:nvPr>
@@ -7878,12 +8015,12 @@
           </a:prstGeom>
         </p:spPr>
         <p:txBody>
-          <a:bodyPr anchorCtr="0" anchor="b" bIns="91425" lIns="91425" spcFirstLastPara="1" rIns="91425" wrap="square" tIns="91425">
+          <a:bodyPr spcFirstLastPara="1" wrap="square" lIns="91425" tIns="91425" rIns="91425" bIns="91425" anchor="b" anchorCtr="0">
             <a:normAutofit fontScale="90000"/>
           </a:bodyPr>
           <a:lstStyle/>
           <a:p>
-            <a:pPr indent="0" lvl="0" marL="0" rtl="0" algn="ctr">
+            <a:pPr marL="0" lvl="0" indent="0" algn="ctr" rtl="0">
               <a:spcBef>
                 <a:spcPts val="0"/>
               </a:spcBef>
@@ -7903,9 +8040,11 @@
       <p:sp>
         <p:nvSpPr>
           <p:cNvPr id="55" name="Google Shape;55;p13"/>
-          <p:cNvSpPr txBox="1"/>
+          <p:cNvSpPr txBox="1">
+            <a:spLocks noGrp="1"/>
+          </p:cNvSpPr>
           <p:nvPr>
-            <p:ph idx="1" type="subTitle"/>
+            <p:ph type="subTitle" idx="1"/>
           </p:nvPr>
         </p:nvSpPr>
         <p:spPr>
@@ -7918,12 +8057,12 @@
           </a:prstGeom>
         </p:spPr>
         <p:txBody>
-          <a:bodyPr anchorCtr="0" anchor="t" bIns="91425" lIns="91425" spcFirstLastPara="1" rIns="91425" wrap="square" tIns="91425">
+          <a:bodyPr spcFirstLastPara="1" wrap="square" lIns="91425" tIns="91425" rIns="91425" bIns="91425" anchor="t" anchorCtr="0">
             <a:normAutofit/>
           </a:bodyPr>
           <a:lstStyle/>
           <a:p>
-            <a:pPr indent="0" lvl="0" marL="0" rtl="0" algn="ctr">
+            <a:pPr marL="0" lvl="0" indent="0" algn="ctr" rtl="0">
               <a:spcBef>
                 <a:spcPts val="0"/>
               </a:spcBef>
@@ -7933,10 +8072,21 @@
               <a:buNone/>
             </a:pPr>
             <a:r>
-              <a:rPr lang="en-GB"/>
-              <a:t>-VATSHAYAN</a:t>
+              <a:rPr lang="en-US" dirty="0" smtClean="0"/>
+              <a:t>-Abhijay Pansari</a:t>
             </a:r>
-            <a:endParaRPr/>
+          </a:p>
+          <a:p>
+            <a:pPr marL="0" lvl="0" indent="0" algn="ctr" rtl="0">
+              <a:spcBef>
+                <a:spcPts val="0"/>
+              </a:spcBef>
+              <a:spcAft>
+                <a:spcPts val="0"/>
+              </a:spcAft>
+              <a:buNone/>
+            </a:pPr>
+            <a:endParaRPr dirty="0"/>
           </a:p>
         </p:txBody>
       </p:sp>
@@ -7949,11 +8099,11 @@
 </file>
 
 <file path=ppt/slides/slide10.xml><?xml version="1.0" encoding="utf-8"?>
-<p:sld xmlns:a="http://schemas.openxmlformats.org/drawingml/2006/main" xmlns:r="http://schemas.openxmlformats.org/officeDocument/2006/relationships" xmlns:mc="http://schemas.openxmlformats.org/markup-compatibility/2006" xmlns:mv="urn:schemas-microsoft-com:mac:vml" xmlns:p="http://schemas.openxmlformats.org/presentationml/2006/main" xmlns:c="http://schemas.openxmlformats.org/drawingml/2006/chart" xmlns:dgm="http://schemas.openxmlformats.org/drawingml/2006/diagram" xmlns:o="urn:schemas-microsoft-com:office:office" xmlns:v="urn:schemas-microsoft-com:vml" xmlns:pvml="urn:schemas-microsoft-com:office:powerpoint" xmlns:com="http://schemas.openxmlformats.org/drawingml/2006/compatibility" xmlns:p14="http://schemas.microsoft.com/office/powerpoint/2010/main" xmlns:p15="http://schemas.microsoft.com/office/powerpoint/2012/main" xmlns:ahyp="http://schemas.microsoft.com/office/drawing/2018/hyperlinkcolor">
+<p:sld xmlns:a="http://schemas.openxmlformats.org/drawingml/2006/main" xmlns:r="http://schemas.openxmlformats.org/officeDocument/2006/relationships" xmlns:p="http://schemas.openxmlformats.org/presentationml/2006/main">
   <p:cSld>
     <p:spTree>
       <p:nvGrpSpPr>
-        <p:cNvPr id="108" name="Shape 108"/>
+        <p:cNvPr id="1" name="Shape 108"/>
         <p:cNvGrpSpPr/>
         <p:nvPr/>
       </p:nvGrpSpPr>
@@ -7968,7 +8118,9 @@
       <p:sp>
         <p:nvSpPr>
           <p:cNvPr id="109" name="Google Shape;109;p22"/>
-          <p:cNvSpPr txBox="1"/>
+          <p:cNvSpPr txBox="1">
+            <a:spLocks noGrp="1"/>
+          </p:cNvSpPr>
           <p:nvPr>
             <p:ph type="title"/>
           </p:nvPr>
@@ -7983,12 +8135,12 @@
           </a:prstGeom>
         </p:spPr>
         <p:txBody>
-          <a:bodyPr anchorCtr="0" anchor="t" bIns="91425" lIns="91425" spcFirstLastPara="1" rIns="91425" wrap="square" tIns="91425">
+          <a:bodyPr spcFirstLastPara="1" wrap="square" lIns="91425" tIns="91425" rIns="91425" bIns="91425" anchor="t" anchorCtr="0">
             <a:normAutofit fontScale="90000"/>
           </a:bodyPr>
           <a:lstStyle/>
           <a:p>
-            <a:pPr indent="0" lvl="0" marL="0" rtl="0" algn="l">
+            <a:pPr marL="0" lvl="0" indent="0" algn="l" rtl="0">
               <a:spcBef>
                 <a:spcPts val="0"/>
               </a:spcBef>
@@ -8008,9 +8160,11 @@
       <p:sp>
         <p:nvSpPr>
           <p:cNvPr id="110" name="Google Shape;110;p22"/>
-          <p:cNvSpPr txBox="1"/>
+          <p:cNvSpPr txBox="1">
+            <a:spLocks noGrp="1"/>
+          </p:cNvSpPr>
           <p:nvPr>
-            <p:ph idx="1" type="body"/>
+            <p:ph type="body" idx="1"/>
           </p:nvPr>
         </p:nvSpPr>
         <p:spPr>
@@ -8023,12 +8177,12 @@
           </a:prstGeom>
         </p:spPr>
         <p:txBody>
-          <a:bodyPr anchorCtr="0" anchor="t" bIns="91425" lIns="91425" spcFirstLastPara="1" rIns="91425" wrap="square" tIns="91425">
+          <a:bodyPr spcFirstLastPara="1" wrap="square" lIns="91425" tIns="91425" rIns="91425" bIns="91425" anchor="t" anchorCtr="0">
             <a:normAutofit/>
           </a:bodyPr>
           <a:lstStyle/>
           <a:p>
-            <a:pPr indent="0" lvl="0" marL="0" rtl="0" algn="l">
+            <a:pPr marL="0" lvl="0" indent="0" algn="l" rtl="0">
               <a:spcBef>
                 <a:spcPts val="1200"/>
               </a:spcBef>
@@ -8057,7 +8211,7 @@
             </a:endParaRPr>
           </a:p>
           <a:p>
-            <a:pPr indent="-323850" lvl="0" marL="457200" rtl="0" algn="l">
+            <a:pPr marL="457200" lvl="0" indent="-323850" algn="l" rtl="0">
               <a:spcBef>
                 <a:spcPts val="1200"/>
               </a:spcBef>
@@ -8071,7 +8225,7 @@
               <a:buAutoNum type="arabicPeriod"/>
             </a:pPr>
             <a:r>
-              <a:rPr b="1" lang="en-GB" sz="1500">
+              <a:rPr lang="en-GB" sz="1500" b="1">
                 <a:solidFill>
                   <a:schemeClr val="dk1"/>
                 </a:solidFill>
@@ -8093,7 +8247,7 @@
             </a:endParaRPr>
           </a:p>
           <a:p>
-            <a:pPr indent="-323850" lvl="0" marL="457200" rtl="0" algn="l">
+            <a:pPr marL="457200" lvl="0" indent="-323850" algn="l" rtl="0">
               <a:spcBef>
                 <a:spcPts val="0"/>
               </a:spcBef>
@@ -8107,7 +8261,7 @@
               <a:buAutoNum type="arabicPeriod"/>
             </a:pPr>
             <a:r>
-              <a:rPr b="1" lang="en-GB" sz="1500">
+              <a:rPr lang="en-GB" sz="1500" b="1">
                 <a:solidFill>
                   <a:schemeClr val="dk1"/>
                 </a:solidFill>
@@ -8129,7 +8283,7 @@
             </a:endParaRPr>
           </a:p>
           <a:p>
-            <a:pPr indent="-323850" lvl="0" marL="457200" rtl="0" algn="l">
+            <a:pPr marL="457200" lvl="0" indent="-323850" algn="l" rtl="0">
               <a:spcBef>
                 <a:spcPts val="0"/>
               </a:spcBef>
@@ -8143,7 +8297,7 @@
               <a:buAutoNum type="arabicPeriod"/>
             </a:pPr>
             <a:r>
-              <a:rPr b="1" lang="en-GB" sz="1500">
+              <a:rPr lang="en-GB" sz="1500" b="1">
                 <a:solidFill>
                   <a:schemeClr val="dk1"/>
                 </a:solidFill>
@@ -8165,7 +8319,7 @@
             </a:endParaRPr>
           </a:p>
           <a:p>
-            <a:pPr indent="-323850" lvl="0" marL="457200" rtl="0" algn="l">
+            <a:pPr marL="457200" lvl="0" indent="-323850" algn="l" rtl="0">
               <a:spcBef>
                 <a:spcPts val="0"/>
               </a:spcBef>
@@ -8179,7 +8333,7 @@
               <a:buAutoNum type="arabicPeriod"/>
             </a:pPr>
             <a:r>
-              <a:rPr b="1" lang="en-GB" sz="1500">
+              <a:rPr lang="en-GB" sz="1500" b="1">
                 <a:solidFill>
                   <a:schemeClr val="dk1"/>
                 </a:solidFill>
@@ -8201,7 +8355,7 @@
             </a:endParaRPr>
           </a:p>
           <a:p>
-            <a:pPr indent="0" lvl="0" marL="0" rtl="0" algn="l">
+            <a:pPr marL="0" lvl="0" indent="0" algn="l" rtl="0">
               <a:spcBef>
                 <a:spcPts val="1200"/>
               </a:spcBef>
@@ -8210,9 +8364,6 @@
               </a:spcAft>
               <a:buNone/>
             </a:pPr>
-            <a:r>
-              <a:t/>
-            </a:r>
             <a:endParaRPr sz="1500"/>
           </a:p>
         </p:txBody>
@@ -8226,11 +8377,11 @@
 </file>
 
 <file path=ppt/slides/slide11.xml><?xml version="1.0" encoding="utf-8"?>
-<p:sld xmlns:a="http://schemas.openxmlformats.org/drawingml/2006/main" xmlns:r="http://schemas.openxmlformats.org/officeDocument/2006/relationships" xmlns:mc="http://schemas.openxmlformats.org/markup-compatibility/2006" xmlns:mv="urn:schemas-microsoft-com:mac:vml" xmlns:p="http://schemas.openxmlformats.org/presentationml/2006/main" xmlns:c="http://schemas.openxmlformats.org/drawingml/2006/chart" xmlns:dgm="http://schemas.openxmlformats.org/drawingml/2006/diagram" xmlns:o="urn:schemas-microsoft-com:office:office" xmlns:v="urn:schemas-microsoft-com:vml" xmlns:pvml="urn:schemas-microsoft-com:office:powerpoint" xmlns:com="http://schemas.openxmlformats.org/drawingml/2006/compatibility" xmlns:p14="http://schemas.microsoft.com/office/powerpoint/2010/main" xmlns:p15="http://schemas.microsoft.com/office/powerpoint/2012/main" xmlns:ahyp="http://schemas.microsoft.com/office/drawing/2018/hyperlinkcolor">
+<p:sld xmlns:a="http://schemas.openxmlformats.org/drawingml/2006/main" xmlns:r="http://schemas.openxmlformats.org/officeDocument/2006/relationships" xmlns:p="http://schemas.openxmlformats.org/presentationml/2006/main">
   <p:cSld>
     <p:spTree>
       <p:nvGrpSpPr>
-        <p:cNvPr id="114" name="Shape 114"/>
+        <p:cNvPr id="1" name="Shape 114"/>
         <p:cNvGrpSpPr/>
         <p:nvPr/>
       </p:nvGrpSpPr>
@@ -8245,7 +8396,9 @@
       <p:sp>
         <p:nvSpPr>
           <p:cNvPr id="115" name="Google Shape;115;p23"/>
-          <p:cNvSpPr txBox="1"/>
+          <p:cNvSpPr txBox="1">
+            <a:spLocks noGrp="1"/>
+          </p:cNvSpPr>
           <p:nvPr>
             <p:ph type="title"/>
           </p:nvPr>
@@ -8260,12 +8413,12 @@
           </a:prstGeom>
         </p:spPr>
         <p:txBody>
-          <a:bodyPr anchorCtr="0" anchor="t" bIns="91425" lIns="91425" spcFirstLastPara="1" rIns="91425" wrap="square" tIns="91425">
+          <a:bodyPr spcFirstLastPara="1" wrap="square" lIns="91425" tIns="91425" rIns="91425" bIns="91425" anchor="t" anchorCtr="0">
             <a:normAutofit fontScale="90000"/>
           </a:bodyPr>
           <a:lstStyle/>
           <a:p>
-            <a:pPr indent="0" lvl="0" marL="0" rtl="0" algn="l">
+            <a:pPr marL="0" lvl="0" indent="0" algn="l" rtl="0">
               <a:spcBef>
                 <a:spcPts val="0"/>
               </a:spcBef>
@@ -8285,9 +8438,11 @@
       <p:sp>
         <p:nvSpPr>
           <p:cNvPr id="116" name="Google Shape;116;p23"/>
-          <p:cNvSpPr txBox="1"/>
+          <p:cNvSpPr txBox="1">
+            <a:spLocks noGrp="1"/>
+          </p:cNvSpPr>
           <p:nvPr>
-            <p:ph idx="1" type="body"/>
+            <p:ph type="body" idx="1"/>
           </p:nvPr>
         </p:nvSpPr>
         <p:spPr>
@@ -8300,12 +8455,12 @@
           </a:prstGeom>
         </p:spPr>
         <p:txBody>
-          <a:bodyPr anchorCtr="0" anchor="t" bIns="91425" lIns="91425" spcFirstLastPara="1" rIns="91425" wrap="square" tIns="91425">
+          <a:bodyPr spcFirstLastPara="1" wrap="square" lIns="91425" tIns="91425" rIns="91425" bIns="91425" anchor="t" anchorCtr="0">
             <a:normAutofit/>
           </a:bodyPr>
           <a:lstStyle/>
           <a:p>
-            <a:pPr indent="-323850" lvl="0" marL="457200" rtl="0" algn="l">
+            <a:pPr marL="457200" lvl="0" indent="-323850" algn="l" rtl="0">
               <a:spcBef>
                 <a:spcPts val="1200"/>
               </a:spcBef>
@@ -8333,7 +8488,7 @@
             </a:endParaRPr>
           </a:p>
           <a:p>
-            <a:pPr indent="-323850" lvl="1" marL="914400" rtl="0" algn="l">
+            <a:pPr marL="914400" lvl="1" indent="-323850" algn="l" rtl="0">
               <a:spcBef>
                 <a:spcPts val="0"/>
               </a:spcBef>
@@ -8347,7 +8502,7 @@
               <a:buChar char="○"/>
             </a:pPr>
             <a:r>
-              <a:rPr b="1" lang="en-GB" sz="1500">
+              <a:rPr lang="en-GB" sz="1500" b="1">
                 <a:solidFill>
                   <a:schemeClr val="dk1"/>
                 </a:solidFill>
@@ -8369,7 +8524,7 @@
             </a:endParaRPr>
           </a:p>
           <a:p>
-            <a:pPr indent="-323850" lvl="1" marL="914400" rtl="0" algn="l">
+            <a:pPr marL="914400" lvl="1" indent="-323850" algn="l" rtl="0">
               <a:spcBef>
                 <a:spcPts val="0"/>
               </a:spcBef>
@@ -8383,7 +8538,7 @@
               <a:buChar char="○"/>
             </a:pPr>
             <a:r>
-              <a:rPr b="1" lang="en-GB" sz="1500">
+              <a:rPr lang="en-GB" sz="1500" b="1">
                 <a:solidFill>
                   <a:schemeClr val="dk1"/>
                 </a:solidFill>
@@ -8405,7 +8560,7 @@
             </a:endParaRPr>
           </a:p>
           <a:p>
-            <a:pPr indent="-323850" lvl="1" marL="914400" rtl="0" algn="l">
+            <a:pPr marL="914400" lvl="1" indent="-323850" algn="l" rtl="0">
               <a:spcBef>
                 <a:spcPts val="0"/>
               </a:spcBef>
@@ -8419,7 +8574,7 @@
               <a:buChar char="○"/>
             </a:pPr>
             <a:r>
-              <a:rPr b="1" lang="en-GB" sz="1500">
+              <a:rPr lang="en-GB" sz="1500" b="1">
                 <a:solidFill>
                   <a:schemeClr val="dk1"/>
                 </a:solidFill>
@@ -8441,7 +8596,7 @@
             </a:endParaRPr>
           </a:p>
           <a:p>
-            <a:pPr indent="-323850" lvl="1" marL="914400" rtl="0" algn="l">
+            <a:pPr marL="914400" lvl="1" indent="-323850" algn="l" rtl="0">
               <a:spcBef>
                 <a:spcPts val="0"/>
               </a:spcBef>
@@ -8455,7 +8610,7 @@
               <a:buChar char="○"/>
             </a:pPr>
             <a:r>
-              <a:rPr b="1" lang="en-GB" sz="1500">
+              <a:rPr lang="en-GB" sz="1500" b="1">
                 <a:solidFill>
                   <a:schemeClr val="dk1"/>
                 </a:solidFill>
@@ -8477,7 +8632,7 @@
             </a:endParaRPr>
           </a:p>
           <a:p>
-            <a:pPr indent="0" lvl="0" marL="0" rtl="0" algn="l">
+            <a:pPr marL="0" lvl="0" indent="0" algn="l" rtl="0">
               <a:spcBef>
                 <a:spcPts val="1200"/>
               </a:spcBef>
@@ -8486,9 +8641,6 @@
               </a:spcAft>
               <a:buNone/>
             </a:pPr>
-            <a:r>
-              <a:t/>
-            </a:r>
             <a:endParaRPr sz="1500"/>
           </a:p>
         </p:txBody>
@@ -8502,11 +8654,11 @@
 </file>
 
 <file path=ppt/slides/slide12.xml><?xml version="1.0" encoding="utf-8"?>
-<p:sld xmlns:a="http://schemas.openxmlformats.org/drawingml/2006/main" xmlns:r="http://schemas.openxmlformats.org/officeDocument/2006/relationships" xmlns:mc="http://schemas.openxmlformats.org/markup-compatibility/2006" xmlns:mv="urn:schemas-microsoft-com:mac:vml" xmlns:p="http://schemas.openxmlformats.org/presentationml/2006/main" xmlns:c="http://schemas.openxmlformats.org/drawingml/2006/chart" xmlns:dgm="http://schemas.openxmlformats.org/drawingml/2006/diagram" xmlns:o="urn:schemas-microsoft-com:office:office" xmlns:v="urn:schemas-microsoft-com:vml" xmlns:pvml="urn:schemas-microsoft-com:office:powerpoint" xmlns:com="http://schemas.openxmlformats.org/drawingml/2006/compatibility" xmlns:p14="http://schemas.microsoft.com/office/powerpoint/2010/main" xmlns:p15="http://schemas.microsoft.com/office/powerpoint/2012/main" xmlns:ahyp="http://schemas.microsoft.com/office/drawing/2018/hyperlinkcolor">
+<p:sld xmlns:a="http://schemas.openxmlformats.org/drawingml/2006/main" xmlns:r="http://schemas.openxmlformats.org/officeDocument/2006/relationships" xmlns:p="http://schemas.openxmlformats.org/presentationml/2006/main">
   <p:cSld>
     <p:spTree>
       <p:nvGrpSpPr>
-        <p:cNvPr id="120" name="Shape 120"/>
+        <p:cNvPr id="1" name="Shape 120"/>
         <p:cNvGrpSpPr/>
         <p:nvPr/>
       </p:nvGrpSpPr>
@@ -8521,7 +8673,9 @@
       <p:sp>
         <p:nvSpPr>
           <p:cNvPr id="121" name="Google Shape;121;p24"/>
-          <p:cNvSpPr txBox="1"/>
+          <p:cNvSpPr txBox="1">
+            <a:spLocks noGrp="1"/>
+          </p:cNvSpPr>
           <p:nvPr>
             <p:ph type="title"/>
           </p:nvPr>
@@ -8536,12 +8690,12 @@
           </a:prstGeom>
         </p:spPr>
         <p:txBody>
-          <a:bodyPr anchorCtr="0" anchor="t" bIns="91425" lIns="91425" spcFirstLastPara="1" rIns="91425" wrap="square" tIns="91425">
+          <a:bodyPr spcFirstLastPara="1" wrap="square" lIns="91425" tIns="91425" rIns="91425" bIns="91425" anchor="t" anchorCtr="0">
             <a:normAutofit fontScale="90000"/>
           </a:bodyPr>
           <a:lstStyle/>
           <a:p>
-            <a:pPr indent="0" lvl="0" marL="0" rtl="0" algn="l">
+            <a:pPr marL="0" lvl="0" indent="0" algn="l" rtl="0">
               <a:spcBef>
                 <a:spcPts val="0"/>
               </a:spcBef>
@@ -8561,9 +8715,11 @@
       <p:sp>
         <p:nvSpPr>
           <p:cNvPr id="122" name="Google Shape;122;p24"/>
-          <p:cNvSpPr txBox="1"/>
+          <p:cNvSpPr txBox="1">
+            <a:spLocks noGrp="1"/>
+          </p:cNvSpPr>
           <p:nvPr>
-            <p:ph idx="1" type="body"/>
+            <p:ph type="body" idx="1"/>
           </p:nvPr>
         </p:nvSpPr>
         <p:spPr>
@@ -8576,12 +8732,12 @@
           </a:prstGeom>
         </p:spPr>
         <p:txBody>
-          <a:bodyPr anchorCtr="0" anchor="t" bIns="91425" lIns="91425" spcFirstLastPara="1" rIns="91425" wrap="square" tIns="91425">
+          <a:bodyPr spcFirstLastPara="1" wrap="square" lIns="91425" tIns="91425" rIns="91425" bIns="91425" anchor="t" anchorCtr="0">
             <a:normAutofit/>
           </a:bodyPr>
           <a:lstStyle/>
           <a:p>
-            <a:pPr indent="-298450" lvl="0" marL="457200" rtl="0" algn="l">
+            <a:pPr marL="457200" lvl="0" indent="-298450" algn="l" rtl="0">
               <a:spcBef>
                 <a:spcPts val="1200"/>
               </a:spcBef>
@@ -8601,7 +8757,7 @@
             <a:endParaRPr/>
           </a:p>
           <a:p>
-            <a:pPr indent="-298450" lvl="0" marL="457200" rtl="0" algn="l">
+            <a:pPr marL="457200" lvl="0" indent="-298450" algn="l" rtl="0">
               <a:spcBef>
                 <a:spcPts val="0"/>
               </a:spcBef>
@@ -8621,7 +8777,7 @@
             <a:endParaRPr/>
           </a:p>
           <a:p>
-            <a:pPr indent="-298450" lvl="0" marL="457200" rtl="0" algn="l">
+            <a:pPr marL="457200" lvl="0" indent="-298450" algn="l" rtl="0">
               <a:spcBef>
                 <a:spcPts val="0"/>
               </a:spcBef>
@@ -8641,7 +8797,7 @@
             <a:endParaRPr/>
           </a:p>
           <a:p>
-            <a:pPr indent="0" lvl="0" marL="0" rtl="0" algn="l">
+            <a:pPr marL="0" lvl="0" indent="0" algn="l" rtl="0">
               <a:spcBef>
                 <a:spcPts val="1200"/>
               </a:spcBef>
@@ -8650,9 +8806,6 @@
               </a:spcAft>
               <a:buNone/>
             </a:pPr>
-            <a:r>
-              <a:t/>
-            </a:r>
             <a:endParaRPr/>
           </a:p>
         </p:txBody>
@@ -8666,11 +8819,11 @@
 </file>
 
 <file path=ppt/slides/slide13.xml><?xml version="1.0" encoding="utf-8"?>
-<p:sld xmlns:a="http://schemas.openxmlformats.org/drawingml/2006/main" xmlns:r="http://schemas.openxmlformats.org/officeDocument/2006/relationships" xmlns:mc="http://schemas.openxmlformats.org/markup-compatibility/2006" xmlns:mv="urn:schemas-microsoft-com:mac:vml" xmlns:p="http://schemas.openxmlformats.org/presentationml/2006/main" xmlns:c="http://schemas.openxmlformats.org/drawingml/2006/chart" xmlns:dgm="http://schemas.openxmlformats.org/drawingml/2006/diagram" xmlns:o="urn:schemas-microsoft-com:office:office" xmlns:v="urn:schemas-microsoft-com:vml" xmlns:pvml="urn:schemas-microsoft-com:office:powerpoint" xmlns:com="http://schemas.openxmlformats.org/drawingml/2006/compatibility" xmlns:p14="http://schemas.microsoft.com/office/powerpoint/2010/main" xmlns:p15="http://schemas.microsoft.com/office/powerpoint/2012/main" xmlns:ahyp="http://schemas.microsoft.com/office/drawing/2018/hyperlinkcolor">
+<p:sld xmlns:a="http://schemas.openxmlformats.org/drawingml/2006/main" xmlns:r="http://schemas.openxmlformats.org/officeDocument/2006/relationships" xmlns:p="http://schemas.openxmlformats.org/presentationml/2006/main">
   <p:cSld>
     <p:spTree>
       <p:nvGrpSpPr>
-        <p:cNvPr id="126" name="Shape 126"/>
+        <p:cNvPr id="1" name="Shape 126"/>
         <p:cNvGrpSpPr/>
         <p:nvPr/>
       </p:nvGrpSpPr>
@@ -8685,7 +8838,9 @@
       <p:sp>
         <p:nvSpPr>
           <p:cNvPr id="127" name="Google Shape;127;p25"/>
-          <p:cNvSpPr txBox="1"/>
+          <p:cNvSpPr txBox="1">
+            <a:spLocks noGrp="1"/>
+          </p:cNvSpPr>
           <p:nvPr>
             <p:ph type="title"/>
           </p:nvPr>
@@ -8700,12 +8855,12 @@
           </a:prstGeom>
         </p:spPr>
         <p:txBody>
-          <a:bodyPr anchorCtr="0" anchor="t" bIns="91425" lIns="91425" spcFirstLastPara="1" rIns="91425" wrap="square" tIns="91425">
+          <a:bodyPr spcFirstLastPara="1" wrap="square" lIns="91425" tIns="91425" rIns="91425" bIns="91425" anchor="t" anchorCtr="0">
             <a:normAutofit fontScale="90000"/>
           </a:bodyPr>
           <a:lstStyle/>
           <a:p>
-            <a:pPr indent="0" lvl="0" marL="0" rtl="0" algn="l">
+            <a:pPr marL="0" lvl="0" indent="0" algn="l" rtl="0">
               <a:spcBef>
                 <a:spcPts val="0"/>
               </a:spcBef>
@@ -8725,9 +8880,11 @@
       <p:sp>
         <p:nvSpPr>
           <p:cNvPr id="128" name="Google Shape;128;p25"/>
-          <p:cNvSpPr txBox="1"/>
+          <p:cNvSpPr txBox="1">
+            <a:spLocks noGrp="1"/>
+          </p:cNvSpPr>
           <p:nvPr>
-            <p:ph idx="1" type="body"/>
+            <p:ph type="body" idx="1"/>
           </p:nvPr>
         </p:nvSpPr>
         <p:spPr>
@@ -8740,12 +8897,12 @@
           </a:prstGeom>
         </p:spPr>
         <p:txBody>
-          <a:bodyPr anchorCtr="0" anchor="t" bIns="91425" lIns="91425" spcFirstLastPara="1" rIns="91425" wrap="square" tIns="91425">
+          <a:bodyPr spcFirstLastPara="1" wrap="square" lIns="91425" tIns="91425" rIns="91425" bIns="91425" anchor="t" anchorCtr="0">
             <a:normAutofit/>
           </a:bodyPr>
           <a:lstStyle/>
           <a:p>
-            <a:pPr indent="-298450" lvl="0" marL="457200" rtl="0" algn="l">
+            <a:pPr marL="457200" lvl="0" indent="-298450" algn="l" rtl="0">
               <a:spcBef>
                 <a:spcPts val="1200"/>
               </a:spcBef>
@@ -8765,7 +8922,7 @@
             <a:endParaRPr/>
           </a:p>
           <a:p>
-            <a:pPr indent="-298450" lvl="0" marL="457200" rtl="0" algn="l">
+            <a:pPr marL="457200" lvl="0" indent="-298450" algn="l" rtl="0">
               <a:spcBef>
                 <a:spcPts val="0"/>
               </a:spcBef>
@@ -8785,7 +8942,7 @@
             <a:endParaRPr/>
           </a:p>
           <a:p>
-            <a:pPr indent="-298450" lvl="0" marL="457200" rtl="0" algn="l">
+            <a:pPr marL="457200" lvl="0" indent="-298450" algn="l" rtl="0">
               <a:spcBef>
                 <a:spcPts val="0"/>
               </a:spcBef>
@@ -8805,7 +8962,7 @@
             <a:endParaRPr/>
           </a:p>
           <a:p>
-            <a:pPr indent="0" lvl="0" marL="0" rtl="0" algn="l">
+            <a:pPr marL="0" lvl="0" indent="0" algn="l" rtl="0">
               <a:spcBef>
                 <a:spcPts val="1200"/>
               </a:spcBef>
@@ -8814,9 +8971,6 @@
               </a:spcAft>
               <a:buNone/>
             </a:pPr>
-            <a:r>
-              <a:t/>
-            </a:r>
             <a:endParaRPr/>
           </a:p>
         </p:txBody>
@@ -8830,11 +8984,11 @@
 </file>
 
 <file path=ppt/slides/slide14.xml><?xml version="1.0" encoding="utf-8"?>
-<p:sld xmlns:a="http://schemas.openxmlformats.org/drawingml/2006/main" xmlns:r="http://schemas.openxmlformats.org/officeDocument/2006/relationships" xmlns:mc="http://schemas.openxmlformats.org/markup-compatibility/2006" xmlns:mv="urn:schemas-microsoft-com:mac:vml" xmlns:p="http://schemas.openxmlformats.org/presentationml/2006/main" xmlns:c="http://schemas.openxmlformats.org/drawingml/2006/chart" xmlns:dgm="http://schemas.openxmlformats.org/drawingml/2006/diagram" xmlns:o="urn:schemas-microsoft-com:office:office" xmlns:v="urn:schemas-microsoft-com:vml" xmlns:pvml="urn:schemas-microsoft-com:office:powerpoint" xmlns:com="http://schemas.openxmlformats.org/drawingml/2006/compatibility" xmlns:p14="http://schemas.microsoft.com/office/powerpoint/2010/main" xmlns:p15="http://schemas.microsoft.com/office/powerpoint/2012/main" xmlns:ahyp="http://schemas.microsoft.com/office/drawing/2018/hyperlinkcolor">
+<p:sld xmlns:a="http://schemas.openxmlformats.org/drawingml/2006/main" xmlns:r="http://schemas.openxmlformats.org/officeDocument/2006/relationships" xmlns:p="http://schemas.openxmlformats.org/presentationml/2006/main">
   <p:cSld>
     <p:spTree>
       <p:nvGrpSpPr>
-        <p:cNvPr id="132" name="Shape 132"/>
+        <p:cNvPr id="1" name="Shape 132"/>
         <p:cNvGrpSpPr/>
         <p:nvPr/>
       </p:nvGrpSpPr>
@@ -8849,7 +9003,9 @@
       <p:sp>
         <p:nvSpPr>
           <p:cNvPr id="133" name="Google Shape;133;p26"/>
-          <p:cNvSpPr txBox="1"/>
+          <p:cNvSpPr txBox="1">
+            <a:spLocks noGrp="1"/>
+          </p:cNvSpPr>
           <p:nvPr>
             <p:ph type="title"/>
           </p:nvPr>
@@ -8864,12 +9020,12 @@
           </a:prstGeom>
         </p:spPr>
         <p:txBody>
-          <a:bodyPr anchorCtr="0" anchor="t" bIns="91425" lIns="91425" spcFirstLastPara="1" rIns="91425" wrap="square" tIns="91425">
+          <a:bodyPr spcFirstLastPara="1" wrap="square" lIns="91425" tIns="91425" rIns="91425" bIns="91425" anchor="t" anchorCtr="0">
             <a:normAutofit fontScale="90000"/>
           </a:bodyPr>
           <a:lstStyle/>
           <a:p>
-            <a:pPr indent="0" lvl="0" marL="0" rtl="0" algn="l">
+            <a:pPr marL="0" lvl="0" indent="0" algn="l" rtl="0">
               <a:spcBef>
                 <a:spcPts val="0"/>
               </a:spcBef>
@@ -8889,9 +9045,11 @@
       <p:sp>
         <p:nvSpPr>
           <p:cNvPr id="134" name="Google Shape;134;p26"/>
-          <p:cNvSpPr txBox="1"/>
+          <p:cNvSpPr txBox="1">
+            <a:spLocks noGrp="1"/>
+          </p:cNvSpPr>
           <p:nvPr>
-            <p:ph idx="1" type="body"/>
+            <p:ph type="body" idx="1"/>
           </p:nvPr>
         </p:nvSpPr>
         <p:spPr>
@@ -8904,12 +9062,12 @@
           </a:prstGeom>
         </p:spPr>
         <p:txBody>
-          <a:bodyPr anchorCtr="0" anchor="t" bIns="91425" lIns="91425" spcFirstLastPara="1" rIns="91425" wrap="square" tIns="91425">
+          <a:bodyPr spcFirstLastPara="1" wrap="square" lIns="91425" tIns="91425" rIns="91425" bIns="91425" anchor="t" anchorCtr="0">
             <a:normAutofit/>
           </a:bodyPr>
           <a:lstStyle/>
           <a:p>
-            <a:pPr indent="-298450" lvl="0" marL="457200" rtl="0" algn="l">
+            <a:pPr marL="457200" lvl="0" indent="-298450" algn="l" rtl="0">
               <a:spcBef>
                 <a:spcPts val="1200"/>
               </a:spcBef>
@@ -8929,7 +9087,7 @@
             <a:endParaRPr/>
           </a:p>
           <a:p>
-            <a:pPr indent="-298450" lvl="0" marL="457200" rtl="0" algn="l">
+            <a:pPr marL="457200" lvl="0" indent="-298450" algn="l" rtl="0">
               <a:spcBef>
                 <a:spcPts val="0"/>
               </a:spcBef>
@@ -8949,7 +9107,7 @@
             <a:endParaRPr/>
           </a:p>
           <a:p>
-            <a:pPr indent="-298450" lvl="0" marL="457200" rtl="0" algn="l">
+            <a:pPr marL="457200" lvl="0" indent="-298450" algn="l" rtl="0">
               <a:spcBef>
                 <a:spcPts val="0"/>
               </a:spcBef>
@@ -8969,7 +9127,7 @@
             <a:endParaRPr/>
           </a:p>
           <a:p>
-            <a:pPr indent="0" lvl="0" marL="0" rtl="0" algn="l">
+            <a:pPr marL="0" lvl="0" indent="0" algn="l" rtl="0">
               <a:spcBef>
                 <a:spcPts val="1200"/>
               </a:spcBef>
@@ -8978,9 +9136,6 @@
               </a:spcAft>
               <a:buNone/>
             </a:pPr>
-            <a:r>
-              <a:t/>
-            </a:r>
             <a:endParaRPr/>
           </a:p>
         </p:txBody>
@@ -8994,11 +9149,11 @@
 </file>
 
 <file path=ppt/slides/slide15.xml><?xml version="1.0" encoding="utf-8"?>
-<p:sld xmlns:a="http://schemas.openxmlformats.org/drawingml/2006/main" xmlns:r="http://schemas.openxmlformats.org/officeDocument/2006/relationships" xmlns:mc="http://schemas.openxmlformats.org/markup-compatibility/2006" xmlns:mv="urn:schemas-microsoft-com:mac:vml" xmlns:p="http://schemas.openxmlformats.org/presentationml/2006/main" xmlns:c="http://schemas.openxmlformats.org/drawingml/2006/chart" xmlns:dgm="http://schemas.openxmlformats.org/drawingml/2006/diagram" xmlns:o="urn:schemas-microsoft-com:office:office" xmlns:v="urn:schemas-microsoft-com:vml" xmlns:pvml="urn:schemas-microsoft-com:office:powerpoint" xmlns:com="http://schemas.openxmlformats.org/drawingml/2006/compatibility" xmlns:p14="http://schemas.microsoft.com/office/powerpoint/2010/main" xmlns:p15="http://schemas.microsoft.com/office/powerpoint/2012/main" xmlns:ahyp="http://schemas.microsoft.com/office/drawing/2018/hyperlinkcolor">
+<p:sld xmlns:a="http://schemas.openxmlformats.org/drawingml/2006/main" xmlns:r="http://schemas.openxmlformats.org/officeDocument/2006/relationships" xmlns:p="http://schemas.openxmlformats.org/presentationml/2006/main">
   <p:cSld>
     <p:spTree>
       <p:nvGrpSpPr>
-        <p:cNvPr id="138" name="Shape 138"/>
+        <p:cNvPr id="1" name="Shape 138"/>
         <p:cNvGrpSpPr/>
         <p:nvPr/>
       </p:nvGrpSpPr>
@@ -9013,7 +9168,9 @@
       <p:sp>
         <p:nvSpPr>
           <p:cNvPr id="139" name="Google Shape;139;p27"/>
-          <p:cNvSpPr txBox="1"/>
+          <p:cNvSpPr txBox="1">
+            <a:spLocks noGrp="1"/>
+          </p:cNvSpPr>
           <p:nvPr>
             <p:ph type="title"/>
           </p:nvPr>
@@ -9028,12 +9185,12 @@
           </a:prstGeom>
         </p:spPr>
         <p:txBody>
-          <a:bodyPr anchorCtr="0" anchor="t" bIns="91425" lIns="91425" spcFirstLastPara="1" rIns="91425" wrap="square" tIns="91425">
+          <a:bodyPr spcFirstLastPara="1" wrap="square" lIns="91425" tIns="91425" rIns="91425" bIns="91425" anchor="t" anchorCtr="0">
             <a:normAutofit fontScale="90000"/>
           </a:bodyPr>
           <a:lstStyle/>
           <a:p>
-            <a:pPr indent="0" lvl="0" marL="0" rtl="0" algn="l">
+            <a:pPr marL="0" lvl="0" indent="0" algn="l" rtl="0">
               <a:spcBef>
                 <a:spcPts val="0"/>
               </a:spcBef>
@@ -9044,11 +9201,7 @@
             </a:pPr>
             <a:r>
               <a:rPr lang="en-GB"/>
-              <a:t>T</a:t>
-            </a:r>
-            <a:r>
-              <a:rPr lang="en-GB"/>
-              <a:t>rain-Test Split &amp; Cross-Validation</a:t>
+              <a:t>Train-Test Split &amp; Cross-Validation</a:t>
             </a:r>
             <a:endParaRPr/>
           </a:p>
@@ -9057,9 +9210,11 @@
       <p:sp>
         <p:nvSpPr>
           <p:cNvPr id="140" name="Google Shape;140;p27"/>
-          <p:cNvSpPr txBox="1"/>
+          <p:cNvSpPr txBox="1">
+            <a:spLocks noGrp="1"/>
+          </p:cNvSpPr>
           <p:nvPr>
-            <p:ph idx="1" type="body"/>
+            <p:ph type="body" idx="1"/>
           </p:nvPr>
         </p:nvSpPr>
         <p:spPr>
@@ -9072,12 +9227,12 @@
           </a:prstGeom>
         </p:spPr>
         <p:txBody>
-          <a:bodyPr anchorCtr="0" anchor="t" bIns="91425" lIns="91425" spcFirstLastPara="1" rIns="91425" wrap="square" tIns="91425">
+          <a:bodyPr spcFirstLastPara="1" wrap="square" lIns="91425" tIns="91425" rIns="91425" bIns="91425" anchor="t" anchorCtr="0">
             <a:normAutofit/>
           </a:bodyPr>
           <a:lstStyle/>
           <a:p>
-            <a:pPr indent="-298450" lvl="0" marL="457200" rtl="0" algn="l">
+            <a:pPr marL="457200" lvl="0" indent="-298450" algn="l" rtl="0">
               <a:spcBef>
                 <a:spcPts val="1200"/>
               </a:spcBef>
@@ -9097,7 +9252,7 @@
             <a:endParaRPr/>
           </a:p>
           <a:p>
-            <a:pPr indent="-298450" lvl="0" marL="457200" rtl="0" algn="l">
+            <a:pPr marL="457200" lvl="0" indent="-298450" algn="l" rtl="0">
               <a:spcBef>
                 <a:spcPts val="0"/>
               </a:spcBef>
@@ -9117,7 +9272,7 @@
             <a:endParaRPr/>
           </a:p>
           <a:p>
-            <a:pPr indent="0" lvl="0" marL="0" rtl="0" algn="l">
+            <a:pPr marL="0" lvl="0" indent="0" algn="l" rtl="0">
               <a:spcBef>
                 <a:spcPts val="1200"/>
               </a:spcBef>
@@ -9126,9 +9281,6 @@
               </a:spcAft>
               <a:buNone/>
             </a:pPr>
-            <a:r>
-              <a:t/>
-            </a:r>
             <a:endParaRPr/>
           </a:p>
         </p:txBody>
@@ -9142,11 +9294,11 @@
 </file>
 
 <file path=ppt/slides/slide16.xml><?xml version="1.0" encoding="utf-8"?>
-<p:sld xmlns:a="http://schemas.openxmlformats.org/drawingml/2006/main" xmlns:r="http://schemas.openxmlformats.org/officeDocument/2006/relationships" xmlns:mc="http://schemas.openxmlformats.org/markup-compatibility/2006" xmlns:mv="urn:schemas-microsoft-com:mac:vml" xmlns:p="http://schemas.openxmlformats.org/presentationml/2006/main" xmlns:c="http://schemas.openxmlformats.org/drawingml/2006/chart" xmlns:dgm="http://schemas.openxmlformats.org/drawingml/2006/diagram" xmlns:o="urn:schemas-microsoft-com:office:office" xmlns:v="urn:schemas-microsoft-com:vml" xmlns:pvml="urn:schemas-microsoft-com:office:powerpoint" xmlns:com="http://schemas.openxmlformats.org/drawingml/2006/compatibility" xmlns:p14="http://schemas.microsoft.com/office/powerpoint/2010/main" xmlns:p15="http://schemas.microsoft.com/office/powerpoint/2012/main" xmlns:ahyp="http://schemas.microsoft.com/office/drawing/2018/hyperlinkcolor">
+<p:sld xmlns:a="http://schemas.openxmlformats.org/drawingml/2006/main" xmlns:r="http://schemas.openxmlformats.org/officeDocument/2006/relationships" xmlns:p="http://schemas.openxmlformats.org/presentationml/2006/main">
   <p:cSld>
     <p:spTree>
       <p:nvGrpSpPr>
-        <p:cNvPr id="144" name="Shape 144"/>
+        <p:cNvPr id="1" name="Shape 144"/>
         <p:cNvGrpSpPr/>
         <p:nvPr/>
       </p:nvGrpSpPr>
@@ -9161,7 +9313,9 @@
       <p:sp>
         <p:nvSpPr>
           <p:cNvPr id="145" name="Google Shape;145;p28"/>
-          <p:cNvSpPr txBox="1"/>
+          <p:cNvSpPr txBox="1">
+            <a:spLocks noGrp="1"/>
+          </p:cNvSpPr>
           <p:nvPr>
             <p:ph type="title"/>
           </p:nvPr>
@@ -9176,12 +9330,12 @@
           </a:prstGeom>
         </p:spPr>
         <p:txBody>
-          <a:bodyPr anchorCtr="0" anchor="t" bIns="91425" lIns="91425" spcFirstLastPara="1" rIns="91425" wrap="square" tIns="91425">
+          <a:bodyPr spcFirstLastPara="1" wrap="square" lIns="91425" tIns="91425" rIns="91425" bIns="91425" anchor="t" anchorCtr="0">
             <a:normAutofit fontScale="90000"/>
           </a:bodyPr>
           <a:lstStyle/>
           <a:p>
-            <a:pPr indent="0" lvl="0" marL="0" rtl="0" algn="l">
+            <a:pPr marL="0" lvl="0" indent="0" algn="l" rtl="0">
               <a:spcBef>
                 <a:spcPts val="0"/>
               </a:spcBef>
@@ -9201,9 +9355,11 @@
       <p:sp>
         <p:nvSpPr>
           <p:cNvPr id="146" name="Google Shape;146;p28"/>
-          <p:cNvSpPr txBox="1"/>
+          <p:cNvSpPr txBox="1">
+            <a:spLocks noGrp="1"/>
+          </p:cNvSpPr>
           <p:nvPr>
-            <p:ph idx="1" type="body"/>
+            <p:ph type="body" idx="1"/>
           </p:nvPr>
         </p:nvSpPr>
         <p:spPr>
@@ -9216,12 +9372,12 @@
           </a:prstGeom>
         </p:spPr>
         <p:txBody>
-          <a:bodyPr anchorCtr="0" anchor="t" bIns="91425" lIns="91425" spcFirstLastPara="1" rIns="91425" wrap="square" tIns="91425">
+          <a:bodyPr spcFirstLastPara="1" wrap="square" lIns="91425" tIns="91425" rIns="91425" bIns="91425" anchor="t" anchorCtr="0">
             <a:normAutofit/>
           </a:bodyPr>
           <a:lstStyle/>
           <a:p>
-            <a:pPr indent="-323850" lvl="0" marL="457200" rtl="0" algn="l">
+            <a:pPr marL="457200" lvl="0" indent="-323850" algn="l" rtl="0">
               <a:spcBef>
                 <a:spcPts val="1200"/>
               </a:spcBef>
@@ -9309,7 +9465,7 @@
             </a:endParaRPr>
           </a:p>
           <a:p>
-            <a:pPr indent="-323850" lvl="0" marL="457200" rtl="0" algn="l">
+            <a:pPr marL="457200" lvl="0" indent="-323850" algn="l" rtl="0">
               <a:spcBef>
                 <a:spcPts val="0"/>
               </a:spcBef>
@@ -9337,7 +9493,7 @@
             </a:endParaRPr>
           </a:p>
           <a:p>
-            <a:pPr indent="-323850" lvl="0" marL="457200" rtl="0" algn="l">
+            <a:pPr marL="457200" lvl="0" indent="-323850" algn="l" rtl="0">
               <a:spcBef>
                 <a:spcPts val="0"/>
               </a:spcBef>
@@ -9365,7 +9521,7 @@
             </a:endParaRPr>
           </a:p>
           <a:p>
-            <a:pPr indent="0" lvl="0" marL="0" rtl="0" algn="l">
+            <a:pPr marL="0" lvl="0" indent="0" algn="l" rtl="0">
               <a:spcBef>
                 <a:spcPts val="1200"/>
               </a:spcBef>
@@ -9374,9 +9530,6 @@
               </a:spcAft>
               <a:buNone/>
             </a:pPr>
-            <a:r>
-              <a:t/>
-            </a:r>
             <a:endParaRPr sz="1500"/>
           </a:p>
         </p:txBody>
@@ -9390,11 +9543,11 @@
 </file>
 
 <file path=ppt/slides/slide17.xml><?xml version="1.0" encoding="utf-8"?>
-<p:sld xmlns:a="http://schemas.openxmlformats.org/drawingml/2006/main" xmlns:r="http://schemas.openxmlformats.org/officeDocument/2006/relationships" xmlns:mc="http://schemas.openxmlformats.org/markup-compatibility/2006" xmlns:mv="urn:schemas-microsoft-com:mac:vml" xmlns:p="http://schemas.openxmlformats.org/presentationml/2006/main" xmlns:c="http://schemas.openxmlformats.org/drawingml/2006/chart" xmlns:dgm="http://schemas.openxmlformats.org/drawingml/2006/diagram" xmlns:o="urn:schemas-microsoft-com:office:office" xmlns:v="urn:schemas-microsoft-com:vml" xmlns:pvml="urn:schemas-microsoft-com:office:powerpoint" xmlns:com="http://schemas.openxmlformats.org/drawingml/2006/compatibility" xmlns:p14="http://schemas.microsoft.com/office/powerpoint/2010/main" xmlns:p15="http://schemas.microsoft.com/office/powerpoint/2012/main" xmlns:ahyp="http://schemas.microsoft.com/office/drawing/2018/hyperlinkcolor">
+<p:sld xmlns:a="http://schemas.openxmlformats.org/drawingml/2006/main" xmlns:r="http://schemas.openxmlformats.org/officeDocument/2006/relationships" xmlns:p="http://schemas.openxmlformats.org/presentationml/2006/main">
   <p:cSld>
     <p:spTree>
       <p:nvGrpSpPr>
-        <p:cNvPr id="150" name="Shape 150"/>
+        <p:cNvPr id="1" name="Shape 150"/>
         <p:cNvGrpSpPr/>
         <p:nvPr/>
       </p:nvGrpSpPr>
@@ -9409,7 +9562,9 @@
       <p:sp>
         <p:nvSpPr>
           <p:cNvPr id="151" name="Google Shape;151;p29"/>
-          <p:cNvSpPr txBox="1"/>
+          <p:cNvSpPr txBox="1">
+            <a:spLocks noGrp="1"/>
+          </p:cNvSpPr>
           <p:nvPr>
             <p:ph type="title"/>
           </p:nvPr>
@@ -9424,12 +9579,12 @@
           </a:prstGeom>
         </p:spPr>
         <p:txBody>
-          <a:bodyPr anchorCtr="0" anchor="t" bIns="91425" lIns="91425" spcFirstLastPara="1" rIns="91425" wrap="square" tIns="91425">
+          <a:bodyPr spcFirstLastPara="1" wrap="square" lIns="91425" tIns="91425" rIns="91425" bIns="91425" anchor="t" anchorCtr="0">
             <a:normAutofit fontScale="90000"/>
           </a:bodyPr>
           <a:lstStyle/>
           <a:p>
-            <a:pPr indent="0" lvl="0" marL="0" rtl="0" algn="l">
+            <a:pPr marL="0" lvl="0" indent="0" algn="l" rtl="0">
               <a:spcBef>
                 <a:spcPts val="0"/>
               </a:spcBef>
@@ -9449,9 +9604,11 @@
       <p:sp>
         <p:nvSpPr>
           <p:cNvPr id="152" name="Google Shape;152;p29"/>
-          <p:cNvSpPr txBox="1"/>
+          <p:cNvSpPr txBox="1">
+            <a:spLocks noGrp="1"/>
+          </p:cNvSpPr>
           <p:nvPr>
-            <p:ph idx="1" type="body"/>
+            <p:ph type="body" idx="1"/>
           </p:nvPr>
         </p:nvSpPr>
         <p:spPr>
@@ -9464,12 +9621,12 @@
           </a:prstGeom>
         </p:spPr>
         <p:txBody>
-          <a:bodyPr anchorCtr="0" anchor="t" bIns="91425" lIns="91425" spcFirstLastPara="1" rIns="91425" wrap="square" tIns="91425">
+          <a:bodyPr spcFirstLastPara="1" wrap="square" lIns="91425" tIns="91425" rIns="91425" bIns="91425" anchor="t" anchorCtr="0">
             <a:normAutofit/>
           </a:bodyPr>
           <a:lstStyle/>
           <a:p>
-            <a:pPr indent="-323850" lvl="0" marL="457200" rtl="0" algn="l">
+            <a:pPr marL="457200" lvl="0" indent="-323850" algn="l" rtl="0">
               <a:spcBef>
                 <a:spcPts val="1200"/>
               </a:spcBef>
@@ -9517,7 +9674,7 @@
             </a:endParaRPr>
           </a:p>
           <a:p>
-            <a:pPr indent="-323850" lvl="0" marL="457200" rtl="0" algn="l">
+            <a:pPr marL="457200" lvl="0" indent="-323850" algn="l" rtl="0">
               <a:spcBef>
                 <a:spcPts val="0"/>
               </a:spcBef>
@@ -9545,7 +9702,7 @@
             </a:endParaRPr>
           </a:p>
           <a:p>
-            <a:pPr indent="-323850" lvl="0" marL="457200" rtl="0" algn="l">
+            <a:pPr marL="457200" lvl="0" indent="-323850" algn="l" rtl="0">
               <a:spcBef>
                 <a:spcPts val="0"/>
               </a:spcBef>
@@ -9573,7 +9730,7 @@
             </a:endParaRPr>
           </a:p>
           <a:p>
-            <a:pPr indent="0" lvl="0" marL="0" rtl="0" algn="l">
+            <a:pPr marL="0" lvl="0" indent="0" algn="l" rtl="0">
               <a:spcBef>
                 <a:spcPts val="1200"/>
               </a:spcBef>
@@ -9582,9 +9739,6 @@
               </a:spcAft>
               <a:buNone/>
             </a:pPr>
-            <a:r>
-              <a:t/>
-            </a:r>
             <a:endParaRPr sz="1500"/>
           </a:p>
         </p:txBody>
@@ -9598,11 +9752,11 @@
 </file>
 
 <file path=ppt/slides/slide18.xml><?xml version="1.0" encoding="utf-8"?>
-<p:sld xmlns:a="http://schemas.openxmlformats.org/drawingml/2006/main" xmlns:r="http://schemas.openxmlformats.org/officeDocument/2006/relationships" xmlns:mc="http://schemas.openxmlformats.org/markup-compatibility/2006" xmlns:mv="urn:schemas-microsoft-com:mac:vml" xmlns:p="http://schemas.openxmlformats.org/presentationml/2006/main" xmlns:c="http://schemas.openxmlformats.org/drawingml/2006/chart" xmlns:dgm="http://schemas.openxmlformats.org/drawingml/2006/diagram" xmlns:o="urn:schemas-microsoft-com:office:office" xmlns:v="urn:schemas-microsoft-com:vml" xmlns:pvml="urn:schemas-microsoft-com:office:powerpoint" xmlns:com="http://schemas.openxmlformats.org/drawingml/2006/compatibility" xmlns:p14="http://schemas.microsoft.com/office/powerpoint/2010/main" xmlns:p15="http://schemas.microsoft.com/office/powerpoint/2012/main" xmlns:ahyp="http://schemas.microsoft.com/office/drawing/2018/hyperlinkcolor">
+<p:sld xmlns:a="http://schemas.openxmlformats.org/drawingml/2006/main" xmlns:r="http://schemas.openxmlformats.org/officeDocument/2006/relationships" xmlns:p="http://schemas.openxmlformats.org/presentationml/2006/main">
   <p:cSld>
     <p:spTree>
       <p:nvGrpSpPr>
-        <p:cNvPr id="156" name="Shape 156"/>
+        <p:cNvPr id="1" name="Shape 156"/>
         <p:cNvGrpSpPr/>
         <p:nvPr/>
       </p:nvGrpSpPr>
@@ -9617,7 +9771,9 @@
       <p:sp>
         <p:nvSpPr>
           <p:cNvPr id="157" name="Google Shape;157;p30"/>
-          <p:cNvSpPr txBox="1"/>
+          <p:cNvSpPr txBox="1">
+            <a:spLocks noGrp="1"/>
+          </p:cNvSpPr>
           <p:nvPr>
             <p:ph type="title"/>
           </p:nvPr>
@@ -9632,12 +9788,12 @@
           </a:prstGeom>
         </p:spPr>
         <p:txBody>
-          <a:bodyPr anchorCtr="0" anchor="t" bIns="91425" lIns="91425" spcFirstLastPara="1" rIns="91425" wrap="square" tIns="91425">
+          <a:bodyPr spcFirstLastPara="1" wrap="square" lIns="91425" tIns="91425" rIns="91425" bIns="91425" anchor="t" anchorCtr="0">
             <a:normAutofit fontScale="90000"/>
           </a:bodyPr>
           <a:lstStyle/>
           <a:p>
-            <a:pPr indent="0" lvl="0" marL="0" rtl="0" algn="l">
+            <a:pPr marL="0" lvl="0" indent="0" algn="l" rtl="0">
               <a:spcBef>
                 <a:spcPts val="0"/>
               </a:spcBef>
@@ -9657,9 +9813,11 @@
       <p:sp>
         <p:nvSpPr>
           <p:cNvPr id="158" name="Google Shape;158;p30"/>
-          <p:cNvSpPr txBox="1"/>
+          <p:cNvSpPr txBox="1">
+            <a:spLocks noGrp="1"/>
+          </p:cNvSpPr>
           <p:nvPr>
-            <p:ph idx="1" type="body"/>
+            <p:ph type="body" idx="1"/>
           </p:nvPr>
         </p:nvSpPr>
         <p:spPr>
@@ -9672,12 +9830,12 @@
           </a:prstGeom>
         </p:spPr>
         <p:txBody>
-          <a:bodyPr anchorCtr="0" anchor="t" bIns="91425" lIns="91425" spcFirstLastPara="1" rIns="91425" wrap="square" tIns="91425">
+          <a:bodyPr spcFirstLastPara="1" wrap="square" lIns="91425" tIns="91425" rIns="91425" bIns="91425" anchor="t" anchorCtr="0">
             <a:normAutofit/>
           </a:bodyPr>
           <a:lstStyle/>
           <a:p>
-            <a:pPr indent="-323850" lvl="0" marL="457200" rtl="0" algn="l">
+            <a:pPr marL="457200" lvl="0" indent="-323850" algn="l" rtl="0">
               <a:spcBef>
                 <a:spcPts val="1200"/>
               </a:spcBef>
@@ -9725,7 +9883,7 @@
             </a:endParaRPr>
           </a:p>
           <a:p>
-            <a:pPr indent="-323850" lvl="0" marL="457200" rtl="0" algn="l">
+            <a:pPr marL="457200" lvl="0" indent="-323850" algn="l" rtl="0">
               <a:spcBef>
                 <a:spcPts val="0"/>
               </a:spcBef>
@@ -9753,7 +9911,7 @@
             </a:endParaRPr>
           </a:p>
           <a:p>
-            <a:pPr indent="-323850" lvl="0" marL="457200" rtl="0" algn="l">
+            <a:pPr marL="457200" lvl="0" indent="-323850" algn="l" rtl="0">
               <a:spcBef>
                 <a:spcPts val="0"/>
               </a:spcBef>
@@ -9781,7 +9939,7 @@
             </a:endParaRPr>
           </a:p>
           <a:p>
-            <a:pPr indent="0" lvl="0" marL="0" rtl="0" algn="l">
+            <a:pPr marL="0" lvl="0" indent="0" algn="l" rtl="0">
               <a:spcBef>
                 <a:spcPts val="1200"/>
               </a:spcBef>
@@ -9790,9 +9948,6 @@
               </a:spcAft>
               <a:buNone/>
             </a:pPr>
-            <a:r>
-              <a:t/>
-            </a:r>
             <a:endParaRPr sz="1500"/>
           </a:p>
         </p:txBody>
@@ -9806,11 +9961,11 @@
 </file>
 
 <file path=ppt/slides/slide19.xml><?xml version="1.0" encoding="utf-8"?>
-<p:sld xmlns:a="http://schemas.openxmlformats.org/drawingml/2006/main" xmlns:r="http://schemas.openxmlformats.org/officeDocument/2006/relationships" xmlns:mc="http://schemas.openxmlformats.org/markup-compatibility/2006" xmlns:mv="urn:schemas-microsoft-com:mac:vml" xmlns:p="http://schemas.openxmlformats.org/presentationml/2006/main" xmlns:c="http://schemas.openxmlformats.org/drawingml/2006/chart" xmlns:dgm="http://schemas.openxmlformats.org/drawingml/2006/diagram" xmlns:o="urn:schemas-microsoft-com:office:office" xmlns:v="urn:schemas-microsoft-com:vml" xmlns:pvml="urn:schemas-microsoft-com:office:powerpoint" xmlns:com="http://schemas.openxmlformats.org/drawingml/2006/compatibility" xmlns:p14="http://schemas.microsoft.com/office/powerpoint/2010/main" xmlns:p15="http://schemas.microsoft.com/office/powerpoint/2012/main" xmlns:ahyp="http://schemas.microsoft.com/office/drawing/2018/hyperlinkcolor">
+<p:sld xmlns:a="http://schemas.openxmlformats.org/drawingml/2006/main" xmlns:r="http://schemas.openxmlformats.org/officeDocument/2006/relationships" xmlns:p="http://schemas.openxmlformats.org/presentationml/2006/main">
   <p:cSld>
     <p:spTree>
       <p:nvGrpSpPr>
-        <p:cNvPr id="162" name="Shape 162"/>
+        <p:cNvPr id="1" name="Shape 162"/>
         <p:cNvGrpSpPr/>
         <p:nvPr/>
       </p:nvGrpSpPr>
@@ -9825,7 +9980,9 @@
       <p:sp>
         <p:nvSpPr>
           <p:cNvPr id="163" name="Google Shape;163;p31"/>
-          <p:cNvSpPr txBox="1"/>
+          <p:cNvSpPr txBox="1">
+            <a:spLocks noGrp="1"/>
+          </p:cNvSpPr>
           <p:nvPr>
             <p:ph type="title"/>
           </p:nvPr>
@@ -9840,12 +9997,12 @@
           </a:prstGeom>
         </p:spPr>
         <p:txBody>
-          <a:bodyPr anchorCtr="0" anchor="t" bIns="91425" lIns="91425" spcFirstLastPara="1" rIns="91425" wrap="square" tIns="91425">
+          <a:bodyPr spcFirstLastPara="1" wrap="square" lIns="91425" tIns="91425" rIns="91425" bIns="91425" anchor="t" anchorCtr="0">
             <a:normAutofit fontScale="90000"/>
           </a:bodyPr>
           <a:lstStyle/>
           <a:p>
-            <a:pPr indent="0" lvl="0" marL="0" rtl="0" algn="l">
+            <a:pPr marL="0" lvl="0" indent="0" algn="l" rtl="0">
               <a:spcBef>
                 <a:spcPts val="0"/>
               </a:spcBef>
@@ -9865,9 +10022,11 @@
       <p:sp>
         <p:nvSpPr>
           <p:cNvPr id="164" name="Google Shape;164;p31"/>
-          <p:cNvSpPr txBox="1"/>
+          <p:cNvSpPr txBox="1">
+            <a:spLocks noGrp="1"/>
+          </p:cNvSpPr>
           <p:nvPr>
-            <p:ph idx="1" type="body"/>
+            <p:ph type="body" idx="1"/>
           </p:nvPr>
         </p:nvSpPr>
         <p:spPr>
@@ -9880,12 +10039,12 @@
           </a:prstGeom>
         </p:spPr>
         <p:txBody>
-          <a:bodyPr anchorCtr="0" anchor="t" bIns="91425" lIns="91425" spcFirstLastPara="1" rIns="91425" wrap="square" tIns="91425">
+          <a:bodyPr spcFirstLastPara="1" wrap="square" lIns="91425" tIns="91425" rIns="91425" bIns="91425" anchor="t" anchorCtr="0">
             <a:normAutofit/>
           </a:bodyPr>
           <a:lstStyle/>
           <a:p>
-            <a:pPr indent="-323850" lvl="0" marL="457200" rtl="0" algn="l">
+            <a:pPr marL="457200" lvl="0" indent="-323850" algn="l" rtl="0">
               <a:spcBef>
                 <a:spcPts val="1200"/>
               </a:spcBef>
@@ -9933,7 +10092,7 @@
             </a:endParaRPr>
           </a:p>
           <a:p>
-            <a:pPr indent="-323850" lvl="0" marL="457200" rtl="0" algn="l">
+            <a:pPr marL="457200" lvl="0" indent="-323850" algn="l" rtl="0">
               <a:spcBef>
                 <a:spcPts val="0"/>
               </a:spcBef>
@@ -9961,7 +10120,7 @@
             </a:endParaRPr>
           </a:p>
           <a:p>
-            <a:pPr indent="-323850" lvl="0" marL="457200" rtl="0" algn="l">
+            <a:pPr marL="457200" lvl="0" indent="-323850" algn="l" rtl="0">
               <a:spcBef>
                 <a:spcPts val="0"/>
               </a:spcBef>
@@ -9989,7 +10148,7 @@
             </a:endParaRPr>
           </a:p>
           <a:p>
-            <a:pPr indent="0" lvl="0" marL="0" rtl="0" algn="l">
+            <a:pPr marL="0" lvl="0" indent="0" algn="l" rtl="0">
               <a:spcBef>
                 <a:spcPts val="1200"/>
               </a:spcBef>
@@ -9998,9 +10157,6 @@
               </a:spcAft>
               <a:buNone/>
             </a:pPr>
-            <a:r>
-              <a:t/>
-            </a:r>
             <a:endParaRPr sz="1500"/>
           </a:p>
         </p:txBody>
@@ -10014,11 +10170,11 @@
 </file>
 
 <file path=ppt/slides/slide2.xml><?xml version="1.0" encoding="utf-8"?>
-<p:sld xmlns:a="http://schemas.openxmlformats.org/drawingml/2006/main" xmlns:r="http://schemas.openxmlformats.org/officeDocument/2006/relationships" xmlns:mc="http://schemas.openxmlformats.org/markup-compatibility/2006" xmlns:mv="urn:schemas-microsoft-com:mac:vml" xmlns:p="http://schemas.openxmlformats.org/presentationml/2006/main" xmlns:c="http://schemas.openxmlformats.org/drawingml/2006/chart" xmlns:dgm="http://schemas.openxmlformats.org/drawingml/2006/diagram" xmlns:o="urn:schemas-microsoft-com:office:office" xmlns:v="urn:schemas-microsoft-com:vml" xmlns:pvml="urn:schemas-microsoft-com:office:powerpoint" xmlns:com="http://schemas.openxmlformats.org/drawingml/2006/compatibility" xmlns:p14="http://schemas.microsoft.com/office/powerpoint/2010/main" xmlns:p15="http://schemas.microsoft.com/office/powerpoint/2012/main" xmlns:ahyp="http://schemas.microsoft.com/office/drawing/2018/hyperlinkcolor">
+<p:sld xmlns:a="http://schemas.openxmlformats.org/drawingml/2006/main" xmlns:r="http://schemas.openxmlformats.org/officeDocument/2006/relationships" xmlns:p="http://schemas.openxmlformats.org/presentationml/2006/main">
   <p:cSld>
     <p:spTree>
       <p:nvGrpSpPr>
-        <p:cNvPr id="59" name="Shape 59"/>
+        <p:cNvPr id="1" name="Shape 59"/>
         <p:cNvGrpSpPr/>
         <p:nvPr/>
       </p:nvGrpSpPr>
@@ -10033,7 +10189,9 @@
       <p:sp>
         <p:nvSpPr>
           <p:cNvPr id="60" name="Google Shape;60;p14"/>
-          <p:cNvSpPr txBox="1"/>
+          <p:cNvSpPr txBox="1">
+            <a:spLocks noGrp="1"/>
+          </p:cNvSpPr>
           <p:nvPr>
             <p:ph type="ctrTitle"/>
           </p:nvPr>
@@ -10048,23 +10206,20 @@
           </a:prstGeom>
         </p:spPr>
         <p:txBody>
-          <a:bodyPr anchorCtr="0" anchor="b" bIns="91425" lIns="91425" spcFirstLastPara="1" rIns="91425" wrap="square" tIns="91425">
+          <a:bodyPr spcFirstLastPara="1" wrap="square" lIns="91425" tIns="91425" rIns="91425" bIns="91425" anchor="b" anchorCtr="0">
             <a:normAutofit/>
           </a:bodyPr>
           <a:lstStyle/>
           <a:p>
-            <a:pPr indent="0" lvl="0" marL="0" rtl="0" algn="ctr">
-              <a:spcBef>
-                <a:spcPts val="0"/>
-              </a:spcBef>
-              <a:spcAft>
-                <a:spcPts val="0"/>
-              </a:spcAft>
-              <a:buNone/>
-            </a:pPr>
-            <a:r>
-              <a:t/>
-            </a:r>
+            <a:pPr marL="0" lvl="0" indent="0" algn="ctr" rtl="0">
+              <a:spcBef>
+                <a:spcPts val="0"/>
+              </a:spcBef>
+              <a:spcAft>
+                <a:spcPts val="0"/>
+              </a:spcAft>
+              <a:buNone/>
+            </a:pPr>
             <a:endParaRPr/>
           </a:p>
         </p:txBody>
@@ -10072,9 +10227,11 @@
       <p:sp>
         <p:nvSpPr>
           <p:cNvPr id="61" name="Google Shape;61;p14"/>
-          <p:cNvSpPr txBox="1"/>
+          <p:cNvSpPr txBox="1">
+            <a:spLocks noGrp="1"/>
+          </p:cNvSpPr>
           <p:nvPr>
-            <p:ph idx="1" type="subTitle"/>
+            <p:ph type="subTitle" idx="1"/>
           </p:nvPr>
         </p:nvSpPr>
         <p:spPr>
@@ -10087,23 +10244,20 @@
           </a:prstGeom>
         </p:spPr>
         <p:txBody>
-          <a:bodyPr anchorCtr="0" anchor="t" bIns="91425" lIns="91425" spcFirstLastPara="1" rIns="91425" wrap="square" tIns="91425">
+          <a:bodyPr spcFirstLastPara="1" wrap="square" lIns="91425" tIns="91425" rIns="91425" bIns="91425" anchor="t" anchorCtr="0">
             <a:normAutofit/>
           </a:bodyPr>
           <a:lstStyle/>
           <a:p>
-            <a:pPr indent="0" lvl="0" marL="0" rtl="0" algn="ctr">
-              <a:spcBef>
-                <a:spcPts val="0"/>
-              </a:spcBef>
-              <a:spcAft>
-                <a:spcPts val="0"/>
-              </a:spcAft>
-              <a:buNone/>
-            </a:pPr>
-            <a:r>
-              <a:t/>
-            </a:r>
+            <a:pPr marL="0" lvl="0" indent="0" algn="ctr" rtl="0">
+              <a:spcBef>
+                <a:spcPts val="0"/>
+              </a:spcBef>
+              <a:spcAft>
+                <a:spcPts val="0"/>
+              </a:spcAft>
+              <a:buNone/>
+            </a:pPr>
             <a:endParaRPr/>
           </a:p>
         </p:txBody>
@@ -10118,7 +10272,7 @@
           <a:blip r:embed="rId3">
             <a:alphaModFix/>
           </a:blip>
-          <a:srcRect b="10796" l="0" r="0" t="3784"/>
+          <a:srcRect t="3784" b="10796"/>
           <a:stretch/>
         </p:blipFill>
         <p:spPr>
@@ -10144,11 +10298,11 @@
 </file>
 
 <file path=ppt/slides/slide20.xml><?xml version="1.0" encoding="utf-8"?>
-<p:sld xmlns:a="http://schemas.openxmlformats.org/drawingml/2006/main" xmlns:r="http://schemas.openxmlformats.org/officeDocument/2006/relationships" xmlns:mc="http://schemas.openxmlformats.org/markup-compatibility/2006" xmlns:mv="urn:schemas-microsoft-com:mac:vml" xmlns:p="http://schemas.openxmlformats.org/presentationml/2006/main" xmlns:c="http://schemas.openxmlformats.org/drawingml/2006/chart" xmlns:dgm="http://schemas.openxmlformats.org/drawingml/2006/diagram" xmlns:o="urn:schemas-microsoft-com:office:office" xmlns:v="urn:schemas-microsoft-com:vml" xmlns:pvml="urn:schemas-microsoft-com:office:powerpoint" xmlns:com="http://schemas.openxmlformats.org/drawingml/2006/compatibility" xmlns:p14="http://schemas.microsoft.com/office/powerpoint/2010/main" xmlns:p15="http://schemas.microsoft.com/office/powerpoint/2012/main" xmlns:ahyp="http://schemas.microsoft.com/office/drawing/2018/hyperlinkcolor">
+<p:sld xmlns:a="http://schemas.openxmlformats.org/drawingml/2006/main" xmlns:r="http://schemas.openxmlformats.org/officeDocument/2006/relationships" xmlns:p="http://schemas.openxmlformats.org/presentationml/2006/main">
   <p:cSld>
     <p:spTree>
       <p:nvGrpSpPr>
-        <p:cNvPr id="168" name="Shape 168"/>
+        <p:cNvPr id="1" name="Shape 168"/>
         <p:cNvGrpSpPr/>
         <p:nvPr/>
       </p:nvGrpSpPr>
@@ -10163,7 +10317,9 @@
       <p:sp>
         <p:nvSpPr>
           <p:cNvPr id="169" name="Google Shape;169;p32"/>
-          <p:cNvSpPr txBox="1"/>
+          <p:cNvSpPr txBox="1">
+            <a:spLocks noGrp="1"/>
+          </p:cNvSpPr>
           <p:nvPr>
             <p:ph type="title"/>
           </p:nvPr>
@@ -10178,12 +10334,12 @@
           </a:prstGeom>
         </p:spPr>
         <p:txBody>
-          <a:bodyPr anchorCtr="0" anchor="t" bIns="91425" lIns="91425" spcFirstLastPara="1" rIns="91425" wrap="square" tIns="91425">
+          <a:bodyPr spcFirstLastPara="1" wrap="square" lIns="91425" tIns="91425" rIns="91425" bIns="91425" anchor="t" anchorCtr="0">
             <a:normAutofit fontScale="90000"/>
           </a:bodyPr>
           <a:lstStyle/>
           <a:p>
-            <a:pPr indent="0" lvl="0" marL="0" rtl="0" algn="l">
+            <a:pPr marL="0" lvl="0" indent="0" algn="l" rtl="0">
               <a:spcBef>
                 <a:spcPts val="0"/>
               </a:spcBef>
@@ -10203,9 +10359,11 @@
       <p:sp>
         <p:nvSpPr>
           <p:cNvPr id="170" name="Google Shape;170;p32"/>
-          <p:cNvSpPr txBox="1"/>
+          <p:cNvSpPr txBox="1">
+            <a:spLocks noGrp="1"/>
+          </p:cNvSpPr>
           <p:nvPr>
-            <p:ph idx="1" type="body"/>
+            <p:ph type="body" idx="1"/>
           </p:nvPr>
         </p:nvSpPr>
         <p:spPr>
@@ -10218,12 +10376,12 @@
           </a:prstGeom>
         </p:spPr>
         <p:txBody>
-          <a:bodyPr anchorCtr="0" anchor="t" bIns="91425" lIns="91425" spcFirstLastPara="1" rIns="91425" wrap="square" tIns="91425">
+          <a:bodyPr spcFirstLastPara="1" wrap="square" lIns="91425" tIns="91425" rIns="91425" bIns="91425" anchor="t" anchorCtr="0">
             <a:normAutofit/>
           </a:bodyPr>
           <a:lstStyle/>
           <a:p>
-            <a:pPr indent="-323850" lvl="0" marL="457200" rtl="0" algn="l">
+            <a:pPr marL="457200" lvl="0" indent="-323850" algn="l" rtl="0">
               <a:spcBef>
                 <a:spcPts val="1200"/>
               </a:spcBef>
@@ -10237,7 +10395,7 @@
               <a:buChar char="●"/>
             </a:pPr>
             <a:r>
-              <a:rPr b="1" lang="en-GB" sz="1500">
+              <a:rPr lang="en-GB" sz="1500" b="1">
                 <a:solidFill>
                   <a:schemeClr val="dk1"/>
                 </a:solidFill>
@@ -10259,7 +10417,7 @@
             </a:endParaRPr>
           </a:p>
           <a:p>
-            <a:pPr indent="-323850" lvl="1" marL="914400" rtl="0" algn="l">
+            <a:pPr marL="914400" lvl="1" indent="-323850" algn="l" rtl="0">
               <a:spcBef>
                 <a:spcPts val="0"/>
               </a:spcBef>
@@ -10287,7 +10445,7 @@
             </a:endParaRPr>
           </a:p>
           <a:p>
-            <a:pPr indent="-323850" lvl="1" marL="914400" rtl="0" algn="l">
+            <a:pPr marL="914400" lvl="1" indent="-323850" algn="l" rtl="0">
               <a:spcBef>
                 <a:spcPts val="0"/>
               </a:spcBef>
@@ -10315,7 +10473,7 @@
             </a:endParaRPr>
           </a:p>
           <a:p>
-            <a:pPr indent="-323850" lvl="1" marL="914400" rtl="0" algn="l">
+            <a:pPr marL="914400" lvl="1" indent="-323850" algn="l" rtl="0">
               <a:spcBef>
                 <a:spcPts val="0"/>
               </a:spcBef>
@@ -10343,7 +10501,7 @@
             </a:endParaRPr>
           </a:p>
           <a:p>
-            <a:pPr indent="0" lvl="0" marL="0" rtl="0" algn="l">
+            <a:pPr marL="0" lvl="0" indent="0" algn="l" rtl="0">
               <a:spcBef>
                 <a:spcPts val="1200"/>
               </a:spcBef>
@@ -10352,9 +10510,6 @@
               </a:spcAft>
               <a:buNone/>
             </a:pPr>
-            <a:r>
-              <a:t/>
-            </a:r>
             <a:endParaRPr sz="1500"/>
           </a:p>
         </p:txBody>
@@ -10368,11 +10523,11 @@
 </file>
 
 <file path=ppt/slides/slide21.xml><?xml version="1.0" encoding="utf-8"?>
-<p:sld xmlns:a="http://schemas.openxmlformats.org/drawingml/2006/main" xmlns:r="http://schemas.openxmlformats.org/officeDocument/2006/relationships" xmlns:mc="http://schemas.openxmlformats.org/markup-compatibility/2006" xmlns:mv="urn:schemas-microsoft-com:mac:vml" xmlns:p="http://schemas.openxmlformats.org/presentationml/2006/main" xmlns:c="http://schemas.openxmlformats.org/drawingml/2006/chart" xmlns:dgm="http://schemas.openxmlformats.org/drawingml/2006/diagram" xmlns:o="urn:schemas-microsoft-com:office:office" xmlns:v="urn:schemas-microsoft-com:vml" xmlns:pvml="urn:schemas-microsoft-com:office:powerpoint" xmlns:com="http://schemas.openxmlformats.org/drawingml/2006/compatibility" xmlns:p14="http://schemas.microsoft.com/office/powerpoint/2010/main" xmlns:p15="http://schemas.microsoft.com/office/powerpoint/2012/main" xmlns:ahyp="http://schemas.microsoft.com/office/drawing/2018/hyperlinkcolor">
+<p:sld xmlns:a="http://schemas.openxmlformats.org/drawingml/2006/main" xmlns:r="http://schemas.openxmlformats.org/officeDocument/2006/relationships" xmlns:p="http://schemas.openxmlformats.org/presentationml/2006/main">
   <p:cSld>
     <p:spTree>
       <p:nvGrpSpPr>
-        <p:cNvPr id="174" name="Shape 174"/>
+        <p:cNvPr id="1" name="Shape 174"/>
         <p:cNvGrpSpPr/>
         <p:nvPr/>
       </p:nvGrpSpPr>
@@ -10387,7 +10542,9 @@
       <p:sp>
         <p:nvSpPr>
           <p:cNvPr id="175" name="Google Shape;175;p33"/>
-          <p:cNvSpPr txBox="1"/>
+          <p:cNvSpPr txBox="1">
+            <a:spLocks noGrp="1"/>
+          </p:cNvSpPr>
           <p:nvPr>
             <p:ph type="title"/>
           </p:nvPr>
@@ -10402,12 +10559,12 @@
           </a:prstGeom>
         </p:spPr>
         <p:txBody>
-          <a:bodyPr anchorCtr="0" anchor="t" bIns="91425" lIns="91425" spcFirstLastPara="1" rIns="91425" wrap="square" tIns="91425">
+          <a:bodyPr spcFirstLastPara="1" wrap="square" lIns="91425" tIns="91425" rIns="91425" bIns="91425" anchor="t" anchorCtr="0">
             <a:normAutofit fontScale="90000"/>
           </a:bodyPr>
           <a:lstStyle/>
           <a:p>
-            <a:pPr indent="0" lvl="0" marL="0" rtl="0" algn="l">
+            <a:pPr marL="0" lvl="0" indent="0" algn="l" rtl="0">
               <a:spcBef>
                 <a:spcPts val="0"/>
               </a:spcBef>
@@ -10427,9 +10584,11 @@
       <p:sp>
         <p:nvSpPr>
           <p:cNvPr id="176" name="Google Shape;176;p33"/>
-          <p:cNvSpPr txBox="1"/>
+          <p:cNvSpPr txBox="1">
+            <a:spLocks noGrp="1"/>
+          </p:cNvSpPr>
           <p:nvPr>
-            <p:ph idx="1" type="body"/>
+            <p:ph type="body" idx="1"/>
           </p:nvPr>
         </p:nvSpPr>
         <p:spPr>
@@ -10442,12 +10601,12 @@
           </a:prstGeom>
         </p:spPr>
         <p:txBody>
-          <a:bodyPr anchorCtr="0" anchor="t" bIns="91425" lIns="91425" spcFirstLastPara="1" rIns="91425" wrap="square" tIns="91425">
+          <a:bodyPr spcFirstLastPara="1" wrap="square" lIns="91425" tIns="91425" rIns="91425" bIns="91425" anchor="t" anchorCtr="0">
             <a:normAutofit/>
           </a:bodyPr>
           <a:lstStyle/>
           <a:p>
-            <a:pPr indent="-323850" lvl="0" marL="457200" rtl="0" algn="l">
+            <a:pPr marL="457200" lvl="0" indent="-323850" algn="l" rtl="0">
               <a:spcBef>
                 <a:spcPts val="1200"/>
               </a:spcBef>
@@ -10461,7 +10620,7 @@
               <a:buChar char="●"/>
             </a:pPr>
             <a:r>
-              <a:rPr b="1" lang="en-GB" sz="1500">
+              <a:rPr lang="en-GB" sz="1500" b="1">
                 <a:solidFill>
                   <a:schemeClr val="dk1"/>
                 </a:solidFill>
@@ -10483,7 +10642,7 @@
             </a:endParaRPr>
           </a:p>
           <a:p>
-            <a:pPr indent="-323850" lvl="1" marL="914400" rtl="0" algn="l">
+            <a:pPr marL="914400" lvl="1" indent="-323850" algn="l" rtl="0">
               <a:spcBef>
                 <a:spcPts val="0"/>
               </a:spcBef>
@@ -10511,7 +10670,7 @@
             </a:endParaRPr>
           </a:p>
           <a:p>
-            <a:pPr indent="-323850" lvl="1" marL="914400" rtl="0" algn="l">
+            <a:pPr marL="914400" lvl="1" indent="-323850" algn="l" rtl="0">
               <a:spcBef>
                 <a:spcPts val="0"/>
               </a:spcBef>
@@ -10539,7 +10698,7 @@
             </a:endParaRPr>
           </a:p>
           <a:p>
-            <a:pPr indent="0" lvl="0" marL="0" rtl="0" algn="l">
+            <a:pPr marL="0" lvl="0" indent="0" algn="l" rtl="0">
               <a:spcBef>
                 <a:spcPts val="1200"/>
               </a:spcBef>
@@ -10548,9 +10707,6 @@
               </a:spcAft>
               <a:buNone/>
             </a:pPr>
-            <a:r>
-              <a:t/>
-            </a:r>
             <a:endParaRPr sz="1500"/>
           </a:p>
         </p:txBody>
@@ -10564,11 +10720,11 @@
 </file>
 
 <file path=ppt/slides/slide22.xml><?xml version="1.0" encoding="utf-8"?>
-<p:sld xmlns:a="http://schemas.openxmlformats.org/drawingml/2006/main" xmlns:r="http://schemas.openxmlformats.org/officeDocument/2006/relationships" xmlns:mc="http://schemas.openxmlformats.org/markup-compatibility/2006" xmlns:mv="urn:schemas-microsoft-com:mac:vml" xmlns:p="http://schemas.openxmlformats.org/presentationml/2006/main" xmlns:c="http://schemas.openxmlformats.org/drawingml/2006/chart" xmlns:dgm="http://schemas.openxmlformats.org/drawingml/2006/diagram" xmlns:o="urn:schemas-microsoft-com:office:office" xmlns:v="urn:schemas-microsoft-com:vml" xmlns:pvml="urn:schemas-microsoft-com:office:powerpoint" xmlns:com="http://schemas.openxmlformats.org/drawingml/2006/compatibility" xmlns:p14="http://schemas.microsoft.com/office/powerpoint/2010/main" xmlns:p15="http://schemas.microsoft.com/office/powerpoint/2012/main" xmlns:ahyp="http://schemas.microsoft.com/office/drawing/2018/hyperlinkcolor">
+<p:sld xmlns:a="http://schemas.openxmlformats.org/drawingml/2006/main" xmlns:r="http://schemas.openxmlformats.org/officeDocument/2006/relationships" xmlns:p="http://schemas.openxmlformats.org/presentationml/2006/main">
   <p:cSld>
     <p:spTree>
       <p:nvGrpSpPr>
-        <p:cNvPr id="180" name="Shape 180"/>
+        <p:cNvPr id="1" name="Shape 180"/>
         <p:cNvGrpSpPr/>
         <p:nvPr/>
       </p:nvGrpSpPr>
@@ -10583,7 +10739,9 @@
       <p:sp>
         <p:nvSpPr>
           <p:cNvPr id="181" name="Google Shape;181;p34"/>
-          <p:cNvSpPr txBox="1"/>
+          <p:cNvSpPr txBox="1">
+            <a:spLocks noGrp="1"/>
+          </p:cNvSpPr>
           <p:nvPr>
             <p:ph type="title"/>
           </p:nvPr>
@@ -10598,12 +10756,12 @@
           </a:prstGeom>
         </p:spPr>
         <p:txBody>
-          <a:bodyPr anchorCtr="0" anchor="t" bIns="91425" lIns="91425" spcFirstLastPara="1" rIns="91425" wrap="square" tIns="91425">
+          <a:bodyPr spcFirstLastPara="1" wrap="square" lIns="91425" tIns="91425" rIns="91425" bIns="91425" anchor="t" anchorCtr="0">
             <a:normAutofit fontScale="90000"/>
           </a:bodyPr>
           <a:lstStyle/>
           <a:p>
-            <a:pPr indent="0" lvl="0" marL="0" rtl="0" algn="l">
+            <a:pPr marL="0" lvl="0" indent="0" algn="l" rtl="0">
               <a:spcBef>
                 <a:spcPts val="0"/>
               </a:spcBef>
@@ -10623,9 +10781,11 @@
       <p:sp>
         <p:nvSpPr>
           <p:cNvPr id="182" name="Google Shape;182;p34"/>
-          <p:cNvSpPr txBox="1"/>
+          <p:cNvSpPr txBox="1">
+            <a:spLocks noGrp="1"/>
+          </p:cNvSpPr>
           <p:nvPr>
-            <p:ph idx="1" type="body"/>
+            <p:ph type="body" idx="1"/>
           </p:nvPr>
         </p:nvSpPr>
         <p:spPr>
@@ -10638,12 +10798,12 @@
           </a:prstGeom>
         </p:spPr>
         <p:txBody>
-          <a:bodyPr anchorCtr="0" anchor="t" bIns="91425" lIns="91425" spcFirstLastPara="1" rIns="91425" wrap="square" tIns="91425">
+          <a:bodyPr spcFirstLastPara="1" wrap="square" lIns="91425" tIns="91425" rIns="91425" bIns="91425" anchor="t" anchorCtr="0">
             <a:normAutofit/>
           </a:bodyPr>
           <a:lstStyle/>
           <a:p>
-            <a:pPr indent="-323850" lvl="0" marL="457200" rtl="0" algn="l">
+            <a:pPr marL="457200" lvl="0" indent="-323850" algn="l" rtl="0">
               <a:spcBef>
                 <a:spcPts val="1200"/>
               </a:spcBef>
@@ -10657,7 +10817,7 @@
               <a:buChar char="●"/>
             </a:pPr>
             <a:r>
-              <a:rPr b="1" lang="en-GB" sz="1500">
+              <a:rPr lang="en-GB" sz="1500" b="1">
                 <a:solidFill>
                   <a:schemeClr val="dk1"/>
                 </a:solidFill>
@@ -10679,7 +10839,7 @@
             </a:endParaRPr>
           </a:p>
           <a:p>
-            <a:pPr indent="-323850" lvl="1" marL="914400" rtl="0" algn="l">
+            <a:pPr marL="914400" lvl="1" indent="-323850" algn="l" rtl="0">
               <a:spcBef>
                 <a:spcPts val="0"/>
               </a:spcBef>
@@ -10707,7 +10867,7 @@
             </a:endParaRPr>
           </a:p>
           <a:p>
-            <a:pPr indent="-323850" lvl="1" marL="914400" rtl="0" algn="l">
+            <a:pPr marL="914400" lvl="1" indent="-323850" algn="l" rtl="0">
               <a:spcBef>
                 <a:spcPts val="0"/>
               </a:spcBef>
@@ -10735,7 +10895,7 @@
             </a:endParaRPr>
           </a:p>
           <a:p>
-            <a:pPr indent="-323850" lvl="0" marL="457200" rtl="0" algn="l">
+            <a:pPr marL="457200" lvl="0" indent="-323850" algn="l" rtl="0">
               <a:spcBef>
                 <a:spcPts val="0"/>
               </a:spcBef>
@@ -10749,7 +10909,7 @@
               <a:buChar char="●"/>
             </a:pPr>
             <a:r>
-              <a:rPr b="1" lang="en-GB" sz="1500">
+              <a:rPr lang="en-GB" sz="1500" b="1">
                 <a:solidFill>
                   <a:schemeClr val="dk1"/>
                 </a:solidFill>
@@ -10771,7 +10931,7 @@
             </a:endParaRPr>
           </a:p>
           <a:p>
-            <a:pPr indent="-323850" lvl="1" marL="914400" rtl="0" algn="l">
+            <a:pPr marL="914400" lvl="1" indent="-323850" algn="l" rtl="0">
               <a:spcBef>
                 <a:spcPts val="0"/>
               </a:spcBef>
@@ -10799,7 +10959,7 @@
             </a:endParaRPr>
           </a:p>
           <a:p>
-            <a:pPr indent="0" lvl="0" marL="0" rtl="0" algn="l">
+            <a:pPr marL="0" lvl="0" indent="0" algn="l" rtl="0">
               <a:spcBef>
                 <a:spcPts val="1200"/>
               </a:spcBef>
@@ -10808,9 +10968,6 @@
               </a:spcAft>
               <a:buNone/>
             </a:pPr>
-            <a:r>
-              <a:t/>
-            </a:r>
             <a:endParaRPr sz="1500"/>
           </a:p>
         </p:txBody>
@@ -10824,11 +10981,11 @@
 </file>
 
 <file path=ppt/slides/slide23.xml><?xml version="1.0" encoding="utf-8"?>
-<p:sld xmlns:a="http://schemas.openxmlformats.org/drawingml/2006/main" xmlns:r="http://schemas.openxmlformats.org/officeDocument/2006/relationships" xmlns:mc="http://schemas.openxmlformats.org/markup-compatibility/2006" xmlns:mv="urn:schemas-microsoft-com:mac:vml" xmlns:p="http://schemas.openxmlformats.org/presentationml/2006/main" xmlns:c="http://schemas.openxmlformats.org/drawingml/2006/chart" xmlns:dgm="http://schemas.openxmlformats.org/drawingml/2006/diagram" xmlns:o="urn:schemas-microsoft-com:office:office" xmlns:v="urn:schemas-microsoft-com:vml" xmlns:pvml="urn:schemas-microsoft-com:office:powerpoint" xmlns:com="http://schemas.openxmlformats.org/drawingml/2006/compatibility" xmlns:p14="http://schemas.microsoft.com/office/powerpoint/2010/main" xmlns:p15="http://schemas.microsoft.com/office/powerpoint/2012/main" xmlns:ahyp="http://schemas.microsoft.com/office/drawing/2018/hyperlinkcolor">
+<p:sld xmlns:a="http://schemas.openxmlformats.org/drawingml/2006/main" xmlns:r="http://schemas.openxmlformats.org/officeDocument/2006/relationships" xmlns:p="http://schemas.openxmlformats.org/presentationml/2006/main">
   <p:cSld>
     <p:spTree>
       <p:nvGrpSpPr>
-        <p:cNvPr id="186" name="Shape 186"/>
+        <p:cNvPr id="1" name="Shape 186"/>
         <p:cNvGrpSpPr/>
         <p:nvPr/>
       </p:nvGrpSpPr>
@@ -10843,7 +11000,9 @@
       <p:sp>
         <p:nvSpPr>
           <p:cNvPr id="187" name="Google Shape;187;p35"/>
-          <p:cNvSpPr txBox="1"/>
+          <p:cNvSpPr txBox="1">
+            <a:spLocks noGrp="1"/>
+          </p:cNvSpPr>
           <p:nvPr>
             <p:ph type="title"/>
           </p:nvPr>
@@ -10858,12 +11017,12 @@
           </a:prstGeom>
         </p:spPr>
         <p:txBody>
-          <a:bodyPr anchorCtr="0" anchor="t" bIns="91425" lIns="91425" spcFirstLastPara="1" rIns="91425" wrap="square" tIns="91425">
+          <a:bodyPr spcFirstLastPara="1" wrap="square" lIns="91425" tIns="91425" rIns="91425" bIns="91425" anchor="t" anchorCtr="0">
             <a:normAutofit fontScale="90000"/>
           </a:bodyPr>
           <a:lstStyle/>
           <a:p>
-            <a:pPr indent="0" lvl="0" marL="0" rtl="0" algn="l">
+            <a:pPr marL="0" lvl="0" indent="0" algn="l" rtl="0">
               <a:spcBef>
                 <a:spcPts val="0"/>
               </a:spcBef>
@@ -10883,9 +11042,11 @@
       <p:sp>
         <p:nvSpPr>
           <p:cNvPr id="188" name="Google Shape;188;p35"/>
-          <p:cNvSpPr txBox="1"/>
+          <p:cNvSpPr txBox="1">
+            <a:spLocks noGrp="1"/>
+          </p:cNvSpPr>
           <p:nvPr>
-            <p:ph idx="1" type="body"/>
+            <p:ph type="body" idx="1"/>
           </p:nvPr>
         </p:nvSpPr>
         <p:spPr>
@@ -10898,12 +11059,12 @@
           </a:prstGeom>
         </p:spPr>
         <p:txBody>
-          <a:bodyPr anchorCtr="0" anchor="t" bIns="91425" lIns="91425" spcFirstLastPara="1" rIns="91425" wrap="square" tIns="91425">
+          <a:bodyPr spcFirstLastPara="1" wrap="square" lIns="91425" tIns="91425" rIns="91425" bIns="91425" anchor="t" anchorCtr="0">
             <a:normAutofit/>
           </a:bodyPr>
           <a:lstStyle/>
           <a:p>
-            <a:pPr indent="-323850" lvl="0" marL="457200" rtl="0" algn="l">
+            <a:pPr marL="457200" lvl="0" indent="-323850" algn="l" rtl="0">
               <a:spcBef>
                 <a:spcPts val="1200"/>
               </a:spcBef>
@@ -10917,7 +11078,7 @@
               <a:buChar char="●"/>
             </a:pPr>
             <a:r>
-              <a:rPr b="1" lang="en-GB" sz="1500">
+              <a:rPr lang="en-GB" sz="1500" b="1">
                 <a:solidFill>
                   <a:schemeClr val="dk1"/>
                 </a:solidFill>
@@ -10939,7 +11100,7 @@
             </a:endParaRPr>
           </a:p>
           <a:p>
-            <a:pPr indent="-323850" lvl="1" marL="914400" rtl="0" algn="l">
+            <a:pPr marL="914400" lvl="1" indent="-323850" algn="l" rtl="0">
               <a:spcBef>
                 <a:spcPts val="0"/>
               </a:spcBef>
@@ -10967,7 +11128,7 @@
             </a:endParaRPr>
           </a:p>
           <a:p>
-            <a:pPr indent="-323850" lvl="1" marL="914400" rtl="0" algn="l">
+            <a:pPr marL="914400" lvl="1" indent="-323850" algn="l" rtl="0">
               <a:spcBef>
                 <a:spcPts val="0"/>
               </a:spcBef>
@@ -10995,7 +11156,7 @@
             </a:endParaRPr>
           </a:p>
           <a:p>
-            <a:pPr indent="-323850" lvl="0" marL="457200" rtl="0" algn="l">
+            <a:pPr marL="457200" lvl="0" indent="-323850" algn="l" rtl="0">
               <a:spcBef>
                 <a:spcPts val="0"/>
               </a:spcBef>
@@ -11009,7 +11170,7 @@
               <a:buChar char="●"/>
             </a:pPr>
             <a:r>
-              <a:rPr b="1" lang="en-GB" sz="1500">
+              <a:rPr lang="en-GB" sz="1500" b="1">
                 <a:solidFill>
                   <a:schemeClr val="dk1"/>
                 </a:solidFill>
@@ -11031,7 +11192,7 @@
             </a:endParaRPr>
           </a:p>
           <a:p>
-            <a:pPr indent="-323850" lvl="1" marL="914400" rtl="0" algn="l">
+            <a:pPr marL="914400" lvl="1" indent="-323850" algn="l" rtl="0">
               <a:spcBef>
                 <a:spcPts val="0"/>
               </a:spcBef>
@@ -11059,7 +11220,7 @@
             </a:endParaRPr>
           </a:p>
           <a:p>
-            <a:pPr indent="0" lvl="0" marL="0" rtl="0" algn="l">
+            <a:pPr marL="0" lvl="0" indent="0" algn="l" rtl="0">
               <a:spcBef>
                 <a:spcPts val="1200"/>
               </a:spcBef>
@@ -11068,9 +11229,6 @@
               </a:spcAft>
               <a:buNone/>
             </a:pPr>
-            <a:r>
-              <a:t/>
-            </a:r>
             <a:endParaRPr sz="1500"/>
           </a:p>
         </p:txBody>
@@ -11084,11 +11242,11 @@
 </file>
 
 <file path=ppt/slides/slide24.xml><?xml version="1.0" encoding="utf-8"?>
-<p:sld xmlns:a="http://schemas.openxmlformats.org/drawingml/2006/main" xmlns:r="http://schemas.openxmlformats.org/officeDocument/2006/relationships" xmlns:mc="http://schemas.openxmlformats.org/markup-compatibility/2006" xmlns:mv="urn:schemas-microsoft-com:mac:vml" xmlns:p="http://schemas.openxmlformats.org/presentationml/2006/main" xmlns:c="http://schemas.openxmlformats.org/drawingml/2006/chart" xmlns:dgm="http://schemas.openxmlformats.org/drawingml/2006/diagram" xmlns:o="urn:schemas-microsoft-com:office:office" xmlns:v="urn:schemas-microsoft-com:vml" xmlns:pvml="urn:schemas-microsoft-com:office:powerpoint" xmlns:com="http://schemas.openxmlformats.org/drawingml/2006/compatibility" xmlns:p14="http://schemas.microsoft.com/office/powerpoint/2010/main" xmlns:p15="http://schemas.microsoft.com/office/powerpoint/2012/main" xmlns:ahyp="http://schemas.microsoft.com/office/drawing/2018/hyperlinkcolor">
+<p:sld xmlns:a="http://schemas.openxmlformats.org/drawingml/2006/main" xmlns:r="http://schemas.openxmlformats.org/officeDocument/2006/relationships" xmlns:p="http://schemas.openxmlformats.org/presentationml/2006/main">
   <p:cSld>
     <p:spTree>
       <p:nvGrpSpPr>
-        <p:cNvPr id="192" name="Shape 192"/>
+        <p:cNvPr id="1" name="Shape 192"/>
         <p:cNvGrpSpPr/>
         <p:nvPr/>
       </p:nvGrpSpPr>
@@ -11103,7 +11261,9 @@
       <p:sp>
         <p:nvSpPr>
           <p:cNvPr id="193" name="Google Shape;193;p36"/>
-          <p:cNvSpPr txBox="1"/>
+          <p:cNvSpPr txBox="1">
+            <a:spLocks noGrp="1"/>
+          </p:cNvSpPr>
           <p:nvPr>
             <p:ph type="title"/>
           </p:nvPr>
@@ -11118,12 +11278,12 @@
           </a:prstGeom>
         </p:spPr>
         <p:txBody>
-          <a:bodyPr anchorCtr="0" anchor="t" bIns="91425" lIns="91425" spcFirstLastPara="1" rIns="91425" wrap="square" tIns="91425">
+          <a:bodyPr spcFirstLastPara="1" wrap="square" lIns="91425" tIns="91425" rIns="91425" bIns="91425" anchor="t" anchorCtr="0">
             <a:normAutofit fontScale="90000"/>
           </a:bodyPr>
           <a:lstStyle/>
           <a:p>
-            <a:pPr indent="0" lvl="0" marL="0" rtl="0" algn="l">
+            <a:pPr marL="0" lvl="0" indent="0" algn="l" rtl="0">
               <a:spcBef>
                 <a:spcPts val="0"/>
               </a:spcBef>
@@ -11143,9 +11303,11 @@
       <p:sp>
         <p:nvSpPr>
           <p:cNvPr id="194" name="Google Shape;194;p36"/>
-          <p:cNvSpPr txBox="1"/>
+          <p:cNvSpPr txBox="1">
+            <a:spLocks noGrp="1"/>
+          </p:cNvSpPr>
           <p:nvPr>
-            <p:ph idx="1" type="body"/>
+            <p:ph type="body" idx="1"/>
           </p:nvPr>
         </p:nvSpPr>
         <p:spPr>
@@ -11158,12 +11320,12 @@
           </a:prstGeom>
         </p:spPr>
         <p:txBody>
-          <a:bodyPr anchorCtr="0" anchor="t" bIns="91425" lIns="91425" spcFirstLastPara="1" rIns="91425" wrap="square" tIns="91425">
+          <a:bodyPr spcFirstLastPara="1" wrap="square" lIns="91425" tIns="91425" rIns="91425" bIns="91425" anchor="t" anchorCtr="0">
             <a:normAutofit/>
           </a:bodyPr>
           <a:lstStyle/>
           <a:p>
-            <a:pPr indent="-323850" lvl="0" marL="457200" rtl="0" algn="l">
+            <a:pPr marL="457200" lvl="0" indent="-323850" algn="l" rtl="0">
               <a:spcBef>
                 <a:spcPts val="1200"/>
               </a:spcBef>
@@ -11177,7 +11339,7 @@
               <a:buChar char="●"/>
             </a:pPr>
             <a:r>
-              <a:rPr b="1" lang="en-GB" sz="1500">
+              <a:rPr lang="en-GB" sz="1500" b="1">
                 <a:solidFill>
                   <a:schemeClr val="dk1"/>
                 </a:solidFill>
@@ -11199,7 +11361,7 @@
             </a:endParaRPr>
           </a:p>
           <a:p>
-            <a:pPr indent="-323850" lvl="1" marL="914400" rtl="0" algn="l">
+            <a:pPr marL="914400" lvl="1" indent="-323850" algn="l" rtl="0">
               <a:spcBef>
                 <a:spcPts val="0"/>
               </a:spcBef>
@@ -11227,7 +11389,7 @@
             </a:endParaRPr>
           </a:p>
           <a:p>
-            <a:pPr indent="-323850" lvl="1" marL="914400" rtl="0" algn="l">
+            <a:pPr marL="914400" lvl="1" indent="-323850" algn="l" rtl="0">
               <a:spcBef>
                 <a:spcPts val="0"/>
               </a:spcBef>
@@ -11255,7 +11417,7 @@
             </a:endParaRPr>
           </a:p>
           <a:p>
-            <a:pPr indent="-323850" lvl="0" marL="457200" rtl="0" algn="l">
+            <a:pPr marL="457200" lvl="0" indent="-323850" algn="l" rtl="0">
               <a:spcBef>
                 <a:spcPts val="0"/>
               </a:spcBef>
@@ -11269,7 +11431,7 @@
               <a:buChar char="●"/>
             </a:pPr>
             <a:r>
-              <a:rPr b="1" lang="en-GB" sz="1500">
+              <a:rPr lang="en-GB" sz="1500" b="1">
                 <a:solidFill>
                   <a:schemeClr val="dk1"/>
                 </a:solidFill>
@@ -11291,7 +11453,7 @@
             </a:endParaRPr>
           </a:p>
           <a:p>
-            <a:pPr indent="-323850" lvl="1" marL="914400" rtl="0" algn="l">
+            <a:pPr marL="914400" lvl="1" indent="-323850" algn="l" rtl="0">
               <a:spcBef>
                 <a:spcPts val="0"/>
               </a:spcBef>
@@ -11319,7 +11481,7 @@
             </a:endParaRPr>
           </a:p>
           <a:p>
-            <a:pPr indent="0" lvl="0" marL="0" rtl="0" algn="l">
+            <a:pPr marL="0" lvl="0" indent="0" algn="l" rtl="0">
               <a:spcBef>
                 <a:spcPts val="1200"/>
               </a:spcBef>
@@ -11328,9 +11490,6 @@
               </a:spcAft>
               <a:buNone/>
             </a:pPr>
-            <a:r>
-              <a:t/>
-            </a:r>
             <a:endParaRPr sz="1500"/>
           </a:p>
         </p:txBody>
@@ -11343,12 +11502,12 @@
 </p:sld>
 </file>
 
-<file path=ppt/slides/slide25.xml><?xml version="1.0" encoding="utf-8"?>
-<p:sld xmlns:a="http://schemas.openxmlformats.org/drawingml/2006/main" xmlns:r="http://schemas.openxmlformats.org/officeDocument/2006/relationships" xmlns:mc="http://schemas.openxmlformats.org/markup-compatibility/2006" xmlns:mv="urn:schemas-microsoft-com:mac:vml" xmlns:p="http://schemas.openxmlformats.org/presentationml/2006/main" xmlns:c="http://schemas.openxmlformats.org/drawingml/2006/chart" xmlns:dgm="http://schemas.openxmlformats.org/drawingml/2006/diagram" xmlns:o="urn:schemas-microsoft-com:office:office" xmlns:v="urn:schemas-microsoft-com:vml" xmlns:pvml="urn:schemas-microsoft-com:office:powerpoint" xmlns:com="http://schemas.openxmlformats.org/drawingml/2006/compatibility" xmlns:p14="http://schemas.microsoft.com/office/powerpoint/2010/main" xmlns:p15="http://schemas.microsoft.com/office/powerpoint/2012/main" xmlns:ahyp="http://schemas.microsoft.com/office/drawing/2018/hyperlinkcolor">
+<file path=ppt/slides/slide3.xml><?xml version="1.0" encoding="utf-8"?>
+<p:sld xmlns:a="http://schemas.openxmlformats.org/drawingml/2006/main" xmlns:r="http://schemas.openxmlformats.org/officeDocument/2006/relationships" xmlns:p="http://schemas.openxmlformats.org/presentationml/2006/main">
   <p:cSld>
     <p:spTree>
       <p:nvGrpSpPr>
-        <p:cNvPr id="198" name="Shape 198"/>
+        <p:cNvPr id="1" name="Shape 66"/>
         <p:cNvGrpSpPr/>
         <p:nvPr/>
       </p:nvGrpSpPr>
@@ -11362,8 +11521,10 @@
       </p:grpSpPr>
       <p:sp>
         <p:nvSpPr>
-          <p:cNvPr id="199" name="Google Shape;199;p37"/>
-          <p:cNvSpPr txBox="1"/>
+          <p:cNvPr id="67" name="Google Shape;67;p15"/>
+          <p:cNvSpPr txBox="1">
+            <a:spLocks noGrp="1"/>
+          </p:cNvSpPr>
           <p:nvPr>
             <p:ph type="title"/>
           </p:nvPr>
@@ -11378,12 +11539,12 @@
           </a:prstGeom>
         </p:spPr>
         <p:txBody>
-          <a:bodyPr anchorCtr="0" anchor="t" bIns="91425" lIns="91425" spcFirstLastPara="1" rIns="91425" wrap="square" tIns="91425">
+          <a:bodyPr spcFirstLastPara="1" wrap="square" lIns="91425" tIns="91425" rIns="91425" bIns="91425" anchor="t" anchorCtr="0">
             <a:normAutofit fontScale="90000"/>
           </a:bodyPr>
           <a:lstStyle/>
           <a:p>
-            <a:pPr indent="0" lvl="0" marL="0" rtl="0" algn="l">
+            <a:pPr marL="0" lvl="0" indent="0" algn="l" rtl="0">
               <a:spcBef>
                 <a:spcPts val="0"/>
               </a:spcBef>
@@ -11394,7 +11555,7 @@
             </a:pPr>
             <a:r>
               <a:rPr lang="en-GB"/>
-              <a:t>Q&amp;A</a:t>
+              <a:t>Introduction to UPI Fraud Detection</a:t>
             </a:r>
             <a:endParaRPr/>
           </a:p>
@@ -11402,10 +11563,12 @@
       </p:sp>
       <p:sp>
         <p:nvSpPr>
-          <p:cNvPr id="200" name="Google Shape;200;p37"/>
-          <p:cNvSpPr txBox="1"/>
+          <p:cNvPr id="68" name="Google Shape;68;p15"/>
+          <p:cNvSpPr txBox="1">
+            <a:spLocks noGrp="1"/>
+          </p:cNvSpPr>
           <p:nvPr>
-            <p:ph idx="1" type="body"/>
+            <p:ph type="body" idx="1"/>
           </p:nvPr>
         </p:nvSpPr>
         <p:spPr>
@@ -11418,12 +11581,12 @@
           </a:prstGeom>
         </p:spPr>
         <p:txBody>
-          <a:bodyPr anchorCtr="0" anchor="t" bIns="91425" lIns="91425" spcFirstLastPara="1" rIns="91425" wrap="square" tIns="91425">
+          <a:bodyPr spcFirstLastPara="1" wrap="square" lIns="91425" tIns="91425" rIns="91425" bIns="91425" anchor="t" anchorCtr="0">
             <a:normAutofit/>
           </a:bodyPr>
           <a:lstStyle/>
           <a:p>
-            <a:pPr indent="-323850" lvl="0" marL="457200" rtl="0" algn="l">
+            <a:pPr marL="457200" lvl="0" indent="-323850" algn="l" rtl="0">
               <a:spcBef>
                 <a:spcPts val="1200"/>
               </a:spcBef>
@@ -11437,21 +11600,21 @@
               <a:buChar char="●"/>
             </a:pPr>
             <a:r>
-              <a:rPr b="1" lang="en-GB" sz="1500">
+              <a:rPr lang="en-GB" sz="1500" b="1">
                 <a:solidFill>
                   <a:schemeClr val="dk1"/>
                 </a:solidFill>
               </a:rPr>
-              <a:t>Thank You!</a:t>
+              <a:t>What is UPI?</a:t>
             </a:r>
-            <a:endParaRPr b="1" sz="1500">
+            <a:endParaRPr sz="1500" b="1">
               <a:solidFill>
                 <a:schemeClr val="dk1"/>
               </a:solidFill>
             </a:endParaRPr>
           </a:p>
           <a:p>
-            <a:pPr indent="-323850" lvl="0" marL="457200" rtl="0" algn="l">
+            <a:pPr marL="914400" lvl="1" indent="-323850" algn="l" rtl="0">
               <a:spcBef>
                 <a:spcPts val="0"/>
               </a:spcBef>
@@ -11462,7 +11625,7 @@
                 <a:schemeClr val="dk1"/>
               </a:buClr>
               <a:buSzPts val="1500"/>
-              <a:buChar char="●"/>
+              <a:buChar char="○"/>
             </a:pPr>
             <a:r>
               <a:rPr lang="en-GB" sz="1500">
@@ -11470,7 +11633,7 @@
                   <a:schemeClr val="dk1"/>
                 </a:solidFill>
               </a:rPr>
-              <a:t>Questions and discussion</a:t>
+              <a:t>A real-time payment system in India enabling instant money transfers.</a:t>
             </a:r>
             <a:endParaRPr sz="1500">
               <a:solidFill>
@@ -11479,7 +11642,91 @@
             </a:endParaRPr>
           </a:p>
           <a:p>
-            <a:pPr indent="0" lvl="0" marL="0" rtl="0" algn="l">
+            <a:pPr marL="457200" lvl="0" indent="-323850" algn="l" rtl="0">
+              <a:spcBef>
+                <a:spcPts val="0"/>
+              </a:spcBef>
+              <a:spcAft>
+                <a:spcPts val="0"/>
+              </a:spcAft>
+              <a:buClr>
+                <a:schemeClr val="dk1"/>
+              </a:buClr>
+              <a:buSzPts val="1500"/>
+              <a:buChar char="●"/>
+            </a:pPr>
+            <a:r>
+              <a:rPr lang="en-GB" sz="1500" b="1">
+                <a:solidFill>
+                  <a:schemeClr val="dk1"/>
+                </a:solidFill>
+              </a:rPr>
+              <a:t>Why UPI Fraud Detection is Important?</a:t>
+            </a:r>
+            <a:endParaRPr sz="1500" b="1">
+              <a:solidFill>
+                <a:schemeClr val="dk1"/>
+              </a:solidFill>
+            </a:endParaRPr>
+          </a:p>
+          <a:p>
+            <a:pPr marL="914400" lvl="1" indent="-323850" algn="l" rtl="0">
+              <a:spcBef>
+                <a:spcPts val="0"/>
+              </a:spcBef>
+              <a:spcAft>
+                <a:spcPts val="0"/>
+              </a:spcAft>
+              <a:buClr>
+                <a:schemeClr val="dk1"/>
+              </a:buClr>
+              <a:buSzPts val="1500"/>
+              <a:buChar char="○"/>
+            </a:pPr>
+            <a:r>
+              <a:rPr lang="en-GB" sz="1500">
+                <a:solidFill>
+                  <a:schemeClr val="dk1"/>
+                </a:solidFill>
+              </a:rPr>
+              <a:t>Growth in digital payments has increased the risk of fraud.</a:t>
+            </a:r>
+            <a:endParaRPr sz="1500">
+              <a:solidFill>
+                <a:schemeClr val="dk1"/>
+              </a:solidFill>
+            </a:endParaRPr>
+          </a:p>
+          <a:p>
+            <a:pPr marL="914400" lvl="1" indent="-323850" algn="l" rtl="0">
+              <a:spcBef>
+                <a:spcPts val="0"/>
+              </a:spcBef>
+              <a:spcAft>
+                <a:spcPts val="0"/>
+              </a:spcAft>
+              <a:buClr>
+                <a:schemeClr val="dk1"/>
+              </a:buClr>
+              <a:buSzPts val="1500"/>
+              <a:buChar char="○"/>
+            </a:pPr>
+            <a:r>
+              <a:rPr lang="en-GB" sz="1500">
+                <a:solidFill>
+                  <a:schemeClr val="dk1"/>
+                </a:solidFill>
+              </a:rPr>
+              <a:t>Need for effective fraud detection to protect users and build trust.</a:t>
+            </a:r>
+            <a:endParaRPr sz="1500">
+              <a:solidFill>
+                <a:schemeClr val="dk1"/>
+              </a:solidFill>
+            </a:endParaRPr>
+          </a:p>
+          <a:p>
+            <a:pPr marL="0" lvl="0" indent="0" algn="l" rtl="0">
               <a:spcBef>
                 <a:spcPts val="1200"/>
               </a:spcBef>
@@ -11488,9 +11735,6 @@
               </a:spcAft>
               <a:buNone/>
             </a:pPr>
-            <a:r>
-              <a:t/>
-            </a:r>
             <a:endParaRPr sz="1500"/>
           </a:p>
         </p:txBody>
@@ -11503,12 +11747,12 @@
 </p:sld>
 </file>
 
-<file path=ppt/slides/slide3.xml><?xml version="1.0" encoding="utf-8"?>
-<p:sld xmlns:a="http://schemas.openxmlformats.org/drawingml/2006/main" xmlns:r="http://schemas.openxmlformats.org/officeDocument/2006/relationships" xmlns:mc="http://schemas.openxmlformats.org/markup-compatibility/2006" xmlns:mv="urn:schemas-microsoft-com:mac:vml" xmlns:p="http://schemas.openxmlformats.org/presentationml/2006/main" xmlns:c="http://schemas.openxmlformats.org/drawingml/2006/chart" xmlns:dgm="http://schemas.openxmlformats.org/drawingml/2006/diagram" xmlns:o="urn:schemas-microsoft-com:office:office" xmlns:v="urn:schemas-microsoft-com:vml" xmlns:pvml="urn:schemas-microsoft-com:office:powerpoint" xmlns:com="http://schemas.openxmlformats.org/drawingml/2006/compatibility" xmlns:p14="http://schemas.microsoft.com/office/powerpoint/2010/main" xmlns:p15="http://schemas.microsoft.com/office/powerpoint/2012/main" xmlns:ahyp="http://schemas.microsoft.com/office/drawing/2018/hyperlinkcolor">
+<file path=ppt/slides/slide4.xml><?xml version="1.0" encoding="utf-8"?>
+<p:sld xmlns:a="http://schemas.openxmlformats.org/drawingml/2006/main" xmlns:r="http://schemas.openxmlformats.org/officeDocument/2006/relationships" xmlns:p="http://schemas.openxmlformats.org/presentationml/2006/main">
   <p:cSld>
     <p:spTree>
       <p:nvGrpSpPr>
-        <p:cNvPr id="66" name="Shape 66"/>
+        <p:cNvPr id="1" name="Shape 72"/>
         <p:cNvGrpSpPr/>
         <p:nvPr/>
       </p:nvGrpSpPr>
@@ -11522,8 +11766,10 @@
       </p:grpSpPr>
       <p:sp>
         <p:nvSpPr>
-          <p:cNvPr id="67" name="Google Shape;67;p15"/>
-          <p:cNvSpPr txBox="1"/>
+          <p:cNvPr id="73" name="Google Shape;73;p16"/>
+          <p:cNvSpPr txBox="1">
+            <a:spLocks noGrp="1"/>
+          </p:cNvSpPr>
           <p:nvPr>
             <p:ph type="title"/>
           </p:nvPr>
@@ -11538,12 +11784,12 @@
           </a:prstGeom>
         </p:spPr>
         <p:txBody>
-          <a:bodyPr anchorCtr="0" anchor="t" bIns="91425" lIns="91425" spcFirstLastPara="1" rIns="91425" wrap="square" tIns="91425">
+          <a:bodyPr spcFirstLastPara="1" wrap="square" lIns="91425" tIns="91425" rIns="91425" bIns="91425" anchor="t" anchorCtr="0">
             <a:normAutofit fontScale="90000"/>
           </a:bodyPr>
           <a:lstStyle/>
           <a:p>
-            <a:pPr indent="0" lvl="0" marL="0" rtl="0" algn="l">
+            <a:pPr marL="0" lvl="0" indent="0" algn="l" rtl="0">
               <a:spcBef>
                 <a:spcPts val="0"/>
               </a:spcBef>
@@ -11562,10 +11808,12 @@
       </p:sp>
       <p:sp>
         <p:nvSpPr>
-          <p:cNvPr id="68" name="Google Shape;68;p15"/>
-          <p:cNvSpPr txBox="1"/>
+          <p:cNvPr id="74" name="Google Shape;74;p16"/>
+          <p:cNvSpPr txBox="1">
+            <a:spLocks noGrp="1"/>
+          </p:cNvSpPr>
           <p:nvPr>
-            <p:ph idx="1" type="body"/>
+            <p:ph type="body" idx="1"/>
           </p:nvPr>
         </p:nvSpPr>
         <p:spPr>
@@ -11578,12 +11826,12 @@
           </a:prstGeom>
         </p:spPr>
         <p:txBody>
-          <a:bodyPr anchorCtr="0" anchor="t" bIns="91425" lIns="91425" spcFirstLastPara="1" rIns="91425" wrap="square" tIns="91425">
+          <a:bodyPr spcFirstLastPara="1" wrap="square" lIns="91425" tIns="91425" rIns="91425" bIns="91425" anchor="t" anchorCtr="0">
             <a:normAutofit/>
           </a:bodyPr>
           <a:lstStyle/>
           <a:p>
-            <a:pPr indent="-323850" lvl="0" marL="457200" rtl="0" algn="l">
+            <a:pPr marL="457200" lvl="0" indent="-298450" algn="l" rtl="0">
               <a:spcBef>
                 <a:spcPts val="1200"/>
               </a:spcBef>
@@ -11593,25 +11841,17 @@
               <a:buClr>
                 <a:schemeClr val="dk1"/>
               </a:buClr>
-              <a:buSzPts val="1500"/>
+              <a:buSzPts val="1100"/>
               <a:buChar char="●"/>
             </a:pPr>
             <a:r>
-              <a:rPr b="1" lang="en-GB" sz="1500">
-                <a:solidFill>
-                  <a:schemeClr val="dk1"/>
-                </a:solidFill>
-              </a:rPr>
-              <a:t>What is UPI?</a:t>
+              <a:rPr lang="en-GB"/>
+              <a:t>UPI is a popular real-time payment system in India, essential for its fast transactions but prone to fraud.</a:t>
             </a:r>
-            <a:endParaRPr b="1" sz="1500">
-              <a:solidFill>
-                <a:schemeClr val="dk1"/>
-              </a:solidFill>
-            </a:endParaRPr>
-          </a:p>
-          <a:p>
-            <a:pPr indent="-323850" lvl="1" marL="914400" rtl="0" algn="l">
+            <a:endParaRPr/>
+          </a:p>
+          <a:p>
+            <a:pPr marL="457200" lvl="0" indent="-298450" algn="l" rtl="0">
               <a:spcBef>
                 <a:spcPts val="0"/>
               </a:spcBef>
@@ -11621,25 +11861,17 @@
               <a:buClr>
                 <a:schemeClr val="dk1"/>
               </a:buClr>
-              <a:buSzPts val="1500"/>
-              <a:buChar char="○"/>
+              <a:buSzPts val="1100"/>
+              <a:buChar char="●"/>
             </a:pPr>
             <a:r>
-              <a:rPr lang="en-GB" sz="1500">
-                <a:solidFill>
-                  <a:schemeClr val="dk1"/>
-                </a:solidFill>
-              </a:rPr>
-              <a:t>A real-time payment system in India enabling instant money transfers.</a:t>
+              <a:rPr lang="en-GB"/>
+              <a:t>With digital payments rising, fraud detection is crucial to protect users and maintain system integrity.</a:t>
             </a:r>
-            <a:endParaRPr sz="1500">
-              <a:solidFill>
-                <a:schemeClr val="dk1"/>
-              </a:solidFill>
-            </a:endParaRPr>
-          </a:p>
-          <a:p>
-            <a:pPr indent="-323850" lvl="0" marL="457200" rtl="0" algn="l">
+            <a:endParaRPr/>
+          </a:p>
+          <a:p>
+            <a:pPr marL="457200" lvl="0" indent="-298450" algn="l" rtl="0">
               <a:spcBef>
                 <a:spcPts val="0"/>
               </a:spcBef>
@@ -11649,81 +11881,17 @@
               <a:buClr>
                 <a:schemeClr val="dk1"/>
               </a:buClr>
-              <a:buSzPts val="1500"/>
+              <a:buSzPts val="1100"/>
               <a:buChar char="●"/>
             </a:pPr>
             <a:r>
-              <a:rPr b="1" lang="en-GB" sz="1500">
-                <a:solidFill>
-                  <a:schemeClr val="dk1"/>
-                </a:solidFill>
-              </a:rPr>
-              <a:t>Why UPI Fraud Detection is Important?</a:t>
+              <a:rPr lang="en-GB"/>
+              <a:t>This project uses machine learning to detect UPI fraud, with models that identify fraud patterns to minimize false positives and maximize accuracy.</a:t>
             </a:r>
-            <a:endParaRPr b="1" sz="1500">
-              <a:solidFill>
-                <a:schemeClr val="dk1"/>
-              </a:solidFill>
-            </a:endParaRPr>
-          </a:p>
-          <a:p>
-            <a:pPr indent="-323850" lvl="1" marL="914400" rtl="0" algn="l">
-              <a:spcBef>
-                <a:spcPts val="0"/>
-              </a:spcBef>
-              <a:spcAft>
-                <a:spcPts val="0"/>
-              </a:spcAft>
-              <a:buClr>
-                <a:schemeClr val="dk1"/>
-              </a:buClr>
-              <a:buSzPts val="1500"/>
-              <a:buChar char="○"/>
-            </a:pPr>
-            <a:r>
-              <a:rPr lang="en-GB" sz="1500">
-                <a:solidFill>
-                  <a:schemeClr val="dk1"/>
-                </a:solidFill>
-              </a:rPr>
-              <a:t>Growth in digital payments has increased the risk of fraud.</a:t>
-            </a:r>
-            <a:endParaRPr sz="1500">
-              <a:solidFill>
-                <a:schemeClr val="dk1"/>
-              </a:solidFill>
-            </a:endParaRPr>
-          </a:p>
-          <a:p>
-            <a:pPr indent="-323850" lvl="1" marL="914400" rtl="0" algn="l">
-              <a:spcBef>
-                <a:spcPts val="0"/>
-              </a:spcBef>
-              <a:spcAft>
-                <a:spcPts val="0"/>
-              </a:spcAft>
-              <a:buClr>
-                <a:schemeClr val="dk1"/>
-              </a:buClr>
-              <a:buSzPts val="1500"/>
-              <a:buChar char="○"/>
-            </a:pPr>
-            <a:r>
-              <a:rPr lang="en-GB" sz="1500">
-                <a:solidFill>
-                  <a:schemeClr val="dk1"/>
-                </a:solidFill>
-              </a:rPr>
-              <a:t>Need for effective fraud detection to protect users and build trust.</a:t>
-            </a:r>
-            <a:endParaRPr sz="1500">
-              <a:solidFill>
-                <a:schemeClr val="dk1"/>
-              </a:solidFill>
-            </a:endParaRPr>
-          </a:p>
-          <a:p>
-            <a:pPr indent="0" lvl="0" marL="0" rtl="0" algn="l">
+            <a:endParaRPr/>
+          </a:p>
+          <a:p>
+            <a:pPr marL="0" lvl="0" indent="0" algn="l" rtl="0">
               <a:spcBef>
                 <a:spcPts val="1200"/>
               </a:spcBef>
@@ -11732,10 +11900,7 @@
               </a:spcAft>
               <a:buNone/>
             </a:pPr>
-            <a:r>
-              <a:t/>
-            </a:r>
-            <a:endParaRPr sz="1500"/>
+            <a:endParaRPr/>
           </a:p>
         </p:txBody>
       </p:sp>
@@ -11747,12 +11912,12 @@
 </p:sld>
 </file>
 
-<file path=ppt/slides/slide4.xml><?xml version="1.0" encoding="utf-8"?>
-<p:sld xmlns:a="http://schemas.openxmlformats.org/drawingml/2006/main" xmlns:r="http://schemas.openxmlformats.org/officeDocument/2006/relationships" xmlns:mc="http://schemas.openxmlformats.org/markup-compatibility/2006" xmlns:mv="urn:schemas-microsoft-com:mac:vml" xmlns:p="http://schemas.openxmlformats.org/presentationml/2006/main" xmlns:c="http://schemas.openxmlformats.org/drawingml/2006/chart" xmlns:dgm="http://schemas.openxmlformats.org/drawingml/2006/diagram" xmlns:o="urn:schemas-microsoft-com:office:office" xmlns:v="urn:schemas-microsoft-com:vml" xmlns:pvml="urn:schemas-microsoft-com:office:powerpoint" xmlns:com="http://schemas.openxmlformats.org/drawingml/2006/compatibility" xmlns:p14="http://schemas.microsoft.com/office/powerpoint/2010/main" xmlns:p15="http://schemas.microsoft.com/office/powerpoint/2012/main" xmlns:ahyp="http://schemas.microsoft.com/office/drawing/2018/hyperlinkcolor">
+<file path=ppt/slides/slide5.xml><?xml version="1.0" encoding="utf-8"?>
+<p:sld xmlns:a="http://schemas.openxmlformats.org/drawingml/2006/main" xmlns:r="http://schemas.openxmlformats.org/officeDocument/2006/relationships" xmlns:p="http://schemas.openxmlformats.org/presentationml/2006/main">
   <p:cSld>
     <p:spTree>
       <p:nvGrpSpPr>
-        <p:cNvPr id="72" name="Shape 72"/>
+        <p:cNvPr id="1" name="Shape 78"/>
         <p:cNvGrpSpPr/>
         <p:nvPr/>
       </p:nvGrpSpPr>
@@ -11766,8 +11931,10 @@
       </p:grpSpPr>
       <p:sp>
         <p:nvSpPr>
-          <p:cNvPr id="73" name="Google Shape;73;p16"/>
-          <p:cNvSpPr txBox="1"/>
+          <p:cNvPr id="79" name="Google Shape;79;p17"/>
+          <p:cNvSpPr txBox="1">
+            <a:spLocks noGrp="1"/>
+          </p:cNvSpPr>
           <p:nvPr>
             <p:ph type="title"/>
           </p:nvPr>
@@ -11782,12 +11949,12 @@
           </a:prstGeom>
         </p:spPr>
         <p:txBody>
-          <a:bodyPr anchorCtr="0" anchor="t" bIns="91425" lIns="91425" spcFirstLastPara="1" rIns="91425" wrap="square" tIns="91425">
+          <a:bodyPr spcFirstLastPara="1" wrap="square" lIns="91425" tIns="91425" rIns="91425" bIns="91425" anchor="t" anchorCtr="0">
             <a:normAutofit fontScale="90000"/>
           </a:bodyPr>
           <a:lstStyle/>
           <a:p>
-            <a:pPr indent="0" lvl="0" marL="0" rtl="0" algn="l">
+            <a:pPr marL="0" lvl="0" indent="0" algn="l" rtl="0">
               <a:spcBef>
                 <a:spcPts val="0"/>
               </a:spcBef>
@@ -11798,7 +11965,7 @@
             </a:pPr>
             <a:r>
               <a:rPr lang="en-GB"/>
-              <a:t>Introduction to UPI Fraud Detection</a:t>
+              <a:t>Project Objectives</a:t>
             </a:r>
             <a:endParaRPr/>
           </a:p>
@@ -11806,10 +11973,12 @@
       </p:sp>
       <p:sp>
         <p:nvSpPr>
-          <p:cNvPr id="74" name="Google Shape;74;p16"/>
-          <p:cNvSpPr txBox="1"/>
+          <p:cNvPr id="80" name="Google Shape;80;p17"/>
+          <p:cNvSpPr txBox="1">
+            <a:spLocks noGrp="1"/>
+          </p:cNvSpPr>
           <p:nvPr>
-            <p:ph idx="1" type="body"/>
+            <p:ph type="body" idx="1"/>
           </p:nvPr>
         </p:nvSpPr>
         <p:spPr>
@@ -11822,84 +11991,55 @@
           </a:prstGeom>
         </p:spPr>
         <p:txBody>
-          <a:bodyPr anchorCtr="0" anchor="t" bIns="91425" lIns="91425" spcFirstLastPara="1" rIns="91425" wrap="square" tIns="91425">
+          <a:bodyPr spcFirstLastPara="1" wrap="square" lIns="91425" tIns="91425" rIns="91425" bIns="91425" anchor="t" anchorCtr="0">
             <a:normAutofit/>
           </a:bodyPr>
           <a:lstStyle/>
           <a:p>
-            <a:pPr indent="-298450" lvl="0" marL="457200" rtl="0" algn="l">
+            <a:pPr marL="457200" lvl="0" indent="-330200" algn="l" rtl="0">
+              <a:spcBef>
+                <a:spcPts val="0"/>
+              </a:spcBef>
+              <a:spcAft>
+                <a:spcPts val="0"/>
+              </a:spcAft>
+              <a:buSzPts val="1600"/>
+              <a:buChar char="●"/>
+            </a:pPr>
+            <a:r>
+              <a:rPr lang="en-GB" sz="1600"/>
+              <a:t>Our goal is to detect UPI fraud in real-time with high accuracy, minimizing false positives to avoid blocking legitimate transactions.</a:t>
+            </a:r>
+            <a:endParaRPr sz="1600"/>
+          </a:p>
+          <a:p>
+            <a:pPr marL="457200" lvl="0" indent="-330200" algn="l" rtl="0">
+              <a:spcBef>
+                <a:spcPts val="0"/>
+              </a:spcBef>
+              <a:spcAft>
+                <a:spcPts val="0"/>
+              </a:spcAft>
+              <a:buSzPts val="1600"/>
+              <a:buChar char="●"/>
+            </a:pPr>
+            <a:r>
+              <a:rPr lang="en-GB" sz="1600"/>
+              <a:t>Key metrics include Accuracy, Precision, Recall, F1 Score, and ROC-AUC, each important for evaluating how well our system balances fraud detection and user experience.</a:t>
+            </a:r>
+            <a:endParaRPr sz="1600"/>
+          </a:p>
+          <a:p>
+            <a:pPr marL="457200" lvl="0" indent="0" algn="l" rtl="0">
               <a:spcBef>
                 <a:spcPts val="1200"/>
               </a:spcBef>
               <a:spcAft>
-                <a:spcPts val="0"/>
-              </a:spcAft>
-              <a:buClr>
-                <a:schemeClr val="dk1"/>
-              </a:buClr>
-              <a:buSzPts val="1100"/>
-              <a:buChar char="●"/>
-            </a:pPr>
-            <a:r>
-              <a:rPr lang="en-GB"/>
-              <a:t>UPI is a popular real-time payment system in India, essential for its fast transactions but prone to fraud.</a:t>
-            </a:r>
-            <a:endParaRPr/>
-          </a:p>
-          <a:p>
-            <a:pPr indent="-298450" lvl="0" marL="457200" rtl="0" algn="l">
-              <a:spcBef>
-                <a:spcPts val="0"/>
-              </a:spcBef>
-              <a:spcAft>
-                <a:spcPts val="0"/>
-              </a:spcAft>
-              <a:buClr>
-                <a:schemeClr val="dk1"/>
-              </a:buClr>
-              <a:buSzPts val="1100"/>
-              <a:buChar char="●"/>
-            </a:pPr>
-            <a:r>
-              <a:rPr lang="en-GB"/>
-              <a:t>With digital payments rising, fraud detection is crucial to protect users and maintain system integrity.</a:t>
-            </a:r>
-            <a:endParaRPr/>
-          </a:p>
-          <a:p>
-            <a:pPr indent="-298450" lvl="0" marL="457200" rtl="0" algn="l">
-              <a:spcBef>
-                <a:spcPts val="0"/>
-              </a:spcBef>
-              <a:spcAft>
-                <a:spcPts val="0"/>
-              </a:spcAft>
-              <a:buClr>
-                <a:schemeClr val="dk1"/>
-              </a:buClr>
-              <a:buSzPts val="1100"/>
-              <a:buChar char="●"/>
-            </a:pPr>
-            <a:r>
-              <a:rPr lang="en-GB"/>
-              <a:t>This project uses machine learning to detect UPI fraud, with models that identify fraud patterns to minimize false positives and maximize accuracy.</a:t>
-            </a:r>
-            <a:endParaRPr/>
-          </a:p>
-          <a:p>
-            <a:pPr indent="0" lvl="0" marL="0" rtl="0" algn="l">
-              <a:spcBef>
                 <a:spcPts val="1200"/>
-              </a:spcBef>
-              <a:spcAft>
-                <a:spcPts val="1200"/>
-              </a:spcAft>
-              <a:buNone/>
-            </a:pPr>
-            <a:r>
-              <a:t/>
-            </a:r>
-            <a:endParaRPr/>
+              </a:spcAft>
+              <a:buNone/>
+            </a:pPr>
+            <a:endParaRPr sz="1600"/>
           </a:p>
         </p:txBody>
       </p:sp>
@@ -11911,12 +12051,12 @@
 </p:sld>
 </file>
 
-<file path=ppt/slides/slide5.xml><?xml version="1.0" encoding="utf-8"?>
-<p:sld xmlns:a="http://schemas.openxmlformats.org/drawingml/2006/main" xmlns:r="http://schemas.openxmlformats.org/officeDocument/2006/relationships" xmlns:mc="http://schemas.openxmlformats.org/markup-compatibility/2006" xmlns:mv="urn:schemas-microsoft-com:mac:vml" xmlns:p="http://schemas.openxmlformats.org/presentationml/2006/main" xmlns:c="http://schemas.openxmlformats.org/drawingml/2006/chart" xmlns:dgm="http://schemas.openxmlformats.org/drawingml/2006/diagram" xmlns:o="urn:schemas-microsoft-com:office:office" xmlns:v="urn:schemas-microsoft-com:vml" xmlns:pvml="urn:schemas-microsoft-com:office:powerpoint" xmlns:com="http://schemas.openxmlformats.org/drawingml/2006/compatibility" xmlns:p14="http://schemas.microsoft.com/office/powerpoint/2010/main" xmlns:p15="http://schemas.microsoft.com/office/powerpoint/2012/main" xmlns:ahyp="http://schemas.microsoft.com/office/drawing/2018/hyperlinkcolor">
+<file path=ppt/slides/slide6.xml><?xml version="1.0" encoding="utf-8"?>
+<p:sld xmlns:a="http://schemas.openxmlformats.org/drawingml/2006/main" xmlns:r="http://schemas.openxmlformats.org/officeDocument/2006/relationships" xmlns:p="http://schemas.openxmlformats.org/presentationml/2006/main">
   <p:cSld>
     <p:spTree>
       <p:nvGrpSpPr>
-        <p:cNvPr id="78" name="Shape 78"/>
+        <p:cNvPr id="1" name="Shape 84"/>
         <p:cNvGrpSpPr/>
         <p:nvPr/>
       </p:nvGrpSpPr>
@@ -11930,8 +12070,10 @@
       </p:grpSpPr>
       <p:sp>
         <p:nvSpPr>
-          <p:cNvPr id="79" name="Google Shape;79;p17"/>
-          <p:cNvSpPr txBox="1"/>
+          <p:cNvPr id="85" name="Google Shape;85;p18"/>
+          <p:cNvSpPr txBox="1">
+            <a:spLocks noGrp="1"/>
+          </p:cNvSpPr>
           <p:nvPr>
             <p:ph type="title"/>
           </p:nvPr>
@@ -11946,12 +12088,12 @@
           </a:prstGeom>
         </p:spPr>
         <p:txBody>
-          <a:bodyPr anchorCtr="0" anchor="t" bIns="91425" lIns="91425" spcFirstLastPara="1" rIns="91425" wrap="square" tIns="91425">
+          <a:bodyPr spcFirstLastPara="1" wrap="square" lIns="91425" tIns="91425" rIns="91425" bIns="91425" anchor="t" anchorCtr="0">
             <a:normAutofit fontScale="90000"/>
           </a:bodyPr>
           <a:lstStyle/>
           <a:p>
-            <a:pPr indent="0" lvl="0" marL="0" rtl="0" algn="l">
+            <a:pPr marL="0" lvl="0" indent="0" algn="l" rtl="0">
               <a:spcBef>
                 <a:spcPts val="0"/>
               </a:spcBef>
@@ -11962,7 +12104,7 @@
             </a:pPr>
             <a:r>
               <a:rPr lang="en-GB"/>
-              <a:t>Project Objectives</a:t>
+              <a:t>Existing System</a:t>
             </a:r>
             <a:endParaRPr/>
           </a:p>
@@ -11970,10 +12112,12 @@
       </p:sp>
       <p:sp>
         <p:nvSpPr>
-          <p:cNvPr id="80" name="Google Shape;80;p17"/>
-          <p:cNvSpPr txBox="1"/>
+          <p:cNvPr id="86" name="Google Shape;86;p18"/>
+          <p:cNvSpPr txBox="1">
+            <a:spLocks noGrp="1"/>
+          </p:cNvSpPr>
           <p:nvPr>
-            <p:ph idx="1" type="body"/>
+            <p:ph type="body" idx="1"/>
           </p:nvPr>
         </p:nvSpPr>
         <p:spPr>
@@ -11986,58 +12130,25 @@
           </a:prstGeom>
         </p:spPr>
         <p:txBody>
-          <a:bodyPr anchorCtr="0" anchor="t" bIns="91425" lIns="91425" spcFirstLastPara="1" rIns="91425" wrap="square" tIns="91425">
+          <a:bodyPr spcFirstLastPara="1" wrap="square" lIns="91425" tIns="91425" rIns="91425" bIns="91425" anchor="t" anchorCtr="0">
             <a:normAutofit/>
           </a:bodyPr>
           <a:lstStyle/>
           <a:p>
-            <a:pPr indent="-330200" lvl="0" marL="457200" rtl="0" algn="l">
-              <a:spcBef>
-                <a:spcPts val="0"/>
-              </a:spcBef>
-              <a:spcAft>
-                <a:spcPts val="0"/>
-              </a:spcAft>
-              <a:buSzPts val="1600"/>
-              <a:buChar char="●"/>
+            <a:pPr marL="0" lvl="0" indent="0" algn="l" rtl="0">
+              <a:spcBef>
+                <a:spcPts val="0"/>
+              </a:spcBef>
+              <a:spcAft>
+                <a:spcPts val="1200"/>
+              </a:spcAft>
+              <a:buNone/>
             </a:pPr>
             <a:r>
-              <a:rPr lang="en-GB" sz="1600"/>
-              <a:t>Our goal is to detect UPI fraud in real-time with high accuracy, minimizing false positives to avoid blocking legitimate transactions.</a:t>
+              <a:rPr lang="en-GB" sz="1500"/>
+              <a:t>Existing fraud detection systems in digital payments are generally rule-based, relying on static thresholds or signatures. They primarily detect fraud based on pre-defined rules and known fraud patterns, which are less effective against new or adaptive fraud methods. Additionally, traditional systems often have latency in flagging suspicious activity, leading to delayed responses and potential financial losses for users. These systems lack the flexibility and intelligence to handle the complex and evolving nature of fraud.</a:t>
             </a:r>
-            <a:endParaRPr sz="1600"/>
-          </a:p>
-          <a:p>
-            <a:pPr indent="-330200" lvl="0" marL="457200" rtl="0" algn="l">
-              <a:spcBef>
-                <a:spcPts val="0"/>
-              </a:spcBef>
-              <a:spcAft>
-                <a:spcPts val="0"/>
-              </a:spcAft>
-              <a:buSzPts val="1600"/>
-              <a:buChar char="●"/>
-            </a:pPr>
-            <a:r>
-              <a:rPr lang="en-GB" sz="1600"/>
-              <a:t>Key metrics include Accuracy, Precision, Recall, F1 Score, and ROC-AUC, each important for evaluating how well our system balances fraud detection and user experience.</a:t>
-            </a:r>
-            <a:endParaRPr sz="1600"/>
-          </a:p>
-          <a:p>
-            <a:pPr indent="0" lvl="0" marL="457200" rtl="0" algn="l">
-              <a:spcBef>
-                <a:spcPts val="1200"/>
-              </a:spcBef>
-              <a:spcAft>
-                <a:spcPts val="1200"/>
-              </a:spcAft>
-              <a:buNone/>
-            </a:pPr>
-            <a:r>
-              <a:t/>
-            </a:r>
-            <a:endParaRPr sz="1600"/>
+            <a:endParaRPr sz="1500"/>
           </a:p>
         </p:txBody>
       </p:sp>
@@ -12049,12 +12160,12 @@
 </p:sld>
 </file>
 
-<file path=ppt/slides/slide6.xml><?xml version="1.0" encoding="utf-8"?>
-<p:sld xmlns:a="http://schemas.openxmlformats.org/drawingml/2006/main" xmlns:r="http://schemas.openxmlformats.org/officeDocument/2006/relationships" xmlns:mc="http://schemas.openxmlformats.org/markup-compatibility/2006" xmlns:mv="urn:schemas-microsoft-com:mac:vml" xmlns:p="http://schemas.openxmlformats.org/presentationml/2006/main" xmlns:c="http://schemas.openxmlformats.org/drawingml/2006/chart" xmlns:dgm="http://schemas.openxmlformats.org/drawingml/2006/diagram" xmlns:o="urn:schemas-microsoft-com:office:office" xmlns:v="urn:schemas-microsoft-com:vml" xmlns:pvml="urn:schemas-microsoft-com:office:powerpoint" xmlns:com="http://schemas.openxmlformats.org/drawingml/2006/compatibility" xmlns:p14="http://schemas.microsoft.com/office/powerpoint/2010/main" xmlns:p15="http://schemas.microsoft.com/office/powerpoint/2012/main" xmlns:ahyp="http://schemas.microsoft.com/office/drawing/2018/hyperlinkcolor">
+<file path=ppt/slides/slide7.xml><?xml version="1.0" encoding="utf-8"?>
+<p:sld xmlns:a="http://schemas.openxmlformats.org/drawingml/2006/main" xmlns:r="http://schemas.openxmlformats.org/officeDocument/2006/relationships" xmlns:p="http://schemas.openxmlformats.org/presentationml/2006/main">
   <p:cSld>
     <p:spTree>
       <p:nvGrpSpPr>
-        <p:cNvPr id="84" name="Shape 84"/>
+        <p:cNvPr id="1" name="Shape 90"/>
         <p:cNvGrpSpPr/>
         <p:nvPr/>
       </p:nvGrpSpPr>
@@ -12068,8 +12179,10 @@
       </p:grpSpPr>
       <p:sp>
         <p:nvSpPr>
-          <p:cNvPr id="85" name="Google Shape;85;p18"/>
-          <p:cNvSpPr txBox="1"/>
+          <p:cNvPr id="91" name="Google Shape;91;p19"/>
+          <p:cNvSpPr txBox="1">
+            <a:spLocks noGrp="1"/>
+          </p:cNvSpPr>
           <p:nvPr>
             <p:ph type="title"/>
           </p:nvPr>
@@ -12084,12 +12197,12 @@
           </a:prstGeom>
         </p:spPr>
         <p:txBody>
-          <a:bodyPr anchorCtr="0" anchor="t" bIns="91425" lIns="91425" spcFirstLastPara="1" rIns="91425" wrap="square" tIns="91425">
+          <a:bodyPr spcFirstLastPara="1" wrap="square" lIns="91425" tIns="91425" rIns="91425" bIns="91425" anchor="t" anchorCtr="0">
             <a:normAutofit fontScale="90000"/>
           </a:bodyPr>
           <a:lstStyle/>
           <a:p>
-            <a:pPr indent="0" lvl="0" marL="0" rtl="0" algn="l">
+            <a:pPr marL="0" lvl="0" indent="0" algn="l" rtl="0">
               <a:spcBef>
                 <a:spcPts val="0"/>
               </a:spcBef>
@@ -12100,7 +12213,7 @@
             </a:pPr>
             <a:r>
               <a:rPr lang="en-GB"/>
-              <a:t>Existing System</a:t>
+              <a:t>Existing System Drawbacks</a:t>
             </a:r>
             <a:endParaRPr/>
           </a:p>
@@ -12108,10 +12221,12 @@
       </p:sp>
       <p:sp>
         <p:nvSpPr>
-          <p:cNvPr id="86" name="Google Shape;86;p18"/>
-          <p:cNvSpPr txBox="1"/>
+          <p:cNvPr id="92" name="Google Shape;92;p19"/>
+          <p:cNvSpPr txBox="1">
+            <a:spLocks noGrp="1"/>
+          </p:cNvSpPr>
           <p:nvPr>
-            <p:ph idx="1" type="body"/>
+            <p:ph type="body" idx="1"/>
           </p:nvPr>
         </p:nvSpPr>
         <p:spPr>
@@ -12124,117 +12239,12 @@
           </a:prstGeom>
         </p:spPr>
         <p:txBody>
-          <a:bodyPr anchorCtr="0" anchor="t" bIns="91425" lIns="91425" spcFirstLastPara="1" rIns="91425" wrap="square" tIns="91425">
-            <a:normAutofit/>
-          </a:bodyPr>
-          <a:lstStyle/>
-          <a:p>
-            <a:pPr indent="0" lvl="0" marL="0" rtl="0" algn="l">
-              <a:spcBef>
-                <a:spcPts val="0"/>
-              </a:spcBef>
-              <a:spcAft>
-                <a:spcPts val="1200"/>
-              </a:spcAft>
-              <a:buNone/>
-            </a:pPr>
-            <a:r>
-              <a:rPr lang="en-GB" sz="1500"/>
-              <a:t>Existing fraud detection systems in digital payments are generally rule-based, relying on static thresholds or signatures. They primarily detect fraud based on pre-defined rules and known fraud patterns, which are less effective against new or adaptive fraud methods. Additionally, traditional systems often have latency in flagging suspicious activity, leading to delayed responses and potential financial losses for users. These systems lack the flexibility and intelligence to handle the complex and evolving nature of fraud.</a:t>
-            </a:r>
-            <a:endParaRPr sz="1500"/>
-          </a:p>
-        </p:txBody>
-      </p:sp>
-    </p:spTree>
-  </p:cSld>
-  <p:clrMapOvr>
-    <a:masterClrMapping/>
-  </p:clrMapOvr>
-</p:sld>
-</file>
-
-<file path=ppt/slides/slide7.xml><?xml version="1.0" encoding="utf-8"?>
-<p:sld xmlns:a="http://schemas.openxmlformats.org/drawingml/2006/main" xmlns:r="http://schemas.openxmlformats.org/officeDocument/2006/relationships" xmlns:mc="http://schemas.openxmlformats.org/markup-compatibility/2006" xmlns:mv="urn:schemas-microsoft-com:mac:vml" xmlns:p="http://schemas.openxmlformats.org/presentationml/2006/main" xmlns:c="http://schemas.openxmlformats.org/drawingml/2006/chart" xmlns:dgm="http://schemas.openxmlformats.org/drawingml/2006/diagram" xmlns:o="urn:schemas-microsoft-com:office:office" xmlns:v="urn:schemas-microsoft-com:vml" xmlns:pvml="urn:schemas-microsoft-com:office:powerpoint" xmlns:com="http://schemas.openxmlformats.org/drawingml/2006/compatibility" xmlns:p14="http://schemas.microsoft.com/office/powerpoint/2010/main" xmlns:p15="http://schemas.microsoft.com/office/powerpoint/2012/main" xmlns:ahyp="http://schemas.microsoft.com/office/drawing/2018/hyperlinkcolor">
-  <p:cSld>
-    <p:spTree>
-      <p:nvGrpSpPr>
-        <p:cNvPr id="90" name="Shape 90"/>
-        <p:cNvGrpSpPr/>
-        <p:nvPr/>
-      </p:nvGrpSpPr>
-      <p:grpSpPr>
-        <a:xfrm>
-          <a:off x="0" y="0"/>
-          <a:ext cx="0" cy="0"/>
-          <a:chOff x="0" y="0"/>
-          <a:chExt cx="0" cy="0"/>
-        </a:xfrm>
-      </p:grpSpPr>
-      <p:sp>
-        <p:nvSpPr>
-          <p:cNvPr id="91" name="Google Shape;91;p19"/>
-          <p:cNvSpPr txBox="1"/>
-          <p:nvPr>
-            <p:ph type="title"/>
-          </p:nvPr>
-        </p:nvSpPr>
-        <p:spPr>
-          <a:xfrm>
-            <a:off x="311700" y="445025"/>
-            <a:ext cx="8520600" cy="572700"/>
-          </a:xfrm>
-          <a:prstGeom prst="rect">
-            <a:avLst/>
-          </a:prstGeom>
-        </p:spPr>
-        <p:txBody>
-          <a:bodyPr anchorCtr="0" anchor="t" bIns="91425" lIns="91425" spcFirstLastPara="1" rIns="91425" wrap="square" tIns="91425">
-            <a:normAutofit fontScale="90000"/>
-          </a:bodyPr>
-          <a:lstStyle/>
-          <a:p>
-            <a:pPr indent="0" lvl="0" marL="0" rtl="0" algn="l">
-              <a:spcBef>
-                <a:spcPts val="0"/>
-              </a:spcBef>
-              <a:spcAft>
-                <a:spcPts val="0"/>
-              </a:spcAft>
-              <a:buNone/>
-            </a:pPr>
-            <a:r>
-              <a:rPr lang="en-GB"/>
-              <a:t>Existing System Drawbacks</a:t>
-            </a:r>
-            <a:endParaRPr/>
-          </a:p>
-        </p:txBody>
-      </p:sp>
-      <p:sp>
-        <p:nvSpPr>
-          <p:cNvPr id="92" name="Google Shape;92;p19"/>
-          <p:cNvSpPr txBox="1"/>
-          <p:nvPr>
-            <p:ph idx="1" type="body"/>
-          </p:nvPr>
-        </p:nvSpPr>
-        <p:spPr>
-          <a:xfrm>
-            <a:off x="311700" y="1152475"/>
-            <a:ext cx="8520600" cy="3416400"/>
-          </a:xfrm>
-          <a:prstGeom prst="rect">
-            <a:avLst/>
-          </a:prstGeom>
-        </p:spPr>
-        <p:txBody>
-          <a:bodyPr anchorCtr="0" anchor="t" bIns="91425" lIns="91425" spcFirstLastPara="1" rIns="91425" wrap="square" tIns="91425">
+          <a:bodyPr spcFirstLastPara="1" wrap="square" lIns="91425" tIns="91425" rIns="91425" bIns="91425" anchor="t" anchorCtr="0">
             <a:noAutofit/>
           </a:bodyPr>
           <a:lstStyle/>
           <a:p>
-            <a:pPr indent="0" lvl="0" marL="0" rtl="0" algn="l">
+            <a:pPr marL="0" lvl="0" indent="0" algn="l" rtl="0">
               <a:spcBef>
                 <a:spcPts val="1200"/>
               </a:spcBef>
@@ -12258,7 +12268,7 @@
             </a:endParaRPr>
           </a:p>
           <a:p>
-            <a:pPr indent="-323850" lvl="0" marL="457200" rtl="0" algn="l">
+            <a:pPr marL="457200" lvl="0" indent="-323850" algn="l" rtl="0">
               <a:spcBef>
                 <a:spcPts val="1200"/>
               </a:spcBef>
@@ -12272,7 +12282,7 @@
               <a:buChar char="●"/>
             </a:pPr>
             <a:r>
-              <a:rPr b="1" lang="en-GB" sz="1500">
+              <a:rPr lang="en-GB" sz="1500" b="1">
                 <a:solidFill>
                   <a:schemeClr val="dk1"/>
                 </a:solidFill>
@@ -12294,7 +12304,7 @@
             </a:endParaRPr>
           </a:p>
           <a:p>
-            <a:pPr indent="-323850" lvl="0" marL="457200" rtl="0" algn="l">
+            <a:pPr marL="457200" lvl="0" indent="-323850" algn="l" rtl="0">
               <a:spcBef>
                 <a:spcPts val="0"/>
               </a:spcBef>
@@ -12308,7 +12318,7 @@
               <a:buChar char="●"/>
             </a:pPr>
             <a:r>
-              <a:rPr b="1" lang="en-GB" sz="1500">
+              <a:rPr lang="en-GB" sz="1500" b="1">
                 <a:solidFill>
                   <a:schemeClr val="dk1"/>
                 </a:solidFill>
@@ -12330,7 +12340,7 @@
             </a:endParaRPr>
           </a:p>
           <a:p>
-            <a:pPr indent="-323850" lvl="0" marL="457200" rtl="0" algn="l">
+            <a:pPr marL="457200" lvl="0" indent="-323850" algn="l" rtl="0">
               <a:spcBef>
                 <a:spcPts val="0"/>
               </a:spcBef>
@@ -12344,7 +12354,7 @@
               <a:buChar char="●"/>
             </a:pPr>
             <a:r>
-              <a:rPr b="1" lang="en-GB" sz="1500">
+              <a:rPr lang="en-GB" sz="1500" b="1">
                 <a:solidFill>
                   <a:schemeClr val="dk1"/>
                 </a:solidFill>
@@ -12366,7 +12376,7 @@
             </a:endParaRPr>
           </a:p>
           <a:p>
-            <a:pPr indent="-323850" lvl="0" marL="457200" rtl="0" algn="l">
+            <a:pPr marL="457200" lvl="0" indent="-323850" algn="l" rtl="0">
               <a:spcBef>
                 <a:spcPts val="0"/>
               </a:spcBef>
@@ -12380,7 +12390,7 @@
               <a:buChar char="●"/>
             </a:pPr>
             <a:r>
-              <a:rPr b="1" lang="en-GB" sz="1500">
+              <a:rPr lang="en-GB" sz="1500" b="1">
                 <a:solidFill>
                   <a:schemeClr val="dk1"/>
                 </a:solidFill>
@@ -12402,7 +12412,7 @@
             </a:endParaRPr>
           </a:p>
           <a:p>
-            <a:pPr indent="0" lvl="0" marL="0" rtl="0" algn="l">
+            <a:pPr marL="0" lvl="0" indent="0" algn="l" rtl="0">
               <a:spcBef>
                 <a:spcPts val="1200"/>
               </a:spcBef>
@@ -12426,7 +12436,7 @@
             </a:endParaRPr>
           </a:p>
           <a:p>
-            <a:pPr indent="0" lvl="0" marL="0" rtl="0" algn="l">
+            <a:pPr marL="0" lvl="0" indent="0" algn="l" rtl="0">
               <a:spcBef>
                 <a:spcPts val="1200"/>
               </a:spcBef>
@@ -12435,9 +12445,6 @@
               </a:spcAft>
               <a:buNone/>
             </a:pPr>
-            <a:r>
-              <a:t/>
-            </a:r>
             <a:endParaRPr sz="1500">
               <a:solidFill>
                 <a:schemeClr val="dk1"/>
@@ -12455,11 +12462,11 @@
 </file>
 
 <file path=ppt/slides/slide8.xml><?xml version="1.0" encoding="utf-8"?>
-<p:sld xmlns:a="http://schemas.openxmlformats.org/drawingml/2006/main" xmlns:r="http://schemas.openxmlformats.org/officeDocument/2006/relationships" xmlns:mc="http://schemas.openxmlformats.org/markup-compatibility/2006" xmlns:mv="urn:schemas-microsoft-com:mac:vml" xmlns:p="http://schemas.openxmlformats.org/presentationml/2006/main" xmlns:c="http://schemas.openxmlformats.org/drawingml/2006/chart" xmlns:dgm="http://schemas.openxmlformats.org/drawingml/2006/diagram" xmlns:o="urn:schemas-microsoft-com:office:office" xmlns:v="urn:schemas-microsoft-com:vml" xmlns:pvml="urn:schemas-microsoft-com:office:powerpoint" xmlns:com="http://schemas.openxmlformats.org/drawingml/2006/compatibility" xmlns:p14="http://schemas.microsoft.com/office/powerpoint/2010/main" xmlns:p15="http://schemas.microsoft.com/office/powerpoint/2012/main" xmlns:ahyp="http://schemas.microsoft.com/office/drawing/2018/hyperlinkcolor">
+<p:sld xmlns:a="http://schemas.openxmlformats.org/drawingml/2006/main" xmlns:r="http://schemas.openxmlformats.org/officeDocument/2006/relationships" xmlns:p="http://schemas.openxmlformats.org/presentationml/2006/main">
   <p:cSld>
     <p:spTree>
       <p:nvGrpSpPr>
-        <p:cNvPr id="96" name="Shape 96"/>
+        <p:cNvPr id="1" name="Shape 96"/>
         <p:cNvGrpSpPr/>
         <p:nvPr/>
       </p:nvGrpSpPr>
@@ -12474,7 +12481,9 @@
       <p:sp>
         <p:nvSpPr>
           <p:cNvPr id="97" name="Google Shape;97;p20"/>
-          <p:cNvSpPr txBox="1"/>
+          <p:cNvSpPr txBox="1">
+            <a:spLocks noGrp="1"/>
+          </p:cNvSpPr>
           <p:nvPr>
             <p:ph type="title"/>
           </p:nvPr>
@@ -12489,12 +12498,12 @@
           </a:prstGeom>
         </p:spPr>
         <p:txBody>
-          <a:bodyPr anchorCtr="0" anchor="t" bIns="91425" lIns="91425" spcFirstLastPara="1" rIns="91425" wrap="square" tIns="91425">
+          <a:bodyPr spcFirstLastPara="1" wrap="square" lIns="91425" tIns="91425" rIns="91425" bIns="91425" anchor="t" anchorCtr="0">
             <a:normAutofit fontScale="90000"/>
           </a:bodyPr>
           <a:lstStyle/>
           <a:p>
-            <a:pPr indent="0" lvl="0" marL="0" rtl="0" algn="l">
+            <a:pPr marL="0" lvl="0" indent="0" algn="l" rtl="0">
               <a:spcBef>
                 <a:spcPts val="0"/>
               </a:spcBef>
@@ -12514,9 +12523,11 @@
       <p:sp>
         <p:nvSpPr>
           <p:cNvPr id="98" name="Google Shape;98;p20"/>
-          <p:cNvSpPr txBox="1"/>
+          <p:cNvSpPr txBox="1">
+            <a:spLocks noGrp="1"/>
+          </p:cNvSpPr>
           <p:nvPr>
-            <p:ph idx="1" type="body"/>
+            <p:ph type="body" idx="1"/>
           </p:nvPr>
         </p:nvSpPr>
         <p:spPr>
@@ -12529,12 +12540,12 @@
           </a:prstGeom>
         </p:spPr>
         <p:txBody>
-          <a:bodyPr anchorCtr="0" anchor="t" bIns="91425" lIns="91425" spcFirstLastPara="1" rIns="91425" wrap="square" tIns="91425">
+          <a:bodyPr spcFirstLastPara="1" wrap="square" lIns="91425" tIns="91425" rIns="91425" bIns="91425" anchor="t" anchorCtr="0">
             <a:normAutofit/>
           </a:bodyPr>
           <a:lstStyle/>
           <a:p>
-            <a:pPr indent="0" lvl="0" marL="0" rtl="0" algn="l">
+            <a:pPr marL="0" lvl="0" indent="0" algn="l" rtl="0">
               <a:spcBef>
                 <a:spcPts val="0"/>
               </a:spcBef>
@@ -12560,11 +12571,11 @@
 </file>
 
 <file path=ppt/slides/slide9.xml><?xml version="1.0" encoding="utf-8"?>
-<p:sld xmlns:a="http://schemas.openxmlformats.org/drawingml/2006/main" xmlns:r="http://schemas.openxmlformats.org/officeDocument/2006/relationships" xmlns:mc="http://schemas.openxmlformats.org/markup-compatibility/2006" xmlns:mv="urn:schemas-microsoft-com:mac:vml" xmlns:p="http://schemas.openxmlformats.org/presentationml/2006/main" xmlns:c="http://schemas.openxmlformats.org/drawingml/2006/chart" xmlns:dgm="http://schemas.openxmlformats.org/drawingml/2006/diagram" xmlns:o="urn:schemas-microsoft-com:office:office" xmlns:v="urn:schemas-microsoft-com:vml" xmlns:pvml="urn:schemas-microsoft-com:office:powerpoint" xmlns:com="http://schemas.openxmlformats.org/drawingml/2006/compatibility" xmlns:p14="http://schemas.microsoft.com/office/powerpoint/2010/main" xmlns:p15="http://schemas.microsoft.com/office/powerpoint/2012/main" xmlns:ahyp="http://schemas.microsoft.com/office/drawing/2018/hyperlinkcolor">
+<p:sld xmlns:a="http://schemas.openxmlformats.org/drawingml/2006/main" xmlns:r="http://schemas.openxmlformats.org/officeDocument/2006/relationships" xmlns:p="http://schemas.openxmlformats.org/presentationml/2006/main">
   <p:cSld>
     <p:spTree>
       <p:nvGrpSpPr>
-        <p:cNvPr id="102" name="Shape 102"/>
+        <p:cNvPr id="1" name="Shape 102"/>
         <p:cNvGrpSpPr/>
         <p:nvPr/>
       </p:nvGrpSpPr>
@@ -12579,7 +12590,9 @@
       <p:sp>
         <p:nvSpPr>
           <p:cNvPr id="103" name="Google Shape;103;p21"/>
-          <p:cNvSpPr txBox="1"/>
+          <p:cNvSpPr txBox="1">
+            <a:spLocks noGrp="1"/>
+          </p:cNvSpPr>
           <p:nvPr>
             <p:ph type="title"/>
           </p:nvPr>
@@ -12594,12 +12607,12 @@
           </a:prstGeom>
         </p:spPr>
         <p:txBody>
-          <a:bodyPr anchorCtr="0" anchor="t" bIns="91425" lIns="91425" spcFirstLastPara="1" rIns="91425" wrap="square" tIns="91425">
+          <a:bodyPr spcFirstLastPara="1" wrap="square" lIns="91425" tIns="91425" rIns="91425" bIns="91425" anchor="t" anchorCtr="0">
             <a:normAutofit fontScale="90000"/>
           </a:bodyPr>
           <a:lstStyle/>
           <a:p>
-            <a:pPr indent="0" lvl="0" marL="0" rtl="0" algn="l">
+            <a:pPr marL="0" lvl="0" indent="0" algn="l" rtl="0">
               <a:spcBef>
                 <a:spcPts val="0"/>
               </a:spcBef>
@@ -12619,9 +12632,11 @@
       <p:sp>
         <p:nvSpPr>
           <p:cNvPr id="104" name="Google Shape;104;p21"/>
-          <p:cNvSpPr txBox="1"/>
+          <p:cNvSpPr txBox="1">
+            <a:spLocks noGrp="1"/>
+          </p:cNvSpPr>
           <p:nvPr>
-            <p:ph idx="1" type="body"/>
+            <p:ph type="body" idx="1"/>
           </p:nvPr>
         </p:nvSpPr>
         <p:spPr>
@@ -12634,12 +12649,12 @@
           </a:prstGeom>
         </p:spPr>
         <p:txBody>
-          <a:bodyPr anchorCtr="0" anchor="t" bIns="91425" lIns="91425" spcFirstLastPara="1" rIns="91425" wrap="square" tIns="91425">
+          <a:bodyPr spcFirstLastPara="1" wrap="square" lIns="91425" tIns="91425" rIns="91425" bIns="91425" anchor="t" anchorCtr="0">
             <a:normAutofit/>
           </a:bodyPr>
           <a:lstStyle/>
           <a:p>
-            <a:pPr indent="0" lvl="0" marL="0" rtl="0" algn="l">
+            <a:pPr marL="0" lvl="0" indent="0" algn="l" rtl="0">
               <a:spcBef>
                 <a:spcPts val="0"/>
               </a:spcBef>
@@ -12665,7 +12680,7 @@
 </file>
 
 <file path=ppt/theme/theme1.xml><?xml version="1.0" encoding="utf-8"?>
-<a:theme xmlns:a="http://schemas.openxmlformats.org/drawingml/2006/main" xmlns:r="http://schemas.openxmlformats.org/officeDocument/2006/relationships" name="Simple Light">
+<a:theme xmlns:a="http://schemas.openxmlformats.org/drawingml/2006/main" name="Simple Light">
   <a:themeElements>
     <a:clrScheme name="Simple Light">
       <a:dk1>
@@ -12940,11 +12955,13 @@
       </a:bgFillStyleLst>
     </a:fmtScheme>
   </a:themeElements>
+  <a:objectDefaults/>
+  <a:extraClrSchemeLst/>
 </a:theme>
 </file>
 
 <file path=ppt/theme/theme2.xml><?xml version="1.0" encoding="utf-8"?>
-<a:theme xmlns:a="http://schemas.openxmlformats.org/drawingml/2006/main" xmlns:r="http://schemas.openxmlformats.org/officeDocument/2006/relationships">
+<a:theme xmlns:a="http://schemas.openxmlformats.org/drawingml/2006/main">
   <a:themeElements>
     <a:clrScheme name="Default">
       <a:dk1>
@@ -13219,5 +13236,7 @@
       </a:bgFillStyleLst>
     </a:fmtScheme>
   </a:themeElements>
+  <a:objectDefaults/>
+  <a:extraClrSchemeLst/>
 </a:theme>
 </file>